--- a/Geometry.pptx
+++ b/Geometry.pptx
@@ -6,6 +6,9 @@
   </p:sldMasterIdLst>
   <p:sldIdLst>
     <p:sldId id="256" r:id="rId2"/>
+    <p:sldId id="257" r:id="rId3"/>
+    <p:sldId id="258" r:id="rId4"/>
+    <p:sldId id="259" r:id="rId5"/>
   </p:sldIdLst>
   <p:sldSz cx="12192000" cy="6858000"/>
   <p:notesSz cx="6858000" cy="9144000"/>
@@ -104,6 +107,11 @@
       </a:defRPr>
     </a:lvl9pPr>
   </p:defaultTextStyle>
+  <p:extLst>
+    <p:ext uri="{EFAFB233-063F-42B5-8137-9DF3F51BA10A}">
+      <p15:sldGuideLst xmlns:p15="http://schemas.microsoft.com/office/powerpoint/2012/main"/>
+    </p:ext>
+  </p:extLst>
 </p:presentation>
 </file>
 
@@ -256,7 +264,7 @@
           <a:p>
             <a:fld id="{3682D7B4-2868-401E-BEA5-6911F451C706}" type="datetimeFigureOut">
               <a:rPr lang="en-DE" smtClean="0"/>
-              <a:t>05/08/2021</a:t>
+              <a:t>07/08/2021</a:t>
             </a:fld>
             <a:endParaRPr lang="en-DE"/>
           </a:p>
@@ -456,7 +464,7 @@
           <a:p>
             <a:fld id="{3682D7B4-2868-401E-BEA5-6911F451C706}" type="datetimeFigureOut">
               <a:rPr lang="en-DE" smtClean="0"/>
-              <a:t>05/08/2021</a:t>
+              <a:t>07/08/2021</a:t>
             </a:fld>
             <a:endParaRPr lang="en-DE"/>
           </a:p>
@@ -666,7 +674,7 @@
           <a:p>
             <a:fld id="{3682D7B4-2868-401E-BEA5-6911F451C706}" type="datetimeFigureOut">
               <a:rPr lang="en-DE" smtClean="0"/>
-              <a:t>05/08/2021</a:t>
+              <a:t>07/08/2021</a:t>
             </a:fld>
             <a:endParaRPr lang="en-DE"/>
           </a:p>
@@ -866,7 +874,7 @@
           <a:p>
             <a:fld id="{3682D7B4-2868-401E-BEA5-6911F451C706}" type="datetimeFigureOut">
               <a:rPr lang="en-DE" smtClean="0"/>
-              <a:t>05/08/2021</a:t>
+              <a:t>07/08/2021</a:t>
             </a:fld>
             <a:endParaRPr lang="en-DE"/>
           </a:p>
@@ -1142,7 +1150,7 @@
           <a:p>
             <a:fld id="{3682D7B4-2868-401E-BEA5-6911F451C706}" type="datetimeFigureOut">
               <a:rPr lang="en-DE" smtClean="0"/>
-              <a:t>05/08/2021</a:t>
+              <a:t>07/08/2021</a:t>
             </a:fld>
             <a:endParaRPr lang="en-DE"/>
           </a:p>
@@ -1410,7 +1418,7 @@
           <a:p>
             <a:fld id="{3682D7B4-2868-401E-BEA5-6911F451C706}" type="datetimeFigureOut">
               <a:rPr lang="en-DE" smtClean="0"/>
-              <a:t>05/08/2021</a:t>
+              <a:t>07/08/2021</a:t>
             </a:fld>
             <a:endParaRPr lang="en-DE"/>
           </a:p>
@@ -1825,7 +1833,7 @@
           <a:p>
             <a:fld id="{3682D7B4-2868-401E-BEA5-6911F451C706}" type="datetimeFigureOut">
               <a:rPr lang="en-DE" smtClean="0"/>
-              <a:t>05/08/2021</a:t>
+              <a:t>07/08/2021</a:t>
             </a:fld>
             <a:endParaRPr lang="en-DE"/>
           </a:p>
@@ -1967,7 +1975,7 @@
           <a:p>
             <a:fld id="{3682D7B4-2868-401E-BEA5-6911F451C706}" type="datetimeFigureOut">
               <a:rPr lang="en-DE" smtClean="0"/>
-              <a:t>05/08/2021</a:t>
+              <a:t>07/08/2021</a:t>
             </a:fld>
             <a:endParaRPr lang="en-DE"/>
           </a:p>
@@ -2080,7 +2088,7 @@
           <a:p>
             <a:fld id="{3682D7B4-2868-401E-BEA5-6911F451C706}" type="datetimeFigureOut">
               <a:rPr lang="en-DE" smtClean="0"/>
-              <a:t>05/08/2021</a:t>
+              <a:t>07/08/2021</a:t>
             </a:fld>
             <a:endParaRPr lang="en-DE"/>
           </a:p>
@@ -2393,7 +2401,7 @@
           <a:p>
             <a:fld id="{3682D7B4-2868-401E-BEA5-6911F451C706}" type="datetimeFigureOut">
               <a:rPr lang="en-DE" smtClean="0"/>
-              <a:t>05/08/2021</a:t>
+              <a:t>07/08/2021</a:t>
             </a:fld>
             <a:endParaRPr lang="en-DE"/>
           </a:p>
@@ -2682,7 +2690,7 @@
           <a:p>
             <a:fld id="{3682D7B4-2868-401E-BEA5-6911F451C706}" type="datetimeFigureOut">
               <a:rPr lang="en-DE" smtClean="0"/>
-              <a:t>05/08/2021</a:t>
+              <a:t>07/08/2021</a:t>
             </a:fld>
             <a:endParaRPr lang="en-DE"/>
           </a:p>
@@ -2925,7 +2933,7 @@
           <a:p>
             <a:fld id="{3682D7B4-2868-401E-BEA5-6911F451C706}" type="datetimeFigureOut">
               <a:rPr lang="en-DE" smtClean="0"/>
-              <a:t>05/08/2021</a:t>
+              <a:t>07/08/2021</a:t>
             </a:fld>
             <a:endParaRPr lang="en-DE"/>
           </a:p>
@@ -6327,6 +6335,9824 @@
     <p:extLst>
       <p:ext uri="{BB962C8B-B14F-4D97-AF65-F5344CB8AC3E}">
         <p14:creationId xmlns:p14="http://schemas.microsoft.com/office/powerpoint/2010/main" val="1978558549"/>
+      </p:ext>
+    </p:extLst>
+  </p:cSld>
+  <p:clrMapOvr>
+    <a:masterClrMapping/>
+  </p:clrMapOvr>
+</p:sld>
+</file>
+
+<file path=ppt/slides/slide2.xml><?xml version="1.0" encoding="utf-8"?>
+<p:sld xmlns:a="http://schemas.openxmlformats.org/drawingml/2006/main" xmlns:r="http://schemas.openxmlformats.org/officeDocument/2006/relationships" xmlns:p="http://schemas.openxmlformats.org/presentationml/2006/main">
+  <p:cSld>
+    <p:spTree>
+      <p:nvGrpSpPr>
+        <p:cNvPr id="1" name=""/>
+        <p:cNvGrpSpPr/>
+        <p:nvPr/>
+      </p:nvGrpSpPr>
+      <p:grpSpPr>
+        <a:xfrm>
+          <a:off x="0" y="0"/>
+          <a:ext cx="0" cy="0"/>
+          <a:chOff x="0" y="0"/>
+          <a:chExt cx="0" cy="0"/>
+        </a:xfrm>
+      </p:grpSpPr>
+      <p:sp>
+        <p:nvSpPr>
+          <p:cNvPr id="11" name="Freeform: Shape 10">
+            <a:extLst>
+              <a:ext uri="{FF2B5EF4-FFF2-40B4-BE49-F238E27FC236}">
+                <a16:creationId xmlns:a16="http://schemas.microsoft.com/office/drawing/2014/main" id="{66633AB6-BB0D-4D69-8AC0-88CAD5776CCD}"/>
+              </a:ext>
+            </a:extLst>
+          </p:cNvPr>
+          <p:cNvSpPr/>
+          <p:nvPr/>
+        </p:nvSpPr>
+        <p:spPr>
+          <a:xfrm>
+            <a:off x="2877939" y="1579626"/>
+            <a:ext cx="6597366" cy="2994991"/>
+          </a:xfrm>
+          <a:custGeom>
+            <a:avLst/>
+            <a:gdLst>
+              <a:gd name="connsiteX0" fmla="*/ 0 w 6467061"/>
+              <a:gd name="connsiteY0" fmla="*/ 0 h 3189239"/>
+              <a:gd name="connsiteX1" fmla="*/ 6467061 w 6467061"/>
+              <a:gd name="connsiteY1" fmla="*/ 0 h 3189239"/>
+              <a:gd name="connsiteX2" fmla="*/ 6467061 w 6467061"/>
+              <a:gd name="connsiteY2" fmla="*/ 3189239 h 3189239"/>
+              <a:gd name="connsiteX3" fmla="*/ 2569843 w 6467061"/>
+              <a:gd name="connsiteY3" fmla="*/ 3189239 h 3189239"/>
+              <a:gd name="connsiteX4" fmla="*/ 2569843 w 6467061"/>
+              <a:gd name="connsiteY4" fmla="*/ 2950700 h 3189239"/>
+              <a:gd name="connsiteX5" fmla="*/ 0 w 6467061"/>
+              <a:gd name="connsiteY5" fmla="*/ 2950700 h 3189239"/>
+            </a:gdLst>
+            <a:ahLst/>
+            <a:cxnLst>
+              <a:cxn ang="0">
+                <a:pos x="connsiteX0" y="connsiteY0"/>
+              </a:cxn>
+              <a:cxn ang="0">
+                <a:pos x="connsiteX1" y="connsiteY1"/>
+              </a:cxn>
+              <a:cxn ang="0">
+                <a:pos x="connsiteX2" y="connsiteY2"/>
+              </a:cxn>
+              <a:cxn ang="0">
+                <a:pos x="connsiteX3" y="connsiteY3"/>
+              </a:cxn>
+              <a:cxn ang="0">
+                <a:pos x="connsiteX4" y="connsiteY4"/>
+              </a:cxn>
+              <a:cxn ang="0">
+                <a:pos x="connsiteX5" y="connsiteY5"/>
+              </a:cxn>
+            </a:cxnLst>
+            <a:rect l="l" t="t" r="r" b="b"/>
+            <a:pathLst>
+              <a:path w="6467061" h="3189239">
+                <a:moveTo>
+                  <a:pt x="0" y="0"/>
+                </a:moveTo>
+                <a:lnTo>
+                  <a:pt x="6467061" y="0"/>
+                </a:lnTo>
+                <a:lnTo>
+                  <a:pt x="6467061" y="3189239"/>
+                </a:lnTo>
+                <a:lnTo>
+                  <a:pt x="2569843" y="3189239"/>
+                </a:lnTo>
+                <a:lnTo>
+                  <a:pt x="2569843" y="2950700"/>
+                </a:lnTo>
+                <a:lnTo>
+                  <a:pt x="0" y="2950700"/>
+                </a:lnTo>
+                <a:close/>
+              </a:path>
+            </a:pathLst>
+          </a:custGeom>
+          <a:solidFill>
+            <a:schemeClr val="bg2">
+              <a:lumMod val="75000"/>
+            </a:schemeClr>
+          </a:solidFill>
+          <a:ln w="28575">
+            <a:solidFill>
+              <a:schemeClr val="tx1"/>
+            </a:solidFill>
+          </a:ln>
+        </p:spPr>
+        <p:style>
+          <a:lnRef idx="2">
+            <a:schemeClr val="dk1">
+              <a:shade val="50000"/>
+            </a:schemeClr>
+          </a:lnRef>
+          <a:fillRef idx="1">
+            <a:schemeClr val="dk1"/>
+          </a:fillRef>
+          <a:effectRef idx="0">
+            <a:schemeClr val="dk1"/>
+          </a:effectRef>
+          <a:fontRef idx="minor">
+            <a:schemeClr val="lt1"/>
+          </a:fontRef>
+        </p:style>
+        <p:txBody>
+          <a:bodyPr wrap="square" rtlCol="0" anchor="ctr">
+            <a:noAutofit/>
+          </a:bodyPr>
+          <a:lstStyle/>
+          <a:p>
+            <a:pPr algn="ctr"/>
+            <a:endParaRPr lang="en-DE"/>
+          </a:p>
+        </p:txBody>
+      </p:sp>
+      <p:sp>
+        <p:nvSpPr>
+          <p:cNvPr id="8" name="Oval 7">
+            <a:extLst>
+              <a:ext uri="{FF2B5EF4-FFF2-40B4-BE49-F238E27FC236}">
+                <a16:creationId xmlns:a16="http://schemas.microsoft.com/office/drawing/2014/main" id="{6F5123F3-379D-4FCE-8AAA-D709D7FEABCB}"/>
+              </a:ext>
+            </a:extLst>
+          </p:cNvPr>
+          <p:cNvSpPr/>
+          <p:nvPr/>
+        </p:nvSpPr>
+        <p:spPr>
+          <a:xfrm>
+            <a:off x="3574661" y="2223053"/>
+            <a:ext cx="1342956" cy="1298713"/>
+          </a:xfrm>
+          <a:prstGeom prst="ellipse">
+            <a:avLst/>
+          </a:prstGeom>
+          <a:ln w="28575">
+            <a:solidFill>
+              <a:schemeClr val="tx1"/>
+            </a:solidFill>
+          </a:ln>
+        </p:spPr>
+        <p:style>
+          <a:lnRef idx="2">
+            <a:schemeClr val="accent6"/>
+          </a:lnRef>
+          <a:fillRef idx="1">
+            <a:schemeClr val="lt1"/>
+          </a:fillRef>
+          <a:effectRef idx="0">
+            <a:schemeClr val="accent6"/>
+          </a:effectRef>
+          <a:fontRef idx="minor">
+            <a:schemeClr val="dk1"/>
+          </a:fontRef>
+        </p:style>
+        <p:txBody>
+          <a:bodyPr rtlCol="0" anchor="ctr"/>
+          <a:lstStyle/>
+          <a:p>
+            <a:pPr algn="ctr"/>
+            <a:endParaRPr lang="en-DE"/>
+          </a:p>
+        </p:txBody>
+      </p:sp>
+      <p:sp>
+        <p:nvSpPr>
+          <p:cNvPr id="12" name="Isosceles Triangle 11">
+            <a:extLst>
+              <a:ext uri="{FF2B5EF4-FFF2-40B4-BE49-F238E27FC236}">
+                <a16:creationId xmlns:a16="http://schemas.microsoft.com/office/drawing/2014/main" id="{EF34A76E-1B73-4169-A0B1-BA95E5C3CED2}"/>
+              </a:ext>
+            </a:extLst>
+          </p:cNvPr>
+          <p:cNvSpPr/>
+          <p:nvPr/>
+        </p:nvSpPr>
+        <p:spPr>
+          <a:xfrm>
+            <a:off x="5608197" y="4574617"/>
+            <a:ext cx="331305" cy="304799"/>
+          </a:xfrm>
+          <a:prstGeom prst="triangle">
+            <a:avLst/>
+          </a:prstGeom>
+          <a:ln w="28575">
+            <a:solidFill>
+              <a:schemeClr val="tx1"/>
+            </a:solidFill>
+          </a:ln>
+        </p:spPr>
+        <p:style>
+          <a:lnRef idx="2">
+            <a:schemeClr val="accent6"/>
+          </a:lnRef>
+          <a:fillRef idx="1">
+            <a:schemeClr val="lt1"/>
+          </a:fillRef>
+          <a:effectRef idx="0">
+            <a:schemeClr val="accent6"/>
+          </a:effectRef>
+          <a:fontRef idx="minor">
+            <a:schemeClr val="dk1"/>
+          </a:fontRef>
+        </p:style>
+        <p:txBody>
+          <a:bodyPr rtlCol="0" anchor="ctr"/>
+          <a:lstStyle/>
+          <a:p>
+            <a:pPr algn="ctr"/>
+            <a:endParaRPr lang="en-DE" dirty="0"/>
+          </a:p>
+        </p:txBody>
+      </p:sp>
+      <p:cxnSp>
+        <p:nvCxnSpPr>
+          <p:cNvPr id="13" name="Straight Connector 12">
+            <a:extLst>
+              <a:ext uri="{FF2B5EF4-FFF2-40B4-BE49-F238E27FC236}">
+                <a16:creationId xmlns:a16="http://schemas.microsoft.com/office/drawing/2014/main" id="{CCF14BDB-6858-463C-95CE-A2117CF24893}"/>
+              </a:ext>
+            </a:extLst>
+          </p:cNvPr>
+          <p:cNvCxnSpPr>
+            <a:cxnSpLocks/>
+          </p:cNvCxnSpPr>
+          <p:nvPr/>
+        </p:nvCxnSpPr>
+        <p:spPr>
+          <a:xfrm>
+            <a:off x="5585014" y="4952304"/>
+            <a:ext cx="354485" cy="0"/>
+          </a:xfrm>
+          <a:prstGeom prst="line">
+            <a:avLst/>
+          </a:prstGeom>
+          <a:ln w="28575">
+            <a:solidFill>
+              <a:schemeClr val="tx1"/>
+            </a:solidFill>
+          </a:ln>
+        </p:spPr>
+        <p:style>
+          <a:lnRef idx="1">
+            <a:schemeClr val="dk1"/>
+          </a:lnRef>
+          <a:fillRef idx="0">
+            <a:schemeClr val="dk1"/>
+          </a:fillRef>
+          <a:effectRef idx="0">
+            <a:schemeClr val="dk1"/>
+          </a:effectRef>
+          <a:fontRef idx="minor">
+            <a:schemeClr val="tx1"/>
+          </a:fontRef>
+        </p:style>
+      </p:cxnSp>
+      <p:cxnSp>
+        <p:nvCxnSpPr>
+          <p:cNvPr id="14" name="Straight Connector 13">
+            <a:extLst>
+              <a:ext uri="{FF2B5EF4-FFF2-40B4-BE49-F238E27FC236}">
+                <a16:creationId xmlns:a16="http://schemas.microsoft.com/office/drawing/2014/main" id="{78C3D1A6-92A1-4A69-B271-67241092D9D1}"/>
+              </a:ext>
+            </a:extLst>
+          </p:cNvPr>
+          <p:cNvCxnSpPr>
+            <a:cxnSpLocks/>
+          </p:cNvCxnSpPr>
+          <p:nvPr/>
+        </p:nvCxnSpPr>
+        <p:spPr>
+          <a:xfrm flipV="1">
+            <a:off x="5621450" y="4952306"/>
+            <a:ext cx="124231" cy="145774"/>
+          </a:xfrm>
+          <a:prstGeom prst="line">
+            <a:avLst/>
+          </a:prstGeom>
+          <a:ln w="28575">
+            <a:solidFill>
+              <a:schemeClr val="tx1"/>
+            </a:solidFill>
+          </a:ln>
+        </p:spPr>
+        <p:style>
+          <a:lnRef idx="1">
+            <a:schemeClr val="dk1"/>
+          </a:lnRef>
+          <a:fillRef idx="0">
+            <a:schemeClr val="dk1"/>
+          </a:fillRef>
+          <a:effectRef idx="0">
+            <a:schemeClr val="dk1"/>
+          </a:effectRef>
+          <a:fontRef idx="minor">
+            <a:schemeClr val="tx1"/>
+          </a:fontRef>
+        </p:style>
+      </p:cxnSp>
+      <p:cxnSp>
+        <p:nvCxnSpPr>
+          <p:cNvPr id="15" name="Straight Connector 14">
+            <a:extLst>
+              <a:ext uri="{FF2B5EF4-FFF2-40B4-BE49-F238E27FC236}">
+                <a16:creationId xmlns:a16="http://schemas.microsoft.com/office/drawing/2014/main" id="{429537C2-317A-4166-A70E-51A3A5AEF9BC}"/>
+              </a:ext>
+            </a:extLst>
+          </p:cNvPr>
+          <p:cNvCxnSpPr>
+            <a:cxnSpLocks/>
+          </p:cNvCxnSpPr>
+          <p:nvPr/>
+        </p:nvCxnSpPr>
+        <p:spPr>
+          <a:xfrm flipV="1">
+            <a:off x="5712588" y="4952306"/>
+            <a:ext cx="124231" cy="145774"/>
+          </a:xfrm>
+          <a:prstGeom prst="line">
+            <a:avLst/>
+          </a:prstGeom>
+          <a:ln w="28575">
+            <a:solidFill>
+              <a:schemeClr val="tx1"/>
+            </a:solidFill>
+          </a:ln>
+        </p:spPr>
+        <p:style>
+          <a:lnRef idx="1">
+            <a:schemeClr val="dk1"/>
+          </a:lnRef>
+          <a:fillRef idx="0">
+            <a:schemeClr val="dk1"/>
+          </a:fillRef>
+          <a:effectRef idx="0">
+            <a:schemeClr val="dk1"/>
+          </a:effectRef>
+          <a:fontRef idx="minor">
+            <a:schemeClr val="tx1"/>
+          </a:fontRef>
+        </p:style>
+      </p:cxnSp>
+      <p:cxnSp>
+        <p:nvCxnSpPr>
+          <p:cNvPr id="16" name="Straight Connector 15">
+            <a:extLst>
+              <a:ext uri="{FF2B5EF4-FFF2-40B4-BE49-F238E27FC236}">
+                <a16:creationId xmlns:a16="http://schemas.microsoft.com/office/drawing/2014/main" id="{BFAD30A8-3C9B-43E8-968D-31FED720D737}"/>
+              </a:ext>
+            </a:extLst>
+          </p:cNvPr>
+          <p:cNvCxnSpPr>
+            <a:cxnSpLocks/>
+          </p:cNvCxnSpPr>
+          <p:nvPr/>
+        </p:nvCxnSpPr>
+        <p:spPr>
+          <a:xfrm flipV="1">
+            <a:off x="5820261" y="4952306"/>
+            <a:ext cx="124231" cy="145774"/>
+          </a:xfrm>
+          <a:prstGeom prst="line">
+            <a:avLst/>
+          </a:prstGeom>
+          <a:ln w="28575">
+            <a:solidFill>
+              <a:schemeClr val="tx1"/>
+            </a:solidFill>
+          </a:ln>
+        </p:spPr>
+        <p:style>
+          <a:lnRef idx="1">
+            <a:schemeClr val="dk1"/>
+          </a:lnRef>
+          <a:fillRef idx="0">
+            <a:schemeClr val="dk1"/>
+          </a:fillRef>
+          <a:effectRef idx="0">
+            <a:schemeClr val="dk1"/>
+          </a:effectRef>
+          <a:fontRef idx="minor">
+            <a:schemeClr val="tx1"/>
+          </a:fontRef>
+        </p:style>
+      </p:cxnSp>
+      <p:cxnSp>
+        <p:nvCxnSpPr>
+          <p:cNvPr id="17" name="Straight Connector 16">
+            <a:extLst>
+              <a:ext uri="{FF2B5EF4-FFF2-40B4-BE49-F238E27FC236}">
+                <a16:creationId xmlns:a16="http://schemas.microsoft.com/office/drawing/2014/main" id="{2FA41FFC-F4C6-41E0-AFC3-F3307EE6D7D0}"/>
+              </a:ext>
+            </a:extLst>
+          </p:cNvPr>
+          <p:cNvCxnSpPr>
+            <a:cxnSpLocks/>
+          </p:cNvCxnSpPr>
+          <p:nvPr/>
+        </p:nvCxnSpPr>
+        <p:spPr>
+          <a:xfrm flipV="1">
+            <a:off x="5508829" y="4952302"/>
+            <a:ext cx="124231" cy="145774"/>
+          </a:xfrm>
+          <a:prstGeom prst="line">
+            <a:avLst/>
+          </a:prstGeom>
+          <a:ln w="28575">
+            <a:solidFill>
+              <a:schemeClr val="tx1"/>
+            </a:solidFill>
+          </a:ln>
+        </p:spPr>
+        <p:style>
+          <a:lnRef idx="1">
+            <a:schemeClr val="dk1"/>
+          </a:lnRef>
+          <a:fillRef idx="0">
+            <a:schemeClr val="dk1"/>
+          </a:fillRef>
+          <a:effectRef idx="0">
+            <a:schemeClr val="dk1"/>
+          </a:effectRef>
+          <a:fontRef idx="minor">
+            <a:schemeClr val="tx1"/>
+          </a:fontRef>
+        </p:style>
+      </p:cxnSp>
+      <p:sp>
+        <p:nvSpPr>
+          <p:cNvPr id="24" name="Isosceles Triangle 23">
+            <a:extLst>
+              <a:ext uri="{FF2B5EF4-FFF2-40B4-BE49-F238E27FC236}">
+                <a16:creationId xmlns:a16="http://schemas.microsoft.com/office/drawing/2014/main" id="{6977374E-A70B-4C71-86B9-959D5D4F1BC7}"/>
+              </a:ext>
+            </a:extLst>
+          </p:cNvPr>
+          <p:cNvSpPr/>
+          <p:nvPr/>
+        </p:nvSpPr>
+        <p:spPr>
+          <a:xfrm>
+            <a:off x="9202951" y="4586934"/>
+            <a:ext cx="331305" cy="304799"/>
+          </a:xfrm>
+          <a:prstGeom prst="triangle">
+            <a:avLst/>
+          </a:prstGeom>
+          <a:ln w="28575">
+            <a:solidFill>
+              <a:schemeClr val="tx1"/>
+            </a:solidFill>
+          </a:ln>
+        </p:spPr>
+        <p:style>
+          <a:lnRef idx="2">
+            <a:schemeClr val="accent6"/>
+          </a:lnRef>
+          <a:fillRef idx="1">
+            <a:schemeClr val="lt1"/>
+          </a:fillRef>
+          <a:effectRef idx="0">
+            <a:schemeClr val="accent6"/>
+          </a:effectRef>
+          <a:fontRef idx="minor">
+            <a:schemeClr val="dk1"/>
+          </a:fontRef>
+        </p:style>
+        <p:txBody>
+          <a:bodyPr rtlCol="0" anchor="ctr"/>
+          <a:lstStyle/>
+          <a:p>
+            <a:pPr algn="ctr"/>
+            <a:endParaRPr lang="en-DE" dirty="0"/>
+          </a:p>
+        </p:txBody>
+      </p:sp>
+      <p:cxnSp>
+        <p:nvCxnSpPr>
+          <p:cNvPr id="25" name="Straight Connector 24">
+            <a:extLst>
+              <a:ext uri="{FF2B5EF4-FFF2-40B4-BE49-F238E27FC236}">
+                <a16:creationId xmlns:a16="http://schemas.microsoft.com/office/drawing/2014/main" id="{AF4ED9F2-B937-4B7D-BDE1-A1F7698239F0}"/>
+              </a:ext>
+            </a:extLst>
+          </p:cNvPr>
+          <p:cNvCxnSpPr>
+            <a:cxnSpLocks/>
+          </p:cNvCxnSpPr>
+          <p:nvPr/>
+        </p:nvCxnSpPr>
+        <p:spPr>
+          <a:xfrm>
+            <a:off x="9179768" y="4964621"/>
+            <a:ext cx="354485" cy="0"/>
+          </a:xfrm>
+          <a:prstGeom prst="line">
+            <a:avLst/>
+          </a:prstGeom>
+          <a:ln w="28575">
+            <a:solidFill>
+              <a:schemeClr val="tx1"/>
+            </a:solidFill>
+          </a:ln>
+        </p:spPr>
+        <p:style>
+          <a:lnRef idx="1">
+            <a:schemeClr val="dk1"/>
+          </a:lnRef>
+          <a:fillRef idx="0">
+            <a:schemeClr val="dk1"/>
+          </a:fillRef>
+          <a:effectRef idx="0">
+            <a:schemeClr val="dk1"/>
+          </a:effectRef>
+          <a:fontRef idx="minor">
+            <a:schemeClr val="tx1"/>
+          </a:fontRef>
+        </p:style>
+      </p:cxnSp>
+      <p:cxnSp>
+        <p:nvCxnSpPr>
+          <p:cNvPr id="26" name="Straight Connector 25">
+            <a:extLst>
+              <a:ext uri="{FF2B5EF4-FFF2-40B4-BE49-F238E27FC236}">
+                <a16:creationId xmlns:a16="http://schemas.microsoft.com/office/drawing/2014/main" id="{C8B1DFE6-7047-483E-90FD-514092365B99}"/>
+              </a:ext>
+            </a:extLst>
+          </p:cNvPr>
+          <p:cNvCxnSpPr>
+            <a:cxnSpLocks/>
+          </p:cNvCxnSpPr>
+          <p:nvPr/>
+        </p:nvCxnSpPr>
+        <p:spPr>
+          <a:xfrm flipV="1">
+            <a:off x="9216204" y="4964623"/>
+            <a:ext cx="124231" cy="145774"/>
+          </a:xfrm>
+          <a:prstGeom prst="line">
+            <a:avLst/>
+          </a:prstGeom>
+          <a:ln w="28575">
+            <a:solidFill>
+              <a:schemeClr val="tx1"/>
+            </a:solidFill>
+          </a:ln>
+        </p:spPr>
+        <p:style>
+          <a:lnRef idx="1">
+            <a:schemeClr val="dk1"/>
+          </a:lnRef>
+          <a:fillRef idx="0">
+            <a:schemeClr val="dk1"/>
+          </a:fillRef>
+          <a:effectRef idx="0">
+            <a:schemeClr val="dk1"/>
+          </a:effectRef>
+          <a:fontRef idx="minor">
+            <a:schemeClr val="tx1"/>
+          </a:fontRef>
+        </p:style>
+      </p:cxnSp>
+      <p:cxnSp>
+        <p:nvCxnSpPr>
+          <p:cNvPr id="27" name="Straight Connector 26">
+            <a:extLst>
+              <a:ext uri="{FF2B5EF4-FFF2-40B4-BE49-F238E27FC236}">
+                <a16:creationId xmlns:a16="http://schemas.microsoft.com/office/drawing/2014/main" id="{ED5E3C20-D250-45B4-838D-90C98972195E}"/>
+              </a:ext>
+            </a:extLst>
+          </p:cNvPr>
+          <p:cNvCxnSpPr>
+            <a:cxnSpLocks/>
+          </p:cNvCxnSpPr>
+          <p:nvPr/>
+        </p:nvCxnSpPr>
+        <p:spPr>
+          <a:xfrm flipV="1">
+            <a:off x="9307342" y="4964623"/>
+            <a:ext cx="124231" cy="145774"/>
+          </a:xfrm>
+          <a:prstGeom prst="line">
+            <a:avLst/>
+          </a:prstGeom>
+          <a:ln w="28575">
+            <a:solidFill>
+              <a:schemeClr val="tx1"/>
+            </a:solidFill>
+          </a:ln>
+        </p:spPr>
+        <p:style>
+          <a:lnRef idx="1">
+            <a:schemeClr val="dk1"/>
+          </a:lnRef>
+          <a:fillRef idx="0">
+            <a:schemeClr val="dk1"/>
+          </a:fillRef>
+          <a:effectRef idx="0">
+            <a:schemeClr val="dk1"/>
+          </a:effectRef>
+          <a:fontRef idx="minor">
+            <a:schemeClr val="tx1"/>
+          </a:fontRef>
+        </p:style>
+      </p:cxnSp>
+      <p:cxnSp>
+        <p:nvCxnSpPr>
+          <p:cNvPr id="28" name="Straight Connector 27">
+            <a:extLst>
+              <a:ext uri="{FF2B5EF4-FFF2-40B4-BE49-F238E27FC236}">
+                <a16:creationId xmlns:a16="http://schemas.microsoft.com/office/drawing/2014/main" id="{36F0EEA4-709E-49C3-A988-3896C960D0BE}"/>
+              </a:ext>
+            </a:extLst>
+          </p:cNvPr>
+          <p:cNvCxnSpPr>
+            <a:cxnSpLocks/>
+          </p:cNvCxnSpPr>
+          <p:nvPr/>
+        </p:nvCxnSpPr>
+        <p:spPr>
+          <a:xfrm flipV="1">
+            <a:off x="9415015" y="4964623"/>
+            <a:ext cx="124231" cy="145774"/>
+          </a:xfrm>
+          <a:prstGeom prst="line">
+            <a:avLst/>
+          </a:prstGeom>
+          <a:ln w="28575">
+            <a:solidFill>
+              <a:schemeClr val="tx1"/>
+            </a:solidFill>
+          </a:ln>
+        </p:spPr>
+        <p:style>
+          <a:lnRef idx="1">
+            <a:schemeClr val="dk1"/>
+          </a:lnRef>
+          <a:fillRef idx="0">
+            <a:schemeClr val="dk1"/>
+          </a:fillRef>
+          <a:effectRef idx="0">
+            <a:schemeClr val="dk1"/>
+          </a:effectRef>
+          <a:fontRef idx="minor">
+            <a:schemeClr val="tx1"/>
+          </a:fontRef>
+        </p:style>
+      </p:cxnSp>
+      <p:cxnSp>
+        <p:nvCxnSpPr>
+          <p:cNvPr id="29" name="Straight Connector 28">
+            <a:extLst>
+              <a:ext uri="{FF2B5EF4-FFF2-40B4-BE49-F238E27FC236}">
+                <a16:creationId xmlns:a16="http://schemas.microsoft.com/office/drawing/2014/main" id="{267E1A93-0BBD-45B1-BE5B-C786084754F5}"/>
+              </a:ext>
+            </a:extLst>
+          </p:cNvPr>
+          <p:cNvCxnSpPr>
+            <a:cxnSpLocks/>
+          </p:cNvCxnSpPr>
+          <p:nvPr/>
+        </p:nvCxnSpPr>
+        <p:spPr>
+          <a:xfrm flipV="1">
+            <a:off x="9103583" y="4964619"/>
+            <a:ext cx="124231" cy="145774"/>
+          </a:xfrm>
+          <a:prstGeom prst="line">
+            <a:avLst/>
+          </a:prstGeom>
+          <a:ln w="28575">
+            <a:solidFill>
+              <a:schemeClr val="tx1"/>
+            </a:solidFill>
+          </a:ln>
+        </p:spPr>
+        <p:style>
+          <a:lnRef idx="1">
+            <a:schemeClr val="dk1"/>
+          </a:lnRef>
+          <a:fillRef idx="0">
+            <a:schemeClr val="dk1"/>
+          </a:fillRef>
+          <a:effectRef idx="0">
+            <a:schemeClr val="dk1"/>
+          </a:effectRef>
+          <a:fontRef idx="minor">
+            <a:schemeClr val="tx1"/>
+          </a:fontRef>
+        </p:style>
+      </p:cxnSp>
+      <p:sp>
+        <p:nvSpPr>
+          <p:cNvPr id="36" name="Isosceles Triangle 35">
+            <a:extLst>
+              <a:ext uri="{FF2B5EF4-FFF2-40B4-BE49-F238E27FC236}">
+                <a16:creationId xmlns:a16="http://schemas.microsoft.com/office/drawing/2014/main" id="{96CA8580-1880-449E-AB9A-FFFF0CB0E2ED}"/>
+              </a:ext>
+            </a:extLst>
+          </p:cNvPr>
+          <p:cNvSpPr/>
+          <p:nvPr/>
+        </p:nvSpPr>
+        <p:spPr>
+          <a:xfrm>
+            <a:off x="7436325" y="4574613"/>
+            <a:ext cx="331305" cy="304799"/>
+          </a:xfrm>
+          <a:prstGeom prst="triangle">
+            <a:avLst/>
+          </a:prstGeom>
+          <a:ln w="28575">
+            <a:solidFill>
+              <a:schemeClr val="tx1"/>
+            </a:solidFill>
+          </a:ln>
+        </p:spPr>
+        <p:style>
+          <a:lnRef idx="2">
+            <a:schemeClr val="accent6"/>
+          </a:lnRef>
+          <a:fillRef idx="1">
+            <a:schemeClr val="lt1"/>
+          </a:fillRef>
+          <a:effectRef idx="0">
+            <a:schemeClr val="accent6"/>
+          </a:effectRef>
+          <a:fontRef idx="minor">
+            <a:schemeClr val="dk1"/>
+          </a:fontRef>
+        </p:style>
+        <p:txBody>
+          <a:bodyPr rtlCol="0" anchor="ctr"/>
+          <a:lstStyle/>
+          <a:p>
+            <a:pPr algn="ctr"/>
+            <a:endParaRPr lang="en-DE" dirty="0"/>
+          </a:p>
+        </p:txBody>
+      </p:sp>
+      <p:cxnSp>
+        <p:nvCxnSpPr>
+          <p:cNvPr id="37" name="Straight Connector 36">
+            <a:extLst>
+              <a:ext uri="{FF2B5EF4-FFF2-40B4-BE49-F238E27FC236}">
+                <a16:creationId xmlns:a16="http://schemas.microsoft.com/office/drawing/2014/main" id="{EC4A6AF2-A954-474D-B877-56843CE0808C}"/>
+              </a:ext>
+            </a:extLst>
+          </p:cNvPr>
+          <p:cNvCxnSpPr>
+            <a:cxnSpLocks/>
+          </p:cNvCxnSpPr>
+          <p:nvPr/>
+        </p:nvCxnSpPr>
+        <p:spPr>
+          <a:xfrm>
+            <a:off x="7413142" y="4952300"/>
+            <a:ext cx="354485" cy="0"/>
+          </a:xfrm>
+          <a:prstGeom prst="line">
+            <a:avLst/>
+          </a:prstGeom>
+          <a:ln w="28575">
+            <a:solidFill>
+              <a:schemeClr val="tx1"/>
+            </a:solidFill>
+          </a:ln>
+        </p:spPr>
+        <p:style>
+          <a:lnRef idx="1">
+            <a:schemeClr val="dk1"/>
+          </a:lnRef>
+          <a:fillRef idx="0">
+            <a:schemeClr val="dk1"/>
+          </a:fillRef>
+          <a:effectRef idx="0">
+            <a:schemeClr val="dk1"/>
+          </a:effectRef>
+          <a:fontRef idx="minor">
+            <a:schemeClr val="tx1"/>
+          </a:fontRef>
+        </p:style>
+      </p:cxnSp>
+      <p:cxnSp>
+        <p:nvCxnSpPr>
+          <p:cNvPr id="38" name="Straight Connector 37">
+            <a:extLst>
+              <a:ext uri="{FF2B5EF4-FFF2-40B4-BE49-F238E27FC236}">
+                <a16:creationId xmlns:a16="http://schemas.microsoft.com/office/drawing/2014/main" id="{A07FF898-4F3B-4DBF-BB33-F36DA7F6B587}"/>
+              </a:ext>
+            </a:extLst>
+          </p:cNvPr>
+          <p:cNvCxnSpPr>
+            <a:cxnSpLocks/>
+          </p:cNvCxnSpPr>
+          <p:nvPr/>
+        </p:nvCxnSpPr>
+        <p:spPr>
+          <a:xfrm flipV="1">
+            <a:off x="7449578" y="4952302"/>
+            <a:ext cx="124231" cy="145774"/>
+          </a:xfrm>
+          <a:prstGeom prst="line">
+            <a:avLst/>
+          </a:prstGeom>
+          <a:ln w="28575">
+            <a:solidFill>
+              <a:schemeClr val="tx1"/>
+            </a:solidFill>
+          </a:ln>
+        </p:spPr>
+        <p:style>
+          <a:lnRef idx="1">
+            <a:schemeClr val="dk1"/>
+          </a:lnRef>
+          <a:fillRef idx="0">
+            <a:schemeClr val="dk1"/>
+          </a:fillRef>
+          <a:effectRef idx="0">
+            <a:schemeClr val="dk1"/>
+          </a:effectRef>
+          <a:fontRef idx="minor">
+            <a:schemeClr val="tx1"/>
+          </a:fontRef>
+        </p:style>
+      </p:cxnSp>
+      <p:cxnSp>
+        <p:nvCxnSpPr>
+          <p:cNvPr id="39" name="Straight Connector 38">
+            <a:extLst>
+              <a:ext uri="{FF2B5EF4-FFF2-40B4-BE49-F238E27FC236}">
+                <a16:creationId xmlns:a16="http://schemas.microsoft.com/office/drawing/2014/main" id="{CDEFF0A0-411D-4F22-9712-0DBE78DD65CE}"/>
+              </a:ext>
+            </a:extLst>
+          </p:cNvPr>
+          <p:cNvCxnSpPr>
+            <a:cxnSpLocks/>
+          </p:cNvCxnSpPr>
+          <p:nvPr/>
+        </p:nvCxnSpPr>
+        <p:spPr>
+          <a:xfrm flipV="1">
+            <a:off x="7540716" y="4952302"/>
+            <a:ext cx="124231" cy="145774"/>
+          </a:xfrm>
+          <a:prstGeom prst="line">
+            <a:avLst/>
+          </a:prstGeom>
+          <a:ln w="28575">
+            <a:solidFill>
+              <a:schemeClr val="tx1"/>
+            </a:solidFill>
+          </a:ln>
+        </p:spPr>
+        <p:style>
+          <a:lnRef idx="1">
+            <a:schemeClr val="dk1"/>
+          </a:lnRef>
+          <a:fillRef idx="0">
+            <a:schemeClr val="dk1"/>
+          </a:fillRef>
+          <a:effectRef idx="0">
+            <a:schemeClr val="dk1"/>
+          </a:effectRef>
+          <a:fontRef idx="minor">
+            <a:schemeClr val="tx1"/>
+          </a:fontRef>
+        </p:style>
+      </p:cxnSp>
+      <p:cxnSp>
+        <p:nvCxnSpPr>
+          <p:cNvPr id="40" name="Straight Connector 39">
+            <a:extLst>
+              <a:ext uri="{FF2B5EF4-FFF2-40B4-BE49-F238E27FC236}">
+                <a16:creationId xmlns:a16="http://schemas.microsoft.com/office/drawing/2014/main" id="{1C1F2D30-4C92-4914-918E-C77398F13603}"/>
+              </a:ext>
+            </a:extLst>
+          </p:cNvPr>
+          <p:cNvCxnSpPr>
+            <a:cxnSpLocks/>
+          </p:cNvCxnSpPr>
+          <p:nvPr/>
+        </p:nvCxnSpPr>
+        <p:spPr>
+          <a:xfrm flipV="1">
+            <a:off x="7648389" y="4952302"/>
+            <a:ext cx="124231" cy="145774"/>
+          </a:xfrm>
+          <a:prstGeom prst="line">
+            <a:avLst/>
+          </a:prstGeom>
+          <a:ln w="28575">
+            <a:solidFill>
+              <a:schemeClr val="tx1"/>
+            </a:solidFill>
+          </a:ln>
+        </p:spPr>
+        <p:style>
+          <a:lnRef idx="1">
+            <a:schemeClr val="dk1"/>
+          </a:lnRef>
+          <a:fillRef idx="0">
+            <a:schemeClr val="dk1"/>
+          </a:fillRef>
+          <a:effectRef idx="0">
+            <a:schemeClr val="dk1"/>
+          </a:effectRef>
+          <a:fontRef idx="minor">
+            <a:schemeClr val="tx1"/>
+          </a:fontRef>
+        </p:style>
+      </p:cxnSp>
+      <p:cxnSp>
+        <p:nvCxnSpPr>
+          <p:cNvPr id="41" name="Straight Connector 40">
+            <a:extLst>
+              <a:ext uri="{FF2B5EF4-FFF2-40B4-BE49-F238E27FC236}">
+                <a16:creationId xmlns:a16="http://schemas.microsoft.com/office/drawing/2014/main" id="{FB904648-9133-4075-8B98-86E85569784C}"/>
+              </a:ext>
+            </a:extLst>
+          </p:cNvPr>
+          <p:cNvCxnSpPr>
+            <a:cxnSpLocks/>
+          </p:cNvCxnSpPr>
+          <p:nvPr/>
+        </p:nvCxnSpPr>
+        <p:spPr>
+          <a:xfrm flipV="1">
+            <a:off x="7336957" y="4952298"/>
+            <a:ext cx="124231" cy="145774"/>
+          </a:xfrm>
+          <a:prstGeom prst="line">
+            <a:avLst/>
+          </a:prstGeom>
+          <a:ln w="28575">
+            <a:solidFill>
+              <a:schemeClr val="tx1"/>
+            </a:solidFill>
+          </a:ln>
+        </p:spPr>
+        <p:style>
+          <a:lnRef idx="1">
+            <a:schemeClr val="dk1"/>
+          </a:lnRef>
+          <a:fillRef idx="0">
+            <a:schemeClr val="dk1"/>
+          </a:fillRef>
+          <a:effectRef idx="0">
+            <a:schemeClr val="dk1"/>
+          </a:effectRef>
+          <a:fontRef idx="minor">
+            <a:schemeClr val="tx1"/>
+          </a:fontRef>
+        </p:style>
+      </p:cxnSp>
+      <p:sp>
+        <p:nvSpPr>
+          <p:cNvPr id="42" name="Isosceles Triangle 41">
+            <a:extLst>
+              <a:ext uri="{FF2B5EF4-FFF2-40B4-BE49-F238E27FC236}">
+                <a16:creationId xmlns:a16="http://schemas.microsoft.com/office/drawing/2014/main" id="{BF82C09C-2175-413B-8357-A78B59039AEE}"/>
+              </a:ext>
+            </a:extLst>
+          </p:cNvPr>
+          <p:cNvSpPr/>
+          <p:nvPr/>
+        </p:nvSpPr>
+        <p:spPr>
+          <a:xfrm>
+            <a:off x="6509951" y="4585207"/>
+            <a:ext cx="331305" cy="304799"/>
+          </a:xfrm>
+          <a:prstGeom prst="triangle">
+            <a:avLst/>
+          </a:prstGeom>
+          <a:ln w="28575">
+            <a:solidFill>
+              <a:schemeClr val="tx1"/>
+            </a:solidFill>
+          </a:ln>
+        </p:spPr>
+        <p:style>
+          <a:lnRef idx="2">
+            <a:schemeClr val="accent6"/>
+          </a:lnRef>
+          <a:fillRef idx="1">
+            <a:schemeClr val="lt1"/>
+          </a:fillRef>
+          <a:effectRef idx="0">
+            <a:schemeClr val="accent6"/>
+          </a:effectRef>
+          <a:fontRef idx="minor">
+            <a:schemeClr val="dk1"/>
+          </a:fontRef>
+        </p:style>
+        <p:txBody>
+          <a:bodyPr rtlCol="0" anchor="ctr"/>
+          <a:lstStyle/>
+          <a:p>
+            <a:pPr algn="ctr"/>
+            <a:endParaRPr lang="en-DE" dirty="0"/>
+          </a:p>
+        </p:txBody>
+      </p:sp>
+      <p:cxnSp>
+        <p:nvCxnSpPr>
+          <p:cNvPr id="43" name="Straight Connector 42">
+            <a:extLst>
+              <a:ext uri="{FF2B5EF4-FFF2-40B4-BE49-F238E27FC236}">
+                <a16:creationId xmlns:a16="http://schemas.microsoft.com/office/drawing/2014/main" id="{0DE51D20-43F0-4E05-916F-15F3A9378364}"/>
+              </a:ext>
+            </a:extLst>
+          </p:cNvPr>
+          <p:cNvCxnSpPr>
+            <a:cxnSpLocks/>
+          </p:cNvCxnSpPr>
+          <p:nvPr/>
+        </p:nvCxnSpPr>
+        <p:spPr>
+          <a:xfrm>
+            <a:off x="6486768" y="4962894"/>
+            <a:ext cx="354485" cy="0"/>
+          </a:xfrm>
+          <a:prstGeom prst="line">
+            <a:avLst/>
+          </a:prstGeom>
+          <a:ln w="28575">
+            <a:solidFill>
+              <a:schemeClr val="tx1"/>
+            </a:solidFill>
+          </a:ln>
+        </p:spPr>
+        <p:style>
+          <a:lnRef idx="1">
+            <a:schemeClr val="dk1"/>
+          </a:lnRef>
+          <a:fillRef idx="0">
+            <a:schemeClr val="dk1"/>
+          </a:fillRef>
+          <a:effectRef idx="0">
+            <a:schemeClr val="dk1"/>
+          </a:effectRef>
+          <a:fontRef idx="minor">
+            <a:schemeClr val="tx1"/>
+          </a:fontRef>
+        </p:style>
+      </p:cxnSp>
+      <p:cxnSp>
+        <p:nvCxnSpPr>
+          <p:cNvPr id="44" name="Straight Connector 43">
+            <a:extLst>
+              <a:ext uri="{FF2B5EF4-FFF2-40B4-BE49-F238E27FC236}">
+                <a16:creationId xmlns:a16="http://schemas.microsoft.com/office/drawing/2014/main" id="{A595FEEE-2D7F-45D8-A0FD-C56294B1AA43}"/>
+              </a:ext>
+            </a:extLst>
+          </p:cNvPr>
+          <p:cNvCxnSpPr>
+            <a:cxnSpLocks/>
+          </p:cNvCxnSpPr>
+          <p:nvPr/>
+        </p:nvCxnSpPr>
+        <p:spPr>
+          <a:xfrm flipV="1">
+            <a:off x="6523204" y="4962896"/>
+            <a:ext cx="124231" cy="145774"/>
+          </a:xfrm>
+          <a:prstGeom prst="line">
+            <a:avLst/>
+          </a:prstGeom>
+          <a:ln w="28575">
+            <a:solidFill>
+              <a:schemeClr val="tx1"/>
+            </a:solidFill>
+          </a:ln>
+        </p:spPr>
+        <p:style>
+          <a:lnRef idx="1">
+            <a:schemeClr val="dk1"/>
+          </a:lnRef>
+          <a:fillRef idx="0">
+            <a:schemeClr val="dk1"/>
+          </a:fillRef>
+          <a:effectRef idx="0">
+            <a:schemeClr val="dk1"/>
+          </a:effectRef>
+          <a:fontRef idx="minor">
+            <a:schemeClr val="tx1"/>
+          </a:fontRef>
+        </p:style>
+      </p:cxnSp>
+      <p:cxnSp>
+        <p:nvCxnSpPr>
+          <p:cNvPr id="45" name="Straight Connector 44">
+            <a:extLst>
+              <a:ext uri="{FF2B5EF4-FFF2-40B4-BE49-F238E27FC236}">
+                <a16:creationId xmlns:a16="http://schemas.microsoft.com/office/drawing/2014/main" id="{E19E75AF-EF68-4215-A668-48B66055D909}"/>
+              </a:ext>
+            </a:extLst>
+          </p:cNvPr>
+          <p:cNvCxnSpPr>
+            <a:cxnSpLocks/>
+          </p:cNvCxnSpPr>
+          <p:nvPr/>
+        </p:nvCxnSpPr>
+        <p:spPr>
+          <a:xfrm flipV="1">
+            <a:off x="6614342" y="4962896"/>
+            <a:ext cx="124231" cy="145774"/>
+          </a:xfrm>
+          <a:prstGeom prst="line">
+            <a:avLst/>
+          </a:prstGeom>
+          <a:ln w="28575">
+            <a:solidFill>
+              <a:schemeClr val="tx1"/>
+            </a:solidFill>
+          </a:ln>
+        </p:spPr>
+        <p:style>
+          <a:lnRef idx="1">
+            <a:schemeClr val="dk1"/>
+          </a:lnRef>
+          <a:fillRef idx="0">
+            <a:schemeClr val="dk1"/>
+          </a:fillRef>
+          <a:effectRef idx="0">
+            <a:schemeClr val="dk1"/>
+          </a:effectRef>
+          <a:fontRef idx="minor">
+            <a:schemeClr val="tx1"/>
+          </a:fontRef>
+        </p:style>
+      </p:cxnSp>
+      <p:cxnSp>
+        <p:nvCxnSpPr>
+          <p:cNvPr id="46" name="Straight Connector 45">
+            <a:extLst>
+              <a:ext uri="{FF2B5EF4-FFF2-40B4-BE49-F238E27FC236}">
+                <a16:creationId xmlns:a16="http://schemas.microsoft.com/office/drawing/2014/main" id="{A6CF763F-C884-426C-B84A-AE52B2644CE4}"/>
+              </a:ext>
+            </a:extLst>
+          </p:cNvPr>
+          <p:cNvCxnSpPr>
+            <a:cxnSpLocks/>
+          </p:cNvCxnSpPr>
+          <p:nvPr/>
+        </p:nvCxnSpPr>
+        <p:spPr>
+          <a:xfrm flipV="1">
+            <a:off x="6722015" y="4962896"/>
+            <a:ext cx="124231" cy="145774"/>
+          </a:xfrm>
+          <a:prstGeom prst="line">
+            <a:avLst/>
+          </a:prstGeom>
+          <a:ln w="28575">
+            <a:solidFill>
+              <a:schemeClr val="tx1"/>
+            </a:solidFill>
+          </a:ln>
+        </p:spPr>
+        <p:style>
+          <a:lnRef idx="1">
+            <a:schemeClr val="dk1"/>
+          </a:lnRef>
+          <a:fillRef idx="0">
+            <a:schemeClr val="dk1"/>
+          </a:fillRef>
+          <a:effectRef idx="0">
+            <a:schemeClr val="dk1"/>
+          </a:effectRef>
+          <a:fontRef idx="minor">
+            <a:schemeClr val="tx1"/>
+          </a:fontRef>
+        </p:style>
+      </p:cxnSp>
+      <p:cxnSp>
+        <p:nvCxnSpPr>
+          <p:cNvPr id="47" name="Straight Connector 46">
+            <a:extLst>
+              <a:ext uri="{FF2B5EF4-FFF2-40B4-BE49-F238E27FC236}">
+                <a16:creationId xmlns:a16="http://schemas.microsoft.com/office/drawing/2014/main" id="{6F5B7619-C52F-46B4-B264-FD9049D32503}"/>
+              </a:ext>
+            </a:extLst>
+          </p:cNvPr>
+          <p:cNvCxnSpPr>
+            <a:cxnSpLocks/>
+          </p:cNvCxnSpPr>
+          <p:nvPr/>
+        </p:nvCxnSpPr>
+        <p:spPr>
+          <a:xfrm flipV="1">
+            <a:off x="6410583" y="4962892"/>
+            <a:ext cx="124231" cy="145774"/>
+          </a:xfrm>
+          <a:prstGeom prst="line">
+            <a:avLst/>
+          </a:prstGeom>
+          <a:ln w="28575">
+            <a:solidFill>
+              <a:schemeClr val="tx1"/>
+            </a:solidFill>
+          </a:ln>
+        </p:spPr>
+        <p:style>
+          <a:lnRef idx="1">
+            <a:schemeClr val="dk1"/>
+          </a:lnRef>
+          <a:fillRef idx="0">
+            <a:schemeClr val="dk1"/>
+          </a:fillRef>
+          <a:effectRef idx="0">
+            <a:schemeClr val="dk1"/>
+          </a:effectRef>
+          <a:fontRef idx="minor">
+            <a:schemeClr val="tx1"/>
+          </a:fontRef>
+        </p:style>
+      </p:cxnSp>
+      <p:sp>
+        <p:nvSpPr>
+          <p:cNvPr id="53" name="Isosceles Triangle 52">
+            <a:extLst>
+              <a:ext uri="{FF2B5EF4-FFF2-40B4-BE49-F238E27FC236}">
+                <a16:creationId xmlns:a16="http://schemas.microsoft.com/office/drawing/2014/main" id="{C5C05ED3-334F-4E4E-9A33-FD072B93F398}"/>
+              </a:ext>
+            </a:extLst>
+          </p:cNvPr>
+          <p:cNvSpPr/>
+          <p:nvPr/>
+        </p:nvSpPr>
+        <p:spPr>
+          <a:xfrm>
+            <a:off x="8362696" y="4585207"/>
+            <a:ext cx="331305" cy="304799"/>
+          </a:xfrm>
+          <a:prstGeom prst="triangle">
+            <a:avLst/>
+          </a:prstGeom>
+          <a:ln w="28575">
+            <a:solidFill>
+              <a:schemeClr val="tx1"/>
+            </a:solidFill>
+          </a:ln>
+        </p:spPr>
+        <p:style>
+          <a:lnRef idx="2">
+            <a:schemeClr val="accent6"/>
+          </a:lnRef>
+          <a:fillRef idx="1">
+            <a:schemeClr val="lt1"/>
+          </a:fillRef>
+          <a:effectRef idx="0">
+            <a:schemeClr val="accent6"/>
+          </a:effectRef>
+          <a:fontRef idx="minor">
+            <a:schemeClr val="dk1"/>
+          </a:fontRef>
+        </p:style>
+        <p:txBody>
+          <a:bodyPr rtlCol="0" anchor="ctr"/>
+          <a:lstStyle/>
+          <a:p>
+            <a:pPr algn="ctr"/>
+            <a:endParaRPr lang="en-DE" dirty="0"/>
+          </a:p>
+        </p:txBody>
+      </p:sp>
+      <p:cxnSp>
+        <p:nvCxnSpPr>
+          <p:cNvPr id="54" name="Straight Connector 53">
+            <a:extLst>
+              <a:ext uri="{FF2B5EF4-FFF2-40B4-BE49-F238E27FC236}">
+                <a16:creationId xmlns:a16="http://schemas.microsoft.com/office/drawing/2014/main" id="{A4FD129C-90D9-4319-AAC3-6BB19BEBB9E2}"/>
+              </a:ext>
+            </a:extLst>
+          </p:cNvPr>
+          <p:cNvCxnSpPr>
+            <a:cxnSpLocks/>
+          </p:cNvCxnSpPr>
+          <p:nvPr/>
+        </p:nvCxnSpPr>
+        <p:spPr>
+          <a:xfrm>
+            <a:off x="8339513" y="4962894"/>
+            <a:ext cx="354485" cy="0"/>
+          </a:xfrm>
+          <a:prstGeom prst="line">
+            <a:avLst/>
+          </a:prstGeom>
+          <a:ln w="28575">
+            <a:solidFill>
+              <a:schemeClr val="tx1"/>
+            </a:solidFill>
+          </a:ln>
+        </p:spPr>
+        <p:style>
+          <a:lnRef idx="1">
+            <a:schemeClr val="dk1"/>
+          </a:lnRef>
+          <a:fillRef idx="0">
+            <a:schemeClr val="dk1"/>
+          </a:fillRef>
+          <a:effectRef idx="0">
+            <a:schemeClr val="dk1"/>
+          </a:effectRef>
+          <a:fontRef idx="minor">
+            <a:schemeClr val="tx1"/>
+          </a:fontRef>
+        </p:style>
+      </p:cxnSp>
+      <p:cxnSp>
+        <p:nvCxnSpPr>
+          <p:cNvPr id="55" name="Straight Connector 54">
+            <a:extLst>
+              <a:ext uri="{FF2B5EF4-FFF2-40B4-BE49-F238E27FC236}">
+                <a16:creationId xmlns:a16="http://schemas.microsoft.com/office/drawing/2014/main" id="{5EDCBA31-96F8-48D3-A118-82425F082F36}"/>
+              </a:ext>
+            </a:extLst>
+          </p:cNvPr>
+          <p:cNvCxnSpPr>
+            <a:cxnSpLocks/>
+          </p:cNvCxnSpPr>
+          <p:nvPr/>
+        </p:nvCxnSpPr>
+        <p:spPr>
+          <a:xfrm flipV="1">
+            <a:off x="8375949" y="4962896"/>
+            <a:ext cx="124231" cy="145774"/>
+          </a:xfrm>
+          <a:prstGeom prst="line">
+            <a:avLst/>
+          </a:prstGeom>
+          <a:ln w="28575">
+            <a:solidFill>
+              <a:schemeClr val="tx1"/>
+            </a:solidFill>
+          </a:ln>
+        </p:spPr>
+        <p:style>
+          <a:lnRef idx="1">
+            <a:schemeClr val="dk1"/>
+          </a:lnRef>
+          <a:fillRef idx="0">
+            <a:schemeClr val="dk1"/>
+          </a:fillRef>
+          <a:effectRef idx="0">
+            <a:schemeClr val="dk1"/>
+          </a:effectRef>
+          <a:fontRef idx="minor">
+            <a:schemeClr val="tx1"/>
+          </a:fontRef>
+        </p:style>
+      </p:cxnSp>
+      <p:cxnSp>
+        <p:nvCxnSpPr>
+          <p:cNvPr id="56" name="Straight Connector 55">
+            <a:extLst>
+              <a:ext uri="{FF2B5EF4-FFF2-40B4-BE49-F238E27FC236}">
+                <a16:creationId xmlns:a16="http://schemas.microsoft.com/office/drawing/2014/main" id="{243507CD-B650-438A-8264-A64852C2B126}"/>
+              </a:ext>
+            </a:extLst>
+          </p:cNvPr>
+          <p:cNvCxnSpPr>
+            <a:cxnSpLocks/>
+          </p:cNvCxnSpPr>
+          <p:nvPr/>
+        </p:nvCxnSpPr>
+        <p:spPr>
+          <a:xfrm flipV="1">
+            <a:off x="8467087" y="4962896"/>
+            <a:ext cx="124231" cy="145774"/>
+          </a:xfrm>
+          <a:prstGeom prst="line">
+            <a:avLst/>
+          </a:prstGeom>
+          <a:ln w="28575">
+            <a:solidFill>
+              <a:schemeClr val="tx1"/>
+            </a:solidFill>
+          </a:ln>
+        </p:spPr>
+        <p:style>
+          <a:lnRef idx="1">
+            <a:schemeClr val="dk1"/>
+          </a:lnRef>
+          <a:fillRef idx="0">
+            <a:schemeClr val="dk1"/>
+          </a:fillRef>
+          <a:effectRef idx="0">
+            <a:schemeClr val="dk1"/>
+          </a:effectRef>
+          <a:fontRef idx="minor">
+            <a:schemeClr val="tx1"/>
+          </a:fontRef>
+        </p:style>
+      </p:cxnSp>
+      <p:cxnSp>
+        <p:nvCxnSpPr>
+          <p:cNvPr id="57" name="Straight Connector 56">
+            <a:extLst>
+              <a:ext uri="{FF2B5EF4-FFF2-40B4-BE49-F238E27FC236}">
+                <a16:creationId xmlns:a16="http://schemas.microsoft.com/office/drawing/2014/main" id="{B360E743-49D8-4654-B041-385960DD0769}"/>
+              </a:ext>
+            </a:extLst>
+          </p:cNvPr>
+          <p:cNvCxnSpPr>
+            <a:cxnSpLocks/>
+          </p:cNvCxnSpPr>
+          <p:nvPr/>
+        </p:nvCxnSpPr>
+        <p:spPr>
+          <a:xfrm flipV="1">
+            <a:off x="8574760" y="4962896"/>
+            <a:ext cx="124231" cy="145774"/>
+          </a:xfrm>
+          <a:prstGeom prst="line">
+            <a:avLst/>
+          </a:prstGeom>
+          <a:ln w="28575">
+            <a:solidFill>
+              <a:schemeClr val="tx1"/>
+            </a:solidFill>
+          </a:ln>
+        </p:spPr>
+        <p:style>
+          <a:lnRef idx="1">
+            <a:schemeClr val="dk1"/>
+          </a:lnRef>
+          <a:fillRef idx="0">
+            <a:schemeClr val="dk1"/>
+          </a:fillRef>
+          <a:effectRef idx="0">
+            <a:schemeClr val="dk1"/>
+          </a:effectRef>
+          <a:fontRef idx="minor">
+            <a:schemeClr val="tx1"/>
+          </a:fontRef>
+        </p:style>
+      </p:cxnSp>
+      <p:cxnSp>
+        <p:nvCxnSpPr>
+          <p:cNvPr id="58" name="Straight Connector 57">
+            <a:extLst>
+              <a:ext uri="{FF2B5EF4-FFF2-40B4-BE49-F238E27FC236}">
+                <a16:creationId xmlns:a16="http://schemas.microsoft.com/office/drawing/2014/main" id="{ABA833E1-C2AD-44BA-931D-0A4020A1C1D7}"/>
+              </a:ext>
+            </a:extLst>
+          </p:cNvPr>
+          <p:cNvCxnSpPr>
+            <a:cxnSpLocks/>
+          </p:cNvCxnSpPr>
+          <p:nvPr/>
+        </p:nvCxnSpPr>
+        <p:spPr>
+          <a:xfrm flipV="1">
+            <a:off x="8263328" y="4962892"/>
+            <a:ext cx="124231" cy="145774"/>
+          </a:xfrm>
+          <a:prstGeom prst="line">
+            <a:avLst/>
+          </a:prstGeom>
+          <a:ln w="28575">
+            <a:solidFill>
+              <a:schemeClr val="tx1"/>
+            </a:solidFill>
+          </a:ln>
+        </p:spPr>
+        <p:style>
+          <a:lnRef idx="1">
+            <a:schemeClr val="dk1"/>
+          </a:lnRef>
+          <a:fillRef idx="0">
+            <a:schemeClr val="dk1"/>
+          </a:fillRef>
+          <a:effectRef idx="0">
+            <a:schemeClr val="dk1"/>
+          </a:effectRef>
+          <a:fontRef idx="minor">
+            <a:schemeClr val="tx1"/>
+          </a:fontRef>
+        </p:style>
+      </p:cxnSp>
+      <p:sp>
+        <p:nvSpPr>
+          <p:cNvPr id="59" name="Isosceles Triangle 58">
+            <a:extLst>
+              <a:ext uri="{FF2B5EF4-FFF2-40B4-BE49-F238E27FC236}">
+                <a16:creationId xmlns:a16="http://schemas.microsoft.com/office/drawing/2014/main" id="{7CDE8419-A0C2-46EC-B722-7B1621ED21AB}"/>
+              </a:ext>
+            </a:extLst>
+          </p:cNvPr>
+          <p:cNvSpPr/>
+          <p:nvPr/>
+        </p:nvSpPr>
+        <p:spPr>
+          <a:xfrm rot="5400000">
+            <a:off x="3929005" y="2723058"/>
+            <a:ext cx="324679" cy="298703"/>
+          </a:xfrm>
+          <a:prstGeom prst="triangle">
+            <a:avLst/>
+          </a:prstGeom>
+          <a:ln w="28575">
+            <a:solidFill>
+              <a:schemeClr val="tx1"/>
+            </a:solidFill>
+          </a:ln>
+        </p:spPr>
+        <p:style>
+          <a:lnRef idx="2">
+            <a:schemeClr val="accent6"/>
+          </a:lnRef>
+          <a:fillRef idx="1">
+            <a:schemeClr val="lt1"/>
+          </a:fillRef>
+          <a:effectRef idx="0">
+            <a:schemeClr val="accent6"/>
+          </a:effectRef>
+          <a:fontRef idx="minor">
+            <a:schemeClr val="dk1"/>
+          </a:fontRef>
+        </p:style>
+        <p:txBody>
+          <a:bodyPr rtlCol="0" anchor="ctr"/>
+          <a:lstStyle/>
+          <a:p>
+            <a:pPr algn="ctr"/>
+            <a:endParaRPr lang="en-DE" dirty="0"/>
+          </a:p>
+        </p:txBody>
+      </p:sp>
+      <p:cxnSp>
+        <p:nvCxnSpPr>
+          <p:cNvPr id="60" name="Straight Connector 59">
+            <a:extLst>
+              <a:ext uri="{FF2B5EF4-FFF2-40B4-BE49-F238E27FC236}">
+                <a16:creationId xmlns:a16="http://schemas.microsoft.com/office/drawing/2014/main" id="{548F7522-C6A9-4965-95E9-018C667B3FD1}"/>
+              </a:ext>
+            </a:extLst>
+          </p:cNvPr>
+          <p:cNvCxnSpPr>
+            <a:cxnSpLocks/>
+          </p:cNvCxnSpPr>
+          <p:nvPr/>
+        </p:nvCxnSpPr>
+        <p:spPr>
+          <a:xfrm>
+            <a:off x="3855147" y="2698413"/>
+            <a:ext cx="0" cy="324679"/>
+          </a:xfrm>
+          <a:prstGeom prst="line">
+            <a:avLst/>
+          </a:prstGeom>
+          <a:ln w="28575"/>
+        </p:spPr>
+        <p:style>
+          <a:lnRef idx="1">
+            <a:schemeClr val="dk1"/>
+          </a:lnRef>
+          <a:fillRef idx="0">
+            <a:schemeClr val="dk1"/>
+          </a:fillRef>
+          <a:effectRef idx="0">
+            <a:schemeClr val="dk1"/>
+          </a:effectRef>
+          <a:fontRef idx="minor">
+            <a:schemeClr val="tx1"/>
+          </a:fontRef>
+        </p:style>
+      </p:cxnSp>
+      <p:cxnSp>
+        <p:nvCxnSpPr>
+          <p:cNvPr id="61" name="Straight Connector 60">
+            <a:extLst>
+              <a:ext uri="{FF2B5EF4-FFF2-40B4-BE49-F238E27FC236}">
+                <a16:creationId xmlns:a16="http://schemas.microsoft.com/office/drawing/2014/main" id="{8C70D9F2-1677-4AF4-A95D-DCA65D3A56D7}"/>
+              </a:ext>
+            </a:extLst>
+          </p:cNvPr>
+          <p:cNvCxnSpPr>
+            <a:cxnSpLocks/>
+          </p:cNvCxnSpPr>
+          <p:nvPr/>
+        </p:nvCxnSpPr>
+        <p:spPr>
+          <a:xfrm>
+            <a:off x="3691897" y="2711655"/>
+            <a:ext cx="148972" cy="188309"/>
+          </a:xfrm>
+          <a:prstGeom prst="line">
+            <a:avLst/>
+          </a:prstGeom>
+          <a:ln w="28575"/>
+        </p:spPr>
+        <p:style>
+          <a:lnRef idx="1">
+            <a:schemeClr val="dk1"/>
+          </a:lnRef>
+          <a:fillRef idx="0">
+            <a:schemeClr val="dk1"/>
+          </a:fillRef>
+          <a:effectRef idx="0">
+            <a:schemeClr val="dk1"/>
+          </a:effectRef>
+          <a:fontRef idx="minor">
+            <a:schemeClr val="tx1"/>
+          </a:fontRef>
+        </p:style>
+      </p:cxnSp>
+      <p:cxnSp>
+        <p:nvCxnSpPr>
+          <p:cNvPr id="62" name="Straight Connector 61">
+            <a:extLst>
+              <a:ext uri="{FF2B5EF4-FFF2-40B4-BE49-F238E27FC236}">
+                <a16:creationId xmlns:a16="http://schemas.microsoft.com/office/drawing/2014/main" id="{2F883163-225B-4B31-8855-9FE9B77B7A39}"/>
+              </a:ext>
+            </a:extLst>
+          </p:cNvPr>
+          <p:cNvCxnSpPr>
+            <a:cxnSpLocks/>
+          </p:cNvCxnSpPr>
+          <p:nvPr/>
+        </p:nvCxnSpPr>
+        <p:spPr>
+          <a:xfrm>
+            <a:off x="3691896" y="2807736"/>
+            <a:ext cx="148972" cy="188309"/>
+          </a:xfrm>
+          <a:prstGeom prst="line">
+            <a:avLst/>
+          </a:prstGeom>
+          <a:ln w="28575"/>
+        </p:spPr>
+        <p:style>
+          <a:lnRef idx="1">
+            <a:schemeClr val="dk1"/>
+          </a:lnRef>
+          <a:fillRef idx="0">
+            <a:schemeClr val="dk1"/>
+          </a:fillRef>
+          <a:effectRef idx="0">
+            <a:schemeClr val="dk1"/>
+          </a:effectRef>
+          <a:fontRef idx="minor">
+            <a:schemeClr val="tx1"/>
+          </a:fontRef>
+        </p:style>
+      </p:cxnSp>
+      <p:cxnSp>
+        <p:nvCxnSpPr>
+          <p:cNvPr id="63" name="Straight Connector 62">
+            <a:extLst>
+              <a:ext uri="{FF2B5EF4-FFF2-40B4-BE49-F238E27FC236}">
+                <a16:creationId xmlns:a16="http://schemas.microsoft.com/office/drawing/2014/main" id="{424D4613-AA04-4F36-9F2E-50ECB0842754}"/>
+              </a:ext>
+            </a:extLst>
+          </p:cNvPr>
+          <p:cNvCxnSpPr>
+            <a:cxnSpLocks/>
+          </p:cNvCxnSpPr>
+          <p:nvPr/>
+        </p:nvCxnSpPr>
+        <p:spPr>
+          <a:xfrm>
+            <a:off x="3695402" y="2615578"/>
+            <a:ext cx="148972" cy="188309"/>
+          </a:xfrm>
+          <a:prstGeom prst="line">
+            <a:avLst/>
+          </a:prstGeom>
+          <a:ln w="28575"/>
+        </p:spPr>
+        <p:style>
+          <a:lnRef idx="1">
+            <a:schemeClr val="dk1"/>
+          </a:lnRef>
+          <a:fillRef idx="0">
+            <a:schemeClr val="dk1"/>
+          </a:fillRef>
+          <a:effectRef idx="0">
+            <a:schemeClr val="dk1"/>
+          </a:effectRef>
+          <a:fontRef idx="minor">
+            <a:schemeClr val="tx1"/>
+          </a:fontRef>
+        </p:style>
+      </p:cxnSp>
+      <p:cxnSp>
+        <p:nvCxnSpPr>
+          <p:cNvPr id="64" name="Straight Connector 63">
+            <a:extLst>
+              <a:ext uri="{FF2B5EF4-FFF2-40B4-BE49-F238E27FC236}">
+                <a16:creationId xmlns:a16="http://schemas.microsoft.com/office/drawing/2014/main" id="{991C3DB2-C936-4D9A-AA5E-5EECAA11DBEA}"/>
+              </a:ext>
+            </a:extLst>
+          </p:cNvPr>
+          <p:cNvCxnSpPr>
+            <a:cxnSpLocks/>
+          </p:cNvCxnSpPr>
+          <p:nvPr/>
+        </p:nvCxnSpPr>
+        <p:spPr>
+          <a:xfrm>
+            <a:off x="3699306" y="2529377"/>
+            <a:ext cx="148972" cy="188309"/>
+          </a:xfrm>
+          <a:prstGeom prst="line">
+            <a:avLst/>
+          </a:prstGeom>
+          <a:ln w="28575"/>
+        </p:spPr>
+        <p:style>
+          <a:lnRef idx="1">
+            <a:schemeClr val="dk1"/>
+          </a:lnRef>
+          <a:fillRef idx="0">
+            <a:schemeClr val="dk1"/>
+          </a:fillRef>
+          <a:effectRef idx="0">
+            <a:schemeClr val="dk1"/>
+          </a:effectRef>
+          <a:fontRef idx="minor">
+            <a:schemeClr val="tx1"/>
+          </a:fontRef>
+        </p:style>
+      </p:cxnSp>
+      <p:cxnSp>
+        <p:nvCxnSpPr>
+          <p:cNvPr id="82" name="Straight Arrow Connector 81">
+            <a:extLst>
+              <a:ext uri="{FF2B5EF4-FFF2-40B4-BE49-F238E27FC236}">
+                <a16:creationId xmlns:a16="http://schemas.microsoft.com/office/drawing/2014/main" id="{528F1FD3-2E37-44F7-BA19-35828CF8DC83}"/>
+              </a:ext>
+            </a:extLst>
+          </p:cNvPr>
+          <p:cNvCxnSpPr>
+            <a:cxnSpLocks/>
+            <a:stCxn id="59" idx="0"/>
+          </p:cNvCxnSpPr>
+          <p:nvPr/>
+        </p:nvCxnSpPr>
+        <p:spPr>
+          <a:xfrm flipV="1">
+            <a:off x="4240696" y="2323707"/>
+            <a:ext cx="6869" cy="548703"/>
+          </a:xfrm>
+          <a:prstGeom prst="straightConnector1">
+            <a:avLst/>
+          </a:prstGeom>
+          <a:ln w="28575">
+            <a:tailEnd type="triangle"/>
+          </a:ln>
+        </p:spPr>
+        <p:style>
+          <a:lnRef idx="1">
+            <a:schemeClr val="dk1"/>
+          </a:lnRef>
+          <a:fillRef idx="0">
+            <a:schemeClr val="dk1"/>
+          </a:fillRef>
+          <a:effectRef idx="0">
+            <a:schemeClr val="dk1"/>
+          </a:effectRef>
+          <a:fontRef idx="minor">
+            <a:schemeClr val="tx1"/>
+          </a:fontRef>
+        </p:style>
+      </p:cxnSp>
+      <p:sp>
+        <p:nvSpPr>
+          <p:cNvPr id="83" name="Arrow: Left-Up 82">
+            <a:extLst>
+              <a:ext uri="{FF2B5EF4-FFF2-40B4-BE49-F238E27FC236}">
+                <a16:creationId xmlns:a16="http://schemas.microsoft.com/office/drawing/2014/main" id="{89B9505F-F8B1-43DD-ACBA-D2943E8C98B5}"/>
+              </a:ext>
+            </a:extLst>
+          </p:cNvPr>
+          <p:cNvSpPr/>
+          <p:nvPr/>
+        </p:nvSpPr>
+        <p:spPr>
+          <a:xfrm rot="5400000">
+            <a:off x="1538772" y="4970652"/>
+            <a:ext cx="616462" cy="638900"/>
+          </a:xfrm>
+          <a:prstGeom prst="leftUpArrow">
+            <a:avLst>
+              <a:gd name="adj1" fmla="val 1"/>
+              <a:gd name="adj2" fmla="val 4449"/>
+              <a:gd name="adj3" fmla="val 20782"/>
+            </a:avLst>
+          </a:prstGeom>
+          <a:solidFill>
+            <a:schemeClr val="tx1"/>
+          </a:solidFill>
+          <a:ln>
+            <a:solidFill>
+              <a:schemeClr val="tx1"/>
+            </a:solidFill>
+          </a:ln>
+        </p:spPr>
+        <p:style>
+          <a:lnRef idx="2">
+            <a:schemeClr val="dk1">
+              <a:shade val="50000"/>
+            </a:schemeClr>
+          </a:lnRef>
+          <a:fillRef idx="1">
+            <a:schemeClr val="dk1"/>
+          </a:fillRef>
+          <a:effectRef idx="0">
+            <a:schemeClr val="dk1"/>
+          </a:effectRef>
+          <a:fontRef idx="minor">
+            <a:schemeClr val="lt1"/>
+          </a:fontRef>
+        </p:style>
+        <p:txBody>
+          <a:bodyPr rtlCol="0" anchor="ctr"/>
+          <a:lstStyle/>
+          <a:p>
+            <a:pPr algn="ctr"/>
+            <a:endParaRPr lang="en-DE"/>
+          </a:p>
+        </p:txBody>
+      </p:sp>
+      <p:sp>
+        <p:nvSpPr>
+          <p:cNvPr id="84" name="TextBox 83">
+            <a:extLst>
+              <a:ext uri="{FF2B5EF4-FFF2-40B4-BE49-F238E27FC236}">
+                <a16:creationId xmlns:a16="http://schemas.microsoft.com/office/drawing/2014/main" id="{916CB2C6-0D95-416B-8F32-E79172A025FB}"/>
+              </a:ext>
+            </a:extLst>
+          </p:cNvPr>
+          <p:cNvSpPr txBox="1"/>
+          <p:nvPr/>
+        </p:nvSpPr>
+        <p:spPr>
+          <a:xfrm>
+            <a:off x="1536639" y="4739334"/>
+            <a:ext cx="290464" cy="369332"/>
+          </a:xfrm>
+          <a:prstGeom prst="rect">
+            <a:avLst/>
+          </a:prstGeom>
+          <a:noFill/>
+        </p:spPr>
+        <p:txBody>
+          <a:bodyPr wrap="square" rtlCol="0">
+            <a:spAutoFit/>
+          </a:bodyPr>
+          <a:lstStyle/>
+          <a:p>
+            <a:r>
+              <a:rPr lang="en-US" b="1" i="1" dirty="0"/>
+              <a:t>x</a:t>
+            </a:r>
+            <a:endParaRPr lang="en-DE" b="1" i="1" dirty="0"/>
+          </a:p>
+        </p:txBody>
+      </p:sp>
+      <p:sp>
+        <p:nvSpPr>
+          <p:cNvPr id="85" name="TextBox 84">
+            <a:extLst>
+              <a:ext uri="{FF2B5EF4-FFF2-40B4-BE49-F238E27FC236}">
+                <a16:creationId xmlns:a16="http://schemas.microsoft.com/office/drawing/2014/main" id="{A27EC721-6005-4871-AF1D-80424751B20D}"/>
+              </a:ext>
+            </a:extLst>
+          </p:cNvPr>
+          <p:cNvSpPr txBox="1"/>
+          <p:nvPr/>
+        </p:nvSpPr>
+        <p:spPr>
+          <a:xfrm>
+            <a:off x="1405833" y="5523320"/>
+            <a:ext cx="276038" cy="369332"/>
+          </a:xfrm>
+          <a:prstGeom prst="rect">
+            <a:avLst/>
+          </a:prstGeom>
+          <a:noFill/>
+        </p:spPr>
+        <p:txBody>
+          <a:bodyPr wrap="square" rtlCol="0">
+            <a:spAutoFit/>
+          </a:bodyPr>
+          <a:lstStyle/>
+          <a:p>
+            <a:r>
+              <a:rPr lang="en-US" b="1" i="1" dirty="0"/>
+              <a:t>z</a:t>
+            </a:r>
+            <a:endParaRPr lang="en-DE" b="1" i="1" dirty="0"/>
+          </a:p>
+        </p:txBody>
+      </p:sp>
+      <p:sp>
+        <p:nvSpPr>
+          <p:cNvPr id="86" name="TextBox 85">
+            <a:extLst>
+              <a:ext uri="{FF2B5EF4-FFF2-40B4-BE49-F238E27FC236}">
+                <a16:creationId xmlns:a16="http://schemas.microsoft.com/office/drawing/2014/main" id="{DF131A4E-0C61-417E-9A29-71FE3A17B449}"/>
+              </a:ext>
+            </a:extLst>
+          </p:cNvPr>
+          <p:cNvSpPr txBox="1"/>
+          <p:nvPr/>
+        </p:nvSpPr>
+        <p:spPr>
+          <a:xfrm>
+            <a:off x="1980044" y="5153988"/>
+            <a:ext cx="293670" cy="369332"/>
+          </a:xfrm>
+          <a:prstGeom prst="rect">
+            <a:avLst/>
+          </a:prstGeom>
+          <a:noFill/>
+        </p:spPr>
+        <p:txBody>
+          <a:bodyPr wrap="square" rtlCol="0">
+            <a:spAutoFit/>
+          </a:bodyPr>
+          <a:lstStyle/>
+          <a:p>
+            <a:r>
+              <a:rPr lang="en-US" b="1" i="1" dirty="0"/>
+              <a:t>y</a:t>
+            </a:r>
+            <a:endParaRPr lang="en-DE" b="1" i="1" dirty="0"/>
+          </a:p>
+        </p:txBody>
+      </p:sp>
+      <p:sp>
+        <p:nvSpPr>
+          <p:cNvPr id="87" name="TextBox 86">
+            <a:extLst>
+              <a:ext uri="{FF2B5EF4-FFF2-40B4-BE49-F238E27FC236}">
+                <a16:creationId xmlns:a16="http://schemas.microsoft.com/office/drawing/2014/main" id="{1305C634-783E-4A69-9C64-FF7327C79AE3}"/>
+              </a:ext>
+            </a:extLst>
+          </p:cNvPr>
+          <p:cNvSpPr txBox="1"/>
+          <p:nvPr/>
+        </p:nvSpPr>
+        <p:spPr>
+          <a:xfrm>
+            <a:off x="4247565" y="2178399"/>
+            <a:ext cx="481253" cy="369332"/>
+          </a:xfrm>
+          <a:prstGeom prst="rect">
+            <a:avLst/>
+          </a:prstGeom>
+          <a:noFill/>
+        </p:spPr>
+        <p:txBody>
+          <a:bodyPr wrap="square" rtlCol="0">
+            <a:spAutoFit/>
+          </a:bodyPr>
+          <a:lstStyle/>
+          <a:p>
+            <a:r>
+              <a:rPr lang="en-US" sz="1600" b="1" dirty="0" err="1"/>
+              <a:t>U</a:t>
+            </a:r>
+            <a:r>
+              <a:rPr lang="en-US" sz="1600" b="1" baseline="-25000" dirty="0" err="1"/>
+              <a:t>x</a:t>
+            </a:r>
+            <a:r>
+              <a:rPr lang="en-US" b="1" baseline="-25000" dirty="0"/>
+              <a:t> </a:t>
+            </a:r>
+            <a:endParaRPr lang="en-DE" b="1" dirty="0"/>
+          </a:p>
+        </p:txBody>
+      </p:sp>
+      <p:cxnSp>
+        <p:nvCxnSpPr>
+          <p:cNvPr id="90" name="Straight Connector 89">
+            <a:extLst>
+              <a:ext uri="{FF2B5EF4-FFF2-40B4-BE49-F238E27FC236}">
+                <a16:creationId xmlns:a16="http://schemas.microsoft.com/office/drawing/2014/main" id="{BEA4294D-9328-4A5C-AEBC-18AD84CE0A97}"/>
+              </a:ext>
+            </a:extLst>
+          </p:cNvPr>
+          <p:cNvCxnSpPr>
+            <a:cxnSpLocks/>
+            <a:stCxn id="11" idx="1"/>
+          </p:cNvCxnSpPr>
+          <p:nvPr/>
+        </p:nvCxnSpPr>
+        <p:spPr>
+          <a:xfrm>
+            <a:off x="9475305" y="1579626"/>
+            <a:ext cx="490330" cy="0"/>
+          </a:xfrm>
+          <a:prstGeom prst="line">
+            <a:avLst/>
+          </a:prstGeom>
+          <a:ln>
+            <a:solidFill>
+              <a:schemeClr val="tx1"/>
+            </a:solidFill>
+          </a:ln>
+        </p:spPr>
+        <p:style>
+          <a:lnRef idx="1">
+            <a:schemeClr val="dk1"/>
+          </a:lnRef>
+          <a:fillRef idx="0">
+            <a:schemeClr val="dk1"/>
+          </a:fillRef>
+          <a:effectRef idx="0">
+            <a:schemeClr val="dk1"/>
+          </a:effectRef>
+          <a:fontRef idx="minor">
+            <a:schemeClr val="tx1"/>
+          </a:fontRef>
+        </p:style>
+      </p:cxnSp>
+      <p:cxnSp>
+        <p:nvCxnSpPr>
+          <p:cNvPr id="93" name="Straight Arrow Connector 92">
+            <a:extLst>
+              <a:ext uri="{FF2B5EF4-FFF2-40B4-BE49-F238E27FC236}">
+                <a16:creationId xmlns:a16="http://schemas.microsoft.com/office/drawing/2014/main" id="{5FBF968C-FE59-4DA3-A6AA-6D73B0E6274F}"/>
+              </a:ext>
+            </a:extLst>
+          </p:cNvPr>
+          <p:cNvCxnSpPr/>
+          <p:nvPr/>
+        </p:nvCxnSpPr>
+        <p:spPr>
+          <a:xfrm>
+            <a:off x="9806609" y="1579626"/>
+            <a:ext cx="0" cy="3005581"/>
+          </a:xfrm>
+          <a:prstGeom prst="straightConnector1">
+            <a:avLst/>
+          </a:prstGeom>
+          <a:ln w="19050">
+            <a:solidFill>
+              <a:schemeClr val="tx1"/>
+            </a:solidFill>
+            <a:headEnd type="triangle"/>
+            <a:tailEnd type="triangle"/>
+          </a:ln>
+        </p:spPr>
+        <p:style>
+          <a:lnRef idx="1">
+            <a:schemeClr val="dk1"/>
+          </a:lnRef>
+          <a:fillRef idx="0">
+            <a:schemeClr val="dk1"/>
+          </a:fillRef>
+          <a:effectRef idx="0">
+            <a:schemeClr val="dk1"/>
+          </a:effectRef>
+          <a:fontRef idx="minor">
+            <a:schemeClr val="tx1"/>
+          </a:fontRef>
+        </p:style>
+      </p:cxnSp>
+      <p:cxnSp>
+        <p:nvCxnSpPr>
+          <p:cNvPr id="95" name="Straight Connector 94">
+            <a:extLst>
+              <a:ext uri="{FF2B5EF4-FFF2-40B4-BE49-F238E27FC236}">
+                <a16:creationId xmlns:a16="http://schemas.microsoft.com/office/drawing/2014/main" id="{07CCE107-641E-47B5-9D29-C2FF26EC2991}"/>
+              </a:ext>
+            </a:extLst>
+          </p:cNvPr>
+          <p:cNvCxnSpPr>
+            <a:cxnSpLocks/>
+          </p:cNvCxnSpPr>
+          <p:nvPr/>
+        </p:nvCxnSpPr>
+        <p:spPr>
+          <a:xfrm>
+            <a:off x="9475305" y="4543295"/>
+            <a:ext cx="490330" cy="0"/>
+          </a:xfrm>
+          <a:prstGeom prst="line">
+            <a:avLst/>
+          </a:prstGeom>
+          <a:ln>
+            <a:solidFill>
+              <a:schemeClr val="tx1"/>
+            </a:solidFill>
+          </a:ln>
+        </p:spPr>
+        <p:style>
+          <a:lnRef idx="1">
+            <a:schemeClr val="dk1"/>
+          </a:lnRef>
+          <a:fillRef idx="0">
+            <a:schemeClr val="dk1"/>
+          </a:fillRef>
+          <a:effectRef idx="0">
+            <a:schemeClr val="dk1"/>
+          </a:effectRef>
+          <a:fontRef idx="minor">
+            <a:schemeClr val="tx1"/>
+          </a:fontRef>
+        </p:style>
+      </p:cxnSp>
+      <p:cxnSp>
+        <p:nvCxnSpPr>
+          <p:cNvPr id="97" name="Straight Connector 96">
+            <a:extLst>
+              <a:ext uri="{FF2B5EF4-FFF2-40B4-BE49-F238E27FC236}">
+                <a16:creationId xmlns:a16="http://schemas.microsoft.com/office/drawing/2014/main" id="{02A51862-28B1-4A20-AECA-8AA52FDC594D}"/>
+              </a:ext>
+            </a:extLst>
+          </p:cNvPr>
+          <p:cNvCxnSpPr>
+            <a:stCxn id="11" idx="5"/>
+          </p:cNvCxnSpPr>
+          <p:nvPr/>
+        </p:nvCxnSpPr>
+        <p:spPr>
+          <a:xfrm flipH="1" flipV="1">
+            <a:off x="2455995" y="4346713"/>
+            <a:ext cx="421944" cy="3894"/>
+          </a:xfrm>
+          <a:prstGeom prst="line">
+            <a:avLst/>
+          </a:prstGeom>
+        </p:spPr>
+        <p:style>
+          <a:lnRef idx="1">
+            <a:schemeClr val="dk1"/>
+          </a:lnRef>
+          <a:fillRef idx="0">
+            <a:schemeClr val="dk1"/>
+          </a:fillRef>
+          <a:effectRef idx="0">
+            <a:schemeClr val="dk1"/>
+          </a:effectRef>
+          <a:fontRef idx="minor">
+            <a:schemeClr val="tx1"/>
+          </a:fontRef>
+        </p:style>
+      </p:cxnSp>
+      <p:cxnSp>
+        <p:nvCxnSpPr>
+          <p:cNvPr id="99" name="Straight Connector 98">
+            <a:extLst>
+              <a:ext uri="{FF2B5EF4-FFF2-40B4-BE49-F238E27FC236}">
+                <a16:creationId xmlns:a16="http://schemas.microsoft.com/office/drawing/2014/main" id="{A5DCC507-562F-4D3F-B4B5-57BB9649523F}"/>
+              </a:ext>
+            </a:extLst>
+          </p:cNvPr>
+          <p:cNvCxnSpPr>
+            <a:cxnSpLocks/>
+            <a:stCxn id="11" idx="3"/>
+          </p:cNvCxnSpPr>
+          <p:nvPr/>
+        </p:nvCxnSpPr>
+        <p:spPr>
+          <a:xfrm flipH="1">
+            <a:off x="2455995" y="4574617"/>
+            <a:ext cx="3043567" cy="0"/>
+          </a:xfrm>
+          <a:prstGeom prst="line">
+            <a:avLst/>
+          </a:prstGeom>
+        </p:spPr>
+        <p:style>
+          <a:lnRef idx="1">
+            <a:schemeClr val="dk1"/>
+          </a:lnRef>
+          <a:fillRef idx="0">
+            <a:schemeClr val="dk1"/>
+          </a:fillRef>
+          <a:effectRef idx="0">
+            <a:schemeClr val="dk1"/>
+          </a:effectRef>
+          <a:fontRef idx="minor">
+            <a:schemeClr val="tx1"/>
+          </a:fontRef>
+        </p:style>
+      </p:cxnSp>
+      <p:cxnSp>
+        <p:nvCxnSpPr>
+          <p:cNvPr id="102" name="Straight Arrow Connector 101">
+            <a:extLst>
+              <a:ext uri="{FF2B5EF4-FFF2-40B4-BE49-F238E27FC236}">
+                <a16:creationId xmlns:a16="http://schemas.microsoft.com/office/drawing/2014/main" id="{972DD00D-4605-41DD-B1D7-D5B1FA4D3120}"/>
+              </a:ext>
+            </a:extLst>
+          </p:cNvPr>
+          <p:cNvCxnSpPr/>
+          <p:nvPr/>
+        </p:nvCxnSpPr>
+        <p:spPr>
+          <a:xfrm>
+            <a:off x="2563256" y="4346713"/>
+            <a:ext cx="0" cy="196582"/>
+          </a:xfrm>
+          <a:prstGeom prst="straightConnector1">
+            <a:avLst/>
+          </a:prstGeom>
+          <a:ln w="19050">
+            <a:solidFill>
+              <a:schemeClr val="tx1"/>
+            </a:solidFill>
+            <a:headEnd type="triangle"/>
+            <a:tailEnd type="triangle"/>
+          </a:ln>
+        </p:spPr>
+        <p:style>
+          <a:lnRef idx="1">
+            <a:schemeClr val="dk1"/>
+          </a:lnRef>
+          <a:fillRef idx="0">
+            <a:schemeClr val="dk1"/>
+          </a:fillRef>
+          <a:effectRef idx="0">
+            <a:schemeClr val="dk1"/>
+          </a:effectRef>
+          <a:fontRef idx="minor">
+            <a:schemeClr val="tx1"/>
+          </a:fontRef>
+        </p:style>
+      </p:cxnSp>
+      <p:cxnSp>
+        <p:nvCxnSpPr>
+          <p:cNvPr id="104" name="Straight Connector 103">
+            <a:extLst>
+              <a:ext uri="{FF2B5EF4-FFF2-40B4-BE49-F238E27FC236}">
+                <a16:creationId xmlns:a16="http://schemas.microsoft.com/office/drawing/2014/main" id="{88CC30D7-2903-4E88-9513-D5CD4DFCC0EF}"/>
+              </a:ext>
+            </a:extLst>
+          </p:cNvPr>
+          <p:cNvCxnSpPr>
+            <a:stCxn id="11" idx="5"/>
+          </p:cNvCxnSpPr>
+          <p:nvPr/>
+        </p:nvCxnSpPr>
+        <p:spPr>
+          <a:xfrm>
+            <a:off x="2877939" y="4350607"/>
+            <a:ext cx="0" cy="601691"/>
+          </a:xfrm>
+          <a:prstGeom prst="line">
+            <a:avLst/>
+          </a:prstGeom>
+        </p:spPr>
+        <p:style>
+          <a:lnRef idx="1">
+            <a:schemeClr val="dk1"/>
+          </a:lnRef>
+          <a:fillRef idx="0">
+            <a:schemeClr val="dk1"/>
+          </a:fillRef>
+          <a:effectRef idx="0">
+            <a:schemeClr val="dk1"/>
+          </a:effectRef>
+          <a:fontRef idx="minor">
+            <a:schemeClr val="tx1"/>
+          </a:fontRef>
+        </p:style>
+      </p:cxnSp>
+      <p:cxnSp>
+        <p:nvCxnSpPr>
+          <p:cNvPr id="106" name="Straight Connector 105">
+            <a:extLst>
+              <a:ext uri="{FF2B5EF4-FFF2-40B4-BE49-F238E27FC236}">
+                <a16:creationId xmlns:a16="http://schemas.microsoft.com/office/drawing/2014/main" id="{CD82834C-2612-424E-9322-396D86C7A54C}"/>
+              </a:ext>
+            </a:extLst>
+          </p:cNvPr>
+          <p:cNvCxnSpPr>
+            <a:stCxn id="11" idx="4"/>
+          </p:cNvCxnSpPr>
+          <p:nvPr/>
+        </p:nvCxnSpPr>
+        <p:spPr>
+          <a:xfrm>
+            <a:off x="5499562" y="4350607"/>
+            <a:ext cx="0" cy="612285"/>
+          </a:xfrm>
+          <a:prstGeom prst="line">
+            <a:avLst/>
+          </a:prstGeom>
+        </p:spPr>
+        <p:style>
+          <a:lnRef idx="1">
+            <a:schemeClr val="dk1"/>
+          </a:lnRef>
+          <a:fillRef idx="0">
+            <a:schemeClr val="dk1"/>
+          </a:fillRef>
+          <a:effectRef idx="0">
+            <a:schemeClr val="dk1"/>
+          </a:effectRef>
+          <a:fontRef idx="minor">
+            <a:schemeClr val="tx1"/>
+          </a:fontRef>
+        </p:style>
+      </p:cxnSp>
+      <p:cxnSp>
+        <p:nvCxnSpPr>
+          <p:cNvPr id="108" name="Straight Arrow Connector 107">
+            <a:extLst>
+              <a:ext uri="{FF2B5EF4-FFF2-40B4-BE49-F238E27FC236}">
+                <a16:creationId xmlns:a16="http://schemas.microsoft.com/office/drawing/2014/main" id="{4B61D75D-7B48-430F-B8D5-EFC23B8DE668}"/>
+              </a:ext>
+            </a:extLst>
+          </p:cNvPr>
+          <p:cNvCxnSpPr/>
+          <p:nvPr/>
+        </p:nvCxnSpPr>
+        <p:spPr>
+          <a:xfrm>
+            <a:off x="2877939" y="4843132"/>
+            <a:ext cx="2621623" cy="0"/>
+          </a:xfrm>
+          <a:prstGeom prst="straightConnector1">
+            <a:avLst/>
+          </a:prstGeom>
+          <a:ln w="19050">
+            <a:headEnd type="triangle"/>
+            <a:tailEnd type="triangle"/>
+          </a:ln>
+        </p:spPr>
+        <p:style>
+          <a:lnRef idx="1">
+            <a:schemeClr val="dk1"/>
+          </a:lnRef>
+          <a:fillRef idx="0">
+            <a:schemeClr val="dk1"/>
+          </a:fillRef>
+          <a:effectRef idx="0">
+            <a:schemeClr val="dk1"/>
+          </a:effectRef>
+          <a:fontRef idx="minor">
+            <a:schemeClr val="tx1"/>
+          </a:fontRef>
+        </p:style>
+      </p:cxnSp>
+      <p:cxnSp>
+        <p:nvCxnSpPr>
+          <p:cNvPr id="114" name="Straight Connector 113">
+            <a:extLst>
+              <a:ext uri="{FF2B5EF4-FFF2-40B4-BE49-F238E27FC236}">
+                <a16:creationId xmlns:a16="http://schemas.microsoft.com/office/drawing/2014/main" id="{E3EA699F-9251-47F8-801E-0FE77A30D224}"/>
+              </a:ext>
+            </a:extLst>
+          </p:cNvPr>
+          <p:cNvCxnSpPr>
+            <a:stCxn id="11" idx="0"/>
+          </p:cNvCxnSpPr>
+          <p:nvPr/>
+        </p:nvCxnSpPr>
+        <p:spPr>
+          <a:xfrm flipV="1">
+            <a:off x="2877939" y="914400"/>
+            <a:ext cx="0" cy="665226"/>
+          </a:xfrm>
+          <a:prstGeom prst="line">
+            <a:avLst/>
+          </a:prstGeom>
+        </p:spPr>
+        <p:style>
+          <a:lnRef idx="1">
+            <a:schemeClr val="dk1"/>
+          </a:lnRef>
+          <a:fillRef idx="0">
+            <a:schemeClr val="dk1"/>
+          </a:fillRef>
+          <a:effectRef idx="0">
+            <a:schemeClr val="dk1"/>
+          </a:effectRef>
+          <a:fontRef idx="minor">
+            <a:schemeClr val="tx1"/>
+          </a:fontRef>
+        </p:style>
+      </p:cxnSp>
+      <p:cxnSp>
+        <p:nvCxnSpPr>
+          <p:cNvPr id="118" name="Straight Arrow Connector 117">
+            <a:extLst>
+              <a:ext uri="{FF2B5EF4-FFF2-40B4-BE49-F238E27FC236}">
+                <a16:creationId xmlns:a16="http://schemas.microsoft.com/office/drawing/2014/main" id="{B7D37F77-99A2-4C69-BCFA-1E5927953C16}"/>
+              </a:ext>
+            </a:extLst>
+          </p:cNvPr>
+          <p:cNvCxnSpPr/>
+          <p:nvPr/>
+        </p:nvCxnSpPr>
+        <p:spPr>
+          <a:xfrm>
+            <a:off x="2897199" y="1126435"/>
+            <a:ext cx="6597366" cy="0"/>
+          </a:xfrm>
+          <a:prstGeom prst="straightConnector1">
+            <a:avLst/>
+          </a:prstGeom>
+          <a:ln w="19050">
+            <a:solidFill>
+              <a:schemeClr val="tx1"/>
+            </a:solidFill>
+            <a:headEnd type="triangle"/>
+            <a:tailEnd type="triangle"/>
+          </a:ln>
+        </p:spPr>
+        <p:style>
+          <a:lnRef idx="1">
+            <a:schemeClr val="dk1"/>
+          </a:lnRef>
+          <a:fillRef idx="0">
+            <a:schemeClr val="dk1"/>
+          </a:fillRef>
+          <a:effectRef idx="0">
+            <a:schemeClr val="dk1"/>
+          </a:effectRef>
+          <a:fontRef idx="minor">
+            <a:schemeClr val="tx1"/>
+          </a:fontRef>
+        </p:style>
+      </p:cxnSp>
+      <p:cxnSp>
+        <p:nvCxnSpPr>
+          <p:cNvPr id="119" name="Straight Connector 118">
+            <a:extLst>
+              <a:ext uri="{FF2B5EF4-FFF2-40B4-BE49-F238E27FC236}">
+                <a16:creationId xmlns:a16="http://schemas.microsoft.com/office/drawing/2014/main" id="{48B2B282-400C-4DD0-8497-D12F8DB25EDE}"/>
+              </a:ext>
+            </a:extLst>
+          </p:cNvPr>
+          <p:cNvCxnSpPr/>
+          <p:nvPr/>
+        </p:nvCxnSpPr>
+        <p:spPr>
+          <a:xfrm flipV="1">
+            <a:off x="9475305" y="914400"/>
+            <a:ext cx="0" cy="665226"/>
+          </a:xfrm>
+          <a:prstGeom prst="line">
+            <a:avLst/>
+          </a:prstGeom>
+        </p:spPr>
+        <p:style>
+          <a:lnRef idx="1">
+            <a:schemeClr val="dk1"/>
+          </a:lnRef>
+          <a:fillRef idx="0">
+            <a:schemeClr val="dk1"/>
+          </a:fillRef>
+          <a:effectRef idx="0">
+            <a:schemeClr val="dk1"/>
+          </a:effectRef>
+          <a:fontRef idx="minor">
+            <a:schemeClr val="tx1"/>
+          </a:fontRef>
+        </p:style>
+      </p:cxnSp>
+      <p:cxnSp>
+        <p:nvCxnSpPr>
+          <p:cNvPr id="121" name="Straight Arrow Connector 120">
+            <a:extLst>
+              <a:ext uri="{FF2B5EF4-FFF2-40B4-BE49-F238E27FC236}">
+                <a16:creationId xmlns:a16="http://schemas.microsoft.com/office/drawing/2014/main" id="{3F0E72F6-4532-4688-B477-44099FE1F147}"/>
+              </a:ext>
+            </a:extLst>
+          </p:cNvPr>
+          <p:cNvCxnSpPr>
+            <a:stCxn id="59" idx="0"/>
+            <a:endCxn id="8" idx="5"/>
+          </p:cNvCxnSpPr>
+          <p:nvPr/>
+        </p:nvCxnSpPr>
+        <p:spPr>
+          <a:xfrm>
+            <a:off x="4240696" y="2872410"/>
+            <a:ext cx="480250" cy="459164"/>
+          </a:xfrm>
+          <a:prstGeom prst="straightConnector1">
+            <a:avLst/>
+          </a:prstGeom>
+          <a:ln w="19050">
+            <a:solidFill>
+              <a:schemeClr val="tx1"/>
+            </a:solidFill>
+            <a:tailEnd type="triangle"/>
+          </a:ln>
+        </p:spPr>
+        <p:style>
+          <a:lnRef idx="1">
+            <a:schemeClr val="dk1"/>
+          </a:lnRef>
+          <a:fillRef idx="0">
+            <a:schemeClr val="dk1"/>
+          </a:fillRef>
+          <a:effectRef idx="0">
+            <a:schemeClr val="dk1"/>
+          </a:effectRef>
+          <a:fontRef idx="minor">
+            <a:schemeClr val="tx1"/>
+          </a:fontRef>
+        </p:style>
+      </p:cxnSp>
+      <p:sp>
+        <p:nvSpPr>
+          <p:cNvPr id="123" name="TextBox 122">
+            <a:extLst>
+              <a:ext uri="{FF2B5EF4-FFF2-40B4-BE49-F238E27FC236}">
+                <a16:creationId xmlns:a16="http://schemas.microsoft.com/office/drawing/2014/main" id="{535AF2B1-3ECD-4AB5-95D9-AB7E11347A1C}"/>
+              </a:ext>
+            </a:extLst>
+          </p:cNvPr>
+          <p:cNvSpPr txBox="1"/>
+          <p:nvPr/>
+        </p:nvSpPr>
+        <p:spPr>
+          <a:xfrm>
+            <a:off x="5886648" y="799033"/>
+            <a:ext cx="593432" cy="369332"/>
+          </a:xfrm>
+          <a:prstGeom prst="rect">
+            <a:avLst/>
+          </a:prstGeom>
+          <a:noFill/>
+        </p:spPr>
+        <p:txBody>
+          <a:bodyPr wrap="none" rtlCol="0">
+            <a:spAutoFit/>
+          </a:bodyPr>
+          <a:lstStyle/>
+          <a:p>
+            <a:r>
+              <a:rPr lang="en-US" dirty="0"/>
+              <a:t>62.5</a:t>
+            </a:r>
+            <a:endParaRPr lang="en-DE" dirty="0"/>
+          </a:p>
+        </p:txBody>
+      </p:sp>
+      <p:sp>
+        <p:nvSpPr>
+          <p:cNvPr id="124" name="TextBox 123">
+            <a:extLst>
+              <a:ext uri="{FF2B5EF4-FFF2-40B4-BE49-F238E27FC236}">
+                <a16:creationId xmlns:a16="http://schemas.microsoft.com/office/drawing/2014/main" id="{AA915204-0113-4F24-ADBA-2C250D6CF6D0}"/>
+              </a:ext>
+            </a:extLst>
+          </p:cNvPr>
+          <p:cNvSpPr txBox="1"/>
+          <p:nvPr/>
+        </p:nvSpPr>
+        <p:spPr>
+          <a:xfrm>
+            <a:off x="3928776" y="4804058"/>
+            <a:ext cx="593432" cy="369332"/>
+          </a:xfrm>
+          <a:prstGeom prst="rect">
+            <a:avLst/>
+          </a:prstGeom>
+          <a:noFill/>
+        </p:spPr>
+        <p:txBody>
+          <a:bodyPr wrap="none" rtlCol="0">
+            <a:spAutoFit/>
+          </a:bodyPr>
+          <a:lstStyle/>
+          <a:p>
+            <a:r>
+              <a:rPr lang="en-US" dirty="0"/>
+              <a:t>22.5</a:t>
+            </a:r>
+            <a:endParaRPr lang="en-DE" dirty="0"/>
+          </a:p>
+        </p:txBody>
+      </p:sp>
+      <p:sp>
+        <p:nvSpPr>
+          <p:cNvPr id="125" name="TextBox 124">
+            <a:extLst>
+              <a:ext uri="{FF2B5EF4-FFF2-40B4-BE49-F238E27FC236}">
+                <a16:creationId xmlns:a16="http://schemas.microsoft.com/office/drawing/2014/main" id="{F8DBCEFB-8AE8-496E-A5BA-D95766C44A3B}"/>
+              </a:ext>
+            </a:extLst>
+          </p:cNvPr>
+          <p:cNvSpPr txBox="1"/>
+          <p:nvPr/>
+        </p:nvSpPr>
+        <p:spPr>
+          <a:xfrm rot="16200000">
+            <a:off x="9450619" y="2861136"/>
+            <a:ext cx="418704" cy="369332"/>
+          </a:xfrm>
+          <a:prstGeom prst="rect">
+            <a:avLst/>
+          </a:prstGeom>
+          <a:noFill/>
+        </p:spPr>
+        <p:txBody>
+          <a:bodyPr wrap="none" rtlCol="0">
+            <a:spAutoFit/>
+          </a:bodyPr>
+          <a:lstStyle/>
+          <a:p>
+            <a:r>
+              <a:rPr lang="en-US" dirty="0"/>
+              <a:t>30</a:t>
+            </a:r>
+            <a:endParaRPr lang="en-DE" dirty="0"/>
+          </a:p>
+        </p:txBody>
+      </p:sp>
+      <p:sp>
+        <p:nvSpPr>
+          <p:cNvPr id="126" name="TextBox 125">
+            <a:extLst>
+              <a:ext uri="{FF2B5EF4-FFF2-40B4-BE49-F238E27FC236}">
+                <a16:creationId xmlns:a16="http://schemas.microsoft.com/office/drawing/2014/main" id="{1FD4FDFD-869B-4A3F-86F8-125F9900EDE1}"/>
+              </a:ext>
+            </a:extLst>
+          </p:cNvPr>
+          <p:cNvSpPr txBox="1"/>
+          <p:nvPr/>
+        </p:nvSpPr>
+        <p:spPr>
+          <a:xfrm rot="5400000">
+            <a:off x="2210589" y="4285966"/>
+            <a:ext cx="301686" cy="369332"/>
+          </a:xfrm>
+          <a:prstGeom prst="rect">
+            <a:avLst/>
+          </a:prstGeom>
+          <a:noFill/>
+        </p:spPr>
+        <p:txBody>
+          <a:bodyPr wrap="none" rtlCol="0">
+            <a:spAutoFit/>
+          </a:bodyPr>
+          <a:lstStyle/>
+          <a:p>
+            <a:r>
+              <a:rPr lang="en-US" dirty="0"/>
+              <a:t>1</a:t>
+            </a:r>
+            <a:endParaRPr lang="en-DE" dirty="0"/>
+          </a:p>
+        </p:txBody>
+      </p:sp>
+      <p:sp>
+        <p:nvSpPr>
+          <p:cNvPr id="127" name="TextBox 126">
+            <a:extLst>
+              <a:ext uri="{FF2B5EF4-FFF2-40B4-BE49-F238E27FC236}">
+                <a16:creationId xmlns:a16="http://schemas.microsoft.com/office/drawing/2014/main" id="{60462C7E-A292-437A-A9EC-9B40A07226E3}"/>
+              </a:ext>
+            </a:extLst>
+          </p:cNvPr>
+          <p:cNvSpPr txBox="1"/>
+          <p:nvPr/>
+        </p:nvSpPr>
+        <p:spPr>
+          <a:xfrm>
+            <a:off x="4338458" y="2789715"/>
+            <a:ext cx="603050" cy="338554"/>
+          </a:xfrm>
+          <a:prstGeom prst="rect">
+            <a:avLst/>
+          </a:prstGeom>
+          <a:noFill/>
+        </p:spPr>
+        <p:txBody>
+          <a:bodyPr wrap="none" rtlCol="0">
+            <a:spAutoFit/>
+          </a:bodyPr>
+          <a:lstStyle/>
+          <a:p>
+            <a:r>
+              <a:rPr lang="en-US" sz="1600" dirty="0"/>
+              <a:t>R 6.5</a:t>
+            </a:r>
+            <a:endParaRPr lang="en-DE" sz="1600" dirty="0"/>
+          </a:p>
+        </p:txBody>
+      </p:sp>
+    </p:spTree>
+    <p:extLst>
+      <p:ext uri="{BB962C8B-B14F-4D97-AF65-F5344CB8AC3E}">
+        <p14:creationId xmlns:p14="http://schemas.microsoft.com/office/powerpoint/2010/main" val="1557781246"/>
+      </p:ext>
+    </p:extLst>
+  </p:cSld>
+  <p:clrMapOvr>
+    <a:masterClrMapping/>
+  </p:clrMapOvr>
+</p:sld>
+</file>
+
+<file path=ppt/slides/slide3.xml><?xml version="1.0" encoding="utf-8"?>
+<p:sld xmlns:a="http://schemas.openxmlformats.org/drawingml/2006/main" xmlns:r="http://schemas.openxmlformats.org/officeDocument/2006/relationships" xmlns:p="http://schemas.openxmlformats.org/presentationml/2006/main">
+  <p:cSld>
+    <p:spTree>
+      <p:nvGrpSpPr>
+        <p:cNvPr id="1" name=""/>
+        <p:cNvGrpSpPr/>
+        <p:nvPr/>
+      </p:nvGrpSpPr>
+      <p:grpSpPr>
+        <a:xfrm>
+          <a:off x="0" y="0"/>
+          <a:ext cx="0" cy="0"/>
+          <a:chOff x="0" y="0"/>
+          <a:chExt cx="0" cy="0"/>
+        </a:xfrm>
+      </p:grpSpPr>
+      <p:sp>
+        <p:nvSpPr>
+          <p:cNvPr id="2" name="Arrow: Left-Up 1">
+            <a:extLst>
+              <a:ext uri="{FF2B5EF4-FFF2-40B4-BE49-F238E27FC236}">
+                <a16:creationId xmlns:a16="http://schemas.microsoft.com/office/drawing/2014/main" id="{F1169EFE-74D8-4DE4-B31D-2D9670CBBF94}"/>
+              </a:ext>
+            </a:extLst>
+          </p:cNvPr>
+          <p:cNvSpPr/>
+          <p:nvPr/>
+        </p:nvSpPr>
+        <p:spPr>
+          <a:xfrm rot="5400000">
+            <a:off x="470829" y="5497946"/>
+            <a:ext cx="616462" cy="638900"/>
+          </a:xfrm>
+          <a:prstGeom prst="leftUpArrow">
+            <a:avLst>
+              <a:gd name="adj1" fmla="val 1"/>
+              <a:gd name="adj2" fmla="val 4449"/>
+              <a:gd name="adj3" fmla="val 20782"/>
+            </a:avLst>
+          </a:prstGeom>
+          <a:solidFill>
+            <a:schemeClr val="tx1"/>
+          </a:solidFill>
+          <a:ln>
+            <a:solidFill>
+              <a:schemeClr val="tx1"/>
+            </a:solidFill>
+          </a:ln>
+        </p:spPr>
+        <p:style>
+          <a:lnRef idx="2">
+            <a:schemeClr val="dk1">
+              <a:shade val="50000"/>
+            </a:schemeClr>
+          </a:lnRef>
+          <a:fillRef idx="1">
+            <a:schemeClr val="dk1"/>
+          </a:fillRef>
+          <a:effectRef idx="0">
+            <a:schemeClr val="dk1"/>
+          </a:effectRef>
+          <a:fontRef idx="minor">
+            <a:schemeClr val="lt1"/>
+          </a:fontRef>
+        </p:style>
+        <p:txBody>
+          <a:bodyPr rtlCol="0" anchor="ctr"/>
+          <a:lstStyle/>
+          <a:p>
+            <a:pPr algn="ctr"/>
+            <a:endParaRPr lang="en-DE"/>
+          </a:p>
+        </p:txBody>
+      </p:sp>
+      <p:sp>
+        <p:nvSpPr>
+          <p:cNvPr id="3" name="TextBox 2">
+            <a:extLst>
+              <a:ext uri="{FF2B5EF4-FFF2-40B4-BE49-F238E27FC236}">
+                <a16:creationId xmlns:a16="http://schemas.microsoft.com/office/drawing/2014/main" id="{A57AC0DE-7597-4E60-B43C-6671BD6A4CA8}"/>
+              </a:ext>
+            </a:extLst>
+          </p:cNvPr>
+          <p:cNvSpPr txBox="1"/>
+          <p:nvPr/>
+        </p:nvSpPr>
+        <p:spPr>
+          <a:xfrm>
+            <a:off x="468696" y="5266628"/>
+            <a:ext cx="290464" cy="369332"/>
+          </a:xfrm>
+          <a:prstGeom prst="rect">
+            <a:avLst/>
+          </a:prstGeom>
+          <a:noFill/>
+        </p:spPr>
+        <p:txBody>
+          <a:bodyPr wrap="square" rtlCol="0">
+            <a:spAutoFit/>
+          </a:bodyPr>
+          <a:lstStyle/>
+          <a:p>
+            <a:r>
+              <a:rPr lang="en-US" b="1" i="1" dirty="0"/>
+              <a:t>y</a:t>
+            </a:r>
+            <a:endParaRPr lang="en-DE" b="1" i="1" dirty="0"/>
+          </a:p>
+        </p:txBody>
+      </p:sp>
+      <p:sp>
+        <p:nvSpPr>
+          <p:cNvPr id="4" name="TextBox 3">
+            <a:extLst>
+              <a:ext uri="{FF2B5EF4-FFF2-40B4-BE49-F238E27FC236}">
+                <a16:creationId xmlns:a16="http://schemas.microsoft.com/office/drawing/2014/main" id="{ADD7AA24-3373-4567-AA6C-924D1705BE21}"/>
+              </a:ext>
+            </a:extLst>
+          </p:cNvPr>
+          <p:cNvSpPr txBox="1"/>
+          <p:nvPr/>
+        </p:nvSpPr>
+        <p:spPr>
+          <a:xfrm>
+            <a:off x="337890" y="6050614"/>
+            <a:ext cx="276038" cy="369332"/>
+          </a:xfrm>
+          <a:prstGeom prst="rect">
+            <a:avLst/>
+          </a:prstGeom>
+          <a:noFill/>
+        </p:spPr>
+        <p:txBody>
+          <a:bodyPr wrap="square" rtlCol="0">
+            <a:spAutoFit/>
+          </a:bodyPr>
+          <a:lstStyle/>
+          <a:p>
+            <a:r>
+              <a:rPr lang="en-US" b="1" i="1" dirty="0"/>
+              <a:t>z</a:t>
+            </a:r>
+            <a:endParaRPr lang="en-DE" b="1" i="1" dirty="0"/>
+          </a:p>
+        </p:txBody>
+      </p:sp>
+      <p:sp>
+        <p:nvSpPr>
+          <p:cNvPr id="5" name="TextBox 4">
+            <a:extLst>
+              <a:ext uri="{FF2B5EF4-FFF2-40B4-BE49-F238E27FC236}">
+                <a16:creationId xmlns:a16="http://schemas.microsoft.com/office/drawing/2014/main" id="{163924CC-4AAE-41CF-83AA-BD4FCA9CDB7C}"/>
+              </a:ext>
+            </a:extLst>
+          </p:cNvPr>
+          <p:cNvSpPr txBox="1"/>
+          <p:nvPr/>
+        </p:nvSpPr>
+        <p:spPr>
+          <a:xfrm>
+            <a:off x="912101" y="5681282"/>
+            <a:ext cx="293670" cy="369332"/>
+          </a:xfrm>
+          <a:prstGeom prst="rect">
+            <a:avLst/>
+          </a:prstGeom>
+          <a:noFill/>
+        </p:spPr>
+        <p:txBody>
+          <a:bodyPr wrap="square" rtlCol="0">
+            <a:spAutoFit/>
+          </a:bodyPr>
+          <a:lstStyle/>
+          <a:p>
+            <a:r>
+              <a:rPr lang="en-US" b="1" i="1" dirty="0"/>
+              <a:t>x</a:t>
+            </a:r>
+            <a:endParaRPr lang="en-DE" b="1" i="1" dirty="0"/>
+          </a:p>
+        </p:txBody>
+      </p:sp>
+      <p:sp>
+        <p:nvSpPr>
+          <p:cNvPr id="15" name="Freeform: Shape 14">
+            <a:extLst>
+              <a:ext uri="{FF2B5EF4-FFF2-40B4-BE49-F238E27FC236}">
+                <a16:creationId xmlns:a16="http://schemas.microsoft.com/office/drawing/2014/main" id="{8DE19516-810C-48E5-A1B6-E163119FCA4D}"/>
+              </a:ext>
+            </a:extLst>
+          </p:cNvPr>
+          <p:cNvSpPr/>
+          <p:nvPr/>
+        </p:nvSpPr>
+        <p:spPr>
+          <a:xfrm>
+            <a:off x="1939319" y="1355829"/>
+            <a:ext cx="5936394" cy="3849757"/>
+          </a:xfrm>
+          <a:custGeom>
+            <a:avLst/>
+            <a:gdLst>
+              <a:gd name="connsiteX0" fmla="*/ 0 w 7209184"/>
+              <a:gd name="connsiteY0" fmla="*/ 0 h 3849757"/>
+              <a:gd name="connsiteX1" fmla="*/ 7209184 w 7209184"/>
+              <a:gd name="connsiteY1" fmla="*/ 0 h 3849757"/>
+              <a:gd name="connsiteX2" fmla="*/ 7209184 w 7209184"/>
+              <a:gd name="connsiteY2" fmla="*/ 3849757 h 3849757"/>
+              <a:gd name="connsiteX3" fmla="*/ 1090423 w 7209184"/>
+              <a:gd name="connsiteY3" fmla="*/ 3849757 h 3849757"/>
+              <a:gd name="connsiteX4" fmla="*/ 1078550 w 7209184"/>
+              <a:gd name="connsiteY4" fmla="*/ 3734699 h 3849757"/>
+              <a:gd name="connsiteX5" fmla="*/ 47476 w 7209184"/>
+              <a:gd name="connsiteY5" fmla="*/ 2913749 h 3849757"/>
+              <a:gd name="connsiteX6" fmla="*/ 0 w 7209184"/>
+              <a:gd name="connsiteY6" fmla="*/ 2916091 h 3849757"/>
+            </a:gdLst>
+            <a:ahLst/>
+            <a:cxnLst>
+              <a:cxn ang="0">
+                <a:pos x="connsiteX0" y="connsiteY0"/>
+              </a:cxn>
+              <a:cxn ang="0">
+                <a:pos x="connsiteX1" y="connsiteY1"/>
+              </a:cxn>
+              <a:cxn ang="0">
+                <a:pos x="connsiteX2" y="connsiteY2"/>
+              </a:cxn>
+              <a:cxn ang="0">
+                <a:pos x="connsiteX3" y="connsiteY3"/>
+              </a:cxn>
+              <a:cxn ang="0">
+                <a:pos x="connsiteX4" y="connsiteY4"/>
+              </a:cxn>
+              <a:cxn ang="0">
+                <a:pos x="connsiteX5" y="connsiteY5"/>
+              </a:cxn>
+              <a:cxn ang="0">
+                <a:pos x="connsiteX6" y="connsiteY6"/>
+              </a:cxn>
+            </a:cxnLst>
+            <a:rect l="l" t="t" r="r" b="b"/>
+            <a:pathLst>
+              <a:path w="7209184" h="3849757">
+                <a:moveTo>
+                  <a:pt x="0" y="0"/>
+                </a:moveTo>
+                <a:lnTo>
+                  <a:pt x="7209184" y="0"/>
+                </a:lnTo>
+                <a:lnTo>
+                  <a:pt x="7209184" y="3849757"/>
+                </a:lnTo>
+                <a:lnTo>
+                  <a:pt x="1090423" y="3849757"/>
+                </a:lnTo>
+                <a:lnTo>
+                  <a:pt x="1078550" y="3734699"/>
+                </a:lnTo>
+                <a:cubicBezTo>
+                  <a:pt x="980412" y="3266184"/>
+                  <a:pt x="556074" y="2913749"/>
+                  <a:pt x="47476" y="2913749"/>
+                </a:cubicBezTo>
+                <a:lnTo>
+                  <a:pt x="0" y="2916091"/>
+                </a:lnTo>
+                <a:close/>
+              </a:path>
+            </a:pathLst>
+          </a:custGeom>
+          <a:ln w="28575">
+            <a:solidFill>
+              <a:schemeClr val="tx1"/>
+            </a:solidFill>
+          </a:ln>
+        </p:spPr>
+        <p:style>
+          <a:lnRef idx="2">
+            <a:schemeClr val="dk1"/>
+          </a:lnRef>
+          <a:fillRef idx="1">
+            <a:schemeClr val="lt1"/>
+          </a:fillRef>
+          <a:effectRef idx="0">
+            <a:schemeClr val="dk1"/>
+          </a:effectRef>
+          <a:fontRef idx="minor">
+            <a:schemeClr val="dk1"/>
+          </a:fontRef>
+        </p:style>
+        <p:txBody>
+          <a:bodyPr wrap="square" rtlCol="0" anchor="ctr">
+            <a:noAutofit/>
+          </a:bodyPr>
+          <a:lstStyle/>
+          <a:p>
+            <a:pPr algn="ctr"/>
+            <a:endParaRPr lang="en-DE"/>
+          </a:p>
+        </p:txBody>
+      </p:sp>
+      <p:sp>
+        <p:nvSpPr>
+          <p:cNvPr id="16" name="Isosceles Triangle 15">
+            <a:extLst>
+              <a:ext uri="{FF2B5EF4-FFF2-40B4-BE49-F238E27FC236}">
+                <a16:creationId xmlns:a16="http://schemas.microsoft.com/office/drawing/2014/main" id="{BB5D6F39-00EB-49E2-AC2C-564A60EB661E}"/>
+              </a:ext>
+            </a:extLst>
+          </p:cNvPr>
+          <p:cNvSpPr/>
+          <p:nvPr/>
+        </p:nvSpPr>
+        <p:spPr>
+          <a:xfrm>
+            <a:off x="3030725" y="5258275"/>
+            <a:ext cx="331305" cy="304799"/>
+          </a:xfrm>
+          <a:prstGeom prst="triangle">
+            <a:avLst/>
+          </a:prstGeom>
+          <a:ln w="28575">
+            <a:solidFill>
+              <a:schemeClr val="tx1"/>
+            </a:solidFill>
+          </a:ln>
+        </p:spPr>
+        <p:style>
+          <a:lnRef idx="2">
+            <a:schemeClr val="accent6"/>
+          </a:lnRef>
+          <a:fillRef idx="1">
+            <a:schemeClr val="lt1"/>
+          </a:fillRef>
+          <a:effectRef idx="0">
+            <a:schemeClr val="accent6"/>
+          </a:effectRef>
+          <a:fontRef idx="minor">
+            <a:schemeClr val="dk1"/>
+          </a:fontRef>
+        </p:style>
+        <p:txBody>
+          <a:bodyPr rtlCol="0" anchor="ctr"/>
+          <a:lstStyle/>
+          <a:p>
+            <a:pPr algn="ctr"/>
+            <a:endParaRPr lang="en-DE" dirty="0"/>
+          </a:p>
+        </p:txBody>
+      </p:sp>
+      <p:cxnSp>
+        <p:nvCxnSpPr>
+          <p:cNvPr id="17" name="Straight Connector 16">
+            <a:extLst>
+              <a:ext uri="{FF2B5EF4-FFF2-40B4-BE49-F238E27FC236}">
+                <a16:creationId xmlns:a16="http://schemas.microsoft.com/office/drawing/2014/main" id="{B4C3E8DA-6CA3-4F17-A4E5-0665243778F1}"/>
+              </a:ext>
+            </a:extLst>
+          </p:cNvPr>
+          <p:cNvCxnSpPr>
+            <a:cxnSpLocks/>
+          </p:cNvCxnSpPr>
+          <p:nvPr/>
+        </p:nvCxnSpPr>
+        <p:spPr>
+          <a:xfrm>
+            <a:off x="3007542" y="5635962"/>
+            <a:ext cx="354485" cy="0"/>
+          </a:xfrm>
+          <a:prstGeom prst="line">
+            <a:avLst/>
+          </a:prstGeom>
+          <a:ln w="28575">
+            <a:solidFill>
+              <a:schemeClr val="tx1"/>
+            </a:solidFill>
+          </a:ln>
+        </p:spPr>
+        <p:style>
+          <a:lnRef idx="1">
+            <a:schemeClr val="dk1"/>
+          </a:lnRef>
+          <a:fillRef idx="0">
+            <a:schemeClr val="dk1"/>
+          </a:fillRef>
+          <a:effectRef idx="0">
+            <a:schemeClr val="dk1"/>
+          </a:effectRef>
+          <a:fontRef idx="minor">
+            <a:schemeClr val="tx1"/>
+          </a:fontRef>
+        </p:style>
+      </p:cxnSp>
+      <p:cxnSp>
+        <p:nvCxnSpPr>
+          <p:cNvPr id="18" name="Straight Connector 17">
+            <a:extLst>
+              <a:ext uri="{FF2B5EF4-FFF2-40B4-BE49-F238E27FC236}">
+                <a16:creationId xmlns:a16="http://schemas.microsoft.com/office/drawing/2014/main" id="{9FFBAF23-E21A-424F-98A6-6CA2C5477242}"/>
+              </a:ext>
+            </a:extLst>
+          </p:cNvPr>
+          <p:cNvCxnSpPr>
+            <a:cxnSpLocks/>
+          </p:cNvCxnSpPr>
+          <p:nvPr/>
+        </p:nvCxnSpPr>
+        <p:spPr>
+          <a:xfrm flipV="1">
+            <a:off x="3043978" y="5635964"/>
+            <a:ext cx="124231" cy="145774"/>
+          </a:xfrm>
+          <a:prstGeom prst="line">
+            <a:avLst/>
+          </a:prstGeom>
+          <a:ln w="28575">
+            <a:solidFill>
+              <a:schemeClr val="tx1"/>
+            </a:solidFill>
+          </a:ln>
+        </p:spPr>
+        <p:style>
+          <a:lnRef idx="1">
+            <a:schemeClr val="dk1"/>
+          </a:lnRef>
+          <a:fillRef idx="0">
+            <a:schemeClr val="dk1"/>
+          </a:fillRef>
+          <a:effectRef idx="0">
+            <a:schemeClr val="dk1"/>
+          </a:effectRef>
+          <a:fontRef idx="minor">
+            <a:schemeClr val="tx1"/>
+          </a:fontRef>
+        </p:style>
+      </p:cxnSp>
+      <p:cxnSp>
+        <p:nvCxnSpPr>
+          <p:cNvPr id="19" name="Straight Connector 18">
+            <a:extLst>
+              <a:ext uri="{FF2B5EF4-FFF2-40B4-BE49-F238E27FC236}">
+                <a16:creationId xmlns:a16="http://schemas.microsoft.com/office/drawing/2014/main" id="{365B34CD-CF4D-4AA6-9048-E9E2A2110B8B}"/>
+              </a:ext>
+            </a:extLst>
+          </p:cNvPr>
+          <p:cNvCxnSpPr>
+            <a:cxnSpLocks/>
+          </p:cNvCxnSpPr>
+          <p:nvPr/>
+        </p:nvCxnSpPr>
+        <p:spPr>
+          <a:xfrm flipV="1">
+            <a:off x="3135116" y="5635964"/>
+            <a:ext cx="124231" cy="145774"/>
+          </a:xfrm>
+          <a:prstGeom prst="line">
+            <a:avLst/>
+          </a:prstGeom>
+          <a:ln w="28575">
+            <a:solidFill>
+              <a:schemeClr val="tx1"/>
+            </a:solidFill>
+          </a:ln>
+        </p:spPr>
+        <p:style>
+          <a:lnRef idx="1">
+            <a:schemeClr val="dk1"/>
+          </a:lnRef>
+          <a:fillRef idx="0">
+            <a:schemeClr val="dk1"/>
+          </a:fillRef>
+          <a:effectRef idx="0">
+            <a:schemeClr val="dk1"/>
+          </a:effectRef>
+          <a:fontRef idx="minor">
+            <a:schemeClr val="tx1"/>
+          </a:fontRef>
+        </p:style>
+      </p:cxnSp>
+      <p:cxnSp>
+        <p:nvCxnSpPr>
+          <p:cNvPr id="20" name="Straight Connector 19">
+            <a:extLst>
+              <a:ext uri="{FF2B5EF4-FFF2-40B4-BE49-F238E27FC236}">
+                <a16:creationId xmlns:a16="http://schemas.microsoft.com/office/drawing/2014/main" id="{AD2D5C11-E9F9-4195-BDD9-82D2CD978C12}"/>
+              </a:ext>
+            </a:extLst>
+          </p:cNvPr>
+          <p:cNvCxnSpPr>
+            <a:cxnSpLocks/>
+          </p:cNvCxnSpPr>
+          <p:nvPr/>
+        </p:nvCxnSpPr>
+        <p:spPr>
+          <a:xfrm flipV="1">
+            <a:off x="3242789" y="5635964"/>
+            <a:ext cx="124231" cy="145774"/>
+          </a:xfrm>
+          <a:prstGeom prst="line">
+            <a:avLst/>
+          </a:prstGeom>
+          <a:ln w="28575">
+            <a:solidFill>
+              <a:schemeClr val="tx1"/>
+            </a:solidFill>
+          </a:ln>
+        </p:spPr>
+        <p:style>
+          <a:lnRef idx="1">
+            <a:schemeClr val="dk1"/>
+          </a:lnRef>
+          <a:fillRef idx="0">
+            <a:schemeClr val="dk1"/>
+          </a:fillRef>
+          <a:effectRef idx="0">
+            <a:schemeClr val="dk1"/>
+          </a:effectRef>
+          <a:fontRef idx="minor">
+            <a:schemeClr val="tx1"/>
+          </a:fontRef>
+        </p:style>
+      </p:cxnSp>
+      <p:cxnSp>
+        <p:nvCxnSpPr>
+          <p:cNvPr id="21" name="Straight Connector 20">
+            <a:extLst>
+              <a:ext uri="{FF2B5EF4-FFF2-40B4-BE49-F238E27FC236}">
+                <a16:creationId xmlns:a16="http://schemas.microsoft.com/office/drawing/2014/main" id="{0AF5A0B1-6152-4BE5-8B48-BCF5865E95B2}"/>
+              </a:ext>
+            </a:extLst>
+          </p:cNvPr>
+          <p:cNvCxnSpPr>
+            <a:cxnSpLocks/>
+          </p:cNvCxnSpPr>
+          <p:nvPr/>
+        </p:nvCxnSpPr>
+        <p:spPr>
+          <a:xfrm flipV="1">
+            <a:off x="2931357" y="5635960"/>
+            <a:ext cx="124231" cy="145774"/>
+          </a:xfrm>
+          <a:prstGeom prst="line">
+            <a:avLst/>
+          </a:prstGeom>
+          <a:ln w="28575">
+            <a:solidFill>
+              <a:schemeClr val="tx1"/>
+            </a:solidFill>
+          </a:ln>
+        </p:spPr>
+        <p:style>
+          <a:lnRef idx="1">
+            <a:schemeClr val="dk1"/>
+          </a:lnRef>
+          <a:fillRef idx="0">
+            <a:schemeClr val="dk1"/>
+          </a:fillRef>
+          <a:effectRef idx="0">
+            <a:schemeClr val="dk1"/>
+          </a:effectRef>
+          <a:fontRef idx="minor">
+            <a:schemeClr val="tx1"/>
+          </a:fontRef>
+        </p:style>
+      </p:cxnSp>
+      <p:sp>
+        <p:nvSpPr>
+          <p:cNvPr id="22" name="Isosceles Triangle 21">
+            <a:extLst>
+              <a:ext uri="{FF2B5EF4-FFF2-40B4-BE49-F238E27FC236}">
+                <a16:creationId xmlns:a16="http://schemas.microsoft.com/office/drawing/2014/main" id="{D46CC99D-6A67-41B7-BB76-2E26649AD097}"/>
+              </a:ext>
+            </a:extLst>
+          </p:cNvPr>
+          <p:cNvSpPr/>
+          <p:nvPr/>
+        </p:nvSpPr>
+        <p:spPr>
+          <a:xfrm>
+            <a:off x="7630600" y="5258275"/>
+            <a:ext cx="331305" cy="304799"/>
+          </a:xfrm>
+          <a:prstGeom prst="triangle">
+            <a:avLst/>
+          </a:prstGeom>
+          <a:ln w="28575">
+            <a:solidFill>
+              <a:schemeClr val="tx1"/>
+            </a:solidFill>
+          </a:ln>
+        </p:spPr>
+        <p:style>
+          <a:lnRef idx="2">
+            <a:schemeClr val="accent6"/>
+          </a:lnRef>
+          <a:fillRef idx="1">
+            <a:schemeClr val="lt1"/>
+          </a:fillRef>
+          <a:effectRef idx="0">
+            <a:schemeClr val="accent6"/>
+          </a:effectRef>
+          <a:fontRef idx="minor">
+            <a:schemeClr val="dk1"/>
+          </a:fontRef>
+        </p:style>
+        <p:txBody>
+          <a:bodyPr rtlCol="0" anchor="ctr"/>
+          <a:lstStyle/>
+          <a:p>
+            <a:pPr algn="ctr"/>
+            <a:endParaRPr lang="en-DE" dirty="0"/>
+          </a:p>
+        </p:txBody>
+      </p:sp>
+      <p:cxnSp>
+        <p:nvCxnSpPr>
+          <p:cNvPr id="23" name="Straight Connector 22">
+            <a:extLst>
+              <a:ext uri="{FF2B5EF4-FFF2-40B4-BE49-F238E27FC236}">
+                <a16:creationId xmlns:a16="http://schemas.microsoft.com/office/drawing/2014/main" id="{E1F097E5-664A-4234-B0F8-7513C1E1BB9A}"/>
+              </a:ext>
+            </a:extLst>
+          </p:cNvPr>
+          <p:cNvCxnSpPr>
+            <a:cxnSpLocks/>
+          </p:cNvCxnSpPr>
+          <p:nvPr/>
+        </p:nvCxnSpPr>
+        <p:spPr>
+          <a:xfrm>
+            <a:off x="7607417" y="5635962"/>
+            <a:ext cx="354485" cy="0"/>
+          </a:xfrm>
+          <a:prstGeom prst="line">
+            <a:avLst/>
+          </a:prstGeom>
+          <a:ln w="28575">
+            <a:solidFill>
+              <a:schemeClr val="tx1"/>
+            </a:solidFill>
+          </a:ln>
+        </p:spPr>
+        <p:style>
+          <a:lnRef idx="1">
+            <a:schemeClr val="dk1"/>
+          </a:lnRef>
+          <a:fillRef idx="0">
+            <a:schemeClr val="dk1"/>
+          </a:fillRef>
+          <a:effectRef idx="0">
+            <a:schemeClr val="dk1"/>
+          </a:effectRef>
+          <a:fontRef idx="minor">
+            <a:schemeClr val="tx1"/>
+          </a:fontRef>
+        </p:style>
+      </p:cxnSp>
+      <p:cxnSp>
+        <p:nvCxnSpPr>
+          <p:cNvPr id="24" name="Straight Connector 23">
+            <a:extLst>
+              <a:ext uri="{FF2B5EF4-FFF2-40B4-BE49-F238E27FC236}">
+                <a16:creationId xmlns:a16="http://schemas.microsoft.com/office/drawing/2014/main" id="{1104E7ED-881E-48BA-90D4-807ED509B8F5}"/>
+              </a:ext>
+            </a:extLst>
+          </p:cNvPr>
+          <p:cNvCxnSpPr>
+            <a:cxnSpLocks/>
+          </p:cNvCxnSpPr>
+          <p:nvPr/>
+        </p:nvCxnSpPr>
+        <p:spPr>
+          <a:xfrm flipV="1">
+            <a:off x="7643853" y="5635964"/>
+            <a:ext cx="124231" cy="145774"/>
+          </a:xfrm>
+          <a:prstGeom prst="line">
+            <a:avLst/>
+          </a:prstGeom>
+          <a:ln w="28575">
+            <a:solidFill>
+              <a:schemeClr val="tx1"/>
+            </a:solidFill>
+          </a:ln>
+        </p:spPr>
+        <p:style>
+          <a:lnRef idx="1">
+            <a:schemeClr val="dk1"/>
+          </a:lnRef>
+          <a:fillRef idx="0">
+            <a:schemeClr val="dk1"/>
+          </a:fillRef>
+          <a:effectRef idx="0">
+            <a:schemeClr val="dk1"/>
+          </a:effectRef>
+          <a:fontRef idx="minor">
+            <a:schemeClr val="tx1"/>
+          </a:fontRef>
+        </p:style>
+      </p:cxnSp>
+      <p:cxnSp>
+        <p:nvCxnSpPr>
+          <p:cNvPr id="25" name="Straight Connector 24">
+            <a:extLst>
+              <a:ext uri="{FF2B5EF4-FFF2-40B4-BE49-F238E27FC236}">
+                <a16:creationId xmlns:a16="http://schemas.microsoft.com/office/drawing/2014/main" id="{C1BE7516-C88F-4DA7-B8ED-0C727375021B}"/>
+              </a:ext>
+            </a:extLst>
+          </p:cNvPr>
+          <p:cNvCxnSpPr>
+            <a:cxnSpLocks/>
+          </p:cNvCxnSpPr>
+          <p:nvPr/>
+        </p:nvCxnSpPr>
+        <p:spPr>
+          <a:xfrm flipV="1">
+            <a:off x="7734991" y="5635964"/>
+            <a:ext cx="124231" cy="145774"/>
+          </a:xfrm>
+          <a:prstGeom prst="line">
+            <a:avLst/>
+          </a:prstGeom>
+          <a:ln w="28575">
+            <a:solidFill>
+              <a:schemeClr val="tx1"/>
+            </a:solidFill>
+          </a:ln>
+        </p:spPr>
+        <p:style>
+          <a:lnRef idx="1">
+            <a:schemeClr val="dk1"/>
+          </a:lnRef>
+          <a:fillRef idx="0">
+            <a:schemeClr val="dk1"/>
+          </a:fillRef>
+          <a:effectRef idx="0">
+            <a:schemeClr val="dk1"/>
+          </a:effectRef>
+          <a:fontRef idx="minor">
+            <a:schemeClr val="tx1"/>
+          </a:fontRef>
+        </p:style>
+      </p:cxnSp>
+      <p:cxnSp>
+        <p:nvCxnSpPr>
+          <p:cNvPr id="26" name="Straight Connector 25">
+            <a:extLst>
+              <a:ext uri="{FF2B5EF4-FFF2-40B4-BE49-F238E27FC236}">
+                <a16:creationId xmlns:a16="http://schemas.microsoft.com/office/drawing/2014/main" id="{E1AFADE0-C2B0-48D4-8F00-93BFB2E0AD39}"/>
+              </a:ext>
+            </a:extLst>
+          </p:cNvPr>
+          <p:cNvCxnSpPr>
+            <a:cxnSpLocks/>
+          </p:cNvCxnSpPr>
+          <p:nvPr/>
+        </p:nvCxnSpPr>
+        <p:spPr>
+          <a:xfrm flipV="1">
+            <a:off x="7842664" y="5635964"/>
+            <a:ext cx="124231" cy="145774"/>
+          </a:xfrm>
+          <a:prstGeom prst="line">
+            <a:avLst/>
+          </a:prstGeom>
+          <a:ln w="28575">
+            <a:solidFill>
+              <a:schemeClr val="tx1"/>
+            </a:solidFill>
+          </a:ln>
+        </p:spPr>
+        <p:style>
+          <a:lnRef idx="1">
+            <a:schemeClr val="dk1"/>
+          </a:lnRef>
+          <a:fillRef idx="0">
+            <a:schemeClr val="dk1"/>
+          </a:fillRef>
+          <a:effectRef idx="0">
+            <a:schemeClr val="dk1"/>
+          </a:effectRef>
+          <a:fontRef idx="minor">
+            <a:schemeClr val="tx1"/>
+          </a:fontRef>
+        </p:style>
+      </p:cxnSp>
+      <p:cxnSp>
+        <p:nvCxnSpPr>
+          <p:cNvPr id="27" name="Straight Connector 26">
+            <a:extLst>
+              <a:ext uri="{FF2B5EF4-FFF2-40B4-BE49-F238E27FC236}">
+                <a16:creationId xmlns:a16="http://schemas.microsoft.com/office/drawing/2014/main" id="{C4DEC2E5-2A5A-4048-ACD5-151B84F9AF13}"/>
+              </a:ext>
+            </a:extLst>
+          </p:cNvPr>
+          <p:cNvCxnSpPr>
+            <a:cxnSpLocks/>
+          </p:cNvCxnSpPr>
+          <p:nvPr/>
+        </p:nvCxnSpPr>
+        <p:spPr>
+          <a:xfrm flipV="1">
+            <a:off x="7531232" y="5635960"/>
+            <a:ext cx="124231" cy="145774"/>
+          </a:xfrm>
+          <a:prstGeom prst="line">
+            <a:avLst/>
+          </a:prstGeom>
+          <a:ln w="28575">
+            <a:solidFill>
+              <a:schemeClr val="tx1"/>
+            </a:solidFill>
+          </a:ln>
+        </p:spPr>
+        <p:style>
+          <a:lnRef idx="1">
+            <a:schemeClr val="dk1"/>
+          </a:lnRef>
+          <a:fillRef idx="0">
+            <a:schemeClr val="dk1"/>
+          </a:fillRef>
+          <a:effectRef idx="0">
+            <a:schemeClr val="dk1"/>
+          </a:effectRef>
+          <a:fontRef idx="minor">
+            <a:schemeClr val="tx1"/>
+          </a:fontRef>
+        </p:style>
+      </p:cxnSp>
+      <p:sp>
+        <p:nvSpPr>
+          <p:cNvPr id="28" name="Isosceles Triangle 27">
+            <a:extLst>
+              <a:ext uri="{FF2B5EF4-FFF2-40B4-BE49-F238E27FC236}">
+                <a16:creationId xmlns:a16="http://schemas.microsoft.com/office/drawing/2014/main" id="{1747760E-F4AD-413D-A111-5CA25B9083B7}"/>
+              </a:ext>
+            </a:extLst>
+          </p:cNvPr>
+          <p:cNvSpPr/>
+          <p:nvPr/>
+        </p:nvSpPr>
+        <p:spPr>
+          <a:xfrm>
+            <a:off x="5402455" y="5258275"/>
+            <a:ext cx="331305" cy="304799"/>
+          </a:xfrm>
+          <a:prstGeom prst="triangle">
+            <a:avLst/>
+          </a:prstGeom>
+          <a:ln w="28575">
+            <a:solidFill>
+              <a:schemeClr val="tx1"/>
+            </a:solidFill>
+          </a:ln>
+        </p:spPr>
+        <p:style>
+          <a:lnRef idx="2">
+            <a:schemeClr val="accent6"/>
+          </a:lnRef>
+          <a:fillRef idx="1">
+            <a:schemeClr val="lt1"/>
+          </a:fillRef>
+          <a:effectRef idx="0">
+            <a:schemeClr val="accent6"/>
+          </a:effectRef>
+          <a:fontRef idx="minor">
+            <a:schemeClr val="dk1"/>
+          </a:fontRef>
+        </p:style>
+        <p:txBody>
+          <a:bodyPr rtlCol="0" anchor="ctr"/>
+          <a:lstStyle/>
+          <a:p>
+            <a:pPr algn="ctr"/>
+            <a:endParaRPr lang="en-DE" dirty="0"/>
+          </a:p>
+        </p:txBody>
+      </p:sp>
+      <p:cxnSp>
+        <p:nvCxnSpPr>
+          <p:cNvPr id="29" name="Straight Connector 28">
+            <a:extLst>
+              <a:ext uri="{FF2B5EF4-FFF2-40B4-BE49-F238E27FC236}">
+                <a16:creationId xmlns:a16="http://schemas.microsoft.com/office/drawing/2014/main" id="{8655BC8A-43A4-4536-9274-BDB2D15FED7A}"/>
+              </a:ext>
+            </a:extLst>
+          </p:cNvPr>
+          <p:cNvCxnSpPr>
+            <a:cxnSpLocks/>
+          </p:cNvCxnSpPr>
+          <p:nvPr/>
+        </p:nvCxnSpPr>
+        <p:spPr>
+          <a:xfrm>
+            <a:off x="5379272" y="5635962"/>
+            <a:ext cx="354485" cy="0"/>
+          </a:xfrm>
+          <a:prstGeom prst="line">
+            <a:avLst/>
+          </a:prstGeom>
+          <a:ln w="28575">
+            <a:solidFill>
+              <a:schemeClr val="tx1"/>
+            </a:solidFill>
+          </a:ln>
+        </p:spPr>
+        <p:style>
+          <a:lnRef idx="1">
+            <a:schemeClr val="dk1"/>
+          </a:lnRef>
+          <a:fillRef idx="0">
+            <a:schemeClr val="dk1"/>
+          </a:fillRef>
+          <a:effectRef idx="0">
+            <a:schemeClr val="dk1"/>
+          </a:effectRef>
+          <a:fontRef idx="minor">
+            <a:schemeClr val="tx1"/>
+          </a:fontRef>
+        </p:style>
+      </p:cxnSp>
+      <p:cxnSp>
+        <p:nvCxnSpPr>
+          <p:cNvPr id="30" name="Straight Connector 29">
+            <a:extLst>
+              <a:ext uri="{FF2B5EF4-FFF2-40B4-BE49-F238E27FC236}">
+                <a16:creationId xmlns:a16="http://schemas.microsoft.com/office/drawing/2014/main" id="{8813B61D-3DEB-4723-81F3-E601785FF244}"/>
+              </a:ext>
+            </a:extLst>
+          </p:cNvPr>
+          <p:cNvCxnSpPr>
+            <a:cxnSpLocks/>
+          </p:cNvCxnSpPr>
+          <p:nvPr/>
+        </p:nvCxnSpPr>
+        <p:spPr>
+          <a:xfrm flipV="1">
+            <a:off x="5415708" y="5635964"/>
+            <a:ext cx="124231" cy="145774"/>
+          </a:xfrm>
+          <a:prstGeom prst="line">
+            <a:avLst/>
+          </a:prstGeom>
+          <a:ln w="28575">
+            <a:solidFill>
+              <a:schemeClr val="tx1"/>
+            </a:solidFill>
+          </a:ln>
+        </p:spPr>
+        <p:style>
+          <a:lnRef idx="1">
+            <a:schemeClr val="dk1"/>
+          </a:lnRef>
+          <a:fillRef idx="0">
+            <a:schemeClr val="dk1"/>
+          </a:fillRef>
+          <a:effectRef idx="0">
+            <a:schemeClr val="dk1"/>
+          </a:effectRef>
+          <a:fontRef idx="minor">
+            <a:schemeClr val="tx1"/>
+          </a:fontRef>
+        </p:style>
+      </p:cxnSp>
+      <p:cxnSp>
+        <p:nvCxnSpPr>
+          <p:cNvPr id="31" name="Straight Connector 30">
+            <a:extLst>
+              <a:ext uri="{FF2B5EF4-FFF2-40B4-BE49-F238E27FC236}">
+                <a16:creationId xmlns:a16="http://schemas.microsoft.com/office/drawing/2014/main" id="{30F3CBBC-FE42-423D-BD15-F070916C6983}"/>
+              </a:ext>
+            </a:extLst>
+          </p:cNvPr>
+          <p:cNvCxnSpPr>
+            <a:cxnSpLocks/>
+          </p:cNvCxnSpPr>
+          <p:nvPr/>
+        </p:nvCxnSpPr>
+        <p:spPr>
+          <a:xfrm flipV="1">
+            <a:off x="5506846" y="5635964"/>
+            <a:ext cx="124231" cy="145774"/>
+          </a:xfrm>
+          <a:prstGeom prst="line">
+            <a:avLst/>
+          </a:prstGeom>
+          <a:ln w="28575">
+            <a:solidFill>
+              <a:schemeClr val="tx1"/>
+            </a:solidFill>
+          </a:ln>
+        </p:spPr>
+        <p:style>
+          <a:lnRef idx="1">
+            <a:schemeClr val="dk1"/>
+          </a:lnRef>
+          <a:fillRef idx="0">
+            <a:schemeClr val="dk1"/>
+          </a:fillRef>
+          <a:effectRef idx="0">
+            <a:schemeClr val="dk1"/>
+          </a:effectRef>
+          <a:fontRef idx="minor">
+            <a:schemeClr val="tx1"/>
+          </a:fontRef>
+        </p:style>
+      </p:cxnSp>
+      <p:cxnSp>
+        <p:nvCxnSpPr>
+          <p:cNvPr id="32" name="Straight Connector 31">
+            <a:extLst>
+              <a:ext uri="{FF2B5EF4-FFF2-40B4-BE49-F238E27FC236}">
+                <a16:creationId xmlns:a16="http://schemas.microsoft.com/office/drawing/2014/main" id="{DDFBA28F-64E9-4189-82D0-7BC2678084DA}"/>
+              </a:ext>
+            </a:extLst>
+          </p:cNvPr>
+          <p:cNvCxnSpPr>
+            <a:cxnSpLocks/>
+          </p:cNvCxnSpPr>
+          <p:nvPr/>
+        </p:nvCxnSpPr>
+        <p:spPr>
+          <a:xfrm flipV="1">
+            <a:off x="5614519" y="5635964"/>
+            <a:ext cx="124231" cy="145774"/>
+          </a:xfrm>
+          <a:prstGeom prst="line">
+            <a:avLst/>
+          </a:prstGeom>
+          <a:ln w="28575">
+            <a:solidFill>
+              <a:schemeClr val="tx1"/>
+            </a:solidFill>
+          </a:ln>
+        </p:spPr>
+        <p:style>
+          <a:lnRef idx="1">
+            <a:schemeClr val="dk1"/>
+          </a:lnRef>
+          <a:fillRef idx="0">
+            <a:schemeClr val="dk1"/>
+          </a:fillRef>
+          <a:effectRef idx="0">
+            <a:schemeClr val="dk1"/>
+          </a:effectRef>
+          <a:fontRef idx="minor">
+            <a:schemeClr val="tx1"/>
+          </a:fontRef>
+        </p:style>
+      </p:cxnSp>
+      <p:cxnSp>
+        <p:nvCxnSpPr>
+          <p:cNvPr id="33" name="Straight Connector 32">
+            <a:extLst>
+              <a:ext uri="{FF2B5EF4-FFF2-40B4-BE49-F238E27FC236}">
+                <a16:creationId xmlns:a16="http://schemas.microsoft.com/office/drawing/2014/main" id="{1A37DC3F-AB8F-4774-B422-C01A3789BC9A}"/>
+              </a:ext>
+            </a:extLst>
+          </p:cNvPr>
+          <p:cNvCxnSpPr>
+            <a:cxnSpLocks/>
+          </p:cNvCxnSpPr>
+          <p:nvPr/>
+        </p:nvCxnSpPr>
+        <p:spPr>
+          <a:xfrm flipV="1">
+            <a:off x="5303087" y="5635960"/>
+            <a:ext cx="124231" cy="145774"/>
+          </a:xfrm>
+          <a:prstGeom prst="line">
+            <a:avLst/>
+          </a:prstGeom>
+          <a:ln w="28575">
+            <a:solidFill>
+              <a:schemeClr val="tx1"/>
+            </a:solidFill>
+          </a:ln>
+        </p:spPr>
+        <p:style>
+          <a:lnRef idx="1">
+            <a:schemeClr val="dk1"/>
+          </a:lnRef>
+          <a:fillRef idx="0">
+            <a:schemeClr val="dk1"/>
+          </a:fillRef>
+          <a:effectRef idx="0">
+            <a:schemeClr val="dk1"/>
+          </a:effectRef>
+          <a:fontRef idx="minor">
+            <a:schemeClr val="tx1"/>
+          </a:fontRef>
+        </p:style>
+      </p:cxnSp>
+      <p:sp>
+        <p:nvSpPr>
+          <p:cNvPr id="46" name="Isosceles Triangle 45">
+            <a:extLst>
+              <a:ext uri="{FF2B5EF4-FFF2-40B4-BE49-F238E27FC236}">
+                <a16:creationId xmlns:a16="http://schemas.microsoft.com/office/drawing/2014/main" id="{9636BEB5-73CA-4BA4-A75F-3780DE931078}"/>
+              </a:ext>
+            </a:extLst>
+          </p:cNvPr>
+          <p:cNvSpPr/>
+          <p:nvPr/>
+        </p:nvSpPr>
+        <p:spPr>
+          <a:xfrm>
+            <a:off x="4199482" y="5258275"/>
+            <a:ext cx="331305" cy="304799"/>
+          </a:xfrm>
+          <a:prstGeom prst="triangle">
+            <a:avLst/>
+          </a:prstGeom>
+          <a:ln w="28575">
+            <a:solidFill>
+              <a:schemeClr val="tx1"/>
+            </a:solidFill>
+          </a:ln>
+        </p:spPr>
+        <p:style>
+          <a:lnRef idx="2">
+            <a:schemeClr val="accent6"/>
+          </a:lnRef>
+          <a:fillRef idx="1">
+            <a:schemeClr val="lt1"/>
+          </a:fillRef>
+          <a:effectRef idx="0">
+            <a:schemeClr val="accent6"/>
+          </a:effectRef>
+          <a:fontRef idx="minor">
+            <a:schemeClr val="dk1"/>
+          </a:fontRef>
+        </p:style>
+        <p:txBody>
+          <a:bodyPr rtlCol="0" anchor="ctr"/>
+          <a:lstStyle/>
+          <a:p>
+            <a:pPr algn="ctr"/>
+            <a:endParaRPr lang="en-DE" dirty="0"/>
+          </a:p>
+        </p:txBody>
+      </p:sp>
+      <p:cxnSp>
+        <p:nvCxnSpPr>
+          <p:cNvPr id="47" name="Straight Connector 46">
+            <a:extLst>
+              <a:ext uri="{FF2B5EF4-FFF2-40B4-BE49-F238E27FC236}">
+                <a16:creationId xmlns:a16="http://schemas.microsoft.com/office/drawing/2014/main" id="{B35DAFD3-275A-4324-A020-C209507149D2}"/>
+              </a:ext>
+            </a:extLst>
+          </p:cNvPr>
+          <p:cNvCxnSpPr>
+            <a:cxnSpLocks/>
+          </p:cNvCxnSpPr>
+          <p:nvPr/>
+        </p:nvCxnSpPr>
+        <p:spPr>
+          <a:xfrm>
+            <a:off x="4176299" y="5635962"/>
+            <a:ext cx="354485" cy="0"/>
+          </a:xfrm>
+          <a:prstGeom prst="line">
+            <a:avLst/>
+          </a:prstGeom>
+          <a:ln w="28575">
+            <a:solidFill>
+              <a:schemeClr val="tx1"/>
+            </a:solidFill>
+          </a:ln>
+        </p:spPr>
+        <p:style>
+          <a:lnRef idx="1">
+            <a:schemeClr val="dk1"/>
+          </a:lnRef>
+          <a:fillRef idx="0">
+            <a:schemeClr val="dk1"/>
+          </a:fillRef>
+          <a:effectRef idx="0">
+            <a:schemeClr val="dk1"/>
+          </a:effectRef>
+          <a:fontRef idx="minor">
+            <a:schemeClr val="tx1"/>
+          </a:fontRef>
+        </p:style>
+      </p:cxnSp>
+      <p:cxnSp>
+        <p:nvCxnSpPr>
+          <p:cNvPr id="48" name="Straight Connector 47">
+            <a:extLst>
+              <a:ext uri="{FF2B5EF4-FFF2-40B4-BE49-F238E27FC236}">
+                <a16:creationId xmlns:a16="http://schemas.microsoft.com/office/drawing/2014/main" id="{3D53CC7F-33F9-4972-A5F7-3A9D6D9086A8}"/>
+              </a:ext>
+            </a:extLst>
+          </p:cNvPr>
+          <p:cNvCxnSpPr>
+            <a:cxnSpLocks/>
+          </p:cNvCxnSpPr>
+          <p:nvPr/>
+        </p:nvCxnSpPr>
+        <p:spPr>
+          <a:xfrm flipV="1">
+            <a:off x="4212735" y="5635964"/>
+            <a:ext cx="124231" cy="145774"/>
+          </a:xfrm>
+          <a:prstGeom prst="line">
+            <a:avLst/>
+          </a:prstGeom>
+          <a:ln w="28575">
+            <a:solidFill>
+              <a:schemeClr val="tx1"/>
+            </a:solidFill>
+          </a:ln>
+        </p:spPr>
+        <p:style>
+          <a:lnRef idx="1">
+            <a:schemeClr val="dk1"/>
+          </a:lnRef>
+          <a:fillRef idx="0">
+            <a:schemeClr val="dk1"/>
+          </a:fillRef>
+          <a:effectRef idx="0">
+            <a:schemeClr val="dk1"/>
+          </a:effectRef>
+          <a:fontRef idx="minor">
+            <a:schemeClr val="tx1"/>
+          </a:fontRef>
+        </p:style>
+      </p:cxnSp>
+      <p:cxnSp>
+        <p:nvCxnSpPr>
+          <p:cNvPr id="49" name="Straight Connector 48">
+            <a:extLst>
+              <a:ext uri="{FF2B5EF4-FFF2-40B4-BE49-F238E27FC236}">
+                <a16:creationId xmlns:a16="http://schemas.microsoft.com/office/drawing/2014/main" id="{1ED0BA03-6A4D-4DB2-A839-3415323B6BBB}"/>
+              </a:ext>
+            </a:extLst>
+          </p:cNvPr>
+          <p:cNvCxnSpPr>
+            <a:cxnSpLocks/>
+          </p:cNvCxnSpPr>
+          <p:nvPr/>
+        </p:nvCxnSpPr>
+        <p:spPr>
+          <a:xfrm flipV="1">
+            <a:off x="4303873" y="5635964"/>
+            <a:ext cx="124231" cy="145774"/>
+          </a:xfrm>
+          <a:prstGeom prst="line">
+            <a:avLst/>
+          </a:prstGeom>
+          <a:ln w="28575">
+            <a:solidFill>
+              <a:schemeClr val="tx1"/>
+            </a:solidFill>
+          </a:ln>
+        </p:spPr>
+        <p:style>
+          <a:lnRef idx="1">
+            <a:schemeClr val="dk1"/>
+          </a:lnRef>
+          <a:fillRef idx="0">
+            <a:schemeClr val="dk1"/>
+          </a:fillRef>
+          <a:effectRef idx="0">
+            <a:schemeClr val="dk1"/>
+          </a:effectRef>
+          <a:fontRef idx="minor">
+            <a:schemeClr val="tx1"/>
+          </a:fontRef>
+        </p:style>
+      </p:cxnSp>
+      <p:cxnSp>
+        <p:nvCxnSpPr>
+          <p:cNvPr id="50" name="Straight Connector 49">
+            <a:extLst>
+              <a:ext uri="{FF2B5EF4-FFF2-40B4-BE49-F238E27FC236}">
+                <a16:creationId xmlns:a16="http://schemas.microsoft.com/office/drawing/2014/main" id="{A789C040-674A-417A-A9F3-CC59EC306540}"/>
+              </a:ext>
+            </a:extLst>
+          </p:cNvPr>
+          <p:cNvCxnSpPr>
+            <a:cxnSpLocks/>
+          </p:cNvCxnSpPr>
+          <p:nvPr/>
+        </p:nvCxnSpPr>
+        <p:spPr>
+          <a:xfrm flipV="1">
+            <a:off x="4411546" y="5635964"/>
+            <a:ext cx="124231" cy="145774"/>
+          </a:xfrm>
+          <a:prstGeom prst="line">
+            <a:avLst/>
+          </a:prstGeom>
+          <a:ln w="28575">
+            <a:solidFill>
+              <a:schemeClr val="tx1"/>
+            </a:solidFill>
+          </a:ln>
+        </p:spPr>
+        <p:style>
+          <a:lnRef idx="1">
+            <a:schemeClr val="dk1"/>
+          </a:lnRef>
+          <a:fillRef idx="0">
+            <a:schemeClr val="dk1"/>
+          </a:fillRef>
+          <a:effectRef idx="0">
+            <a:schemeClr val="dk1"/>
+          </a:effectRef>
+          <a:fontRef idx="minor">
+            <a:schemeClr val="tx1"/>
+          </a:fontRef>
+        </p:style>
+      </p:cxnSp>
+      <p:cxnSp>
+        <p:nvCxnSpPr>
+          <p:cNvPr id="51" name="Straight Connector 50">
+            <a:extLst>
+              <a:ext uri="{FF2B5EF4-FFF2-40B4-BE49-F238E27FC236}">
+                <a16:creationId xmlns:a16="http://schemas.microsoft.com/office/drawing/2014/main" id="{25607AF2-586C-4B9F-8C94-CC0B28F618B6}"/>
+              </a:ext>
+            </a:extLst>
+          </p:cNvPr>
+          <p:cNvCxnSpPr>
+            <a:cxnSpLocks/>
+          </p:cNvCxnSpPr>
+          <p:nvPr/>
+        </p:nvCxnSpPr>
+        <p:spPr>
+          <a:xfrm flipV="1">
+            <a:off x="4100114" y="5635960"/>
+            <a:ext cx="124231" cy="145774"/>
+          </a:xfrm>
+          <a:prstGeom prst="line">
+            <a:avLst/>
+          </a:prstGeom>
+          <a:ln w="28575">
+            <a:solidFill>
+              <a:schemeClr val="tx1"/>
+            </a:solidFill>
+          </a:ln>
+        </p:spPr>
+        <p:style>
+          <a:lnRef idx="1">
+            <a:schemeClr val="dk1"/>
+          </a:lnRef>
+          <a:fillRef idx="0">
+            <a:schemeClr val="dk1"/>
+          </a:fillRef>
+          <a:effectRef idx="0">
+            <a:schemeClr val="dk1"/>
+          </a:effectRef>
+          <a:fontRef idx="minor">
+            <a:schemeClr val="tx1"/>
+          </a:fontRef>
+        </p:style>
+      </p:cxnSp>
+      <p:sp>
+        <p:nvSpPr>
+          <p:cNvPr id="52" name="Isosceles Triangle 51">
+            <a:extLst>
+              <a:ext uri="{FF2B5EF4-FFF2-40B4-BE49-F238E27FC236}">
+                <a16:creationId xmlns:a16="http://schemas.microsoft.com/office/drawing/2014/main" id="{7CC6B60E-71CF-4505-ABDE-7688D3268C20}"/>
+              </a:ext>
+            </a:extLst>
+          </p:cNvPr>
+          <p:cNvSpPr/>
+          <p:nvPr/>
+        </p:nvSpPr>
+        <p:spPr>
+          <a:xfrm>
+            <a:off x="6529790" y="5258275"/>
+            <a:ext cx="331305" cy="304799"/>
+          </a:xfrm>
+          <a:prstGeom prst="triangle">
+            <a:avLst/>
+          </a:prstGeom>
+          <a:ln w="28575">
+            <a:solidFill>
+              <a:schemeClr val="tx1"/>
+            </a:solidFill>
+          </a:ln>
+        </p:spPr>
+        <p:style>
+          <a:lnRef idx="2">
+            <a:schemeClr val="accent6"/>
+          </a:lnRef>
+          <a:fillRef idx="1">
+            <a:schemeClr val="lt1"/>
+          </a:fillRef>
+          <a:effectRef idx="0">
+            <a:schemeClr val="accent6"/>
+          </a:effectRef>
+          <a:fontRef idx="minor">
+            <a:schemeClr val="dk1"/>
+          </a:fontRef>
+        </p:style>
+        <p:txBody>
+          <a:bodyPr rtlCol="0" anchor="ctr"/>
+          <a:lstStyle/>
+          <a:p>
+            <a:pPr algn="ctr"/>
+            <a:endParaRPr lang="en-DE" dirty="0"/>
+          </a:p>
+        </p:txBody>
+      </p:sp>
+      <p:cxnSp>
+        <p:nvCxnSpPr>
+          <p:cNvPr id="53" name="Straight Connector 52">
+            <a:extLst>
+              <a:ext uri="{FF2B5EF4-FFF2-40B4-BE49-F238E27FC236}">
+                <a16:creationId xmlns:a16="http://schemas.microsoft.com/office/drawing/2014/main" id="{858328D9-F420-4F7D-B229-34442DD0F1C1}"/>
+              </a:ext>
+            </a:extLst>
+          </p:cNvPr>
+          <p:cNvCxnSpPr>
+            <a:cxnSpLocks/>
+          </p:cNvCxnSpPr>
+          <p:nvPr/>
+        </p:nvCxnSpPr>
+        <p:spPr>
+          <a:xfrm>
+            <a:off x="6506607" y="5635962"/>
+            <a:ext cx="354485" cy="0"/>
+          </a:xfrm>
+          <a:prstGeom prst="line">
+            <a:avLst/>
+          </a:prstGeom>
+          <a:ln w="28575">
+            <a:solidFill>
+              <a:schemeClr val="tx1"/>
+            </a:solidFill>
+          </a:ln>
+        </p:spPr>
+        <p:style>
+          <a:lnRef idx="1">
+            <a:schemeClr val="dk1"/>
+          </a:lnRef>
+          <a:fillRef idx="0">
+            <a:schemeClr val="dk1"/>
+          </a:fillRef>
+          <a:effectRef idx="0">
+            <a:schemeClr val="dk1"/>
+          </a:effectRef>
+          <a:fontRef idx="minor">
+            <a:schemeClr val="tx1"/>
+          </a:fontRef>
+        </p:style>
+      </p:cxnSp>
+      <p:cxnSp>
+        <p:nvCxnSpPr>
+          <p:cNvPr id="54" name="Straight Connector 53">
+            <a:extLst>
+              <a:ext uri="{FF2B5EF4-FFF2-40B4-BE49-F238E27FC236}">
+                <a16:creationId xmlns:a16="http://schemas.microsoft.com/office/drawing/2014/main" id="{91D120B1-DDC7-4B4B-8DF4-579E43D3A77A}"/>
+              </a:ext>
+            </a:extLst>
+          </p:cNvPr>
+          <p:cNvCxnSpPr>
+            <a:cxnSpLocks/>
+          </p:cNvCxnSpPr>
+          <p:nvPr/>
+        </p:nvCxnSpPr>
+        <p:spPr>
+          <a:xfrm flipV="1">
+            <a:off x="6543043" y="5635964"/>
+            <a:ext cx="124231" cy="145774"/>
+          </a:xfrm>
+          <a:prstGeom prst="line">
+            <a:avLst/>
+          </a:prstGeom>
+          <a:ln w="28575">
+            <a:solidFill>
+              <a:schemeClr val="tx1"/>
+            </a:solidFill>
+          </a:ln>
+        </p:spPr>
+        <p:style>
+          <a:lnRef idx="1">
+            <a:schemeClr val="dk1"/>
+          </a:lnRef>
+          <a:fillRef idx="0">
+            <a:schemeClr val="dk1"/>
+          </a:fillRef>
+          <a:effectRef idx="0">
+            <a:schemeClr val="dk1"/>
+          </a:effectRef>
+          <a:fontRef idx="minor">
+            <a:schemeClr val="tx1"/>
+          </a:fontRef>
+        </p:style>
+      </p:cxnSp>
+      <p:cxnSp>
+        <p:nvCxnSpPr>
+          <p:cNvPr id="55" name="Straight Connector 54">
+            <a:extLst>
+              <a:ext uri="{FF2B5EF4-FFF2-40B4-BE49-F238E27FC236}">
+                <a16:creationId xmlns:a16="http://schemas.microsoft.com/office/drawing/2014/main" id="{12D2FF7C-13A6-4D7E-985F-8640D6CE5CEC}"/>
+              </a:ext>
+            </a:extLst>
+          </p:cNvPr>
+          <p:cNvCxnSpPr>
+            <a:cxnSpLocks/>
+          </p:cNvCxnSpPr>
+          <p:nvPr/>
+        </p:nvCxnSpPr>
+        <p:spPr>
+          <a:xfrm flipV="1">
+            <a:off x="6634181" y="5635964"/>
+            <a:ext cx="124231" cy="145774"/>
+          </a:xfrm>
+          <a:prstGeom prst="line">
+            <a:avLst/>
+          </a:prstGeom>
+          <a:ln w="28575">
+            <a:solidFill>
+              <a:schemeClr val="tx1"/>
+            </a:solidFill>
+          </a:ln>
+        </p:spPr>
+        <p:style>
+          <a:lnRef idx="1">
+            <a:schemeClr val="dk1"/>
+          </a:lnRef>
+          <a:fillRef idx="0">
+            <a:schemeClr val="dk1"/>
+          </a:fillRef>
+          <a:effectRef idx="0">
+            <a:schemeClr val="dk1"/>
+          </a:effectRef>
+          <a:fontRef idx="minor">
+            <a:schemeClr val="tx1"/>
+          </a:fontRef>
+        </p:style>
+      </p:cxnSp>
+      <p:cxnSp>
+        <p:nvCxnSpPr>
+          <p:cNvPr id="56" name="Straight Connector 55">
+            <a:extLst>
+              <a:ext uri="{FF2B5EF4-FFF2-40B4-BE49-F238E27FC236}">
+                <a16:creationId xmlns:a16="http://schemas.microsoft.com/office/drawing/2014/main" id="{64FA6137-69C1-4C85-B28A-DC15A68B7194}"/>
+              </a:ext>
+            </a:extLst>
+          </p:cNvPr>
+          <p:cNvCxnSpPr>
+            <a:cxnSpLocks/>
+          </p:cNvCxnSpPr>
+          <p:nvPr/>
+        </p:nvCxnSpPr>
+        <p:spPr>
+          <a:xfrm flipV="1">
+            <a:off x="6741854" y="5635964"/>
+            <a:ext cx="124231" cy="145774"/>
+          </a:xfrm>
+          <a:prstGeom prst="line">
+            <a:avLst/>
+          </a:prstGeom>
+          <a:ln w="28575">
+            <a:solidFill>
+              <a:schemeClr val="tx1"/>
+            </a:solidFill>
+          </a:ln>
+        </p:spPr>
+        <p:style>
+          <a:lnRef idx="1">
+            <a:schemeClr val="dk1"/>
+          </a:lnRef>
+          <a:fillRef idx="0">
+            <a:schemeClr val="dk1"/>
+          </a:fillRef>
+          <a:effectRef idx="0">
+            <a:schemeClr val="dk1"/>
+          </a:effectRef>
+          <a:fontRef idx="minor">
+            <a:schemeClr val="tx1"/>
+          </a:fontRef>
+        </p:style>
+      </p:cxnSp>
+      <p:cxnSp>
+        <p:nvCxnSpPr>
+          <p:cNvPr id="57" name="Straight Connector 56">
+            <a:extLst>
+              <a:ext uri="{FF2B5EF4-FFF2-40B4-BE49-F238E27FC236}">
+                <a16:creationId xmlns:a16="http://schemas.microsoft.com/office/drawing/2014/main" id="{C8B3B27B-ABCB-440C-997C-35031EF93AA1}"/>
+              </a:ext>
+            </a:extLst>
+          </p:cNvPr>
+          <p:cNvCxnSpPr>
+            <a:cxnSpLocks/>
+          </p:cNvCxnSpPr>
+          <p:nvPr/>
+        </p:nvCxnSpPr>
+        <p:spPr>
+          <a:xfrm flipV="1">
+            <a:off x="6430422" y="5635960"/>
+            <a:ext cx="124231" cy="145774"/>
+          </a:xfrm>
+          <a:prstGeom prst="line">
+            <a:avLst/>
+          </a:prstGeom>
+          <a:ln w="28575">
+            <a:solidFill>
+              <a:schemeClr val="tx1"/>
+            </a:solidFill>
+          </a:ln>
+        </p:spPr>
+        <p:style>
+          <a:lnRef idx="1">
+            <a:schemeClr val="dk1"/>
+          </a:lnRef>
+          <a:fillRef idx="0">
+            <a:schemeClr val="dk1"/>
+          </a:fillRef>
+          <a:effectRef idx="0">
+            <a:schemeClr val="dk1"/>
+          </a:effectRef>
+          <a:fontRef idx="minor">
+            <a:schemeClr val="tx1"/>
+          </a:fontRef>
+        </p:style>
+      </p:cxnSp>
+      <p:sp>
+        <p:nvSpPr>
+          <p:cNvPr id="58" name="Isosceles Triangle 57">
+            <a:extLst>
+              <a:ext uri="{FF2B5EF4-FFF2-40B4-BE49-F238E27FC236}">
+                <a16:creationId xmlns:a16="http://schemas.microsoft.com/office/drawing/2014/main" id="{0E26BABE-43C7-462E-BAA8-C608D32F6876}"/>
+              </a:ext>
+            </a:extLst>
+          </p:cNvPr>
+          <p:cNvSpPr/>
+          <p:nvPr/>
+        </p:nvSpPr>
+        <p:spPr>
+          <a:xfrm rot="5400000">
+            <a:off x="1570812" y="3738869"/>
+            <a:ext cx="331305" cy="304799"/>
+          </a:xfrm>
+          <a:prstGeom prst="triangle">
+            <a:avLst/>
+          </a:prstGeom>
+          <a:ln w="28575">
+            <a:solidFill>
+              <a:schemeClr val="tx1"/>
+            </a:solidFill>
+          </a:ln>
+        </p:spPr>
+        <p:style>
+          <a:lnRef idx="2">
+            <a:schemeClr val="accent6"/>
+          </a:lnRef>
+          <a:fillRef idx="1">
+            <a:schemeClr val="lt1"/>
+          </a:fillRef>
+          <a:effectRef idx="0">
+            <a:schemeClr val="accent6"/>
+          </a:effectRef>
+          <a:fontRef idx="minor">
+            <a:schemeClr val="dk1"/>
+          </a:fontRef>
+        </p:style>
+        <p:txBody>
+          <a:bodyPr rtlCol="0" anchor="ctr"/>
+          <a:lstStyle/>
+          <a:p>
+            <a:pPr algn="ctr"/>
+            <a:endParaRPr lang="en-DE" dirty="0"/>
+          </a:p>
+        </p:txBody>
+      </p:sp>
+      <p:cxnSp>
+        <p:nvCxnSpPr>
+          <p:cNvPr id="59" name="Straight Connector 58">
+            <a:extLst>
+              <a:ext uri="{FF2B5EF4-FFF2-40B4-BE49-F238E27FC236}">
+                <a16:creationId xmlns:a16="http://schemas.microsoft.com/office/drawing/2014/main" id="{DB7C078E-0FCE-46A1-A4D1-71C67A81E6F7}"/>
+              </a:ext>
+            </a:extLst>
+          </p:cNvPr>
+          <p:cNvCxnSpPr>
+            <a:cxnSpLocks/>
+          </p:cNvCxnSpPr>
+          <p:nvPr/>
+        </p:nvCxnSpPr>
+        <p:spPr>
+          <a:xfrm>
+            <a:off x="1503315" y="3713959"/>
+            <a:ext cx="0" cy="331305"/>
+          </a:xfrm>
+          <a:prstGeom prst="line">
+            <a:avLst/>
+          </a:prstGeom>
+          <a:ln w="28575"/>
+        </p:spPr>
+        <p:style>
+          <a:lnRef idx="1">
+            <a:schemeClr val="dk1"/>
+          </a:lnRef>
+          <a:fillRef idx="0">
+            <a:schemeClr val="dk1"/>
+          </a:fillRef>
+          <a:effectRef idx="0">
+            <a:schemeClr val="dk1"/>
+          </a:effectRef>
+          <a:fontRef idx="minor">
+            <a:schemeClr val="tx1"/>
+          </a:fontRef>
+        </p:style>
+      </p:cxnSp>
+      <p:cxnSp>
+        <p:nvCxnSpPr>
+          <p:cNvPr id="60" name="Straight Connector 59">
+            <a:extLst>
+              <a:ext uri="{FF2B5EF4-FFF2-40B4-BE49-F238E27FC236}">
+                <a16:creationId xmlns:a16="http://schemas.microsoft.com/office/drawing/2014/main" id="{F4DEE8E7-416C-4722-A618-3752EBAC34CF}"/>
+              </a:ext>
+            </a:extLst>
+          </p:cNvPr>
+          <p:cNvCxnSpPr>
+            <a:cxnSpLocks/>
+          </p:cNvCxnSpPr>
+          <p:nvPr/>
+        </p:nvCxnSpPr>
+        <p:spPr>
+          <a:xfrm>
+            <a:off x="1340065" y="3727202"/>
+            <a:ext cx="152012" cy="192153"/>
+          </a:xfrm>
+          <a:prstGeom prst="line">
+            <a:avLst/>
+          </a:prstGeom>
+          <a:ln w="28575"/>
+        </p:spPr>
+        <p:style>
+          <a:lnRef idx="1">
+            <a:schemeClr val="dk1"/>
+          </a:lnRef>
+          <a:fillRef idx="0">
+            <a:schemeClr val="dk1"/>
+          </a:fillRef>
+          <a:effectRef idx="0">
+            <a:schemeClr val="dk1"/>
+          </a:effectRef>
+          <a:fontRef idx="minor">
+            <a:schemeClr val="tx1"/>
+          </a:fontRef>
+        </p:style>
+      </p:cxnSp>
+      <p:cxnSp>
+        <p:nvCxnSpPr>
+          <p:cNvPr id="61" name="Straight Connector 60">
+            <a:extLst>
+              <a:ext uri="{FF2B5EF4-FFF2-40B4-BE49-F238E27FC236}">
+                <a16:creationId xmlns:a16="http://schemas.microsoft.com/office/drawing/2014/main" id="{F7E7EDD0-5FA6-4A2A-9087-ADF7560B9D8A}"/>
+              </a:ext>
+            </a:extLst>
+          </p:cNvPr>
+          <p:cNvCxnSpPr>
+            <a:cxnSpLocks/>
+          </p:cNvCxnSpPr>
+          <p:nvPr/>
+        </p:nvCxnSpPr>
+        <p:spPr>
+          <a:xfrm>
+            <a:off x="1340064" y="3823283"/>
+            <a:ext cx="152012" cy="192153"/>
+          </a:xfrm>
+          <a:prstGeom prst="line">
+            <a:avLst/>
+          </a:prstGeom>
+          <a:ln w="28575"/>
+        </p:spPr>
+        <p:style>
+          <a:lnRef idx="1">
+            <a:schemeClr val="dk1"/>
+          </a:lnRef>
+          <a:fillRef idx="0">
+            <a:schemeClr val="dk1"/>
+          </a:fillRef>
+          <a:effectRef idx="0">
+            <a:schemeClr val="dk1"/>
+          </a:effectRef>
+          <a:fontRef idx="minor">
+            <a:schemeClr val="tx1"/>
+          </a:fontRef>
+        </p:style>
+      </p:cxnSp>
+      <p:cxnSp>
+        <p:nvCxnSpPr>
+          <p:cNvPr id="62" name="Straight Connector 61">
+            <a:extLst>
+              <a:ext uri="{FF2B5EF4-FFF2-40B4-BE49-F238E27FC236}">
+                <a16:creationId xmlns:a16="http://schemas.microsoft.com/office/drawing/2014/main" id="{A227DF5C-B8A1-4122-8DFE-BF2B01492B5D}"/>
+              </a:ext>
+            </a:extLst>
+          </p:cNvPr>
+          <p:cNvCxnSpPr>
+            <a:cxnSpLocks/>
+          </p:cNvCxnSpPr>
+          <p:nvPr/>
+        </p:nvCxnSpPr>
+        <p:spPr>
+          <a:xfrm>
+            <a:off x="1343570" y="3631125"/>
+            <a:ext cx="152012" cy="192153"/>
+          </a:xfrm>
+          <a:prstGeom prst="line">
+            <a:avLst/>
+          </a:prstGeom>
+          <a:ln w="28575"/>
+        </p:spPr>
+        <p:style>
+          <a:lnRef idx="1">
+            <a:schemeClr val="dk1"/>
+          </a:lnRef>
+          <a:fillRef idx="0">
+            <a:schemeClr val="dk1"/>
+          </a:fillRef>
+          <a:effectRef idx="0">
+            <a:schemeClr val="dk1"/>
+          </a:effectRef>
+          <a:fontRef idx="minor">
+            <a:schemeClr val="tx1"/>
+          </a:fontRef>
+        </p:style>
+      </p:cxnSp>
+      <p:cxnSp>
+        <p:nvCxnSpPr>
+          <p:cNvPr id="63" name="Straight Connector 62">
+            <a:extLst>
+              <a:ext uri="{FF2B5EF4-FFF2-40B4-BE49-F238E27FC236}">
+                <a16:creationId xmlns:a16="http://schemas.microsoft.com/office/drawing/2014/main" id="{494D7E19-2517-4DA0-9B57-978BC6179CCB}"/>
+              </a:ext>
+            </a:extLst>
+          </p:cNvPr>
+          <p:cNvCxnSpPr>
+            <a:cxnSpLocks/>
+          </p:cNvCxnSpPr>
+          <p:nvPr/>
+        </p:nvCxnSpPr>
+        <p:spPr>
+          <a:xfrm>
+            <a:off x="1347474" y="3544924"/>
+            <a:ext cx="152012" cy="192153"/>
+          </a:xfrm>
+          <a:prstGeom prst="line">
+            <a:avLst/>
+          </a:prstGeom>
+          <a:ln w="28575"/>
+        </p:spPr>
+        <p:style>
+          <a:lnRef idx="1">
+            <a:schemeClr val="dk1"/>
+          </a:lnRef>
+          <a:fillRef idx="0">
+            <a:schemeClr val="dk1"/>
+          </a:fillRef>
+          <a:effectRef idx="0">
+            <a:schemeClr val="dk1"/>
+          </a:effectRef>
+          <a:fontRef idx="minor">
+            <a:schemeClr val="tx1"/>
+          </a:fontRef>
+        </p:style>
+      </p:cxnSp>
+      <p:sp>
+        <p:nvSpPr>
+          <p:cNvPr id="64" name="Isosceles Triangle 63">
+            <a:extLst>
+              <a:ext uri="{FF2B5EF4-FFF2-40B4-BE49-F238E27FC236}">
+                <a16:creationId xmlns:a16="http://schemas.microsoft.com/office/drawing/2014/main" id="{77259AA5-19D2-4543-B076-637305B83723}"/>
+              </a:ext>
+            </a:extLst>
+          </p:cNvPr>
+          <p:cNvSpPr/>
+          <p:nvPr/>
+        </p:nvSpPr>
+        <p:spPr>
+          <a:xfrm rot="5400000">
+            <a:off x="1570812" y="1447657"/>
+            <a:ext cx="331305" cy="304799"/>
+          </a:xfrm>
+          <a:prstGeom prst="triangle">
+            <a:avLst/>
+          </a:prstGeom>
+          <a:ln w="28575">
+            <a:solidFill>
+              <a:schemeClr val="tx1"/>
+            </a:solidFill>
+          </a:ln>
+        </p:spPr>
+        <p:style>
+          <a:lnRef idx="2">
+            <a:schemeClr val="accent6"/>
+          </a:lnRef>
+          <a:fillRef idx="1">
+            <a:schemeClr val="lt1"/>
+          </a:fillRef>
+          <a:effectRef idx="0">
+            <a:schemeClr val="accent6"/>
+          </a:effectRef>
+          <a:fontRef idx="minor">
+            <a:schemeClr val="dk1"/>
+          </a:fontRef>
+        </p:style>
+        <p:txBody>
+          <a:bodyPr rtlCol="0" anchor="ctr"/>
+          <a:lstStyle/>
+          <a:p>
+            <a:pPr algn="ctr"/>
+            <a:endParaRPr lang="en-DE" dirty="0"/>
+          </a:p>
+        </p:txBody>
+      </p:sp>
+      <p:cxnSp>
+        <p:nvCxnSpPr>
+          <p:cNvPr id="65" name="Straight Connector 64">
+            <a:extLst>
+              <a:ext uri="{FF2B5EF4-FFF2-40B4-BE49-F238E27FC236}">
+                <a16:creationId xmlns:a16="http://schemas.microsoft.com/office/drawing/2014/main" id="{8E60D58D-47C8-4476-B385-CC6D37AF8767}"/>
+              </a:ext>
+            </a:extLst>
+          </p:cNvPr>
+          <p:cNvCxnSpPr>
+            <a:cxnSpLocks/>
+          </p:cNvCxnSpPr>
+          <p:nvPr/>
+        </p:nvCxnSpPr>
+        <p:spPr>
+          <a:xfrm>
+            <a:off x="1503315" y="1422747"/>
+            <a:ext cx="0" cy="331305"/>
+          </a:xfrm>
+          <a:prstGeom prst="line">
+            <a:avLst/>
+          </a:prstGeom>
+          <a:ln w="28575"/>
+        </p:spPr>
+        <p:style>
+          <a:lnRef idx="1">
+            <a:schemeClr val="dk1"/>
+          </a:lnRef>
+          <a:fillRef idx="0">
+            <a:schemeClr val="dk1"/>
+          </a:fillRef>
+          <a:effectRef idx="0">
+            <a:schemeClr val="dk1"/>
+          </a:effectRef>
+          <a:fontRef idx="minor">
+            <a:schemeClr val="tx1"/>
+          </a:fontRef>
+        </p:style>
+      </p:cxnSp>
+      <p:cxnSp>
+        <p:nvCxnSpPr>
+          <p:cNvPr id="66" name="Straight Connector 65">
+            <a:extLst>
+              <a:ext uri="{FF2B5EF4-FFF2-40B4-BE49-F238E27FC236}">
+                <a16:creationId xmlns:a16="http://schemas.microsoft.com/office/drawing/2014/main" id="{1440E9BF-6AFB-4FDF-AAFF-375A9D44AA16}"/>
+              </a:ext>
+            </a:extLst>
+          </p:cNvPr>
+          <p:cNvCxnSpPr>
+            <a:cxnSpLocks/>
+          </p:cNvCxnSpPr>
+          <p:nvPr/>
+        </p:nvCxnSpPr>
+        <p:spPr>
+          <a:xfrm>
+            <a:off x="1340065" y="1435990"/>
+            <a:ext cx="152012" cy="192153"/>
+          </a:xfrm>
+          <a:prstGeom prst="line">
+            <a:avLst/>
+          </a:prstGeom>
+          <a:ln w="28575"/>
+        </p:spPr>
+        <p:style>
+          <a:lnRef idx="1">
+            <a:schemeClr val="dk1"/>
+          </a:lnRef>
+          <a:fillRef idx="0">
+            <a:schemeClr val="dk1"/>
+          </a:fillRef>
+          <a:effectRef idx="0">
+            <a:schemeClr val="dk1"/>
+          </a:effectRef>
+          <a:fontRef idx="minor">
+            <a:schemeClr val="tx1"/>
+          </a:fontRef>
+        </p:style>
+      </p:cxnSp>
+      <p:cxnSp>
+        <p:nvCxnSpPr>
+          <p:cNvPr id="67" name="Straight Connector 66">
+            <a:extLst>
+              <a:ext uri="{FF2B5EF4-FFF2-40B4-BE49-F238E27FC236}">
+                <a16:creationId xmlns:a16="http://schemas.microsoft.com/office/drawing/2014/main" id="{29C68F75-A097-4544-8AD7-89F1084BC04C}"/>
+              </a:ext>
+            </a:extLst>
+          </p:cNvPr>
+          <p:cNvCxnSpPr>
+            <a:cxnSpLocks/>
+          </p:cNvCxnSpPr>
+          <p:nvPr/>
+        </p:nvCxnSpPr>
+        <p:spPr>
+          <a:xfrm>
+            <a:off x="1340064" y="1532071"/>
+            <a:ext cx="152012" cy="192153"/>
+          </a:xfrm>
+          <a:prstGeom prst="line">
+            <a:avLst/>
+          </a:prstGeom>
+          <a:ln w="28575"/>
+        </p:spPr>
+        <p:style>
+          <a:lnRef idx="1">
+            <a:schemeClr val="dk1"/>
+          </a:lnRef>
+          <a:fillRef idx="0">
+            <a:schemeClr val="dk1"/>
+          </a:fillRef>
+          <a:effectRef idx="0">
+            <a:schemeClr val="dk1"/>
+          </a:effectRef>
+          <a:fontRef idx="minor">
+            <a:schemeClr val="tx1"/>
+          </a:fontRef>
+        </p:style>
+      </p:cxnSp>
+      <p:cxnSp>
+        <p:nvCxnSpPr>
+          <p:cNvPr id="68" name="Straight Connector 67">
+            <a:extLst>
+              <a:ext uri="{FF2B5EF4-FFF2-40B4-BE49-F238E27FC236}">
+                <a16:creationId xmlns:a16="http://schemas.microsoft.com/office/drawing/2014/main" id="{9593BB39-50B7-47FD-BA09-F95910F82EA7}"/>
+              </a:ext>
+            </a:extLst>
+          </p:cNvPr>
+          <p:cNvCxnSpPr>
+            <a:cxnSpLocks/>
+          </p:cNvCxnSpPr>
+          <p:nvPr/>
+        </p:nvCxnSpPr>
+        <p:spPr>
+          <a:xfrm>
+            <a:off x="1343570" y="1339913"/>
+            <a:ext cx="152012" cy="192153"/>
+          </a:xfrm>
+          <a:prstGeom prst="line">
+            <a:avLst/>
+          </a:prstGeom>
+          <a:ln w="28575"/>
+        </p:spPr>
+        <p:style>
+          <a:lnRef idx="1">
+            <a:schemeClr val="dk1"/>
+          </a:lnRef>
+          <a:fillRef idx="0">
+            <a:schemeClr val="dk1"/>
+          </a:fillRef>
+          <a:effectRef idx="0">
+            <a:schemeClr val="dk1"/>
+          </a:effectRef>
+          <a:fontRef idx="minor">
+            <a:schemeClr val="tx1"/>
+          </a:fontRef>
+        </p:style>
+      </p:cxnSp>
+      <p:cxnSp>
+        <p:nvCxnSpPr>
+          <p:cNvPr id="69" name="Straight Connector 68">
+            <a:extLst>
+              <a:ext uri="{FF2B5EF4-FFF2-40B4-BE49-F238E27FC236}">
+                <a16:creationId xmlns:a16="http://schemas.microsoft.com/office/drawing/2014/main" id="{641F9568-AB3A-476E-9244-89A211058BDB}"/>
+              </a:ext>
+            </a:extLst>
+          </p:cNvPr>
+          <p:cNvCxnSpPr>
+            <a:cxnSpLocks/>
+          </p:cNvCxnSpPr>
+          <p:nvPr/>
+        </p:nvCxnSpPr>
+        <p:spPr>
+          <a:xfrm>
+            <a:off x="1347474" y="1253712"/>
+            <a:ext cx="152012" cy="192153"/>
+          </a:xfrm>
+          <a:prstGeom prst="line">
+            <a:avLst/>
+          </a:prstGeom>
+          <a:ln w="28575"/>
+        </p:spPr>
+        <p:style>
+          <a:lnRef idx="1">
+            <a:schemeClr val="dk1"/>
+          </a:lnRef>
+          <a:fillRef idx="0">
+            <a:schemeClr val="dk1"/>
+          </a:fillRef>
+          <a:effectRef idx="0">
+            <a:schemeClr val="dk1"/>
+          </a:effectRef>
+          <a:fontRef idx="minor">
+            <a:schemeClr val="tx1"/>
+          </a:fontRef>
+        </p:style>
+      </p:cxnSp>
+      <p:sp>
+        <p:nvSpPr>
+          <p:cNvPr id="70" name="Isosceles Triangle 69">
+            <a:extLst>
+              <a:ext uri="{FF2B5EF4-FFF2-40B4-BE49-F238E27FC236}">
+                <a16:creationId xmlns:a16="http://schemas.microsoft.com/office/drawing/2014/main" id="{7CB3DF16-3AED-4D79-8FD3-8031D99C58FF}"/>
+              </a:ext>
+            </a:extLst>
+          </p:cNvPr>
+          <p:cNvSpPr/>
+          <p:nvPr/>
+        </p:nvSpPr>
+        <p:spPr>
+          <a:xfrm rot="5400000">
+            <a:off x="1570812" y="2194903"/>
+            <a:ext cx="331305" cy="304799"/>
+          </a:xfrm>
+          <a:prstGeom prst="triangle">
+            <a:avLst/>
+          </a:prstGeom>
+          <a:ln w="28575">
+            <a:solidFill>
+              <a:schemeClr val="tx1"/>
+            </a:solidFill>
+          </a:ln>
+        </p:spPr>
+        <p:style>
+          <a:lnRef idx="2">
+            <a:schemeClr val="accent6"/>
+          </a:lnRef>
+          <a:fillRef idx="1">
+            <a:schemeClr val="lt1"/>
+          </a:fillRef>
+          <a:effectRef idx="0">
+            <a:schemeClr val="accent6"/>
+          </a:effectRef>
+          <a:fontRef idx="minor">
+            <a:schemeClr val="dk1"/>
+          </a:fontRef>
+        </p:style>
+        <p:txBody>
+          <a:bodyPr rtlCol="0" anchor="ctr"/>
+          <a:lstStyle/>
+          <a:p>
+            <a:pPr algn="ctr"/>
+            <a:endParaRPr lang="en-DE" dirty="0"/>
+          </a:p>
+        </p:txBody>
+      </p:sp>
+      <p:cxnSp>
+        <p:nvCxnSpPr>
+          <p:cNvPr id="71" name="Straight Connector 70">
+            <a:extLst>
+              <a:ext uri="{FF2B5EF4-FFF2-40B4-BE49-F238E27FC236}">
+                <a16:creationId xmlns:a16="http://schemas.microsoft.com/office/drawing/2014/main" id="{2EEA272C-B677-4BE9-B56A-0E20652B4DC6}"/>
+              </a:ext>
+            </a:extLst>
+          </p:cNvPr>
+          <p:cNvCxnSpPr>
+            <a:cxnSpLocks/>
+          </p:cNvCxnSpPr>
+          <p:nvPr/>
+        </p:nvCxnSpPr>
+        <p:spPr>
+          <a:xfrm>
+            <a:off x="1503315" y="2169993"/>
+            <a:ext cx="0" cy="331305"/>
+          </a:xfrm>
+          <a:prstGeom prst="line">
+            <a:avLst/>
+          </a:prstGeom>
+          <a:ln w="28575"/>
+        </p:spPr>
+        <p:style>
+          <a:lnRef idx="1">
+            <a:schemeClr val="dk1"/>
+          </a:lnRef>
+          <a:fillRef idx="0">
+            <a:schemeClr val="dk1"/>
+          </a:fillRef>
+          <a:effectRef idx="0">
+            <a:schemeClr val="dk1"/>
+          </a:effectRef>
+          <a:fontRef idx="minor">
+            <a:schemeClr val="tx1"/>
+          </a:fontRef>
+        </p:style>
+      </p:cxnSp>
+      <p:cxnSp>
+        <p:nvCxnSpPr>
+          <p:cNvPr id="72" name="Straight Connector 71">
+            <a:extLst>
+              <a:ext uri="{FF2B5EF4-FFF2-40B4-BE49-F238E27FC236}">
+                <a16:creationId xmlns:a16="http://schemas.microsoft.com/office/drawing/2014/main" id="{7885155E-6311-45B0-95CB-112A27558D9B}"/>
+              </a:ext>
+            </a:extLst>
+          </p:cNvPr>
+          <p:cNvCxnSpPr>
+            <a:cxnSpLocks/>
+          </p:cNvCxnSpPr>
+          <p:nvPr/>
+        </p:nvCxnSpPr>
+        <p:spPr>
+          <a:xfrm>
+            <a:off x="1340065" y="2183236"/>
+            <a:ext cx="152012" cy="192153"/>
+          </a:xfrm>
+          <a:prstGeom prst="line">
+            <a:avLst/>
+          </a:prstGeom>
+          <a:ln w="28575"/>
+        </p:spPr>
+        <p:style>
+          <a:lnRef idx="1">
+            <a:schemeClr val="dk1"/>
+          </a:lnRef>
+          <a:fillRef idx="0">
+            <a:schemeClr val="dk1"/>
+          </a:fillRef>
+          <a:effectRef idx="0">
+            <a:schemeClr val="dk1"/>
+          </a:effectRef>
+          <a:fontRef idx="minor">
+            <a:schemeClr val="tx1"/>
+          </a:fontRef>
+        </p:style>
+      </p:cxnSp>
+      <p:cxnSp>
+        <p:nvCxnSpPr>
+          <p:cNvPr id="73" name="Straight Connector 72">
+            <a:extLst>
+              <a:ext uri="{FF2B5EF4-FFF2-40B4-BE49-F238E27FC236}">
+                <a16:creationId xmlns:a16="http://schemas.microsoft.com/office/drawing/2014/main" id="{CF3BE931-8B87-4CF9-8ADA-CC8792CA08F0}"/>
+              </a:ext>
+            </a:extLst>
+          </p:cNvPr>
+          <p:cNvCxnSpPr>
+            <a:cxnSpLocks/>
+          </p:cNvCxnSpPr>
+          <p:nvPr/>
+        </p:nvCxnSpPr>
+        <p:spPr>
+          <a:xfrm>
+            <a:off x="1340064" y="2279317"/>
+            <a:ext cx="152012" cy="192153"/>
+          </a:xfrm>
+          <a:prstGeom prst="line">
+            <a:avLst/>
+          </a:prstGeom>
+          <a:ln w="28575"/>
+        </p:spPr>
+        <p:style>
+          <a:lnRef idx="1">
+            <a:schemeClr val="dk1"/>
+          </a:lnRef>
+          <a:fillRef idx="0">
+            <a:schemeClr val="dk1"/>
+          </a:fillRef>
+          <a:effectRef idx="0">
+            <a:schemeClr val="dk1"/>
+          </a:effectRef>
+          <a:fontRef idx="minor">
+            <a:schemeClr val="tx1"/>
+          </a:fontRef>
+        </p:style>
+      </p:cxnSp>
+      <p:cxnSp>
+        <p:nvCxnSpPr>
+          <p:cNvPr id="74" name="Straight Connector 73">
+            <a:extLst>
+              <a:ext uri="{FF2B5EF4-FFF2-40B4-BE49-F238E27FC236}">
+                <a16:creationId xmlns:a16="http://schemas.microsoft.com/office/drawing/2014/main" id="{7EF4F965-EB78-4CA2-9D45-83D6BB8153E0}"/>
+              </a:ext>
+            </a:extLst>
+          </p:cNvPr>
+          <p:cNvCxnSpPr>
+            <a:cxnSpLocks/>
+          </p:cNvCxnSpPr>
+          <p:nvPr/>
+        </p:nvCxnSpPr>
+        <p:spPr>
+          <a:xfrm>
+            <a:off x="1343570" y="2087159"/>
+            <a:ext cx="152012" cy="192153"/>
+          </a:xfrm>
+          <a:prstGeom prst="line">
+            <a:avLst/>
+          </a:prstGeom>
+          <a:ln w="28575"/>
+        </p:spPr>
+        <p:style>
+          <a:lnRef idx="1">
+            <a:schemeClr val="dk1"/>
+          </a:lnRef>
+          <a:fillRef idx="0">
+            <a:schemeClr val="dk1"/>
+          </a:fillRef>
+          <a:effectRef idx="0">
+            <a:schemeClr val="dk1"/>
+          </a:effectRef>
+          <a:fontRef idx="minor">
+            <a:schemeClr val="tx1"/>
+          </a:fontRef>
+        </p:style>
+      </p:cxnSp>
+      <p:cxnSp>
+        <p:nvCxnSpPr>
+          <p:cNvPr id="75" name="Straight Connector 74">
+            <a:extLst>
+              <a:ext uri="{FF2B5EF4-FFF2-40B4-BE49-F238E27FC236}">
+                <a16:creationId xmlns:a16="http://schemas.microsoft.com/office/drawing/2014/main" id="{3394F962-F11A-4331-86A1-CA3C8EE04ABD}"/>
+              </a:ext>
+            </a:extLst>
+          </p:cNvPr>
+          <p:cNvCxnSpPr>
+            <a:cxnSpLocks/>
+          </p:cNvCxnSpPr>
+          <p:nvPr/>
+        </p:nvCxnSpPr>
+        <p:spPr>
+          <a:xfrm>
+            <a:off x="1347474" y="2000958"/>
+            <a:ext cx="152012" cy="192153"/>
+          </a:xfrm>
+          <a:prstGeom prst="line">
+            <a:avLst/>
+          </a:prstGeom>
+          <a:ln w="28575"/>
+        </p:spPr>
+        <p:style>
+          <a:lnRef idx="1">
+            <a:schemeClr val="dk1"/>
+          </a:lnRef>
+          <a:fillRef idx="0">
+            <a:schemeClr val="dk1"/>
+          </a:fillRef>
+          <a:effectRef idx="0">
+            <a:schemeClr val="dk1"/>
+          </a:effectRef>
+          <a:fontRef idx="minor">
+            <a:schemeClr val="tx1"/>
+          </a:fontRef>
+        </p:style>
+      </p:cxnSp>
+      <p:sp>
+        <p:nvSpPr>
+          <p:cNvPr id="76" name="Isosceles Triangle 75">
+            <a:extLst>
+              <a:ext uri="{FF2B5EF4-FFF2-40B4-BE49-F238E27FC236}">
+                <a16:creationId xmlns:a16="http://schemas.microsoft.com/office/drawing/2014/main" id="{37229802-BD8B-47B1-83E2-0CC196AEFD34}"/>
+              </a:ext>
+            </a:extLst>
+          </p:cNvPr>
+          <p:cNvSpPr/>
+          <p:nvPr/>
+        </p:nvSpPr>
+        <p:spPr>
+          <a:xfrm rot="5400000">
+            <a:off x="1570812" y="2950662"/>
+            <a:ext cx="331305" cy="304799"/>
+          </a:xfrm>
+          <a:prstGeom prst="triangle">
+            <a:avLst/>
+          </a:prstGeom>
+          <a:ln w="28575">
+            <a:solidFill>
+              <a:schemeClr val="tx1"/>
+            </a:solidFill>
+          </a:ln>
+        </p:spPr>
+        <p:style>
+          <a:lnRef idx="2">
+            <a:schemeClr val="accent6"/>
+          </a:lnRef>
+          <a:fillRef idx="1">
+            <a:schemeClr val="lt1"/>
+          </a:fillRef>
+          <a:effectRef idx="0">
+            <a:schemeClr val="accent6"/>
+          </a:effectRef>
+          <a:fontRef idx="minor">
+            <a:schemeClr val="dk1"/>
+          </a:fontRef>
+        </p:style>
+        <p:txBody>
+          <a:bodyPr rtlCol="0" anchor="ctr"/>
+          <a:lstStyle/>
+          <a:p>
+            <a:pPr algn="ctr"/>
+            <a:endParaRPr lang="en-DE" dirty="0"/>
+          </a:p>
+        </p:txBody>
+      </p:sp>
+      <p:cxnSp>
+        <p:nvCxnSpPr>
+          <p:cNvPr id="77" name="Straight Connector 76">
+            <a:extLst>
+              <a:ext uri="{FF2B5EF4-FFF2-40B4-BE49-F238E27FC236}">
+                <a16:creationId xmlns:a16="http://schemas.microsoft.com/office/drawing/2014/main" id="{41F5B725-118B-4DAB-9A3A-43E896D981A2}"/>
+              </a:ext>
+            </a:extLst>
+          </p:cNvPr>
+          <p:cNvCxnSpPr>
+            <a:cxnSpLocks/>
+          </p:cNvCxnSpPr>
+          <p:nvPr/>
+        </p:nvCxnSpPr>
+        <p:spPr>
+          <a:xfrm>
+            <a:off x="1503315" y="2925752"/>
+            <a:ext cx="0" cy="331305"/>
+          </a:xfrm>
+          <a:prstGeom prst="line">
+            <a:avLst/>
+          </a:prstGeom>
+          <a:ln w="28575"/>
+        </p:spPr>
+        <p:style>
+          <a:lnRef idx="1">
+            <a:schemeClr val="dk1"/>
+          </a:lnRef>
+          <a:fillRef idx="0">
+            <a:schemeClr val="dk1"/>
+          </a:fillRef>
+          <a:effectRef idx="0">
+            <a:schemeClr val="dk1"/>
+          </a:effectRef>
+          <a:fontRef idx="minor">
+            <a:schemeClr val="tx1"/>
+          </a:fontRef>
+        </p:style>
+      </p:cxnSp>
+      <p:cxnSp>
+        <p:nvCxnSpPr>
+          <p:cNvPr id="78" name="Straight Connector 77">
+            <a:extLst>
+              <a:ext uri="{FF2B5EF4-FFF2-40B4-BE49-F238E27FC236}">
+                <a16:creationId xmlns:a16="http://schemas.microsoft.com/office/drawing/2014/main" id="{91C28F46-9E23-48BB-996C-19F4D7D7050C}"/>
+              </a:ext>
+            </a:extLst>
+          </p:cNvPr>
+          <p:cNvCxnSpPr>
+            <a:cxnSpLocks/>
+          </p:cNvCxnSpPr>
+          <p:nvPr/>
+        </p:nvCxnSpPr>
+        <p:spPr>
+          <a:xfrm>
+            <a:off x="1340065" y="2938995"/>
+            <a:ext cx="152012" cy="192153"/>
+          </a:xfrm>
+          <a:prstGeom prst="line">
+            <a:avLst/>
+          </a:prstGeom>
+          <a:ln w="28575"/>
+        </p:spPr>
+        <p:style>
+          <a:lnRef idx="1">
+            <a:schemeClr val="dk1"/>
+          </a:lnRef>
+          <a:fillRef idx="0">
+            <a:schemeClr val="dk1"/>
+          </a:fillRef>
+          <a:effectRef idx="0">
+            <a:schemeClr val="dk1"/>
+          </a:effectRef>
+          <a:fontRef idx="minor">
+            <a:schemeClr val="tx1"/>
+          </a:fontRef>
+        </p:style>
+      </p:cxnSp>
+      <p:cxnSp>
+        <p:nvCxnSpPr>
+          <p:cNvPr id="79" name="Straight Connector 78">
+            <a:extLst>
+              <a:ext uri="{FF2B5EF4-FFF2-40B4-BE49-F238E27FC236}">
+                <a16:creationId xmlns:a16="http://schemas.microsoft.com/office/drawing/2014/main" id="{D61EA74E-74AD-46E5-AA6A-6E9B999FB184}"/>
+              </a:ext>
+            </a:extLst>
+          </p:cNvPr>
+          <p:cNvCxnSpPr>
+            <a:cxnSpLocks/>
+          </p:cNvCxnSpPr>
+          <p:nvPr/>
+        </p:nvCxnSpPr>
+        <p:spPr>
+          <a:xfrm>
+            <a:off x="1340064" y="3035076"/>
+            <a:ext cx="152012" cy="192153"/>
+          </a:xfrm>
+          <a:prstGeom prst="line">
+            <a:avLst/>
+          </a:prstGeom>
+          <a:ln w="28575"/>
+        </p:spPr>
+        <p:style>
+          <a:lnRef idx="1">
+            <a:schemeClr val="dk1"/>
+          </a:lnRef>
+          <a:fillRef idx="0">
+            <a:schemeClr val="dk1"/>
+          </a:fillRef>
+          <a:effectRef idx="0">
+            <a:schemeClr val="dk1"/>
+          </a:effectRef>
+          <a:fontRef idx="minor">
+            <a:schemeClr val="tx1"/>
+          </a:fontRef>
+        </p:style>
+      </p:cxnSp>
+      <p:cxnSp>
+        <p:nvCxnSpPr>
+          <p:cNvPr id="80" name="Straight Connector 79">
+            <a:extLst>
+              <a:ext uri="{FF2B5EF4-FFF2-40B4-BE49-F238E27FC236}">
+                <a16:creationId xmlns:a16="http://schemas.microsoft.com/office/drawing/2014/main" id="{22899CB0-4F51-42BD-B235-DD72F79F80E5}"/>
+              </a:ext>
+            </a:extLst>
+          </p:cNvPr>
+          <p:cNvCxnSpPr>
+            <a:cxnSpLocks/>
+          </p:cNvCxnSpPr>
+          <p:nvPr/>
+        </p:nvCxnSpPr>
+        <p:spPr>
+          <a:xfrm>
+            <a:off x="1343570" y="2842918"/>
+            <a:ext cx="152012" cy="192153"/>
+          </a:xfrm>
+          <a:prstGeom prst="line">
+            <a:avLst/>
+          </a:prstGeom>
+          <a:ln w="28575"/>
+        </p:spPr>
+        <p:style>
+          <a:lnRef idx="1">
+            <a:schemeClr val="dk1"/>
+          </a:lnRef>
+          <a:fillRef idx="0">
+            <a:schemeClr val="dk1"/>
+          </a:fillRef>
+          <a:effectRef idx="0">
+            <a:schemeClr val="dk1"/>
+          </a:effectRef>
+          <a:fontRef idx="minor">
+            <a:schemeClr val="tx1"/>
+          </a:fontRef>
+        </p:style>
+      </p:cxnSp>
+      <p:cxnSp>
+        <p:nvCxnSpPr>
+          <p:cNvPr id="81" name="Straight Connector 80">
+            <a:extLst>
+              <a:ext uri="{FF2B5EF4-FFF2-40B4-BE49-F238E27FC236}">
+                <a16:creationId xmlns:a16="http://schemas.microsoft.com/office/drawing/2014/main" id="{C516869C-7CDD-4ED9-B3E9-50B6E4A6BEEE}"/>
+              </a:ext>
+            </a:extLst>
+          </p:cNvPr>
+          <p:cNvCxnSpPr>
+            <a:cxnSpLocks/>
+          </p:cNvCxnSpPr>
+          <p:nvPr/>
+        </p:nvCxnSpPr>
+        <p:spPr>
+          <a:xfrm>
+            <a:off x="1347474" y="2756717"/>
+            <a:ext cx="152012" cy="192153"/>
+          </a:xfrm>
+          <a:prstGeom prst="line">
+            <a:avLst/>
+          </a:prstGeom>
+          <a:ln w="28575"/>
+        </p:spPr>
+        <p:style>
+          <a:lnRef idx="1">
+            <a:schemeClr val="dk1"/>
+          </a:lnRef>
+          <a:fillRef idx="0">
+            <a:schemeClr val="dk1"/>
+          </a:fillRef>
+          <a:effectRef idx="0">
+            <a:schemeClr val="dk1"/>
+          </a:effectRef>
+          <a:fontRef idx="minor">
+            <a:schemeClr val="tx1"/>
+          </a:fontRef>
+        </p:style>
+      </p:cxnSp>
+      <p:cxnSp>
+        <p:nvCxnSpPr>
+          <p:cNvPr id="86" name="Straight Arrow Connector 85">
+            <a:extLst>
+              <a:ext uri="{FF2B5EF4-FFF2-40B4-BE49-F238E27FC236}">
+                <a16:creationId xmlns:a16="http://schemas.microsoft.com/office/drawing/2014/main" id="{AF2FF537-6DE9-435C-AB77-A90652E2123B}"/>
+              </a:ext>
+            </a:extLst>
+          </p:cNvPr>
+          <p:cNvCxnSpPr>
+            <a:cxnSpLocks/>
+          </p:cNvCxnSpPr>
+          <p:nvPr/>
+        </p:nvCxnSpPr>
+        <p:spPr>
+          <a:xfrm flipV="1">
+            <a:off x="7888914" y="1332005"/>
+            <a:ext cx="1581838" cy="12096"/>
+          </a:xfrm>
+          <a:prstGeom prst="straightConnector1">
+            <a:avLst/>
+          </a:prstGeom>
+          <a:ln w="28575">
+            <a:solidFill>
+              <a:schemeClr val="tx1"/>
+            </a:solidFill>
+            <a:tailEnd type="triangle"/>
+          </a:ln>
+        </p:spPr>
+        <p:style>
+          <a:lnRef idx="1">
+            <a:schemeClr val="dk1"/>
+          </a:lnRef>
+          <a:fillRef idx="0">
+            <a:schemeClr val="dk1"/>
+          </a:fillRef>
+          <a:effectRef idx="0">
+            <a:schemeClr val="dk1"/>
+          </a:effectRef>
+          <a:fontRef idx="minor">
+            <a:schemeClr val="tx1"/>
+          </a:fontRef>
+        </p:style>
+      </p:cxnSp>
+      <p:sp>
+        <p:nvSpPr>
+          <p:cNvPr id="91" name="TextBox 90">
+            <a:extLst>
+              <a:ext uri="{FF2B5EF4-FFF2-40B4-BE49-F238E27FC236}">
+                <a16:creationId xmlns:a16="http://schemas.microsoft.com/office/drawing/2014/main" id="{24EBDE66-16E9-44E9-BA26-FAD620BDC921}"/>
+              </a:ext>
+            </a:extLst>
+          </p:cNvPr>
+          <p:cNvSpPr txBox="1"/>
+          <p:nvPr/>
+        </p:nvSpPr>
+        <p:spPr>
+          <a:xfrm>
+            <a:off x="8268958" y="901881"/>
+            <a:ext cx="499540" cy="369332"/>
+          </a:xfrm>
+          <a:prstGeom prst="rect">
+            <a:avLst/>
+          </a:prstGeom>
+          <a:noFill/>
+        </p:spPr>
+        <p:txBody>
+          <a:bodyPr wrap="square" rtlCol="0">
+            <a:spAutoFit/>
+          </a:bodyPr>
+          <a:lstStyle/>
+          <a:p>
+            <a:r>
+              <a:rPr lang="en-US" b="1" dirty="0" err="1"/>
+              <a:t>U</a:t>
+            </a:r>
+            <a:r>
+              <a:rPr lang="en-US" b="1" baseline="-25000" dirty="0" err="1"/>
+              <a:t>x</a:t>
+            </a:r>
+            <a:r>
+              <a:rPr lang="en-US" b="1" baseline="-25000" dirty="0"/>
+              <a:t> </a:t>
+            </a:r>
+            <a:endParaRPr lang="en-DE" b="1" dirty="0"/>
+          </a:p>
+        </p:txBody>
+      </p:sp>
+      <p:cxnSp>
+        <p:nvCxnSpPr>
+          <p:cNvPr id="97" name="Straight Arrow Connector 96">
+            <a:extLst>
+              <a:ext uri="{FF2B5EF4-FFF2-40B4-BE49-F238E27FC236}">
+                <a16:creationId xmlns:a16="http://schemas.microsoft.com/office/drawing/2014/main" id="{5F2D19EE-B5A6-4E58-A2DD-6B9F2118EC10}"/>
+              </a:ext>
+            </a:extLst>
+          </p:cNvPr>
+          <p:cNvCxnSpPr/>
+          <p:nvPr/>
+        </p:nvCxnSpPr>
+        <p:spPr>
+          <a:xfrm flipV="1">
+            <a:off x="1939318" y="4461839"/>
+            <a:ext cx="591847" cy="740195"/>
+          </a:xfrm>
+          <a:prstGeom prst="straightConnector1">
+            <a:avLst/>
+          </a:prstGeom>
+          <a:ln w="28575">
+            <a:solidFill>
+              <a:schemeClr val="tx1"/>
+            </a:solidFill>
+            <a:tailEnd type="triangle"/>
+          </a:ln>
+        </p:spPr>
+        <p:style>
+          <a:lnRef idx="1">
+            <a:schemeClr val="dk1"/>
+          </a:lnRef>
+          <a:fillRef idx="0">
+            <a:schemeClr val="dk1"/>
+          </a:fillRef>
+          <a:effectRef idx="0">
+            <a:schemeClr val="dk1"/>
+          </a:effectRef>
+          <a:fontRef idx="minor">
+            <a:schemeClr val="tx1"/>
+          </a:fontRef>
+        </p:style>
+      </p:cxnSp>
+      <p:sp>
+        <p:nvSpPr>
+          <p:cNvPr id="98" name="TextBox 97">
+            <a:extLst>
+              <a:ext uri="{FF2B5EF4-FFF2-40B4-BE49-F238E27FC236}">
+                <a16:creationId xmlns:a16="http://schemas.microsoft.com/office/drawing/2014/main" id="{9A928C33-E61A-40B4-9478-56963634FFEF}"/>
+              </a:ext>
+            </a:extLst>
+          </p:cNvPr>
+          <p:cNvSpPr txBox="1"/>
+          <p:nvPr/>
+        </p:nvSpPr>
+        <p:spPr>
+          <a:xfrm>
+            <a:off x="1811739" y="4519647"/>
+            <a:ext cx="479618" cy="369332"/>
+          </a:xfrm>
+          <a:prstGeom prst="rect">
+            <a:avLst/>
+          </a:prstGeom>
+          <a:noFill/>
+        </p:spPr>
+        <p:txBody>
+          <a:bodyPr wrap="none" rtlCol="0">
+            <a:spAutoFit/>
+          </a:bodyPr>
+          <a:lstStyle/>
+          <a:p>
+            <a:r>
+              <a:rPr lang="en-US" dirty="0"/>
+              <a:t>R 3</a:t>
+            </a:r>
+            <a:endParaRPr lang="en-DE" dirty="0"/>
+          </a:p>
+        </p:txBody>
+      </p:sp>
+      <p:cxnSp>
+        <p:nvCxnSpPr>
+          <p:cNvPr id="100" name="Straight Connector 99">
+            <a:extLst>
+              <a:ext uri="{FF2B5EF4-FFF2-40B4-BE49-F238E27FC236}">
+                <a16:creationId xmlns:a16="http://schemas.microsoft.com/office/drawing/2014/main" id="{B62E063F-6217-45A4-981E-05019ADBEB4E}"/>
+              </a:ext>
+            </a:extLst>
+          </p:cNvPr>
+          <p:cNvCxnSpPr>
+            <a:stCxn id="15" idx="0"/>
+          </p:cNvCxnSpPr>
+          <p:nvPr/>
+        </p:nvCxnSpPr>
+        <p:spPr>
+          <a:xfrm flipH="1" flipV="1">
+            <a:off x="1939318" y="618708"/>
+            <a:ext cx="1" cy="737121"/>
+          </a:xfrm>
+          <a:prstGeom prst="line">
+            <a:avLst/>
+          </a:prstGeom>
+        </p:spPr>
+        <p:style>
+          <a:lnRef idx="1">
+            <a:schemeClr val="dk1"/>
+          </a:lnRef>
+          <a:fillRef idx="0">
+            <a:schemeClr val="dk1"/>
+          </a:fillRef>
+          <a:effectRef idx="0">
+            <a:schemeClr val="dk1"/>
+          </a:effectRef>
+          <a:fontRef idx="minor">
+            <a:schemeClr val="tx1"/>
+          </a:fontRef>
+        </p:style>
+      </p:cxnSp>
+      <p:cxnSp>
+        <p:nvCxnSpPr>
+          <p:cNvPr id="101" name="Straight Connector 100">
+            <a:extLst>
+              <a:ext uri="{FF2B5EF4-FFF2-40B4-BE49-F238E27FC236}">
+                <a16:creationId xmlns:a16="http://schemas.microsoft.com/office/drawing/2014/main" id="{0C47EA2A-1F98-4589-A75D-429BA60852E0}"/>
+              </a:ext>
+            </a:extLst>
+          </p:cNvPr>
+          <p:cNvCxnSpPr/>
+          <p:nvPr/>
+        </p:nvCxnSpPr>
+        <p:spPr>
+          <a:xfrm flipH="1" flipV="1">
+            <a:off x="7859221" y="630169"/>
+            <a:ext cx="1" cy="737121"/>
+          </a:xfrm>
+          <a:prstGeom prst="line">
+            <a:avLst/>
+          </a:prstGeom>
+        </p:spPr>
+        <p:style>
+          <a:lnRef idx="1">
+            <a:schemeClr val="dk1"/>
+          </a:lnRef>
+          <a:fillRef idx="0">
+            <a:schemeClr val="dk1"/>
+          </a:fillRef>
+          <a:effectRef idx="0">
+            <a:schemeClr val="dk1"/>
+          </a:effectRef>
+          <a:fontRef idx="minor">
+            <a:schemeClr val="tx1"/>
+          </a:fontRef>
+        </p:style>
+      </p:cxnSp>
+      <p:cxnSp>
+        <p:nvCxnSpPr>
+          <p:cNvPr id="103" name="Straight Arrow Connector 102">
+            <a:extLst>
+              <a:ext uri="{FF2B5EF4-FFF2-40B4-BE49-F238E27FC236}">
+                <a16:creationId xmlns:a16="http://schemas.microsoft.com/office/drawing/2014/main" id="{D066972F-747D-4DCC-9CD7-844EBFAC2BF1}"/>
+              </a:ext>
+            </a:extLst>
+          </p:cNvPr>
+          <p:cNvCxnSpPr/>
+          <p:nvPr/>
+        </p:nvCxnSpPr>
+        <p:spPr>
+          <a:xfrm>
+            <a:off x="1925059" y="987268"/>
+            <a:ext cx="5943025" cy="0"/>
+          </a:xfrm>
+          <a:prstGeom prst="straightConnector1">
+            <a:avLst/>
+          </a:prstGeom>
+          <a:ln w="19050">
+            <a:headEnd type="triangle"/>
+            <a:tailEnd type="triangle"/>
+          </a:ln>
+        </p:spPr>
+        <p:style>
+          <a:lnRef idx="1">
+            <a:schemeClr val="dk1"/>
+          </a:lnRef>
+          <a:fillRef idx="0">
+            <a:schemeClr val="dk1"/>
+          </a:fillRef>
+          <a:effectRef idx="0">
+            <a:schemeClr val="dk1"/>
+          </a:effectRef>
+          <a:fontRef idx="minor">
+            <a:schemeClr val="tx1"/>
+          </a:fontRef>
+        </p:style>
+      </p:cxnSp>
+      <p:cxnSp>
+        <p:nvCxnSpPr>
+          <p:cNvPr id="107" name="Straight Connector 106">
+            <a:extLst>
+              <a:ext uri="{FF2B5EF4-FFF2-40B4-BE49-F238E27FC236}">
+                <a16:creationId xmlns:a16="http://schemas.microsoft.com/office/drawing/2014/main" id="{24CBFCC6-4E8C-4D1F-8D7D-32DE0AEC744A}"/>
+              </a:ext>
+            </a:extLst>
+          </p:cNvPr>
+          <p:cNvCxnSpPr>
+            <a:stCxn id="15" idx="0"/>
+          </p:cNvCxnSpPr>
+          <p:nvPr/>
+        </p:nvCxnSpPr>
+        <p:spPr>
+          <a:xfrm flipH="1">
+            <a:off x="627977" y="1355829"/>
+            <a:ext cx="1311342" cy="0"/>
+          </a:xfrm>
+          <a:prstGeom prst="line">
+            <a:avLst/>
+          </a:prstGeom>
+        </p:spPr>
+        <p:style>
+          <a:lnRef idx="1">
+            <a:schemeClr val="dk1"/>
+          </a:lnRef>
+          <a:fillRef idx="0">
+            <a:schemeClr val="dk1"/>
+          </a:fillRef>
+          <a:effectRef idx="0">
+            <a:schemeClr val="dk1"/>
+          </a:effectRef>
+          <a:fontRef idx="minor">
+            <a:schemeClr val="tx1"/>
+          </a:fontRef>
+        </p:style>
+      </p:cxnSp>
+      <p:cxnSp>
+        <p:nvCxnSpPr>
+          <p:cNvPr id="109" name="Straight Connector 108">
+            <a:extLst>
+              <a:ext uri="{FF2B5EF4-FFF2-40B4-BE49-F238E27FC236}">
+                <a16:creationId xmlns:a16="http://schemas.microsoft.com/office/drawing/2014/main" id="{7AE5F98E-705C-4BA2-8217-FC0A9A3976FA}"/>
+              </a:ext>
+            </a:extLst>
+          </p:cNvPr>
+          <p:cNvCxnSpPr>
+            <a:cxnSpLocks/>
+            <a:stCxn id="15" idx="3"/>
+          </p:cNvCxnSpPr>
+          <p:nvPr/>
+        </p:nvCxnSpPr>
+        <p:spPr>
+          <a:xfrm flipH="1">
+            <a:off x="627977" y="5205586"/>
+            <a:ext cx="2209250" cy="0"/>
+          </a:xfrm>
+          <a:prstGeom prst="line">
+            <a:avLst/>
+          </a:prstGeom>
+        </p:spPr>
+        <p:style>
+          <a:lnRef idx="1">
+            <a:schemeClr val="dk1"/>
+          </a:lnRef>
+          <a:fillRef idx="0">
+            <a:schemeClr val="dk1"/>
+          </a:fillRef>
+          <a:effectRef idx="0">
+            <a:schemeClr val="dk1"/>
+          </a:effectRef>
+          <a:fontRef idx="minor">
+            <a:schemeClr val="tx1"/>
+          </a:fontRef>
+        </p:style>
+      </p:cxnSp>
+      <p:cxnSp>
+        <p:nvCxnSpPr>
+          <p:cNvPr id="111" name="Straight Arrow Connector 110">
+            <a:extLst>
+              <a:ext uri="{FF2B5EF4-FFF2-40B4-BE49-F238E27FC236}">
+                <a16:creationId xmlns:a16="http://schemas.microsoft.com/office/drawing/2014/main" id="{9CECE865-7BEE-4E2F-8C4F-F6C219AC6B81}"/>
+              </a:ext>
+            </a:extLst>
+          </p:cNvPr>
+          <p:cNvCxnSpPr>
+            <a:cxnSpLocks/>
+          </p:cNvCxnSpPr>
+          <p:nvPr/>
+        </p:nvCxnSpPr>
+        <p:spPr>
+          <a:xfrm>
+            <a:off x="967327" y="1339913"/>
+            <a:ext cx="0" cy="3880407"/>
+          </a:xfrm>
+          <a:prstGeom prst="straightConnector1">
+            <a:avLst/>
+          </a:prstGeom>
+          <a:ln w="19050">
+            <a:solidFill>
+              <a:schemeClr val="tx1"/>
+            </a:solidFill>
+            <a:headEnd type="triangle"/>
+            <a:tailEnd type="triangle"/>
+          </a:ln>
+        </p:spPr>
+        <p:style>
+          <a:lnRef idx="1">
+            <a:schemeClr val="dk1"/>
+          </a:lnRef>
+          <a:fillRef idx="0">
+            <a:schemeClr val="dk1"/>
+          </a:fillRef>
+          <a:effectRef idx="0">
+            <a:schemeClr val="dk1"/>
+          </a:effectRef>
+          <a:fontRef idx="minor">
+            <a:schemeClr val="tx1"/>
+          </a:fontRef>
+        </p:style>
+      </p:cxnSp>
+      <p:sp>
+        <p:nvSpPr>
+          <p:cNvPr id="114" name="TextBox 113">
+            <a:extLst>
+              <a:ext uri="{FF2B5EF4-FFF2-40B4-BE49-F238E27FC236}">
+                <a16:creationId xmlns:a16="http://schemas.microsoft.com/office/drawing/2014/main" id="{1846700C-DCAE-4696-8926-DFE3222A5DAA}"/>
+              </a:ext>
+            </a:extLst>
+          </p:cNvPr>
+          <p:cNvSpPr txBox="1"/>
+          <p:nvPr/>
+        </p:nvSpPr>
+        <p:spPr>
+          <a:xfrm>
+            <a:off x="4599855" y="618708"/>
+            <a:ext cx="418704" cy="369332"/>
+          </a:xfrm>
+          <a:prstGeom prst="rect">
+            <a:avLst/>
+          </a:prstGeom>
+          <a:noFill/>
+        </p:spPr>
+        <p:txBody>
+          <a:bodyPr wrap="none" rtlCol="0">
+            <a:spAutoFit/>
+          </a:bodyPr>
+          <a:lstStyle/>
+          <a:p>
+            <a:r>
+              <a:rPr lang="en-US" dirty="0"/>
+              <a:t>27</a:t>
+            </a:r>
+            <a:endParaRPr lang="en-DE" dirty="0"/>
+          </a:p>
+        </p:txBody>
+      </p:sp>
+      <p:sp>
+        <p:nvSpPr>
+          <p:cNvPr id="115" name="TextBox 114">
+            <a:extLst>
+              <a:ext uri="{FF2B5EF4-FFF2-40B4-BE49-F238E27FC236}">
+                <a16:creationId xmlns:a16="http://schemas.microsoft.com/office/drawing/2014/main" id="{E0E71B3A-197C-4BD6-8F72-DE972CD53FA4}"/>
+              </a:ext>
+            </a:extLst>
+          </p:cNvPr>
+          <p:cNvSpPr txBox="1"/>
+          <p:nvPr/>
+        </p:nvSpPr>
+        <p:spPr>
+          <a:xfrm rot="16200000">
+            <a:off x="603291" y="3074113"/>
+            <a:ext cx="418704" cy="369332"/>
+          </a:xfrm>
+          <a:prstGeom prst="rect">
+            <a:avLst/>
+          </a:prstGeom>
+          <a:noFill/>
+        </p:spPr>
+        <p:txBody>
+          <a:bodyPr wrap="none" rtlCol="0">
+            <a:spAutoFit/>
+          </a:bodyPr>
+          <a:lstStyle/>
+          <a:p>
+            <a:r>
+              <a:rPr lang="en-US" dirty="0"/>
+              <a:t>23</a:t>
+            </a:r>
+            <a:endParaRPr lang="en-DE" dirty="0"/>
+          </a:p>
+        </p:txBody>
+      </p:sp>
+      <p:cxnSp>
+        <p:nvCxnSpPr>
+          <p:cNvPr id="118" name="Straight Arrow Connector 117">
+            <a:extLst>
+              <a:ext uri="{FF2B5EF4-FFF2-40B4-BE49-F238E27FC236}">
+                <a16:creationId xmlns:a16="http://schemas.microsoft.com/office/drawing/2014/main" id="{A64A67C1-4D06-4D17-B8B4-232FD70AED72}"/>
+              </a:ext>
+            </a:extLst>
+          </p:cNvPr>
+          <p:cNvCxnSpPr>
+            <a:cxnSpLocks/>
+          </p:cNvCxnSpPr>
+          <p:nvPr/>
+        </p:nvCxnSpPr>
+        <p:spPr>
+          <a:xfrm flipV="1">
+            <a:off x="7875713" y="5180805"/>
+            <a:ext cx="1581838" cy="12096"/>
+          </a:xfrm>
+          <a:prstGeom prst="straightConnector1">
+            <a:avLst/>
+          </a:prstGeom>
+          <a:ln w="28575">
+            <a:solidFill>
+              <a:schemeClr val="tx1"/>
+            </a:solidFill>
+            <a:tailEnd type="triangle"/>
+          </a:ln>
+        </p:spPr>
+        <p:style>
+          <a:lnRef idx="1">
+            <a:schemeClr val="dk1"/>
+          </a:lnRef>
+          <a:fillRef idx="0">
+            <a:schemeClr val="dk1"/>
+          </a:fillRef>
+          <a:effectRef idx="0">
+            <a:schemeClr val="dk1"/>
+          </a:effectRef>
+          <a:fontRef idx="minor">
+            <a:schemeClr val="tx1"/>
+          </a:fontRef>
+        </p:style>
+      </p:cxnSp>
+      <p:cxnSp>
+        <p:nvCxnSpPr>
+          <p:cNvPr id="119" name="Straight Arrow Connector 118">
+            <a:extLst>
+              <a:ext uri="{FF2B5EF4-FFF2-40B4-BE49-F238E27FC236}">
+                <a16:creationId xmlns:a16="http://schemas.microsoft.com/office/drawing/2014/main" id="{B22B8668-B62D-499D-A2DF-06186FBD2B4C}"/>
+              </a:ext>
+            </a:extLst>
+          </p:cNvPr>
+          <p:cNvCxnSpPr>
+            <a:cxnSpLocks/>
+          </p:cNvCxnSpPr>
+          <p:nvPr/>
+        </p:nvCxnSpPr>
+        <p:spPr>
+          <a:xfrm flipV="1">
+            <a:off x="7875713" y="3208496"/>
+            <a:ext cx="1581838" cy="12096"/>
+          </a:xfrm>
+          <a:prstGeom prst="straightConnector1">
+            <a:avLst/>
+          </a:prstGeom>
+          <a:ln w="28575">
+            <a:solidFill>
+              <a:schemeClr val="tx1"/>
+            </a:solidFill>
+            <a:tailEnd type="triangle"/>
+          </a:ln>
+        </p:spPr>
+        <p:style>
+          <a:lnRef idx="1">
+            <a:schemeClr val="dk1"/>
+          </a:lnRef>
+          <a:fillRef idx="0">
+            <a:schemeClr val="dk1"/>
+          </a:fillRef>
+          <a:effectRef idx="0">
+            <a:schemeClr val="dk1"/>
+          </a:effectRef>
+          <a:fontRef idx="minor">
+            <a:schemeClr val="tx1"/>
+          </a:fontRef>
+        </p:style>
+      </p:cxnSp>
+      <p:cxnSp>
+        <p:nvCxnSpPr>
+          <p:cNvPr id="120" name="Straight Arrow Connector 119">
+            <a:extLst>
+              <a:ext uri="{FF2B5EF4-FFF2-40B4-BE49-F238E27FC236}">
+                <a16:creationId xmlns:a16="http://schemas.microsoft.com/office/drawing/2014/main" id="{B7B7A086-8A84-4395-8BF7-D875ED4DD821}"/>
+              </a:ext>
+            </a:extLst>
+          </p:cNvPr>
+          <p:cNvCxnSpPr>
+            <a:cxnSpLocks/>
+          </p:cNvCxnSpPr>
+          <p:nvPr/>
+        </p:nvCxnSpPr>
+        <p:spPr>
+          <a:xfrm flipV="1">
+            <a:off x="7875713" y="2267376"/>
+            <a:ext cx="1581838" cy="12096"/>
+          </a:xfrm>
+          <a:prstGeom prst="straightConnector1">
+            <a:avLst/>
+          </a:prstGeom>
+          <a:ln w="28575">
+            <a:solidFill>
+              <a:schemeClr val="tx1"/>
+            </a:solidFill>
+            <a:tailEnd type="triangle"/>
+          </a:ln>
+        </p:spPr>
+        <p:style>
+          <a:lnRef idx="1">
+            <a:schemeClr val="dk1"/>
+          </a:lnRef>
+          <a:fillRef idx="0">
+            <a:schemeClr val="dk1"/>
+          </a:fillRef>
+          <a:effectRef idx="0">
+            <a:schemeClr val="dk1"/>
+          </a:effectRef>
+          <a:fontRef idx="minor">
+            <a:schemeClr val="tx1"/>
+          </a:fontRef>
+        </p:style>
+      </p:cxnSp>
+      <p:cxnSp>
+        <p:nvCxnSpPr>
+          <p:cNvPr id="121" name="Straight Arrow Connector 120">
+            <a:extLst>
+              <a:ext uri="{FF2B5EF4-FFF2-40B4-BE49-F238E27FC236}">
+                <a16:creationId xmlns:a16="http://schemas.microsoft.com/office/drawing/2014/main" id="{45EDC6DD-CC64-4BF3-B742-DDB56F70E52B}"/>
+              </a:ext>
+            </a:extLst>
+          </p:cNvPr>
+          <p:cNvCxnSpPr>
+            <a:cxnSpLocks/>
+          </p:cNvCxnSpPr>
+          <p:nvPr/>
+        </p:nvCxnSpPr>
+        <p:spPr>
+          <a:xfrm flipV="1">
+            <a:off x="7859221" y="4239685"/>
+            <a:ext cx="1581838" cy="12096"/>
+          </a:xfrm>
+          <a:prstGeom prst="straightConnector1">
+            <a:avLst/>
+          </a:prstGeom>
+          <a:ln w="28575">
+            <a:solidFill>
+              <a:schemeClr val="tx1"/>
+            </a:solidFill>
+            <a:tailEnd type="triangle"/>
+          </a:ln>
+        </p:spPr>
+        <p:style>
+          <a:lnRef idx="1">
+            <a:schemeClr val="dk1"/>
+          </a:lnRef>
+          <a:fillRef idx="0">
+            <a:schemeClr val="dk1"/>
+          </a:fillRef>
+          <a:effectRef idx="0">
+            <a:schemeClr val="dk1"/>
+          </a:effectRef>
+          <a:fontRef idx="minor">
+            <a:schemeClr val="tx1"/>
+          </a:fontRef>
+        </p:style>
+      </p:cxnSp>
+      <p:sp>
+        <p:nvSpPr>
+          <p:cNvPr id="160" name="Arrow: Left-Up 159">
+            <a:extLst>
+              <a:ext uri="{FF2B5EF4-FFF2-40B4-BE49-F238E27FC236}">
+                <a16:creationId xmlns:a16="http://schemas.microsoft.com/office/drawing/2014/main" id="{ED63C013-737E-454A-BADE-443E07EAB949}"/>
+              </a:ext>
+            </a:extLst>
+          </p:cNvPr>
+          <p:cNvSpPr/>
+          <p:nvPr/>
+        </p:nvSpPr>
+        <p:spPr>
+          <a:xfrm rot="5400000">
+            <a:off x="10358745" y="5636310"/>
+            <a:ext cx="616462" cy="638900"/>
+          </a:xfrm>
+          <a:prstGeom prst="leftUpArrow">
+            <a:avLst>
+              <a:gd name="adj1" fmla="val 1"/>
+              <a:gd name="adj2" fmla="val 4449"/>
+              <a:gd name="adj3" fmla="val 20782"/>
+            </a:avLst>
+          </a:prstGeom>
+          <a:solidFill>
+            <a:schemeClr val="tx1"/>
+          </a:solidFill>
+          <a:ln>
+            <a:solidFill>
+              <a:schemeClr val="tx1"/>
+            </a:solidFill>
+          </a:ln>
+        </p:spPr>
+        <p:style>
+          <a:lnRef idx="2">
+            <a:schemeClr val="dk1">
+              <a:shade val="50000"/>
+            </a:schemeClr>
+          </a:lnRef>
+          <a:fillRef idx="1">
+            <a:schemeClr val="dk1"/>
+          </a:fillRef>
+          <a:effectRef idx="0">
+            <a:schemeClr val="dk1"/>
+          </a:effectRef>
+          <a:fontRef idx="minor">
+            <a:schemeClr val="lt1"/>
+          </a:fontRef>
+        </p:style>
+        <p:txBody>
+          <a:bodyPr rtlCol="0" anchor="ctr"/>
+          <a:lstStyle/>
+          <a:p>
+            <a:pPr algn="ctr"/>
+            <a:endParaRPr lang="en-DE"/>
+          </a:p>
+        </p:txBody>
+      </p:sp>
+      <p:sp>
+        <p:nvSpPr>
+          <p:cNvPr id="161" name="TextBox 160">
+            <a:extLst>
+              <a:ext uri="{FF2B5EF4-FFF2-40B4-BE49-F238E27FC236}">
+                <a16:creationId xmlns:a16="http://schemas.microsoft.com/office/drawing/2014/main" id="{32009499-906B-47E7-AA26-F27847245734}"/>
+              </a:ext>
+            </a:extLst>
+          </p:cNvPr>
+          <p:cNvSpPr txBox="1"/>
+          <p:nvPr/>
+        </p:nvSpPr>
+        <p:spPr>
+          <a:xfrm>
+            <a:off x="10356612" y="5404992"/>
+            <a:ext cx="290464" cy="369332"/>
+          </a:xfrm>
+          <a:prstGeom prst="rect">
+            <a:avLst/>
+          </a:prstGeom>
+          <a:noFill/>
+        </p:spPr>
+        <p:txBody>
+          <a:bodyPr wrap="square" rtlCol="0">
+            <a:spAutoFit/>
+          </a:bodyPr>
+          <a:lstStyle/>
+          <a:p>
+            <a:r>
+              <a:rPr lang="en-US" b="1" i="1" dirty="0"/>
+              <a:t>y</a:t>
+            </a:r>
+            <a:endParaRPr lang="en-DE" b="1" i="1" dirty="0"/>
+          </a:p>
+        </p:txBody>
+      </p:sp>
+      <p:sp>
+        <p:nvSpPr>
+          <p:cNvPr id="162" name="TextBox 161">
+            <a:extLst>
+              <a:ext uri="{FF2B5EF4-FFF2-40B4-BE49-F238E27FC236}">
+                <a16:creationId xmlns:a16="http://schemas.microsoft.com/office/drawing/2014/main" id="{61D6E854-D20D-4CA5-976F-F4B124487989}"/>
+              </a:ext>
+            </a:extLst>
+          </p:cNvPr>
+          <p:cNvSpPr txBox="1"/>
+          <p:nvPr/>
+        </p:nvSpPr>
+        <p:spPr>
+          <a:xfrm>
+            <a:off x="10225806" y="6188978"/>
+            <a:ext cx="276038" cy="369332"/>
+          </a:xfrm>
+          <a:prstGeom prst="rect">
+            <a:avLst/>
+          </a:prstGeom>
+          <a:noFill/>
+        </p:spPr>
+        <p:txBody>
+          <a:bodyPr wrap="square" rtlCol="0">
+            <a:spAutoFit/>
+          </a:bodyPr>
+          <a:lstStyle/>
+          <a:p>
+            <a:r>
+              <a:rPr lang="en-US" b="1" i="1" dirty="0"/>
+              <a:t>x</a:t>
+            </a:r>
+            <a:endParaRPr lang="en-DE" b="1" i="1" dirty="0"/>
+          </a:p>
+        </p:txBody>
+      </p:sp>
+      <p:sp>
+        <p:nvSpPr>
+          <p:cNvPr id="163" name="TextBox 162">
+            <a:extLst>
+              <a:ext uri="{FF2B5EF4-FFF2-40B4-BE49-F238E27FC236}">
+                <a16:creationId xmlns:a16="http://schemas.microsoft.com/office/drawing/2014/main" id="{B49E294B-2940-4CBB-AA6F-B91D691183DB}"/>
+              </a:ext>
+            </a:extLst>
+          </p:cNvPr>
+          <p:cNvSpPr txBox="1"/>
+          <p:nvPr/>
+        </p:nvSpPr>
+        <p:spPr>
+          <a:xfrm>
+            <a:off x="10800017" y="5819646"/>
+            <a:ext cx="293670" cy="369332"/>
+          </a:xfrm>
+          <a:prstGeom prst="rect">
+            <a:avLst/>
+          </a:prstGeom>
+          <a:noFill/>
+        </p:spPr>
+        <p:txBody>
+          <a:bodyPr wrap="square" rtlCol="0">
+            <a:spAutoFit/>
+          </a:bodyPr>
+          <a:lstStyle/>
+          <a:p>
+            <a:r>
+              <a:rPr lang="en-US" b="1" i="1" dirty="0"/>
+              <a:t>z</a:t>
+            </a:r>
+            <a:endParaRPr lang="en-DE" b="1" i="1" dirty="0"/>
+          </a:p>
+        </p:txBody>
+      </p:sp>
+      <p:sp>
+        <p:nvSpPr>
+          <p:cNvPr id="164" name="Rectangle 163">
+            <a:extLst>
+              <a:ext uri="{FF2B5EF4-FFF2-40B4-BE49-F238E27FC236}">
+                <a16:creationId xmlns:a16="http://schemas.microsoft.com/office/drawing/2014/main" id="{1D22219B-1F9F-43EC-AB69-C69FAA83901D}"/>
+              </a:ext>
+            </a:extLst>
+          </p:cNvPr>
+          <p:cNvSpPr/>
+          <p:nvPr/>
+        </p:nvSpPr>
+        <p:spPr>
+          <a:xfrm>
+            <a:off x="11209861" y="1158857"/>
+            <a:ext cx="397560" cy="4194353"/>
+          </a:xfrm>
+          <a:prstGeom prst="rect">
+            <a:avLst/>
+          </a:prstGeom>
+          <a:ln w="28575">
+            <a:solidFill>
+              <a:schemeClr val="tx1"/>
+            </a:solidFill>
+          </a:ln>
+        </p:spPr>
+        <p:style>
+          <a:lnRef idx="2">
+            <a:schemeClr val="accent6"/>
+          </a:lnRef>
+          <a:fillRef idx="1">
+            <a:schemeClr val="lt1"/>
+          </a:fillRef>
+          <a:effectRef idx="0">
+            <a:schemeClr val="accent6"/>
+          </a:effectRef>
+          <a:fontRef idx="minor">
+            <a:schemeClr val="dk1"/>
+          </a:fontRef>
+        </p:style>
+        <p:txBody>
+          <a:bodyPr rtlCol="0" anchor="ctr"/>
+          <a:lstStyle/>
+          <a:p>
+            <a:pPr algn="ctr"/>
+            <a:endParaRPr lang="en-DE"/>
+          </a:p>
+        </p:txBody>
+      </p:sp>
+      <p:sp>
+        <p:nvSpPr>
+          <p:cNvPr id="165" name="Isosceles Triangle 164">
+            <a:extLst>
+              <a:ext uri="{FF2B5EF4-FFF2-40B4-BE49-F238E27FC236}">
+                <a16:creationId xmlns:a16="http://schemas.microsoft.com/office/drawing/2014/main" id="{DA968B93-2F97-4D02-A82E-28F7A95D18B4}"/>
+              </a:ext>
+            </a:extLst>
+          </p:cNvPr>
+          <p:cNvSpPr/>
+          <p:nvPr/>
+        </p:nvSpPr>
+        <p:spPr>
+          <a:xfrm>
+            <a:off x="11276121" y="5398533"/>
+            <a:ext cx="331305" cy="304799"/>
+          </a:xfrm>
+          <a:prstGeom prst="triangle">
+            <a:avLst/>
+          </a:prstGeom>
+          <a:ln w="28575">
+            <a:solidFill>
+              <a:schemeClr val="tx1"/>
+            </a:solidFill>
+          </a:ln>
+        </p:spPr>
+        <p:style>
+          <a:lnRef idx="2">
+            <a:schemeClr val="accent6"/>
+          </a:lnRef>
+          <a:fillRef idx="1">
+            <a:schemeClr val="lt1"/>
+          </a:fillRef>
+          <a:effectRef idx="0">
+            <a:schemeClr val="accent6"/>
+          </a:effectRef>
+          <a:fontRef idx="minor">
+            <a:schemeClr val="dk1"/>
+          </a:fontRef>
+        </p:style>
+        <p:txBody>
+          <a:bodyPr rtlCol="0" anchor="ctr"/>
+          <a:lstStyle/>
+          <a:p>
+            <a:pPr algn="ctr"/>
+            <a:endParaRPr lang="en-DE" dirty="0"/>
+          </a:p>
+        </p:txBody>
+      </p:sp>
+      <p:cxnSp>
+        <p:nvCxnSpPr>
+          <p:cNvPr id="166" name="Straight Connector 165">
+            <a:extLst>
+              <a:ext uri="{FF2B5EF4-FFF2-40B4-BE49-F238E27FC236}">
+                <a16:creationId xmlns:a16="http://schemas.microsoft.com/office/drawing/2014/main" id="{6B613D08-79BC-4CBD-987C-D4DED8F09B6F}"/>
+              </a:ext>
+            </a:extLst>
+          </p:cNvPr>
+          <p:cNvCxnSpPr>
+            <a:cxnSpLocks/>
+          </p:cNvCxnSpPr>
+          <p:nvPr/>
+        </p:nvCxnSpPr>
+        <p:spPr>
+          <a:xfrm>
+            <a:off x="11252938" y="5776220"/>
+            <a:ext cx="354485" cy="0"/>
+          </a:xfrm>
+          <a:prstGeom prst="line">
+            <a:avLst/>
+          </a:prstGeom>
+          <a:ln w="28575">
+            <a:solidFill>
+              <a:schemeClr val="tx1"/>
+            </a:solidFill>
+          </a:ln>
+        </p:spPr>
+        <p:style>
+          <a:lnRef idx="1">
+            <a:schemeClr val="dk1"/>
+          </a:lnRef>
+          <a:fillRef idx="0">
+            <a:schemeClr val="dk1"/>
+          </a:fillRef>
+          <a:effectRef idx="0">
+            <a:schemeClr val="dk1"/>
+          </a:effectRef>
+          <a:fontRef idx="minor">
+            <a:schemeClr val="tx1"/>
+          </a:fontRef>
+        </p:style>
+      </p:cxnSp>
+      <p:cxnSp>
+        <p:nvCxnSpPr>
+          <p:cNvPr id="167" name="Straight Connector 166">
+            <a:extLst>
+              <a:ext uri="{FF2B5EF4-FFF2-40B4-BE49-F238E27FC236}">
+                <a16:creationId xmlns:a16="http://schemas.microsoft.com/office/drawing/2014/main" id="{FEE423F4-9B9E-4690-919B-894BF47ACF79}"/>
+              </a:ext>
+            </a:extLst>
+          </p:cNvPr>
+          <p:cNvCxnSpPr>
+            <a:cxnSpLocks/>
+          </p:cNvCxnSpPr>
+          <p:nvPr/>
+        </p:nvCxnSpPr>
+        <p:spPr>
+          <a:xfrm flipV="1">
+            <a:off x="11289374" y="5776222"/>
+            <a:ext cx="124231" cy="145774"/>
+          </a:xfrm>
+          <a:prstGeom prst="line">
+            <a:avLst/>
+          </a:prstGeom>
+          <a:ln w="28575">
+            <a:solidFill>
+              <a:schemeClr val="tx1"/>
+            </a:solidFill>
+          </a:ln>
+        </p:spPr>
+        <p:style>
+          <a:lnRef idx="1">
+            <a:schemeClr val="dk1"/>
+          </a:lnRef>
+          <a:fillRef idx="0">
+            <a:schemeClr val="dk1"/>
+          </a:fillRef>
+          <a:effectRef idx="0">
+            <a:schemeClr val="dk1"/>
+          </a:effectRef>
+          <a:fontRef idx="minor">
+            <a:schemeClr val="tx1"/>
+          </a:fontRef>
+        </p:style>
+      </p:cxnSp>
+      <p:cxnSp>
+        <p:nvCxnSpPr>
+          <p:cNvPr id="168" name="Straight Connector 167">
+            <a:extLst>
+              <a:ext uri="{FF2B5EF4-FFF2-40B4-BE49-F238E27FC236}">
+                <a16:creationId xmlns:a16="http://schemas.microsoft.com/office/drawing/2014/main" id="{4C08BA1D-42D7-413D-853B-720CFC006C6F}"/>
+              </a:ext>
+            </a:extLst>
+          </p:cNvPr>
+          <p:cNvCxnSpPr>
+            <a:cxnSpLocks/>
+          </p:cNvCxnSpPr>
+          <p:nvPr/>
+        </p:nvCxnSpPr>
+        <p:spPr>
+          <a:xfrm flipV="1">
+            <a:off x="11380512" y="5776222"/>
+            <a:ext cx="124231" cy="145774"/>
+          </a:xfrm>
+          <a:prstGeom prst="line">
+            <a:avLst/>
+          </a:prstGeom>
+          <a:ln w="28575">
+            <a:solidFill>
+              <a:schemeClr val="tx1"/>
+            </a:solidFill>
+          </a:ln>
+        </p:spPr>
+        <p:style>
+          <a:lnRef idx="1">
+            <a:schemeClr val="dk1"/>
+          </a:lnRef>
+          <a:fillRef idx="0">
+            <a:schemeClr val="dk1"/>
+          </a:fillRef>
+          <a:effectRef idx="0">
+            <a:schemeClr val="dk1"/>
+          </a:effectRef>
+          <a:fontRef idx="minor">
+            <a:schemeClr val="tx1"/>
+          </a:fontRef>
+        </p:style>
+      </p:cxnSp>
+      <p:cxnSp>
+        <p:nvCxnSpPr>
+          <p:cNvPr id="169" name="Straight Connector 168">
+            <a:extLst>
+              <a:ext uri="{FF2B5EF4-FFF2-40B4-BE49-F238E27FC236}">
+                <a16:creationId xmlns:a16="http://schemas.microsoft.com/office/drawing/2014/main" id="{A7E9AF7D-8B48-4325-BDE5-39DE067FB412}"/>
+              </a:ext>
+            </a:extLst>
+          </p:cNvPr>
+          <p:cNvCxnSpPr>
+            <a:cxnSpLocks/>
+          </p:cNvCxnSpPr>
+          <p:nvPr/>
+        </p:nvCxnSpPr>
+        <p:spPr>
+          <a:xfrm flipV="1">
+            <a:off x="11488185" y="5776222"/>
+            <a:ext cx="124231" cy="145774"/>
+          </a:xfrm>
+          <a:prstGeom prst="line">
+            <a:avLst/>
+          </a:prstGeom>
+          <a:ln w="28575">
+            <a:solidFill>
+              <a:schemeClr val="tx1"/>
+            </a:solidFill>
+          </a:ln>
+        </p:spPr>
+        <p:style>
+          <a:lnRef idx="1">
+            <a:schemeClr val="dk1"/>
+          </a:lnRef>
+          <a:fillRef idx="0">
+            <a:schemeClr val="dk1"/>
+          </a:fillRef>
+          <a:effectRef idx="0">
+            <a:schemeClr val="dk1"/>
+          </a:effectRef>
+          <a:fontRef idx="minor">
+            <a:schemeClr val="tx1"/>
+          </a:fontRef>
+        </p:style>
+      </p:cxnSp>
+      <p:cxnSp>
+        <p:nvCxnSpPr>
+          <p:cNvPr id="170" name="Straight Connector 169">
+            <a:extLst>
+              <a:ext uri="{FF2B5EF4-FFF2-40B4-BE49-F238E27FC236}">
+                <a16:creationId xmlns:a16="http://schemas.microsoft.com/office/drawing/2014/main" id="{462C276E-9DBF-4AFF-A1AE-F0C2F6D3EA08}"/>
+              </a:ext>
+            </a:extLst>
+          </p:cNvPr>
+          <p:cNvCxnSpPr>
+            <a:cxnSpLocks/>
+          </p:cNvCxnSpPr>
+          <p:nvPr/>
+        </p:nvCxnSpPr>
+        <p:spPr>
+          <a:xfrm flipV="1">
+            <a:off x="11176753" y="5776218"/>
+            <a:ext cx="124231" cy="145774"/>
+          </a:xfrm>
+          <a:prstGeom prst="line">
+            <a:avLst/>
+          </a:prstGeom>
+          <a:ln w="28575">
+            <a:solidFill>
+              <a:schemeClr val="tx1"/>
+            </a:solidFill>
+          </a:ln>
+        </p:spPr>
+        <p:style>
+          <a:lnRef idx="1">
+            <a:schemeClr val="dk1"/>
+          </a:lnRef>
+          <a:fillRef idx="0">
+            <a:schemeClr val="dk1"/>
+          </a:fillRef>
+          <a:effectRef idx="0">
+            <a:schemeClr val="dk1"/>
+          </a:effectRef>
+          <a:fontRef idx="minor">
+            <a:schemeClr val="tx1"/>
+          </a:fontRef>
+        </p:style>
+      </p:cxnSp>
+      <p:sp>
+        <p:nvSpPr>
+          <p:cNvPr id="171" name="Isosceles Triangle 170">
+            <a:extLst>
+              <a:ext uri="{FF2B5EF4-FFF2-40B4-BE49-F238E27FC236}">
+                <a16:creationId xmlns:a16="http://schemas.microsoft.com/office/drawing/2014/main" id="{C389E26E-E1D6-439D-9B2A-F32EF8BB4EB1}"/>
+              </a:ext>
+            </a:extLst>
+          </p:cNvPr>
+          <p:cNvSpPr/>
+          <p:nvPr/>
+        </p:nvSpPr>
+        <p:spPr>
+          <a:xfrm rot="5400000">
+            <a:off x="10878495" y="5035158"/>
+            <a:ext cx="331305" cy="304799"/>
+          </a:xfrm>
+          <a:prstGeom prst="triangle">
+            <a:avLst/>
+          </a:prstGeom>
+          <a:ln w="28575">
+            <a:solidFill>
+              <a:schemeClr val="tx1"/>
+            </a:solidFill>
+          </a:ln>
+        </p:spPr>
+        <p:style>
+          <a:lnRef idx="2">
+            <a:schemeClr val="accent6"/>
+          </a:lnRef>
+          <a:fillRef idx="1">
+            <a:schemeClr val="lt1"/>
+          </a:fillRef>
+          <a:effectRef idx="0">
+            <a:schemeClr val="accent6"/>
+          </a:effectRef>
+          <a:fontRef idx="minor">
+            <a:schemeClr val="dk1"/>
+          </a:fontRef>
+        </p:style>
+        <p:txBody>
+          <a:bodyPr rtlCol="0" anchor="ctr"/>
+          <a:lstStyle/>
+          <a:p>
+            <a:pPr algn="ctr"/>
+            <a:endParaRPr lang="en-DE" dirty="0"/>
+          </a:p>
+        </p:txBody>
+      </p:sp>
+      <p:sp>
+        <p:nvSpPr>
+          <p:cNvPr id="172" name="Isosceles Triangle 171">
+            <a:extLst>
+              <a:ext uri="{FF2B5EF4-FFF2-40B4-BE49-F238E27FC236}">
+                <a16:creationId xmlns:a16="http://schemas.microsoft.com/office/drawing/2014/main" id="{1A6435CF-2EA1-4159-B7F8-831C2FB72464}"/>
+              </a:ext>
+            </a:extLst>
+          </p:cNvPr>
+          <p:cNvSpPr/>
+          <p:nvPr/>
+        </p:nvSpPr>
+        <p:spPr>
+          <a:xfrm rot="5400000">
+            <a:off x="10878494" y="1201926"/>
+            <a:ext cx="331305" cy="304799"/>
+          </a:xfrm>
+          <a:prstGeom prst="triangle">
+            <a:avLst/>
+          </a:prstGeom>
+          <a:ln w="28575">
+            <a:solidFill>
+              <a:schemeClr val="tx1"/>
+            </a:solidFill>
+          </a:ln>
+        </p:spPr>
+        <p:style>
+          <a:lnRef idx="2">
+            <a:schemeClr val="accent6"/>
+          </a:lnRef>
+          <a:fillRef idx="1">
+            <a:schemeClr val="lt1"/>
+          </a:fillRef>
+          <a:effectRef idx="0">
+            <a:schemeClr val="accent6"/>
+          </a:effectRef>
+          <a:fontRef idx="minor">
+            <a:schemeClr val="dk1"/>
+          </a:fontRef>
+        </p:style>
+        <p:txBody>
+          <a:bodyPr rtlCol="0" anchor="ctr"/>
+          <a:lstStyle/>
+          <a:p>
+            <a:pPr algn="ctr"/>
+            <a:endParaRPr lang="en-DE" dirty="0"/>
+          </a:p>
+        </p:txBody>
+      </p:sp>
+      <p:sp>
+        <p:nvSpPr>
+          <p:cNvPr id="173" name="Isosceles Triangle 172">
+            <a:extLst>
+              <a:ext uri="{FF2B5EF4-FFF2-40B4-BE49-F238E27FC236}">
+                <a16:creationId xmlns:a16="http://schemas.microsoft.com/office/drawing/2014/main" id="{663759C2-0C14-40FA-9080-BEE7260E9A43}"/>
+              </a:ext>
+            </a:extLst>
+          </p:cNvPr>
+          <p:cNvSpPr/>
+          <p:nvPr/>
+        </p:nvSpPr>
+        <p:spPr>
+          <a:xfrm rot="5400000">
+            <a:off x="10875109" y="2166062"/>
+            <a:ext cx="331305" cy="304799"/>
+          </a:xfrm>
+          <a:prstGeom prst="triangle">
+            <a:avLst/>
+          </a:prstGeom>
+          <a:ln w="28575">
+            <a:solidFill>
+              <a:schemeClr val="tx1"/>
+            </a:solidFill>
+          </a:ln>
+        </p:spPr>
+        <p:style>
+          <a:lnRef idx="2">
+            <a:schemeClr val="accent6"/>
+          </a:lnRef>
+          <a:fillRef idx="1">
+            <a:schemeClr val="lt1"/>
+          </a:fillRef>
+          <a:effectRef idx="0">
+            <a:schemeClr val="accent6"/>
+          </a:effectRef>
+          <a:fontRef idx="minor">
+            <a:schemeClr val="dk1"/>
+          </a:fontRef>
+        </p:style>
+        <p:txBody>
+          <a:bodyPr rtlCol="0" anchor="ctr"/>
+          <a:lstStyle/>
+          <a:p>
+            <a:pPr algn="ctr"/>
+            <a:endParaRPr lang="en-DE" dirty="0"/>
+          </a:p>
+        </p:txBody>
+      </p:sp>
+      <p:sp>
+        <p:nvSpPr>
+          <p:cNvPr id="174" name="Isosceles Triangle 173">
+            <a:extLst>
+              <a:ext uri="{FF2B5EF4-FFF2-40B4-BE49-F238E27FC236}">
+                <a16:creationId xmlns:a16="http://schemas.microsoft.com/office/drawing/2014/main" id="{E7D77C35-FEAD-4591-B116-059CFBE73C74}"/>
+              </a:ext>
+            </a:extLst>
+          </p:cNvPr>
+          <p:cNvSpPr/>
+          <p:nvPr/>
+        </p:nvSpPr>
+        <p:spPr>
+          <a:xfrm rot="5400000">
+            <a:off x="10857258" y="3132566"/>
+            <a:ext cx="331305" cy="304799"/>
+          </a:xfrm>
+          <a:prstGeom prst="triangle">
+            <a:avLst/>
+          </a:prstGeom>
+          <a:ln w="28575">
+            <a:solidFill>
+              <a:schemeClr val="tx1"/>
+            </a:solidFill>
+          </a:ln>
+        </p:spPr>
+        <p:style>
+          <a:lnRef idx="2">
+            <a:schemeClr val="accent6"/>
+          </a:lnRef>
+          <a:fillRef idx="1">
+            <a:schemeClr val="lt1"/>
+          </a:fillRef>
+          <a:effectRef idx="0">
+            <a:schemeClr val="accent6"/>
+          </a:effectRef>
+          <a:fontRef idx="minor">
+            <a:schemeClr val="dk1"/>
+          </a:fontRef>
+        </p:style>
+        <p:txBody>
+          <a:bodyPr rtlCol="0" anchor="ctr"/>
+          <a:lstStyle/>
+          <a:p>
+            <a:pPr algn="ctr"/>
+            <a:endParaRPr lang="en-DE" dirty="0"/>
+          </a:p>
+        </p:txBody>
+      </p:sp>
+      <p:sp>
+        <p:nvSpPr>
+          <p:cNvPr id="175" name="Isosceles Triangle 174">
+            <a:extLst>
+              <a:ext uri="{FF2B5EF4-FFF2-40B4-BE49-F238E27FC236}">
+                <a16:creationId xmlns:a16="http://schemas.microsoft.com/office/drawing/2014/main" id="{1A5257A0-718B-411D-84D4-8B7E96FBFC32}"/>
+              </a:ext>
+            </a:extLst>
+          </p:cNvPr>
+          <p:cNvSpPr/>
+          <p:nvPr/>
+        </p:nvSpPr>
+        <p:spPr>
+          <a:xfrm rot="5400000">
+            <a:off x="10857752" y="4083862"/>
+            <a:ext cx="331305" cy="304799"/>
+          </a:xfrm>
+          <a:prstGeom prst="triangle">
+            <a:avLst/>
+          </a:prstGeom>
+          <a:ln w="28575">
+            <a:solidFill>
+              <a:schemeClr val="tx1"/>
+            </a:solidFill>
+          </a:ln>
+        </p:spPr>
+        <p:style>
+          <a:lnRef idx="2">
+            <a:schemeClr val="accent6"/>
+          </a:lnRef>
+          <a:fillRef idx="1">
+            <a:schemeClr val="lt1"/>
+          </a:fillRef>
+          <a:effectRef idx="0">
+            <a:schemeClr val="accent6"/>
+          </a:effectRef>
+          <a:fontRef idx="minor">
+            <a:schemeClr val="dk1"/>
+          </a:fontRef>
+        </p:style>
+        <p:txBody>
+          <a:bodyPr rtlCol="0" anchor="ctr"/>
+          <a:lstStyle/>
+          <a:p>
+            <a:pPr algn="ctr"/>
+            <a:endParaRPr lang="en-DE" dirty="0"/>
+          </a:p>
+        </p:txBody>
+      </p:sp>
+      <p:cxnSp>
+        <p:nvCxnSpPr>
+          <p:cNvPr id="176" name="Straight Connector 175">
+            <a:extLst>
+              <a:ext uri="{FF2B5EF4-FFF2-40B4-BE49-F238E27FC236}">
+                <a16:creationId xmlns:a16="http://schemas.microsoft.com/office/drawing/2014/main" id="{F903C2D7-F42D-4719-A2A5-D6650A83DD2E}"/>
+              </a:ext>
+            </a:extLst>
+          </p:cNvPr>
+          <p:cNvCxnSpPr>
+            <a:cxnSpLocks/>
+          </p:cNvCxnSpPr>
+          <p:nvPr/>
+        </p:nvCxnSpPr>
+        <p:spPr>
+          <a:xfrm>
+            <a:off x="10810997" y="1177016"/>
+            <a:ext cx="0" cy="331305"/>
+          </a:xfrm>
+          <a:prstGeom prst="line">
+            <a:avLst/>
+          </a:prstGeom>
+          <a:ln w="28575"/>
+        </p:spPr>
+        <p:style>
+          <a:lnRef idx="1">
+            <a:schemeClr val="dk1"/>
+          </a:lnRef>
+          <a:fillRef idx="0">
+            <a:schemeClr val="dk1"/>
+          </a:fillRef>
+          <a:effectRef idx="0">
+            <a:schemeClr val="dk1"/>
+          </a:effectRef>
+          <a:fontRef idx="minor">
+            <a:schemeClr val="tx1"/>
+          </a:fontRef>
+        </p:style>
+      </p:cxnSp>
+      <p:cxnSp>
+        <p:nvCxnSpPr>
+          <p:cNvPr id="177" name="Straight Connector 176">
+            <a:extLst>
+              <a:ext uri="{FF2B5EF4-FFF2-40B4-BE49-F238E27FC236}">
+                <a16:creationId xmlns:a16="http://schemas.microsoft.com/office/drawing/2014/main" id="{4B2BF196-7435-4566-9767-33D7B8C28378}"/>
+              </a:ext>
+            </a:extLst>
+          </p:cNvPr>
+          <p:cNvCxnSpPr>
+            <a:cxnSpLocks/>
+          </p:cNvCxnSpPr>
+          <p:nvPr/>
+        </p:nvCxnSpPr>
+        <p:spPr>
+          <a:xfrm>
+            <a:off x="10647747" y="1190259"/>
+            <a:ext cx="152012" cy="192153"/>
+          </a:xfrm>
+          <a:prstGeom prst="line">
+            <a:avLst/>
+          </a:prstGeom>
+          <a:ln w="28575"/>
+        </p:spPr>
+        <p:style>
+          <a:lnRef idx="1">
+            <a:schemeClr val="dk1"/>
+          </a:lnRef>
+          <a:fillRef idx="0">
+            <a:schemeClr val="dk1"/>
+          </a:fillRef>
+          <a:effectRef idx="0">
+            <a:schemeClr val="dk1"/>
+          </a:effectRef>
+          <a:fontRef idx="minor">
+            <a:schemeClr val="tx1"/>
+          </a:fontRef>
+        </p:style>
+      </p:cxnSp>
+      <p:cxnSp>
+        <p:nvCxnSpPr>
+          <p:cNvPr id="178" name="Straight Connector 177">
+            <a:extLst>
+              <a:ext uri="{FF2B5EF4-FFF2-40B4-BE49-F238E27FC236}">
+                <a16:creationId xmlns:a16="http://schemas.microsoft.com/office/drawing/2014/main" id="{D0F67DA3-334C-4C2E-A4A9-A22FD82913C0}"/>
+              </a:ext>
+            </a:extLst>
+          </p:cNvPr>
+          <p:cNvCxnSpPr>
+            <a:cxnSpLocks/>
+          </p:cNvCxnSpPr>
+          <p:nvPr/>
+        </p:nvCxnSpPr>
+        <p:spPr>
+          <a:xfrm>
+            <a:off x="10647746" y="1286340"/>
+            <a:ext cx="152012" cy="192153"/>
+          </a:xfrm>
+          <a:prstGeom prst="line">
+            <a:avLst/>
+          </a:prstGeom>
+          <a:ln w="28575"/>
+        </p:spPr>
+        <p:style>
+          <a:lnRef idx="1">
+            <a:schemeClr val="dk1"/>
+          </a:lnRef>
+          <a:fillRef idx="0">
+            <a:schemeClr val="dk1"/>
+          </a:fillRef>
+          <a:effectRef idx="0">
+            <a:schemeClr val="dk1"/>
+          </a:effectRef>
+          <a:fontRef idx="minor">
+            <a:schemeClr val="tx1"/>
+          </a:fontRef>
+        </p:style>
+      </p:cxnSp>
+      <p:cxnSp>
+        <p:nvCxnSpPr>
+          <p:cNvPr id="179" name="Straight Connector 178">
+            <a:extLst>
+              <a:ext uri="{FF2B5EF4-FFF2-40B4-BE49-F238E27FC236}">
+                <a16:creationId xmlns:a16="http://schemas.microsoft.com/office/drawing/2014/main" id="{CA45D10C-AE32-45AA-9885-C2B8A712DC77}"/>
+              </a:ext>
+            </a:extLst>
+          </p:cNvPr>
+          <p:cNvCxnSpPr>
+            <a:cxnSpLocks/>
+          </p:cNvCxnSpPr>
+          <p:nvPr/>
+        </p:nvCxnSpPr>
+        <p:spPr>
+          <a:xfrm>
+            <a:off x="10651252" y="1094182"/>
+            <a:ext cx="152012" cy="192153"/>
+          </a:xfrm>
+          <a:prstGeom prst="line">
+            <a:avLst/>
+          </a:prstGeom>
+          <a:ln w="28575"/>
+        </p:spPr>
+        <p:style>
+          <a:lnRef idx="1">
+            <a:schemeClr val="dk1"/>
+          </a:lnRef>
+          <a:fillRef idx="0">
+            <a:schemeClr val="dk1"/>
+          </a:fillRef>
+          <a:effectRef idx="0">
+            <a:schemeClr val="dk1"/>
+          </a:effectRef>
+          <a:fontRef idx="minor">
+            <a:schemeClr val="tx1"/>
+          </a:fontRef>
+        </p:style>
+      </p:cxnSp>
+      <p:cxnSp>
+        <p:nvCxnSpPr>
+          <p:cNvPr id="180" name="Straight Connector 179">
+            <a:extLst>
+              <a:ext uri="{FF2B5EF4-FFF2-40B4-BE49-F238E27FC236}">
+                <a16:creationId xmlns:a16="http://schemas.microsoft.com/office/drawing/2014/main" id="{6533A84F-7E17-41FD-8B97-6626A3BC549D}"/>
+              </a:ext>
+            </a:extLst>
+          </p:cNvPr>
+          <p:cNvCxnSpPr>
+            <a:cxnSpLocks/>
+          </p:cNvCxnSpPr>
+          <p:nvPr/>
+        </p:nvCxnSpPr>
+        <p:spPr>
+          <a:xfrm>
+            <a:off x="10655156" y="1007981"/>
+            <a:ext cx="152012" cy="192153"/>
+          </a:xfrm>
+          <a:prstGeom prst="line">
+            <a:avLst/>
+          </a:prstGeom>
+          <a:ln w="28575"/>
+        </p:spPr>
+        <p:style>
+          <a:lnRef idx="1">
+            <a:schemeClr val="dk1"/>
+          </a:lnRef>
+          <a:fillRef idx="0">
+            <a:schemeClr val="dk1"/>
+          </a:fillRef>
+          <a:effectRef idx="0">
+            <a:schemeClr val="dk1"/>
+          </a:effectRef>
+          <a:fontRef idx="minor">
+            <a:schemeClr val="tx1"/>
+          </a:fontRef>
+        </p:style>
+      </p:cxnSp>
+      <p:cxnSp>
+        <p:nvCxnSpPr>
+          <p:cNvPr id="181" name="Straight Connector 180">
+            <a:extLst>
+              <a:ext uri="{FF2B5EF4-FFF2-40B4-BE49-F238E27FC236}">
+                <a16:creationId xmlns:a16="http://schemas.microsoft.com/office/drawing/2014/main" id="{5794282C-7EFA-4368-A81F-FCB826876A9E}"/>
+              </a:ext>
+            </a:extLst>
+          </p:cNvPr>
+          <p:cNvCxnSpPr>
+            <a:cxnSpLocks/>
+          </p:cNvCxnSpPr>
+          <p:nvPr/>
+        </p:nvCxnSpPr>
+        <p:spPr>
+          <a:xfrm>
+            <a:off x="10804951" y="2129691"/>
+            <a:ext cx="0" cy="331305"/>
+          </a:xfrm>
+          <a:prstGeom prst="line">
+            <a:avLst/>
+          </a:prstGeom>
+          <a:ln w="28575"/>
+        </p:spPr>
+        <p:style>
+          <a:lnRef idx="1">
+            <a:schemeClr val="dk1"/>
+          </a:lnRef>
+          <a:fillRef idx="0">
+            <a:schemeClr val="dk1"/>
+          </a:fillRef>
+          <a:effectRef idx="0">
+            <a:schemeClr val="dk1"/>
+          </a:effectRef>
+          <a:fontRef idx="minor">
+            <a:schemeClr val="tx1"/>
+          </a:fontRef>
+        </p:style>
+      </p:cxnSp>
+      <p:cxnSp>
+        <p:nvCxnSpPr>
+          <p:cNvPr id="182" name="Straight Connector 181">
+            <a:extLst>
+              <a:ext uri="{FF2B5EF4-FFF2-40B4-BE49-F238E27FC236}">
+                <a16:creationId xmlns:a16="http://schemas.microsoft.com/office/drawing/2014/main" id="{65313057-22EE-4AE9-9FB9-6C84AD299D59}"/>
+              </a:ext>
+            </a:extLst>
+          </p:cNvPr>
+          <p:cNvCxnSpPr>
+            <a:cxnSpLocks/>
+          </p:cNvCxnSpPr>
+          <p:nvPr/>
+        </p:nvCxnSpPr>
+        <p:spPr>
+          <a:xfrm>
+            <a:off x="10641701" y="2142934"/>
+            <a:ext cx="152012" cy="192153"/>
+          </a:xfrm>
+          <a:prstGeom prst="line">
+            <a:avLst/>
+          </a:prstGeom>
+          <a:ln w="28575"/>
+        </p:spPr>
+        <p:style>
+          <a:lnRef idx="1">
+            <a:schemeClr val="dk1"/>
+          </a:lnRef>
+          <a:fillRef idx="0">
+            <a:schemeClr val="dk1"/>
+          </a:fillRef>
+          <a:effectRef idx="0">
+            <a:schemeClr val="dk1"/>
+          </a:effectRef>
+          <a:fontRef idx="minor">
+            <a:schemeClr val="tx1"/>
+          </a:fontRef>
+        </p:style>
+      </p:cxnSp>
+      <p:cxnSp>
+        <p:nvCxnSpPr>
+          <p:cNvPr id="183" name="Straight Connector 182">
+            <a:extLst>
+              <a:ext uri="{FF2B5EF4-FFF2-40B4-BE49-F238E27FC236}">
+                <a16:creationId xmlns:a16="http://schemas.microsoft.com/office/drawing/2014/main" id="{18BCE7A7-911E-4F08-902D-3761661881E0}"/>
+              </a:ext>
+            </a:extLst>
+          </p:cNvPr>
+          <p:cNvCxnSpPr>
+            <a:cxnSpLocks/>
+          </p:cNvCxnSpPr>
+          <p:nvPr/>
+        </p:nvCxnSpPr>
+        <p:spPr>
+          <a:xfrm>
+            <a:off x="10641700" y="2239015"/>
+            <a:ext cx="152012" cy="192153"/>
+          </a:xfrm>
+          <a:prstGeom prst="line">
+            <a:avLst/>
+          </a:prstGeom>
+          <a:ln w="28575"/>
+        </p:spPr>
+        <p:style>
+          <a:lnRef idx="1">
+            <a:schemeClr val="dk1"/>
+          </a:lnRef>
+          <a:fillRef idx="0">
+            <a:schemeClr val="dk1"/>
+          </a:fillRef>
+          <a:effectRef idx="0">
+            <a:schemeClr val="dk1"/>
+          </a:effectRef>
+          <a:fontRef idx="minor">
+            <a:schemeClr val="tx1"/>
+          </a:fontRef>
+        </p:style>
+      </p:cxnSp>
+      <p:cxnSp>
+        <p:nvCxnSpPr>
+          <p:cNvPr id="184" name="Straight Connector 183">
+            <a:extLst>
+              <a:ext uri="{FF2B5EF4-FFF2-40B4-BE49-F238E27FC236}">
+                <a16:creationId xmlns:a16="http://schemas.microsoft.com/office/drawing/2014/main" id="{5A5DCDE8-62C5-4F65-8EF1-780818E7A376}"/>
+              </a:ext>
+            </a:extLst>
+          </p:cNvPr>
+          <p:cNvCxnSpPr>
+            <a:cxnSpLocks/>
+          </p:cNvCxnSpPr>
+          <p:nvPr/>
+        </p:nvCxnSpPr>
+        <p:spPr>
+          <a:xfrm>
+            <a:off x="10645206" y="2046857"/>
+            <a:ext cx="152012" cy="192153"/>
+          </a:xfrm>
+          <a:prstGeom prst="line">
+            <a:avLst/>
+          </a:prstGeom>
+          <a:ln w="28575"/>
+        </p:spPr>
+        <p:style>
+          <a:lnRef idx="1">
+            <a:schemeClr val="dk1"/>
+          </a:lnRef>
+          <a:fillRef idx="0">
+            <a:schemeClr val="dk1"/>
+          </a:fillRef>
+          <a:effectRef idx="0">
+            <a:schemeClr val="dk1"/>
+          </a:effectRef>
+          <a:fontRef idx="minor">
+            <a:schemeClr val="tx1"/>
+          </a:fontRef>
+        </p:style>
+      </p:cxnSp>
+      <p:cxnSp>
+        <p:nvCxnSpPr>
+          <p:cNvPr id="185" name="Straight Connector 184">
+            <a:extLst>
+              <a:ext uri="{FF2B5EF4-FFF2-40B4-BE49-F238E27FC236}">
+                <a16:creationId xmlns:a16="http://schemas.microsoft.com/office/drawing/2014/main" id="{4A2B023C-7372-4D91-96E2-5E9BEC40E381}"/>
+              </a:ext>
+            </a:extLst>
+          </p:cNvPr>
+          <p:cNvCxnSpPr>
+            <a:cxnSpLocks/>
+          </p:cNvCxnSpPr>
+          <p:nvPr/>
+        </p:nvCxnSpPr>
+        <p:spPr>
+          <a:xfrm>
+            <a:off x="10649110" y="1960656"/>
+            <a:ext cx="152012" cy="192153"/>
+          </a:xfrm>
+          <a:prstGeom prst="line">
+            <a:avLst/>
+          </a:prstGeom>
+          <a:ln w="28575"/>
+        </p:spPr>
+        <p:style>
+          <a:lnRef idx="1">
+            <a:schemeClr val="dk1"/>
+          </a:lnRef>
+          <a:fillRef idx="0">
+            <a:schemeClr val="dk1"/>
+          </a:fillRef>
+          <a:effectRef idx="0">
+            <a:schemeClr val="dk1"/>
+          </a:effectRef>
+          <a:fontRef idx="minor">
+            <a:schemeClr val="tx1"/>
+          </a:fontRef>
+        </p:style>
+      </p:cxnSp>
+      <p:cxnSp>
+        <p:nvCxnSpPr>
+          <p:cNvPr id="186" name="Straight Connector 185">
+            <a:extLst>
+              <a:ext uri="{FF2B5EF4-FFF2-40B4-BE49-F238E27FC236}">
+                <a16:creationId xmlns:a16="http://schemas.microsoft.com/office/drawing/2014/main" id="{E3FC6DBD-721E-42FF-9EFB-EFC60CDB458A}"/>
+              </a:ext>
+            </a:extLst>
+          </p:cNvPr>
+          <p:cNvCxnSpPr>
+            <a:cxnSpLocks/>
+          </p:cNvCxnSpPr>
+          <p:nvPr/>
+        </p:nvCxnSpPr>
+        <p:spPr>
+          <a:xfrm>
+            <a:off x="10804748" y="3127882"/>
+            <a:ext cx="0" cy="331305"/>
+          </a:xfrm>
+          <a:prstGeom prst="line">
+            <a:avLst/>
+          </a:prstGeom>
+          <a:ln w="28575"/>
+        </p:spPr>
+        <p:style>
+          <a:lnRef idx="1">
+            <a:schemeClr val="dk1"/>
+          </a:lnRef>
+          <a:fillRef idx="0">
+            <a:schemeClr val="dk1"/>
+          </a:fillRef>
+          <a:effectRef idx="0">
+            <a:schemeClr val="dk1"/>
+          </a:effectRef>
+          <a:fontRef idx="minor">
+            <a:schemeClr val="tx1"/>
+          </a:fontRef>
+        </p:style>
+      </p:cxnSp>
+      <p:cxnSp>
+        <p:nvCxnSpPr>
+          <p:cNvPr id="187" name="Straight Connector 186">
+            <a:extLst>
+              <a:ext uri="{FF2B5EF4-FFF2-40B4-BE49-F238E27FC236}">
+                <a16:creationId xmlns:a16="http://schemas.microsoft.com/office/drawing/2014/main" id="{19F5978F-1284-49F4-A722-17E9B5DF3C4C}"/>
+              </a:ext>
+            </a:extLst>
+          </p:cNvPr>
+          <p:cNvCxnSpPr>
+            <a:cxnSpLocks/>
+          </p:cNvCxnSpPr>
+          <p:nvPr/>
+        </p:nvCxnSpPr>
+        <p:spPr>
+          <a:xfrm>
+            <a:off x="10641498" y="3141125"/>
+            <a:ext cx="152012" cy="192153"/>
+          </a:xfrm>
+          <a:prstGeom prst="line">
+            <a:avLst/>
+          </a:prstGeom>
+          <a:ln w="28575"/>
+        </p:spPr>
+        <p:style>
+          <a:lnRef idx="1">
+            <a:schemeClr val="dk1"/>
+          </a:lnRef>
+          <a:fillRef idx="0">
+            <a:schemeClr val="dk1"/>
+          </a:fillRef>
+          <a:effectRef idx="0">
+            <a:schemeClr val="dk1"/>
+          </a:effectRef>
+          <a:fontRef idx="minor">
+            <a:schemeClr val="tx1"/>
+          </a:fontRef>
+        </p:style>
+      </p:cxnSp>
+      <p:cxnSp>
+        <p:nvCxnSpPr>
+          <p:cNvPr id="188" name="Straight Connector 187">
+            <a:extLst>
+              <a:ext uri="{FF2B5EF4-FFF2-40B4-BE49-F238E27FC236}">
+                <a16:creationId xmlns:a16="http://schemas.microsoft.com/office/drawing/2014/main" id="{98381291-EF0C-4B4D-BC32-F9DA4A2E9375}"/>
+              </a:ext>
+            </a:extLst>
+          </p:cNvPr>
+          <p:cNvCxnSpPr>
+            <a:cxnSpLocks/>
+          </p:cNvCxnSpPr>
+          <p:nvPr/>
+        </p:nvCxnSpPr>
+        <p:spPr>
+          <a:xfrm>
+            <a:off x="10641497" y="3237206"/>
+            <a:ext cx="152012" cy="192153"/>
+          </a:xfrm>
+          <a:prstGeom prst="line">
+            <a:avLst/>
+          </a:prstGeom>
+          <a:ln w="28575"/>
+        </p:spPr>
+        <p:style>
+          <a:lnRef idx="1">
+            <a:schemeClr val="dk1"/>
+          </a:lnRef>
+          <a:fillRef idx="0">
+            <a:schemeClr val="dk1"/>
+          </a:fillRef>
+          <a:effectRef idx="0">
+            <a:schemeClr val="dk1"/>
+          </a:effectRef>
+          <a:fontRef idx="minor">
+            <a:schemeClr val="tx1"/>
+          </a:fontRef>
+        </p:style>
+      </p:cxnSp>
+      <p:cxnSp>
+        <p:nvCxnSpPr>
+          <p:cNvPr id="189" name="Straight Connector 188">
+            <a:extLst>
+              <a:ext uri="{FF2B5EF4-FFF2-40B4-BE49-F238E27FC236}">
+                <a16:creationId xmlns:a16="http://schemas.microsoft.com/office/drawing/2014/main" id="{031F45CD-A14E-4A91-B80C-88CAEAADB882}"/>
+              </a:ext>
+            </a:extLst>
+          </p:cNvPr>
+          <p:cNvCxnSpPr>
+            <a:cxnSpLocks/>
+          </p:cNvCxnSpPr>
+          <p:nvPr/>
+        </p:nvCxnSpPr>
+        <p:spPr>
+          <a:xfrm>
+            <a:off x="10645003" y="3045048"/>
+            <a:ext cx="152012" cy="192153"/>
+          </a:xfrm>
+          <a:prstGeom prst="line">
+            <a:avLst/>
+          </a:prstGeom>
+          <a:ln w="28575"/>
+        </p:spPr>
+        <p:style>
+          <a:lnRef idx="1">
+            <a:schemeClr val="dk1"/>
+          </a:lnRef>
+          <a:fillRef idx="0">
+            <a:schemeClr val="dk1"/>
+          </a:fillRef>
+          <a:effectRef idx="0">
+            <a:schemeClr val="dk1"/>
+          </a:effectRef>
+          <a:fontRef idx="minor">
+            <a:schemeClr val="tx1"/>
+          </a:fontRef>
+        </p:style>
+      </p:cxnSp>
+      <p:cxnSp>
+        <p:nvCxnSpPr>
+          <p:cNvPr id="190" name="Straight Connector 189">
+            <a:extLst>
+              <a:ext uri="{FF2B5EF4-FFF2-40B4-BE49-F238E27FC236}">
+                <a16:creationId xmlns:a16="http://schemas.microsoft.com/office/drawing/2014/main" id="{3CB2E570-4E52-4B89-8D09-1D7ECBF1150C}"/>
+              </a:ext>
+            </a:extLst>
+          </p:cNvPr>
+          <p:cNvCxnSpPr>
+            <a:cxnSpLocks/>
+          </p:cNvCxnSpPr>
+          <p:nvPr/>
+        </p:nvCxnSpPr>
+        <p:spPr>
+          <a:xfrm>
+            <a:off x="10648907" y="2958847"/>
+            <a:ext cx="152012" cy="192153"/>
+          </a:xfrm>
+          <a:prstGeom prst="line">
+            <a:avLst/>
+          </a:prstGeom>
+          <a:ln w="28575"/>
+        </p:spPr>
+        <p:style>
+          <a:lnRef idx="1">
+            <a:schemeClr val="dk1"/>
+          </a:lnRef>
+          <a:fillRef idx="0">
+            <a:schemeClr val="dk1"/>
+          </a:fillRef>
+          <a:effectRef idx="0">
+            <a:schemeClr val="dk1"/>
+          </a:effectRef>
+          <a:fontRef idx="minor">
+            <a:schemeClr val="tx1"/>
+          </a:fontRef>
+        </p:style>
+      </p:cxnSp>
+      <p:cxnSp>
+        <p:nvCxnSpPr>
+          <p:cNvPr id="191" name="Straight Connector 190">
+            <a:extLst>
+              <a:ext uri="{FF2B5EF4-FFF2-40B4-BE49-F238E27FC236}">
+                <a16:creationId xmlns:a16="http://schemas.microsoft.com/office/drawing/2014/main" id="{E5058862-FC06-4953-A253-5E8501DA2600}"/>
+              </a:ext>
+            </a:extLst>
+          </p:cNvPr>
+          <p:cNvCxnSpPr>
+            <a:cxnSpLocks/>
+          </p:cNvCxnSpPr>
+          <p:nvPr/>
+        </p:nvCxnSpPr>
+        <p:spPr>
+          <a:xfrm>
+            <a:off x="10815268" y="4072562"/>
+            <a:ext cx="0" cy="331305"/>
+          </a:xfrm>
+          <a:prstGeom prst="line">
+            <a:avLst/>
+          </a:prstGeom>
+          <a:ln w="28575"/>
+        </p:spPr>
+        <p:style>
+          <a:lnRef idx="1">
+            <a:schemeClr val="dk1"/>
+          </a:lnRef>
+          <a:fillRef idx="0">
+            <a:schemeClr val="dk1"/>
+          </a:fillRef>
+          <a:effectRef idx="0">
+            <a:schemeClr val="dk1"/>
+          </a:effectRef>
+          <a:fontRef idx="minor">
+            <a:schemeClr val="tx1"/>
+          </a:fontRef>
+        </p:style>
+      </p:cxnSp>
+      <p:cxnSp>
+        <p:nvCxnSpPr>
+          <p:cNvPr id="192" name="Straight Connector 191">
+            <a:extLst>
+              <a:ext uri="{FF2B5EF4-FFF2-40B4-BE49-F238E27FC236}">
+                <a16:creationId xmlns:a16="http://schemas.microsoft.com/office/drawing/2014/main" id="{9013B765-1363-4650-8D29-F8E75B443081}"/>
+              </a:ext>
+            </a:extLst>
+          </p:cNvPr>
+          <p:cNvCxnSpPr>
+            <a:cxnSpLocks/>
+          </p:cNvCxnSpPr>
+          <p:nvPr/>
+        </p:nvCxnSpPr>
+        <p:spPr>
+          <a:xfrm>
+            <a:off x="10652018" y="4085805"/>
+            <a:ext cx="152012" cy="192153"/>
+          </a:xfrm>
+          <a:prstGeom prst="line">
+            <a:avLst/>
+          </a:prstGeom>
+          <a:ln w="28575"/>
+        </p:spPr>
+        <p:style>
+          <a:lnRef idx="1">
+            <a:schemeClr val="dk1"/>
+          </a:lnRef>
+          <a:fillRef idx="0">
+            <a:schemeClr val="dk1"/>
+          </a:fillRef>
+          <a:effectRef idx="0">
+            <a:schemeClr val="dk1"/>
+          </a:effectRef>
+          <a:fontRef idx="minor">
+            <a:schemeClr val="tx1"/>
+          </a:fontRef>
+        </p:style>
+      </p:cxnSp>
+      <p:cxnSp>
+        <p:nvCxnSpPr>
+          <p:cNvPr id="193" name="Straight Connector 192">
+            <a:extLst>
+              <a:ext uri="{FF2B5EF4-FFF2-40B4-BE49-F238E27FC236}">
+                <a16:creationId xmlns:a16="http://schemas.microsoft.com/office/drawing/2014/main" id="{38896C5B-126F-42A6-B97D-D1F755AF6A5E}"/>
+              </a:ext>
+            </a:extLst>
+          </p:cNvPr>
+          <p:cNvCxnSpPr>
+            <a:cxnSpLocks/>
+          </p:cNvCxnSpPr>
+          <p:nvPr/>
+        </p:nvCxnSpPr>
+        <p:spPr>
+          <a:xfrm>
+            <a:off x="10652017" y="4181886"/>
+            <a:ext cx="152012" cy="192153"/>
+          </a:xfrm>
+          <a:prstGeom prst="line">
+            <a:avLst/>
+          </a:prstGeom>
+          <a:ln w="28575"/>
+        </p:spPr>
+        <p:style>
+          <a:lnRef idx="1">
+            <a:schemeClr val="dk1"/>
+          </a:lnRef>
+          <a:fillRef idx="0">
+            <a:schemeClr val="dk1"/>
+          </a:fillRef>
+          <a:effectRef idx="0">
+            <a:schemeClr val="dk1"/>
+          </a:effectRef>
+          <a:fontRef idx="minor">
+            <a:schemeClr val="tx1"/>
+          </a:fontRef>
+        </p:style>
+      </p:cxnSp>
+      <p:cxnSp>
+        <p:nvCxnSpPr>
+          <p:cNvPr id="194" name="Straight Connector 193">
+            <a:extLst>
+              <a:ext uri="{FF2B5EF4-FFF2-40B4-BE49-F238E27FC236}">
+                <a16:creationId xmlns:a16="http://schemas.microsoft.com/office/drawing/2014/main" id="{F7946F73-7C4B-48B1-AE26-B9EA0D64E319}"/>
+              </a:ext>
+            </a:extLst>
+          </p:cNvPr>
+          <p:cNvCxnSpPr>
+            <a:cxnSpLocks/>
+          </p:cNvCxnSpPr>
+          <p:nvPr/>
+        </p:nvCxnSpPr>
+        <p:spPr>
+          <a:xfrm>
+            <a:off x="10655523" y="3989728"/>
+            <a:ext cx="152012" cy="192153"/>
+          </a:xfrm>
+          <a:prstGeom prst="line">
+            <a:avLst/>
+          </a:prstGeom>
+          <a:ln w="28575"/>
+        </p:spPr>
+        <p:style>
+          <a:lnRef idx="1">
+            <a:schemeClr val="dk1"/>
+          </a:lnRef>
+          <a:fillRef idx="0">
+            <a:schemeClr val="dk1"/>
+          </a:fillRef>
+          <a:effectRef idx="0">
+            <a:schemeClr val="dk1"/>
+          </a:effectRef>
+          <a:fontRef idx="minor">
+            <a:schemeClr val="tx1"/>
+          </a:fontRef>
+        </p:style>
+      </p:cxnSp>
+      <p:cxnSp>
+        <p:nvCxnSpPr>
+          <p:cNvPr id="195" name="Straight Connector 194">
+            <a:extLst>
+              <a:ext uri="{FF2B5EF4-FFF2-40B4-BE49-F238E27FC236}">
+                <a16:creationId xmlns:a16="http://schemas.microsoft.com/office/drawing/2014/main" id="{DF50492D-88AD-4D5C-AC3E-091CA5DAE773}"/>
+              </a:ext>
+            </a:extLst>
+          </p:cNvPr>
+          <p:cNvCxnSpPr>
+            <a:cxnSpLocks/>
+          </p:cNvCxnSpPr>
+          <p:nvPr/>
+        </p:nvCxnSpPr>
+        <p:spPr>
+          <a:xfrm>
+            <a:off x="10659427" y="3903527"/>
+            <a:ext cx="152012" cy="192153"/>
+          </a:xfrm>
+          <a:prstGeom prst="line">
+            <a:avLst/>
+          </a:prstGeom>
+          <a:ln w="28575"/>
+        </p:spPr>
+        <p:style>
+          <a:lnRef idx="1">
+            <a:schemeClr val="dk1"/>
+          </a:lnRef>
+          <a:fillRef idx="0">
+            <a:schemeClr val="dk1"/>
+          </a:fillRef>
+          <a:effectRef idx="0">
+            <a:schemeClr val="dk1"/>
+          </a:effectRef>
+          <a:fontRef idx="minor">
+            <a:schemeClr val="tx1"/>
+          </a:fontRef>
+        </p:style>
+      </p:cxnSp>
+      <p:cxnSp>
+        <p:nvCxnSpPr>
+          <p:cNvPr id="196" name="Straight Connector 195">
+            <a:extLst>
+              <a:ext uri="{FF2B5EF4-FFF2-40B4-BE49-F238E27FC236}">
+                <a16:creationId xmlns:a16="http://schemas.microsoft.com/office/drawing/2014/main" id="{CF6181BF-7679-4ECA-A83C-78CFFC889876}"/>
+              </a:ext>
+            </a:extLst>
+          </p:cNvPr>
+          <p:cNvCxnSpPr>
+            <a:cxnSpLocks/>
+          </p:cNvCxnSpPr>
+          <p:nvPr/>
+        </p:nvCxnSpPr>
+        <p:spPr>
+          <a:xfrm>
+            <a:off x="10819097" y="5025611"/>
+            <a:ext cx="0" cy="331305"/>
+          </a:xfrm>
+          <a:prstGeom prst="line">
+            <a:avLst/>
+          </a:prstGeom>
+          <a:ln w="28575"/>
+        </p:spPr>
+        <p:style>
+          <a:lnRef idx="1">
+            <a:schemeClr val="dk1"/>
+          </a:lnRef>
+          <a:fillRef idx="0">
+            <a:schemeClr val="dk1"/>
+          </a:fillRef>
+          <a:effectRef idx="0">
+            <a:schemeClr val="dk1"/>
+          </a:effectRef>
+          <a:fontRef idx="minor">
+            <a:schemeClr val="tx1"/>
+          </a:fontRef>
+        </p:style>
+      </p:cxnSp>
+      <p:cxnSp>
+        <p:nvCxnSpPr>
+          <p:cNvPr id="197" name="Straight Connector 196">
+            <a:extLst>
+              <a:ext uri="{FF2B5EF4-FFF2-40B4-BE49-F238E27FC236}">
+                <a16:creationId xmlns:a16="http://schemas.microsoft.com/office/drawing/2014/main" id="{001FB99E-3900-4B8A-B628-CABF8C44C088}"/>
+              </a:ext>
+            </a:extLst>
+          </p:cNvPr>
+          <p:cNvCxnSpPr>
+            <a:cxnSpLocks/>
+          </p:cNvCxnSpPr>
+          <p:nvPr/>
+        </p:nvCxnSpPr>
+        <p:spPr>
+          <a:xfrm>
+            <a:off x="10655847" y="5038854"/>
+            <a:ext cx="152012" cy="192153"/>
+          </a:xfrm>
+          <a:prstGeom prst="line">
+            <a:avLst/>
+          </a:prstGeom>
+          <a:ln w="28575"/>
+        </p:spPr>
+        <p:style>
+          <a:lnRef idx="1">
+            <a:schemeClr val="dk1"/>
+          </a:lnRef>
+          <a:fillRef idx="0">
+            <a:schemeClr val="dk1"/>
+          </a:fillRef>
+          <a:effectRef idx="0">
+            <a:schemeClr val="dk1"/>
+          </a:effectRef>
+          <a:fontRef idx="minor">
+            <a:schemeClr val="tx1"/>
+          </a:fontRef>
+        </p:style>
+      </p:cxnSp>
+      <p:cxnSp>
+        <p:nvCxnSpPr>
+          <p:cNvPr id="198" name="Straight Connector 197">
+            <a:extLst>
+              <a:ext uri="{FF2B5EF4-FFF2-40B4-BE49-F238E27FC236}">
+                <a16:creationId xmlns:a16="http://schemas.microsoft.com/office/drawing/2014/main" id="{018D28AD-91EE-4DA9-B349-41486C83E6BD}"/>
+              </a:ext>
+            </a:extLst>
+          </p:cNvPr>
+          <p:cNvCxnSpPr>
+            <a:cxnSpLocks/>
+          </p:cNvCxnSpPr>
+          <p:nvPr/>
+        </p:nvCxnSpPr>
+        <p:spPr>
+          <a:xfrm>
+            <a:off x="10655846" y="5134935"/>
+            <a:ext cx="152012" cy="192153"/>
+          </a:xfrm>
+          <a:prstGeom prst="line">
+            <a:avLst/>
+          </a:prstGeom>
+          <a:ln w="28575"/>
+        </p:spPr>
+        <p:style>
+          <a:lnRef idx="1">
+            <a:schemeClr val="dk1"/>
+          </a:lnRef>
+          <a:fillRef idx="0">
+            <a:schemeClr val="dk1"/>
+          </a:fillRef>
+          <a:effectRef idx="0">
+            <a:schemeClr val="dk1"/>
+          </a:effectRef>
+          <a:fontRef idx="minor">
+            <a:schemeClr val="tx1"/>
+          </a:fontRef>
+        </p:style>
+      </p:cxnSp>
+      <p:cxnSp>
+        <p:nvCxnSpPr>
+          <p:cNvPr id="199" name="Straight Connector 198">
+            <a:extLst>
+              <a:ext uri="{FF2B5EF4-FFF2-40B4-BE49-F238E27FC236}">
+                <a16:creationId xmlns:a16="http://schemas.microsoft.com/office/drawing/2014/main" id="{37DC0F7F-ADEA-4A1C-9CE8-88B0E0C8F884}"/>
+              </a:ext>
+            </a:extLst>
+          </p:cNvPr>
+          <p:cNvCxnSpPr>
+            <a:cxnSpLocks/>
+          </p:cNvCxnSpPr>
+          <p:nvPr/>
+        </p:nvCxnSpPr>
+        <p:spPr>
+          <a:xfrm>
+            <a:off x="10659352" y="4942777"/>
+            <a:ext cx="152012" cy="192153"/>
+          </a:xfrm>
+          <a:prstGeom prst="line">
+            <a:avLst/>
+          </a:prstGeom>
+          <a:ln w="28575"/>
+        </p:spPr>
+        <p:style>
+          <a:lnRef idx="1">
+            <a:schemeClr val="dk1"/>
+          </a:lnRef>
+          <a:fillRef idx="0">
+            <a:schemeClr val="dk1"/>
+          </a:fillRef>
+          <a:effectRef idx="0">
+            <a:schemeClr val="dk1"/>
+          </a:effectRef>
+          <a:fontRef idx="minor">
+            <a:schemeClr val="tx1"/>
+          </a:fontRef>
+        </p:style>
+      </p:cxnSp>
+      <p:cxnSp>
+        <p:nvCxnSpPr>
+          <p:cNvPr id="200" name="Straight Connector 199">
+            <a:extLst>
+              <a:ext uri="{FF2B5EF4-FFF2-40B4-BE49-F238E27FC236}">
+                <a16:creationId xmlns:a16="http://schemas.microsoft.com/office/drawing/2014/main" id="{D4B4A319-41D7-4FEC-B18E-E786C2555CD4}"/>
+              </a:ext>
+            </a:extLst>
+          </p:cNvPr>
+          <p:cNvCxnSpPr>
+            <a:cxnSpLocks/>
+          </p:cNvCxnSpPr>
+          <p:nvPr/>
+        </p:nvCxnSpPr>
+        <p:spPr>
+          <a:xfrm>
+            <a:off x="10663256" y="4856576"/>
+            <a:ext cx="152012" cy="192153"/>
+          </a:xfrm>
+          <a:prstGeom prst="line">
+            <a:avLst/>
+          </a:prstGeom>
+          <a:ln w="28575"/>
+        </p:spPr>
+        <p:style>
+          <a:lnRef idx="1">
+            <a:schemeClr val="dk1"/>
+          </a:lnRef>
+          <a:fillRef idx="0">
+            <a:schemeClr val="dk1"/>
+          </a:fillRef>
+          <a:effectRef idx="0">
+            <a:schemeClr val="dk1"/>
+          </a:effectRef>
+          <a:fontRef idx="minor">
+            <a:schemeClr val="tx1"/>
+          </a:fontRef>
+        </p:style>
+      </p:cxnSp>
+      <p:cxnSp>
+        <p:nvCxnSpPr>
+          <p:cNvPr id="201" name="Straight Connector 200">
+            <a:extLst>
+              <a:ext uri="{FF2B5EF4-FFF2-40B4-BE49-F238E27FC236}">
+                <a16:creationId xmlns:a16="http://schemas.microsoft.com/office/drawing/2014/main" id="{C9A587B4-94EC-4F63-A8CE-C1853A6378A6}"/>
+              </a:ext>
+            </a:extLst>
+          </p:cNvPr>
+          <p:cNvCxnSpPr>
+            <a:cxnSpLocks/>
+          </p:cNvCxnSpPr>
+          <p:nvPr/>
+        </p:nvCxnSpPr>
+        <p:spPr>
+          <a:xfrm>
+            <a:off x="11209861" y="4040793"/>
+            <a:ext cx="397560" cy="0"/>
+          </a:xfrm>
+          <a:prstGeom prst="line">
+            <a:avLst/>
+          </a:prstGeom>
+          <a:ln w="28575">
+            <a:solidFill>
+              <a:schemeClr val="tx1"/>
+            </a:solidFill>
+          </a:ln>
+        </p:spPr>
+        <p:style>
+          <a:lnRef idx="1">
+            <a:schemeClr val="dk1"/>
+          </a:lnRef>
+          <a:fillRef idx="0">
+            <a:schemeClr val="dk1"/>
+          </a:fillRef>
+          <a:effectRef idx="0">
+            <a:schemeClr val="dk1"/>
+          </a:effectRef>
+          <a:fontRef idx="minor">
+            <a:schemeClr val="tx1"/>
+          </a:fontRef>
+        </p:style>
+      </p:cxnSp>
+      <p:cxnSp>
+        <p:nvCxnSpPr>
+          <p:cNvPr id="202" name="Straight Connector 201">
+            <a:extLst>
+              <a:ext uri="{FF2B5EF4-FFF2-40B4-BE49-F238E27FC236}">
+                <a16:creationId xmlns:a16="http://schemas.microsoft.com/office/drawing/2014/main" id="{ADC85595-EC50-4EC9-A364-F70077A1FEEB}"/>
+              </a:ext>
+            </a:extLst>
+          </p:cNvPr>
+          <p:cNvCxnSpPr/>
+          <p:nvPr/>
+        </p:nvCxnSpPr>
+        <p:spPr>
+          <a:xfrm flipV="1">
+            <a:off x="11607421" y="811029"/>
+            <a:ext cx="0" cy="347828"/>
+          </a:xfrm>
+          <a:prstGeom prst="line">
+            <a:avLst/>
+          </a:prstGeom>
+          <a:ln w="19050">
+            <a:solidFill>
+              <a:schemeClr val="tx1"/>
+            </a:solidFill>
+          </a:ln>
+        </p:spPr>
+        <p:style>
+          <a:lnRef idx="1">
+            <a:schemeClr val="dk1"/>
+          </a:lnRef>
+          <a:fillRef idx="0">
+            <a:schemeClr val="dk1"/>
+          </a:fillRef>
+          <a:effectRef idx="0">
+            <a:schemeClr val="dk1"/>
+          </a:effectRef>
+          <a:fontRef idx="minor">
+            <a:schemeClr val="tx1"/>
+          </a:fontRef>
+        </p:style>
+      </p:cxnSp>
+      <p:cxnSp>
+        <p:nvCxnSpPr>
+          <p:cNvPr id="203" name="Straight Connector 202">
+            <a:extLst>
+              <a:ext uri="{FF2B5EF4-FFF2-40B4-BE49-F238E27FC236}">
+                <a16:creationId xmlns:a16="http://schemas.microsoft.com/office/drawing/2014/main" id="{A106CDD1-E136-4367-8799-328DEADDA487}"/>
+              </a:ext>
+            </a:extLst>
+          </p:cNvPr>
+          <p:cNvCxnSpPr/>
+          <p:nvPr/>
+        </p:nvCxnSpPr>
+        <p:spPr>
+          <a:xfrm flipV="1">
+            <a:off x="11199784" y="811029"/>
+            <a:ext cx="0" cy="347828"/>
+          </a:xfrm>
+          <a:prstGeom prst="line">
+            <a:avLst/>
+          </a:prstGeom>
+          <a:ln w="19050">
+            <a:solidFill>
+              <a:schemeClr val="tx1"/>
+            </a:solidFill>
+          </a:ln>
+        </p:spPr>
+        <p:style>
+          <a:lnRef idx="1">
+            <a:schemeClr val="dk1"/>
+          </a:lnRef>
+          <a:fillRef idx="0">
+            <a:schemeClr val="dk1"/>
+          </a:fillRef>
+          <a:effectRef idx="0">
+            <a:schemeClr val="dk1"/>
+          </a:effectRef>
+          <a:fontRef idx="minor">
+            <a:schemeClr val="tx1"/>
+          </a:fontRef>
+        </p:style>
+      </p:cxnSp>
+      <p:cxnSp>
+        <p:nvCxnSpPr>
+          <p:cNvPr id="204" name="Straight Arrow Connector 203">
+            <a:extLst>
+              <a:ext uri="{FF2B5EF4-FFF2-40B4-BE49-F238E27FC236}">
+                <a16:creationId xmlns:a16="http://schemas.microsoft.com/office/drawing/2014/main" id="{BB91F0C3-DB1C-4ACF-BB2B-E70A5E361AAE}"/>
+              </a:ext>
+            </a:extLst>
+          </p:cNvPr>
+          <p:cNvCxnSpPr/>
+          <p:nvPr/>
+        </p:nvCxnSpPr>
+        <p:spPr>
+          <a:xfrm>
+            <a:off x="11194984" y="979647"/>
+            <a:ext cx="397560" cy="0"/>
+          </a:xfrm>
+          <a:prstGeom prst="straightConnector1">
+            <a:avLst/>
+          </a:prstGeom>
+          <a:ln w="19050">
+            <a:solidFill>
+              <a:schemeClr val="tx1"/>
+            </a:solidFill>
+            <a:headEnd type="triangle"/>
+            <a:tailEnd type="triangle"/>
+          </a:ln>
+        </p:spPr>
+        <p:style>
+          <a:lnRef idx="1">
+            <a:schemeClr val="dk1"/>
+          </a:lnRef>
+          <a:fillRef idx="0">
+            <a:schemeClr val="dk1"/>
+          </a:fillRef>
+          <a:effectRef idx="0">
+            <a:schemeClr val="dk1"/>
+          </a:effectRef>
+          <a:fontRef idx="minor">
+            <a:schemeClr val="tx1"/>
+          </a:fontRef>
+        </p:style>
+      </p:cxnSp>
+      <p:sp>
+        <p:nvSpPr>
+          <p:cNvPr id="205" name="TextBox 204">
+            <a:extLst>
+              <a:ext uri="{FF2B5EF4-FFF2-40B4-BE49-F238E27FC236}">
+                <a16:creationId xmlns:a16="http://schemas.microsoft.com/office/drawing/2014/main" id="{7798869D-F41B-41F3-95F9-36683EC08ADD}"/>
+              </a:ext>
+            </a:extLst>
+          </p:cNvPr>
+          <p:cNvSpPr txBox="1"/>
+          <p:nvPr/>
+        </p:nvSpPr>
+        <p:spPr>
+          <a:xfrm>
+            <a:off x="11267682" y="699921"/>
+            <a:ext cx="301686" cy="369332"/>
+          </a:xfrm>
+          <a:prstGeom prst="rect">
+            <a:avLst/>
+          </a:prstGeom>
+          <a:noFill/>
+        </p:spPr>
+        <p:txBody>
+          <a:bodyPr wrap="none" rtlCol="0">
+            <a:spAutoFit/>
+          </a:bodyPr>
+          <a:lstStyle/>
+          <a:p>
+            <a:r>
+              <a:rPr lang="en-US" dirty="0"/>
+              <a:t>1</a:t>
+            </a:r>
+            <a:endParaRPr lang="en-DE" dirty="0"/>
+          </a:p>
+        </p:txBody>
+      </p:sp>
+    </p:spTree>
+    <p:extLst>
+      <p:ext uri="{BB962C8B-B14F-4D97-AF65-F5344CB8AC3E}">
+        <p14:creationId xmlns:p14="http://schemas.microsoft.com/office/powerpoint/2010/main" val="4232663917"/>
+      </p:ext>
+    </p:extLst>
+  </p:cSld>
+  <p:clrMapOvr>
+    <a:masterClrMapping/>
+  </p:clrMapOvr>
+</p:sld>
+</file>
+
+<file path=ppt/slides/slide4.xml><?xml version="1.0" encoding="utf-8"?>
+<p:sld xmlns:a="http://schemas.openxmlformats.org/drawingml/2006/main" xmlns:r="http://schemas.openxmlformats.org/officeDocument/2006/relationships" xmlns:p="http://schemas.openxmlformats.org/presentationml/2006/main">
+  <p:cSld>
+    <p:spTree>
+      <p:nvGrpSpPr>
+        <p:cNvPr id="1" name=""/>
+        <p:cNvGrpSpPr/>
+        <p:nvPr/>
+      </p:nvGrpSpPr>
+      <p:grpSpPr>
+        <a:xfrm>
+          <a:off x="0" y="0"/>
+          <a:ext cx="0" cy="0"/>
+          <a:chOff x="0" y="0"/>
+          <a:chExt cx="0" cy="0"/>
+        </a:xfrm>
+      </p:grpSpPr>
+      <p:sp>
+        <p:nvSpPr>
+          <p:cNvPr id="4" name="Rectangle 3">
+            <a:extLst>
+              <a:ext uri="{FF2B5EF4-FFF2-40B4-BE49-F238E27FC236}">
+                <a16:creationId xmlns:a16="http://schemas.microsoft.com/office/drawing/2014/main" id="{7DC4A69D-3E9F-411E-B9EE-0FF737434DFE}"/>
+              </a:ext>
+            </a:extLst>
+          </p:cNvPr>
+          <p:cNvSpPr/>
+          <p:nvPr/>
+        </p:nvSpPr>
+        <p:spPr>
+          <a:xfrm>
+            <a:off x="5897220" y="997185"/>
+            <a:ext cx="397560" cy="4194353"/>
+          </a:xfrm>
+          <a:prstGeom prst="rect">
+            <a:avLst/>
+          </a:prstGeom>
+          <a:ln w="28575">
+            <a:solidFill>
+              <a:schemeClr val="tx1"/>
+            </a:solidFill>
+          </a:ln>
+        </p:spPr>
+        <p:style>
+          <a:lnRef idx="2">
+            <a:schemeClr val="accent6"/>
+          </a:lnRef>
+          <a:fillRef idx="1">
+            <a:schemeClr val="lt1"/>
+          </a:fillRef>
+          <a:effectRef idx="0">
+            <a:schemeClr val="accent6"/>
+          </a:effectRef>
+          <a:fontRef idx="minor">
+            <a:schemeClr val="dk1"/>
+          </a:fontRef>
+        </p:style>
+        <p:txBody>
+          <a:bodyPr rtlCol="0" anchor="ctr"/>
+          <a:lstStyle/>
+          <a:p>
+            <a:pPr algn="ctr"/>
+            <a:endParaRPr lang="en-DE"/>
+          </a:p>
+        </p:txBody>
+      </p:sp>
+      <p:sp>
+        <p:nvSpPr>
+          <p:cNvPr id="5" name="Arrow: Left-Up 4">
+            <a:extLst>
+              <a:ext uri="{FF2B5EF4-FFF2-40B4-BE49-F238E27FC236}">
+                <a16:creationId xmlns:a16="http://schemas.microsoft.com/office/drawing/2014/main" id="{83E662DA-35E0-4491-AF2D-12D5CE975496}"/>
+              </a:ext>
+            </a:extLst>
+          </p:cNvPr>
+          <p:cNvSpPr/>
+          <p:nvPr/>
+        </p:nvSpPr>
+        <p:spPr>
+          <a:xfrm rot="5400000">
+            <a:off x="4461072" y="5476532"/>
+            <a:ext cx="616462" cy="638900"/>
+          </a:xfrm>
+          <a:prstGeom prst="leftUpArrow">
+            <a:avLst>
+              <a:gd name="adj1" fmla="val 1"/>
+              <a:gd name="adj2" fmla="val 4449"/>
+              <a:gd name="adj3" fmla="val 20782"/>
+            </a:avLst>
+          </a:prstGeom>
+          <a:solidFill>
+            <a:schemeClr val="tx1"/>
+          </a:solidFill>
+          <a:ln>
+            <a:solidFill>
+              <a:schemeClr val="tx1"/>
+            </a:solidFill>
+          </a:ln>
+        </p:spPr>
+        <p:style>
+          <a:lnRef idx="2">
+            <a:schemeClr val="dk1">
+              <a:shade val="50000"/>
+            </a:schemeClr>
+          </a:lnRef>
+          <a:fillRef idx="1">
+            <a:schemeClr val="dk1"/>
+          </a:fillRef>
+          <a:effectRef idx="0">
+            <a:schemeClr val="dk1"/>
+          </a:effectRef>
+          <a:fontRef idx="minor">
+            <a:schemeClr val="lt1"/>
+          </a:fontRef>
+        </p:style>
+        <p:txBody>
+          <a:bodyPr rtlCol="0" anchor="ctr"/>
+          <a:lstStyle/>
+          <a:p>
+            <a:pPr algn="ctr"/>
+            <a:endParaRPr lang="en-DE"/>
+          </a:p>
+        </p:txBody>
+      </p:sp>
+      <p:sp>
+        <p:nvSpPr>
+          <p:cNvPr id="6" name="TextBox 5">
+            <a:extLst>
+              <a:ext uri="{FF2B5EF4-FFF2-40B4-BE49-F238E27FC236}">
+                <a16:creationId xmlns:a16="http://schemas.microsoft.com/office/drawing/2014/main" id="{7DACCDF3-83ED-428C-BD36-1956D4D0ED01}"/>
+              </a:ext>
+            </a:extLst>
+          </p:cNvPr>
+          <p:cNvSpPr txBox="1"/>
+          <p:nvPr/>
+        </p:nvSpPr>
+        <p:spPr>
+          <a:xfrm>
+            <a:off x="4458939" y="5245214"/>
+            <a:ext cx="290464" cy="369332"/>
+          </a:xfrm>
+          <a:prstGeom prst="rect">
+            <a:avLst/>
+          </a:prstGeom>
+          <a:noFill/>
+        </p:spPr>
+        <p:txBody>
+          <a:bodyPr wrap="square" rtlCol="0">
+            <a:spAutoFit/>
+          </a:bodyPr>
+          <a:lstStyle/>
+          <a:p>
+            <a:r>
+              <a:rPr lang="en-US" b="1" i="1" dirty="0"/>
+              <a:t>y</a:t>
+            </a:r>
+            <a:endParaRPr lang="en-DE" b="1" i="1" dirty="0"/>
+          </a:p>
+        </p:txBody>
+      </p:sp>
+      <p:sp>
+        <p:nvSpPr>
+          <p:cNvPr id="7" name="TextBox 6">
+            <a:extLst>
+              <a:ext uri="{FF2B5EF4-FFF2-40B4-BE49-F238E27FC236}">
+                <a16:creationId xmlns:a16="http://schemas.microsoft.com/office/drawing/2014/main" id="{CA7D6171-C2FE-458E-97C8-476B41047A02}"/>
+              </a:ext>
+            </a:extLst>
+          </p:cNvPr>
+          <p:cNvSpPr txBox="1"/>
+          <p:nvPr/>
+        </p:nvSpPr>
+        <p:spPr>
+          <a:xfrm>
+            <a:off x="4328133" y="6029200"/>
+            <a:ext cx="276038" cy="369332"/>
+          </a:xfrm>
+          <a:prstGeom prst="rect">
+            <a:avLst/>
+          </a:prstGeom>
+          <a:noFill/>
+        </p:spPr>
+        <p:txBody>
+          <a:bodyPr wrap="square" rtlCol="0">
+            <a:spAutoFit/>
+          </a:bodyPr>
+          <a:lstStyle/>
+          <a:p>
+            <a:r>
+              <a:rPr lang="en-US" b="1" i="1" dirty="0"/>
+              <a:t>x</a:t>
+            </a:r>
+            <a:endParaRPr lang="en-DE" b="1" i="1" dirty="0"/>
+          </a:p>
+        </p:txBody>
+      </p:sp>
+      <p:sp>
+        <p:nvSpPr>
+          <p:cNvPr id="8" name="TextBox 7">
+            <a:extLst>
+              <a:ext uri="{FF2B5EF4-FFF2-40B4-BE49-F238E27FC236}">
+                <a16:creationId xmlns:a16="http://schemas.microsoft.com/office/drawing/2014/main" id="{4817D351-A6BA-46DC-9CAF-2D67122B7AA7}"/>
+              </a:ext>
+            </a:extLst>
+          </p:cNvPr>
+          <p:cNvSpPr txBox="1"/>
+          <p:nvPr/>
+        </p:nvSpPr>
+        <p:spPr>
+          <a:xfrm>
+            <a:off x="4902344" y="5659868"/>
+            <a:ext cx="293670" cy="369332"/>
+          </a:xfrm>
+          <a:prstGeom prst="rect">
+            <a:avLst/>
+          </a:prstGeom>
+          <a:noFill/>
+        </p:spPr>
+        <p:txBody>
+          <a:bodyPr wrap="square" rtlCol="0">
+            <a:spAutoFit/>
+          </a:bodyPr>
+          <a:lstStyle/>
+          <a:p>
+            <a:r>
+              <a:rPr lang="en-US" b="1" i="1" dirty="0"/>
+              <a:t>z</a:t>
+            </a:r>
+            <a:endParaRPr lang="en-DE" b="1" i="1" dirty="0"/>
+          </a:p>
+        </p:txBody>
+      </p:sp>
+      <p:sp>
+        <p:nvSpPr>
+          <p:cNvPr id="11" name="Isosceles Triangle 10">
+            <a:extLst>
+              <a:ext uri="{FF2B5EF4-FFF2-40B4-BE49-F238E27FC236}">
+                <a16:creationId xmlns:a16="http://schemas.microsoft.com/office/drawing/2014/main" id="{0B5E6949-8680-458B-8369-688E20DFF6C2}"/>
+              </a:ext>
+            </a:extLst>
+          </p:cNvPr>
+          <p:cNvSpPr/>
+          <p:nvPr/>
+        </p:nvSpPr>
+        <p:spPr>
+          <a:xfrm>
+            <a:off x="5963480" y="5236861"/>
+            <a:ext cx="331305" cy="304799"/>
+          </a:xfrm>
+          <a:prstGeom prst="triangle">
+            <a:avLst/>
+          </a:prstGeom>
+          <a:ln w="28575">
+            <a:solidFill>
+              <a:schemeClr val="tx1"/>
+            </a:solidFill>
+          </a:ln>
+        </p:spPr>
+        <p:style>
+          <a:lnRef idx="2">
+            <a:schemeClr val="accent6"/>
+          </a:lnRef>
+          <a:fillRef idx="1">
+            <a:schemeClr val="lt1"/>
+          </a:fillRef>
+          <a:effectRef idx="0">
+            <a:schemeClr val="accent6"/>
+          </a:effectRef>
+          <a:fontRef idx="minor">
+            <a:schemeClr val="dk1"/>
+          </a:fontRef>
+        </p:style>
+        <p:txBody>
+          <a:bodyPr rtlCol="0" anchor="ctr"/>
+          <a:lstStyle/>
+          <a:p>
+            <a:pPr algn="ctr"/>
+            <a:endParaRPr lang="en-DE" dirty="0"/>
+          </a:p>
+        </p:txBody>
+      </p:sp>
+      <p:cxnSp>
+        <p:nvCxnSpPr>
+          <p:cNvPr id="12" name="Straight Connector 11">
+            <a:extLst>
+              <a:ext uri="{FF2B5EF4-FFF2-40B4-BE49-F238E27FC236}">
+                <a16:creationId xmlns:a16="http://schemas.microsoft.com/office/drawing/2014/main" id="{45F76365-FE62-4A99-97F7-931DC7553405}"/>
+              </a:ext>
+            </a:extLst>
+          </p:cNvPr>
+          <p:cNvCxnSpPr>
+            <a:cxnSpLocks/>
+          </p:cNvCxnSpPr>
+          <p:nvPr/>
+        </p:nvCxnSpPr>
+        <p:spPr>
+          <a:xfrm>
+            <a:off x="5940297" y="5614548"/>
+            <a:ext cx="354485" cy="0"/>
+          </a:xfrm>
+          <a:prstGeom prst="line">
+            <a:avLst/>
+          </a:prstGeom>
+          <a:ln w="28575">
+            <a:solidFill>
+              <a:schemeClr val="tx1"/>
+            </a:solidFill>
+          </a:ln>
+        </p:spPr>
+        <p:style>
+          <a:lnRef idx="1">
+            <a:schemeClr val="dk1"/>
+          </a:lnRef>
+          <a:fillRef idx="0">
+            <a:schemeClr val="dk1"/>
+          </a:fillRef>
+          <a:effectRef idx="0">
+            <a:schemeClr val="dk1"/>
+          </a:effectRef>
+          <a:fontRef idx="minor">
+            <a:schemeClr val="tx1"/>
+          </a:fontRef>
+        </p:style>
+      </p:cxnSp>
+      <p:cxnSp>
+        <p:nvCxnSpPr>
+          <p:cNvPr id="13" name="Straight Connector 12">
+            <a:extLst>
+              <a:ext uri="{FF2B5EF4-FFF2-40B4-BE49-F238E27FC236}">
+                <a16:creationId xmlns:a16="http://schemas.microsoft.com/office/drawing/2014/main" id="{16403C37-A989-477E-9803-3122ECA6AFD0}"/>
+              </a:ext>
+            </a:extLst>
+          </p:cNvPr>
+          <p:cNvCxnSpPr>
+            <a:cxnSpLocks/>
+          </p:cNvCxnSpPr>
+          <p:nvPr/>
+        </p:nvCxnSpPr>
+        <p:spPr>
+          <a:xfrm flipV="1">
+            <a:off x="5976733" y="5614550"/>
+            <a:ext cx="124231" cy="145774"/>
+          </a:xfrm>
+          <a:prstGeom prst="line">
+            <a:avLst/>
+          </a:prstGeom>
+          <a:ln w="28575">
+            <a:solidFill>
+              <a:schemeClr val="tx1"/>
+            </a:solidFill>
+          </a:ln>
+        </p:spPr>
+        <p:style>
+          <a:lnRef idx="1">
+            <a:schemeClr val="dk1"/>
+          </a:lnRef>
+          <a:fillRef idx="0">
+            <a:schemeClr val="dk1"/>
+          </a:fillRef>
+          <a:effectRef idx="0">
+            <a:schemeClr val="dk1"/>
+          </a:effectRef>
+          <a:fontRef idx="minor">
+            <a:schemeClr val="tx1"/>
+          </a:fontRef>
+        </p:style>
+      </p:cxnSp>
+      <p:cxnSp>
+        <p:nvCxnSpPr>
+          <p:cNvPr id="14" name="Straight Connector 13">
+            <a:extLst>
+              <a:ext uri="{FF2B5EF4-FFF2-40B4-BE49-F238E27FC236}">
+                <a16:creationId xmlns:a16="http://schemas.microsoft.com/office/drawing/2014/main" id="{3243A334-FDC4-4511-8C7B-29594982BF54}"/>
+              </a:ext>
+            </a:extLst>
+          </p:cNvPr>
+          <p:cNvCxnSpPr>
+            <a:cxnSpLocks/>
+          </p:cNvCxnSpPr>
+          <p:nvPr/>
+        </p:nvCxnSpPr>
+        <p:spPr>
+          <a:xfrm flipV="1">
+            <a:off x="6067871" y="5614550"/>
+            <a:ext cx="124231" cy="145774"/>
+          </a:xfrm>
+          <a:prstGeom prst="line">
+            <a:avLst/>
+          </a:prstGeom>
+          <a:ln w="28575">
+            <a:solidFill>
+              <a:schemeClr val="tx1"/>
+            </a:solidFill>
+          </a:ln>
+        </p:spPr>
+        <p:style>
+          <a:lnRef idx="1">
+            <a:schemeClr val="dk1"/>
+          </a:lnRef>
+          <a:fillRef idx="0">
+            <a:schemeClr val="dk1"/>
+          </a:fillRef>
+          <a:effectRef idx="0">
+            <a:schemeClr val="dk1"/>
+          </a:effectRef>
+          <a:fontRef idx="minor">
+            <a:schemeClr val="tx1"/>
+          </a:fontRef>
+        </p:style>
+      </p:cxnSp>
+      <p:cxnSp>
+        <p:nvCxnSpPr>
+          <p:cNvPr id="15" name="Straight Connector 14">
+            <a:extLst>
+              <a:ext uri="{FF2B5EF4-FFF2-40B4-BE49-F238E27FC236}">
+                <a16:creationId xmlns:a16="http://schemas.microsoft.com/office/drawing/2014/main" id="{9E8D710E-853E-4242-B370-3DE9F61B75EE}"/>
+              </a:ext>
+            </a:extLst>
+          </p:cNvPr>
+          <p:cNvCxnSpPr>
+            <a:cxnSpLocks/>
+          </p:cNvCxnSpPr>
+          <p:nvPr/>
+        </p:nvCxnSpPr>
+        <p:spPr>
+          <a:xfrm flipV="1">
+            <a:off x="6175544" y="5614550"/>
+            <a:ext cx="124231" cy="145774"/>
+          </a:xfrm>
+          <a:prstGeom prst="line">
+            <a:avLst/>
+          </a:prstGeom>
+          <a:ln w="28575">
+            <a:solidFill>
+              <a:schemeClr val="tx1"/>
+            </a:solidFill>
+          </a:ln>
+        </p:spPr>
+        <p:style>
+          <a:lnRef idx="1">
+            <a:schemeClr val="dk1"/>
+          </a:lnRef>
+          <a:fillRef idx="0">
+            <a:schemeClr val="dk1"/>
+          </a:fillRef>
+          <a:effectRef idx="0">
+            <a:schemeClr val="dk1"/>
+          </a:effectRef>
+          <a:fontRef idx="minor">
+            <a:schemeClr val="tx1"/>
+          </a:fontRef>
+        </p:style>
+      </p:cxnSp>
+      <p:cxnSp>
+        <p:nvCxnSpPr>
+          <p:cNvPr id="16" name="Straight Connector 15">
+            <a:extLst>
+              <a:ext uri="{FF2B5EF4-FFF2-40B4-BE49-F238E27FC236}">
+                <a16:creationId xmlns:a16="http://schemas.microsoft.com/office/drawing/2014/main" id="{F490D57A-B4C5-4FE4-92A2-B91F43880AAD}"/>
+              </a:ext>
+            </a:extLst>
+          </p:cNvPr>
+          <p:cNvCxnSpPr>
+            <a:cxnSpLocks/>
+          </p:cNvCxnSpPr>
+          <p:nvPr/>
+        </p:nvCxnSpPr>
+        <p:spPr>
+          <a:xfrm flipV="1">
+            <a:off x="5864112" y="5614546"/>
+            <a:ext cx="124231" cy="145774"/>
+          </a:xfrm>
+          <a:prstGeom prst="line">
+            <a:avLst/>
+          </a:prstGeom>
+          <a:ln w="28575">
+            <a:solidFill>
+              <a:schemeClr val="tx1"/>
+            </a:solidFill>
+          </a:ln>
+        </p:spPr>
+        <p:style>
+          <a:lnRef idx="1">
+            <a:schemeClr val="dk1"/>
+          </a:lnRef>
+          <a:fillRef idx="0">
+            <a:schemeClr val="dk1"/>
+          </a:fillRef>
+          <a:effectRef idx="0">
+            <a:schemeClr val="dk1"/>
+          </a:effectRef>
+          <a:fontRef idx="minor">
+            <a:schemeClr val="tx1"/>
+          </a:fontRef>
+        </p:style>
+      </p:cxnSp>
+      <p:sp>
+        <p:nvSpPr>
+          <p:cNvPr id="17" name="Isosceles Triangle 16">
+            <a:extLst>
+              <a:ext uri="{FF2B5EF4-FFF2-40B4-BE49-F238E27FC236}">
+                <a16:creationId xmlns:a16="http://schemas.microsoft.com/office/drawing/2014/main" id="{2271F79C-15F4-4C88-8CC5-FFE9D73EFFDC}"/>
+              </a:ext>
+            </a:extLst>
+          </p:cNvPr>
+          <p:cNvSpPr/>
+          <p:nvPr/>
+        </p:nvSpPr>
+        <p:spPr>
+          <a:xfrm rot="5400000">
+            <a:off x="5565854" y="4873486"/>
+            <a:ext cx="331305" cy="304799"/>
+          </a:xfrm>
+          <a:prstGeom prst="triangle">
+            <a:avLst/>
+          </a:prstGeom>
+          <a:ln w="28575">
+            <a:solidFill>
+              <a:schemeClr val="tx1"/>
+            </a:solidFill>
+          </a:ln>
+        </p:spPr>
+        <p:style>
+          <a:lnRef idx="2">
+            <a:schemeClr val="accent6"/>
+          </a:lnRef>
+          <a:fillRef idx="1">
+            <a:schemeClr val="lt1"/>
+          </a:fillRef>
+          <a:effectRef idx="0">
+            <a:schemeClr val="accent6"/>
+          </a:effectRef>
+          <a:fontRef idx="minor">
+            <a:schemeClr val="dk1"/>
+          </a:fontRef>
+        </p:style>
+        <p:txBody>
+          <a:bodyPr rtlCol="0" anchor="ctr"/>
+          <a:lstStyle/>
+          <a:p>
+            <a:pPr algn="ctr"/>
+            <a:endParaRPr lang="en-DE" dirty="0"/>
+          </a:p>
+        </p:txBody>
+      </p:sp>
+      <p:sp>
+        <p:nvSpPr>
+          <p:cNvPr id="18" name="Isosceles Triangle 17">
+            <a:extLst>
+              <a:ext uri="{FF2B5EF4-FFF2-40B4-BE49-F238E27FC236}">
+                <a16:creationId xmlns:a16="http://schemas.microsoft.com/office/drawing/2014/main" id="{676B27AB-4BF8-42DE-B494-174188A2F3F2}"/>
+              </a:ext>
+            </a:extLst>
+          </p:cNvPr>
+          <p:cNvSpPr/>
+          <p:nvPr/>
+        </p:nvSpPr>
+        <p:spPr>
+          <a:xfrm rot="5400000">
+            <a:off x="5565853" y="1040254"/>
+            <a:ext cx="331305" cy="304799"/>
+          </a:xfrm>
+          <a:prstGeom prst="triangle">
+            <a:avLst/>
+          </a:prstGeom>
+          <a:ln w="28575">
+            <a:solidFill>
+              <a:schemeClr val="tx1"/>
+            </a:solidFill>
+          </a:ln>
+        </p:spPr>
+        <p:style>
+          <a:lnRef idx="2">
+            <a:schemeClr val="accent6"/>
+          </a:lnRef>
+          <a:fillRef idx="1">
+            <a:schemeClr val="lt1"/>
+          </a:fillRef>
+          <a:effectRef idx="0">
+            <a:schemeClr val="accent6"/>
+          </a:effectRef>
+          <a:fontRef idx="minor">
+            <a:schemeClr val="dk1"/>
+          </a:fontRef>
+        </p:style>
+        <p:txBody>
+          <a:bodyPr rtlCol="0" anchor="ctr"/>
+          <a:lstStyle/>
+          <a:p>
+            <a:pPr algn="ctr"/>
+            <a:endParaRPr lang="en-DE" dirty="0"/>
+          </a:p>
+        </p:txBody>
+      </p:sp>
+      <p:sp>
+        <p:nvSpPr>
+          <p:cNvPr id="19" name="Isosceles Triangle 18">
+            <a:extLst>
+              <a:ext uri="{FF2B5EF4-FFF2-40B4-BE49-F238E27FC236}">
+                <a16:creationId xmlns:a16="http://schemas.microsoft.com/office/drawing/2014/main" id="{7E84D3DE-6B32-4B3C-A4BF-D3B1E84EF614}"/>
+              </a:ext>
+            </a:extLst>
+          </p:cNvPr>
+          <p:cNvSpPr/>
+          <p:nvPr/>
+        </p:nvSpPr>
+        <p:spPr>
+          <a:xfrm rot="5400000">
+            <a:off x="5562468" y="2004390"/>
+            <a:ext cx="331305" cy="304799"/>
+          </a:xfrm>
+          <a:prstGeom prst="triangle">
+            <a:avLst/>
+          </a:prstGeom>
+          <a:ln w="28575">
+            <a:solidFill>
+              <a:schemeClr val="tx1"/>
+            </a:solidFill>
+          </a:ln>
+        </p:spPr>
+        <p:style>
+          <a:lnRef idx="2">
+            <a:schemeClr val="accent6"/>
+          </a:lnRef>
+          <a:fillRef idx="1">
+            <a:schemeClr val="lt1"/>
+          </a:fillRef>
+          <a:effectRef idx="0">
+            <a:schemeClr val="accent6"/>
+          </a:effectRef>
+          <a:fontRef idx="minor">
+            <a:schemeClr val="dk1"/>
+          </a:fontRef>
+        </p:style>
+        <p:txBody>
+          <a:bodyPr rtlCol="0" anchor="ctr"/>
+          <a:lstStyle/>
+          <a:p>
+            <a:pPr algn="ctr"/>
+            <a:endParaRPr lang="en-DE" dirty="0"/>
+          </a:p>
+        </p:txBody>
+      </p:sp>
+      <p:sp>
+        <p:nvSpPr>
+          <p:cNvPr id="20" name="Isosceles Triangle 19">
+            <a:extLst>
+              <a:ext uri="{FF2B5EF4-FFF2-40B4-BE49-F238E27FC236}">
+                <a16:creationId xmlns:a16="http://schemas.microsoft.com/office/drawing/2014/main" id="{CDD135FA-2D4D-48B4-AC25-A7F6726C084D}"/>
+              </a:ext>
+            </a:extLst>
+          </p:cNvPr>
+          <p:cNvSpPr/>
+          <p:nvPr/>
+        </p:nvSpPr>
+        <p:spPr>
+          <a:xfrm rot="5400000">
+            <a:off x="5544617" y="2970894"/>
+            <a:ext cx="331305" cy="304799"/>
+          </a:xfrm>
+          <a:prstGeom prst="triangle">
+            <a:avLst/>
+          </a:prstGeom>
+          <a:ln w="28575">
+            <a:solidFill>
+              <a:schemeClr val="tx1"/>
+            </a:solidFill>
+          </a:ln>
+        </p:spPr>
+        <p:style>
+          <a:lnRef idx="2">
+            <a:schemeClr val="accent6"/>
+          </a:lnRef>
+          <a:fillRef idx="1">
+            <a:schemeClr val="lt1"/>
+          </a:fillRef>
+          <a:effectRef idx="0">
+            <a:schemeClr val="accent6"/>
+          </a:effectRef>
+          <a:fontRef idx="minor">
+            <a:schemeClr val="dk1"/>
+          </a:fontRef>
+        </p:style>
+        <p:txBody>
+          <a:bodyPr rtlCol="0" anchor="ctr"/>
+          <a:lstStyle/>
+          <a:p>
+            <a:pPr algn="ctr"/>
+            <a:endParaRPr lang="en-DE" dirty="0"/>
+          </a:p>
+        </p:txBody>
+      </p:sp>
+      <p:sp>
+        <p:nvSpPr>
+          <p:cNvPr id="21" name="Isosceles Triangle 20">
+            <a:extLst>
+              <a:ext uri="{FF2B5EF4-FFF2-40B4-BE49-F238E27FC236}">
+                <a16:creationId xmlns:a16="http://schemas.microsoft.com/office/drawing/2014/main" id="{785BE1BA-5A2E-44A9-9E8C-19EE04B34F65}"/>
+              </a:ext>
+            </a:extLst>
+          </p:cNvPr>
+          <p:cNvSpPr/>
+          <p:nvPr/>
+        </p:nvSpPr>
+        <p:spPr>
+          <a:xfrm rot="5400000">
+            <a:off x="5545111" y="3922190"/>
+            <a:ext cx="331305" cy="304799"/>
+          </a:xfrm>
+          <a:prstGeom prst="triangle">
+            <a:avLst/>
+          </a:prstGeom>
+          <a:ln w="28575">
+            <a:solidFill>
+              <a:schemeClr val="tx1"/>
+            </a:solidFill>
+          </a:ln>
+        </p:spPr>
+        <p:style>
+          <a:lnRef idx="2">
+            <a:schemeClr val="accent6"/>
+          </a:lnRef>
+          <a:fillRef idx="1">
+            <a:schemeClr val="lt1"/>
+          </a:fillRef>
+          <a:effectRef idx="0">
+            <a:schemeClr val="accent6"/>
+          </a:effectRef>
+          <a:fontRef idx="minor">
+            <a:schemeClr val="dk1"/>
+          </a:fontRef>
+        </p:style>
+        <p:txBody>
+          <a:bodyPr rtlCol="0" anchor="ctr"/>
+          <a:lstStyle/>
+          <a:p>
+            <a:pPr algn="ctr"/>
+            <a:endParaRPr lang="en-DE" dirty="0"/>
+          </a:p>
+        </p:txBody>
+      </p:sp>
+      <p:cxnSp>
+        <p:nvCxnSpPr>
+          <p:cNvPr id="22" name="Straight Connector 21">
+            <a:extLst>
+              <a:ext uri="{FF2B5EF4-FFF2-40B4-BE49-F238E27FC236}">
+                <a16:creationId xmlns:a16="http://schemas.microsoft.com/office/drawing/2014/main" id="{67B7CCA9-133C-4AAC-9FC9-52B561A1E53D}"/>
+              </a:ext>
+            </a:extLst>
+          </p:cNvPr>
+          <p:cNvCxnSpPr>
+            <a:cxnSpLocks/>
+          </p:cNvCxnSpPr>
+          <p:nvPr/>
+        </p:nvCxnSpPr>
+        <p:spPr>
+          <a:xfrm>
+            <a:off x="5498356" y="1015344"/>
+            <a:ext cx="0" cy="331305"/>
+          </a:xfrm>
+          <a:prstGeom prst="line">
+            <a:avLst/>
+          </a:prstGeom>
+          <a:ln w="28575"/>
+        </p:spPr>
+        <p:style>
+          <a:lnRef idx="1">
+            <a:schemeClr val="dk1"/>
+          </a:lnRef>
+          <a:fillRef idx="0">
+            <a:schemeClr val="dk1"/>
+          </a:fillRef>
+          <a:effectRef idx="0">
+            <a:schemeClr val="dk1"/>
+          </a:effectRef>
+          <a:fontRef idx="minor">
+            <a:schemeClr val="tx1"/>
+          </a:fontRef>
+        </p:style>
+      </p:cxnSp>
+      <p:cxnSp>
+        <p:nvCxnSpPr>
+          <p:cNvPr id="23" name="Straight Connector 22">
+            <a:extLst>
+              <a:ext uri="{FF2B5EF4-FFF2-40B4-BE49-F238E27FC236}">
+                <a16:creationId xmlns:a16="http://schemas.microsoft.com/office/drawing/2014/main" id="{CC8FD706-2A38-4197-9862-C4E21E184C27}"/>
+              </a:ext>
+            </a:extLst>
+          </p:cNvPr>
+          <p:cNvCxnSpPr>
+            <a:cxnSpLocks/>
+          </p:cNvCxnSpPr>
+          <p:nvPr/>
+        </p:nvCxnSpPr>
+        <p:spPr>
+          <a:xfrm>
+            <a:off x="5335106" y="1028587"/>
+            <a:ext cx="152012" cy="192153"/>
+          </a:xfrm>
+          <a:prstGeom prst="line">
+            <a:avLst/>
+          </a:prstGeom>
+          <a:ln w="28575"/>
+        </p:spPr>
+        <p:style>
+          <a:lnRef idx="1">
+            <a:schemeClr val="dk1"/>
+          </a:lnRef>
+          <a:fillRef idx="0">
+            <a:schemeClr val="dk1"/>
+          </a:fillRef>
+          <a:effectRef idx="0">
+            <a:schemeClr val="dk1"/>
+          </a:effectRef>
+          <a:fontRef idx="minor">
+            <a:schemeClr val="tx1"/>
+          </a:fontRef>
+        </p:style>
+      </p:cxnSp>
+      <p:cxnSp>
+        <p:nvCxnSpPr>
+          <p:cNvPr id="24" name="Straight Connector 23">
+            <a:extLst>
+              <a:ext uri="{FF2B5EF4-FFF2-40B4-BE49-F238E27FC236}">
+                <a16:creationId xmlns:a16="http://schemas.microsoft.com/office/drawing/2014/main" id="{62763CC5-9548-4ED8-9050-FDB58B2ED772}"/>
+              </a:ext>
+            </a:extLst>
+          </p:cNvPr>
+          <p:cNvCxnSpPr>
+            <a:cxnSpLocks/>
+          </p:cNvCxnSpPr>
+          <p:nvPr/>
+        </p:nvCxnSpPr>
+        <p:spPr>
+          <a:xfrm>
+            <a:off x="5335105" y="1124668"/>
+            <a:ext cx="152012" cy="192153"/>
+          </a:xfrm>
+          <a:prstGeom prst="line">
+            <a:avLst/>
+          </a:prstGeom>
+          <a:ln w="28575"/>
+        </p:spPr>
+        <p:style>
+          <a:lnRef idx="1">
+            <a:schemeClr val="dk1"/>
+          </a:lnRef>
+          <a:fillRef idx="0">
+            <a:schemeClr val="dk1"/>
+          </a:fillRef>
+          <a:effectRef idx="0">
+            <a:schemeClr val="dk1"/>
+          </a:effectRef>
+          <a:fontRef idx="minor">
+            <a:schemeClr val="tx1"/>
+          </a:fontRef>
+        </p:style>
+      </p:cxnSp>
+      <p:cxnSp>
+        <p:nvCxnSpPr>
+          <p:cNvPr id="25" name="Straight Connector 24">
+            <a:extLst>
+              <a:ext uri="{FF2B5EF4-FFF2-40B4-BE49-F238E27FC236}">
+                <a16:creationId xmlns:a16="http://schemas.microsoft.com/office/drawing/2014/main" id="{9B34E9ED-F199-45D5-BF89-07A2E385EDD7}"/>
+              </a:ext>
+            </a:extLst>
+          </p:cNvPr>
+          <p:cNvCxnSpPr>
+            <a:cxnSpLocks/>
+          </p:cNvCxnSpPr>
+          <p:nvPr/>
+        </p:nvCxnSpPr>
+        <p:spPr>
+          <a:xfrm>
+            <a:off x="5338611" y="932510"/>
+            <a:ext cx="152012" cy="192153"/>
+          </a:xfrm>
+          <a:prstGeom prst="line">
+            <a:avLst/>
+          </a:prstGeom>
+          <a:ln w="28575"/>
+        </p:spPr>
+        <p:style>
+          <a:lnRef idx="1">
+            <a:schemeClr val="dk1"/>
+          </a:lnRef>
+          <a:fillRef idx="0">
+            <a:schemeClr val="dk1"/>
+          </a:fillRef>
+          <a:effectRef idx="0">
+            <a:schemeClr val="dk1"/>
+          </a:effectRef>
+          <a:fontRef idx="minor">
+            <a:schemeClr val="tx1"/>
+          </a:fontRef>
+        </p:style>
+      </p:cxnSp>
+      <p:cxnSp>
+        <p:nvCxnSpPr>
+          <p:cNvPr id="26" name="Straight Connector 25">
+            <a:extLst>
+              <a:ext uri="{FF2B5EF4-FFF2-40B4-BE49-F238E27FC236}">
+                <a16:creationId xmlns:a16="http://schemas.microsoft.com/office/drawing/2014/main" id="{5D839CA5-430A-4C74-A5FF-C795607A14C3}"/>
+              </a:ext>
+            </a:extLst>
+          </p:cNvPr>
+          <p:cNvCxnSpPr>
+            <a:cxnSpLocks/>
+          </p:cNvCxnSpPr>
+          <p:nvPr/>
+        </p:nvCxnSpPr>
+        <p:spPr>
+          <a:xfrm>
+            <a:off x="5342515" y="846309"/>
+            <a:ext cx="152012" cy="192153"/>
+          </a:xfrm>
+          <a:prstGeom prst="line">
+            <a:avLst/>
+          </a:prstGeom>
+          <a:ln w="28575"/>
+        </p:spPr>
+        <p:style>
+          <a:lnRef idx="1">
+            <a:schemeClr val="dk1"/>
+          </a:lnRef>
+          <a:fillRef idx="0">
+            <a:schemeClr val="dk1"/>
+          </a:fillRef>
+          <a:effectRef idx="0">
+            <a:schemeClr val="dk1"/>
+          </a:effectRef>
+          <a:fontRef idx="minor">
+            <a:schemeClr val="tx1"/>
+          </a:fontRef>
+        </p:style>
+      </p:cxnSp>
+      <p:cxnSp>
+        <p:nvCxnSpPr>
+          <p:cNvPr id="27" name="Straight Connector 26">
+            <a:extLst>
+              <a:ext uri="{FF2B5EF4-FFF2-40B4-BE49-F238E27FC236}">
+                <a16:creationId xmlns:a16="http://schemas.microsoft.com/office/drawing/2014/main" id="{21FDF02E-4BC8-494A-848D-27DA539FC845}"/>
+              </a:ext>
+            </a:extLst>
+          </p:cNvPr>
+          <p:cNvCxnSpPr>
+            <a:cxnSpLocks/>
+          </p:cNvCxnSpPr>
+          <p:nvPr/>
+        </p:nvCxnSpPr>
+        <p:spPr>
+          <a:xfrm>
+            <a:off x="5492310" y="1968019"/>
+            <a:ext cx="0" cy="331305"/>
+          </a:xfrm>
+          <a:prstGeom prst="line">
+            <a:avLst/>
+          </a:prstGeom>
+          <a:ln w="28575"/>
+        </p:spPr>
+        <p:style>
+          <a:lnRef idx="1">
+            <a:schemeClr val="dk1"/>
+          </a:lnRef>
+          <a:fillRef idx="0">
+            <a:schemeClr val="dk1"/>
+          </a:fillRef>
+          <a:effectRef idx="0">
+            <a:schemeClr val="dk1"/>
+          </a:effectRef>
+          <a:fontRef idx="minor">
+            <a:schemeClr val="tx1"/>
+          </a:fontRef>
+        </p:style>
+      </p:cxnSp>
+      <p:cxnSp>
+        <p:nvCxnSpPr>
+          <p:cNvPr id="28" name="Straight Connector 27">
+            <a:extLst>
+              <a:ext uri="{FF2B5EF4-FFF2-40B4-BE49-F238E27FC236}">
+                <a16:creationId xmlns:a16="http://schemas.microsoft.com/office/drawing/2014/main" id="{97EEDD82-DCF6-494C-A361-3EE13F322914}"/>
+              </a:ext>
+            </a:extLst>
+          </p:cNvPr>
+          <p:cNvCxnSpPr>
+            <a:cxnSpLocks/>
+          </p:cNvCxnSpPr>
+          <p:nvPr/>
+        </p:nvCxnSpPr>
+        <p:spPr>
+          <a:xfrm>
+            <a:off x="5329060" y="1981262"/>
+            <a:ext cx="152012" cy="192153"/>
+          </a:xfrm>
+          <a:prstGeom prst="line">
+            <a:avLst/>
+          </a:prstGeom>
+          <a:ln w="28575"/>
+        </p:spPr>
+        <p:style>
+          <a:lnRef idx="1">
+            <a:schemeClr val="dk1"/>
+          </a:lnRef>
+          <a:fillRef idx="0">
+            <a:schemeClr val="dk1"/>
+          </a:fillRef>
+          <a:effectRef idx="0">
+            <a:schemeClr val="dk1"/>
+          </a:effectRef>
+          <a:fontRef idx="minor">
+            <a:schemeClr val="tx1"/>
+          </a:fontRef>
+        </p:style>
+      </p:cxnSp>
+      <p:cxnSp>
+        <p:nvCxnSpPr>
+          <p:cNvPr id="29" name="Straight Connector 28">
+            <a:extLst>
+              <a:ext uri="{FF2B5EF4-FFF2-40B4-BE49-F238E27FC236}">
+                <a16:creationId xmlns:a16="http://schemas.microsoft.com/office/drawing/2014/main" id="{36BC44EB-44DB-4795-89CD-9583811B8A26}"/>
+              </a:ext>
+            </a:extLst>
+          </p:cNvPr>
+          <p:cNvCxnSpPr>
+            <a:cxnSpLocks/>
+          </p:cNvCxnSpPr>
+          <p:nvPr/>
+        </p:nvCxnSpPr>
+        <p:spPr>
+          <a:xfrm>
+            <a:off x="5329059" y="2077343"/>
+            <a:ext cx="152012" cy="192153"/>
+          </a:xfrm>
+          <a:prstGeom prst="line">
+            <a:avLst/>
+          </a:prstGeom>
+          <a:ln w="28575"/>
+        </p:spPr>
+        <p:style>
+          <a:lnRef idx="1">
+            <a:schemeClr val="dk1"/>
+          </a:lnRef>
+          <a:fillRef idx="0">
+            <a:schemeClr val="dk1"/>
+          </a:fillRef>
+          <a:effectRef idx="0">
+            <a:schemeClr val="dk1"/>
+          </a:effectRef>
+          <a:fontRef idx="minor">
+            <a:schemeClr val="tx1"/>
+          </a:fontRef>
+        </p:style>
+      </p:cxnSp>
+      <p:cxnSp>
+        <p:nvCxnSpPr>
+          <p:cNvPr id="30" name="Straight Connector 29">
+            <a:extLst>
+              <a:ext uri="{FF2B5EF4-FFF2-40B4-BE49-F238E27FC236}">
+                <a16:creationId xmlns:a16="http://schemas.microsoft.com/office/drawing/2014/main" id="{D7F5450C-B3BE-45A4-B155-7CA740F216EA}"/>
+              </a:ext>
+            </a:extLst>
+          </p:cNvPr>
+          <p:cNvCxnSpPr>
+            <a:cxnSpLocks/>
+          </p:cNvCxnSpPr>
+          <p:nvPr/>
+        </p:nvCxnSpPr>
+        <p:spPr>
+          <a:xfrm>
+            <a:off x="5332565" y="1885185"/>
+            <a:ext cx="152012" cy="192153"/>
+          </a:xfrm>
+          <a:prstGeom prst="line">
+            <a:avLst/>
+          </a:prstGeom>
+          <a:ln w="28575"/>
+        </p:spPr>
+        <p:style>
+          <a:lnRef idx="1">
+            <a:schemeClr val="dk1"/>
+          </a:lnRef>
+          <a:fillRef idx="0">
+            <a:schemeClr val="dk1"/>
+          </a:fillRef>
+          <a:effectRef idx="0">
+            <a:schemeClr val="dk1"/>
+          </a:effectRef>
+          <a:fontRef idx="minor">
+            <a:schemeClr val="tx1"/>
+          </a:fontRef>
+        </p:style>
+      </p:cxnSp>
+      <p:cxnSp>
+        <p:nvCxnSpPr>
+          <p:cNvPr id="31" name="Straight Connector 30">
+            <a:extLst>
+              <a:ext uri="{FF2B5EF4-FFF2-40B4-BE49-F238E27FC236}">
+                <a16:creationId xmlns:a16="http://schemas.microsoft.com/office/drawing/2014/main" id="{D1933572-53FF-4B1D-9135-0973CF97FA12}"/>
+              </a:ext>
+            </a:extLst>
+          </p:cNvPr>
+          <p:cNvCxnSpPr>
+            <a:cxnSpLocks/>
+          </p:cNvCxnSpPr>
+          <p:nvPr/>
+        </p:nvCxnSpPr>
+        <p:spPr>
+          <a:xfrm>
+            <a:off x="5336469" y="1798984"/>
+            <a:ext cx="152012" cy="192153"/>
+          </a:xfrm>
+          <a:prstGeom prst="line">
+            <a:avLst/>
+          </a:prstGeom>
+          <a:ln w="28575"/>
+        </p:spPr>
+        <p:style>
+          <a:lnRef idx="1">
+            <a:schemeClr val="dk1"/>
+          </a:lnRef>
+          <a:fillRef idx="0">
+            <a:schemeClr val="dk1"/>
+          </a:fillRef>
+          <a:effectRef idx="0">
+            <a:schemeClr val="dk1"/>
+          </a:effectRef>
+          <a:fontRef idx="minor">
+            <a:schemeClr val="tx1"/>
+          </a:fontRef>
+        </p:style>
+      </p:cxnSp>
+      <p:cxnSp>
+        <p:nvCxnSpPr>
+          <p:cNvPr id="32" name="Straight Connector 31">
+            <a:extLst>
+              <a:ext uri="{FF2B5EF4-FFF2-40B4-BE49-F238E27FC236}">
+                <a16:creationId xmlns:a16="http://schemas.microsoft.com/office/drawing/2014/main" id="{55A049B3-751A-43B1-8C30-DD6333179903}"/>
+              </a:ext>
+            </a:extLst>
+          </p:cNvPr>
+          <p:cNvCxnSpPr>
+            <a:cxnSpLocks/>
+          </p:cNvCxnSpPr>
+          <p:nvPr/>
+        </p:nvCxnSpPr>
+        <p:spPr>
+          <a:xfrm>
+            <a:off x="5492107" y="2966210"/>
+            <a:ext cx="0" cy="331305"/>
+          </a:xfrm>
+          <a:prstGeom prst="line">
+            <a:avLst/>
+          </a:prstGeom>
+          <a:ln w="28575"/>
+        </p:spPr>
+        <p:style>
+          <a:lnRef idx="1">
+            <a:schemeClr val="dk1"/>
+          </a:lnRef>
+          <a:fillRef idx="0">
+            <a:schemeClr val="dk1"/>
+          </a:fillRef>
+          <a:effectRef idx="0">
+            <a:schemeClr val="dk1"/>
+          </a:effectRef>
+          <a:fontRef idx="minor">
+            <a:schemeClr val="tx1"/>
+          </a:fontRef>
+        </p:style>
+      </p:cxnSp>
+      <p:cxnSp>
+        <p:nvCxnSpPr>
+          <p:cNvPr id="33" name="Straight Connector 32">
+            <a:extLst>
+              <a:ext uri="{FF2B5EF4-FFF2-40B4-BE49-F238E27FC236}">
+                <a16:creationId xmlns:a16="http://schemas.microsoft.com/office/drawing/2014/main" id="{346418EE-B560-4CAC-9D8F-4E8C9D0A16D0}"/>
+              </a:ext>
+            </a:extLst>
+          </p:cNvPr>
+          <p:cNvCxnSpPr>
+            <a:cxnSpLocks/>
+          </p:cNvCxnSpPr>
+          <p:nvPr/>
+        </p:nvCxnSpPr>
+        <p:spPr>
+          <a:xfrm>
+            <a:off x="5328857" y="2979453"/>
+            <a:ext cx="152012" cy="192153"/>
+          </a:xfrm>
+          <a:prstGeom prst="line">
+            <a:avLst/>
+          </a:prstGeom>
+          <a:ln w="28575"/>
+        </p:spPr>
+        <p:style>
+          <a:lnRef idx="1">
+            <a:schemeClr val="dk1"/>
+          </a:lnRef>
+          <a:fillRef idx="0">
+            <a:schemeClr val="dk1"/>
+          </a:fillRef>
+          <a:effectRef idx="0">
+            <a:schemeClr val="dk1"/>
+          </a:effectRef>
+          <a:fontRef idx="minor">
+            <a:schemeClr val="tx1"/>
+          </a:fontRef>
+        </p:style>
+      </p:cxnSp>
+      <p:cxnSp>
+        <p:nvCxnSpPr>
+          <p:cNvPr id="34" name="Straight Connector 33">
+            <a:extLst>
+              <a:ext uri="{FF2B5EF4-FFF2-40B4-BE49-F238E27FC236}">
+                <a16:creationId xmlns:a16="http://schemas.microsoft.com/office/drawing/2014/main" id="{0ED39C11-D4A8-4C7B-9309-12B60A43CB33}"/>
+              </a:ext>
+            </a:extLst>
+          </p:cNvPr>
+          <p:cNvCxnSpPr>
+            <a:cxnSpLocks/>
+          </p:cNvCxnSpPr>
+          <p:nvPr/>
+        </p:nvCxnSpPr>
+        <p:spPr>
+          <a:xfrm>
+            <a:off x="5328856" y="3075534"/>
+            <a:ext cx="152012" cy="192153"/>
+          </a:xfrm>
+          <a:prstGeom prst="line">
+            <a:avLst/>
+          </a:prstGeom>
+          <a:ln w="28575"/>
+        </p:spPr>
+        <p:style>
+          <a:lnRef idx="1">
+            <a:schemeClr val="dk1"/>
+          </a:lnRef>
+          <a:fillRef idx="0">
+            <a:schemeClr val="dk1"/>
+          </a:fillRef>
+          <a:effectRef idx="0">
+            <a:schemeClr val="dk1"/>
+          </a:effectRef>
+          <a:fontRef idx="minor">
+            <a:schemeClr val="tx1"/>
+          </a:fontRef>
+        </p:style>
+      </p:cxnSp>
+      <p:cxnSp>
+        <p:nvCxnSpPr>
+          <p:cNvPr id="35" name="Straight Connector 34">
+            <a:extLst>
+              <a:ext uri="{FF2B5EF4-FFF2-40B4-BE49-F238E27FC236}">
+                <a16:creationId xmlns:a16="http://schemas.microsoft.com/office/drawing/2014/main" id="{5E718894-FAF2-4C1E-82D2-69B9713E0CFD}"/>
+              </a:ext>
+            </a:extLst>
+          </p:cNvPr>
+          <p:cNvCxnSpPr>
+            <a:cxnSpLocks/>
+          </p:cNvCxnSpPr>
+          <p:nvPr/>
+        </p:nvCxnSpPr>
+        <p:spPr>
+          <a:xfrm>
+            <a:off x="5332362" y="2883376"/>
+            <a:ext cx="152012" cy="192153"/>
+          </a:xfrm>
+          <a:prstGeom prst="line">
+            <a:avLst/>
+          </a:prstGeom>
+          <a:ln w="28575"/>
+        </p:spPr>
+        <p:style>
+          <a:lnRef idx="1">
+            <a:schemeClr val="dk1"/>
+          </a:lnRef>
+          <a:fillRef idx="0">
+            <a:schemeClr val="dk1"/>
+          </a:fillRef>
+          <a:effectRef idx="0">
+            <a:schemeClr val="dk1"/>
+          </a:effectRef>
+          <a:fontRef idx="minor">
+            <a:schemeClr val="tx1"/>
+          </a:fontRef>
+        </p:style>
+      </p:cxnSp>
+      <p:cxnSp>
+        <p:nvCxnSpPr>
+          <p:cNvPr id="36" name="Straight Connector 35">
+            <a:extLst>
+              <a:ext uri="{FF2B5EF4-FFF2-40B4-BE49-F238E27FC236}">
+                <a16:creationId xmlns:a16="http://schemas.microsoft.com/office/drawing/2014/main" id="{9CDD8C86-2D96-4BC5-9A1E-E5A6540D8D99}"/>
+              </a:ext>
+            </a:extLst>
+          </p:cNvPr>
+          <p:cNvCxnSpPr>
+            <a:cxnSpLocks/>
+          </p:cNvCxnSpPr>
+          <p:nvPr/>
+        </p:nvCxnSpPr>
+        <p:spPr>
+          <a:xfrm>
+            <a:off x="5336266" y="2797175"/>
+            <a:ext cx="152012" cy="192153"/>
+          </a:xfrm>
+          <a:prstGeom prst="line">
+            <a:avLst/>
+          </a:prstGeom>
+          <a:ln w="28575"/>
+        </p:spPr>
+        <p:style>
+          <a:lnRef idx="1">
+            <a:schemeClr val="dk1"/>
+          </a:lnRef>
+          <a:fillRef idx="0">
+            <a:schemeClr val="dk1"/>
+          </a:fillRef>
+          <a:effectRef idx="0">
+            <a:schemeClr val="dk1"/>
+          </a:effectRef>
+          <a:fontRef idx="minor">
+            <a:schemeClr val="tx1"/>
+          </a:fontRef>
+        </p:style>
+      </p:cxnSp>
+      <p:cxnSp>
+        <p:nvCxnSpPr>
+          <p:cNvPr id="37" name="Straight Connector 36">
+            <a:extLst>
+              <a:ext uri="{FF2B5EF4-FFF2-40B4-BE49-F238E27FC236}">
+                <a16:creationId xmlns:a16="http://schemas.microsoft.com/office/drawing/2014/main" id="{0D81CE11-ED3B-4CBB-BAF7-382F6643C054}"/>
+              </a:ext>
+            </a:extLst>
+          </p:cNvPr>
+          <p:cNvCxnSpPr>
+            <a:cxnSpLocks/>
+          </p:cNvCxnSpPr>
+          <p:nvPr/>
+        </p:nvCxnSpPr>
+        <p:spPr>
+          <a:xfrm>
+            <a:off x="5502627" y="3910890"/>
+            <a:ext cx="0" cy="331305"/>
+          </a:xfrm>
+          <a:prstGeom prst="line">
+            <a:avLst/>
+          </a:prstGeom>
+          <a:ln w="28575"/>
+        </p:spPr>
+        <p:style>
+          <a:lnRef idx="1">
+            <a:schemeClr val="dk1"/>
+          </a:lnRef>
+          <a:fillRef idx="0">
+            <a:schemeClr val="dk1"/>
+          </a:fillRef>
+          <a:effectRef idx="0">
+            <a:schemeClr val="dk1"/>
+          </a:effectRef>
+          <a:fontRef idx="minor">
+            <a:schemeClr val="tx1"/>
+          </a:fontRef>
+        </p:style>
+      </p:cxnSp>
+      <p:cxnSp>
+        <p:nvCxnSpPr>
+          <p:cNvPr id="38" name="Straight Connector 37">
+            <a:extLst>
+              <a:ext uri="{FF2B5EF4-FFF2-40B4-BE49-F238E27FC236}">
+                <a16:creationId xmlns:a16="http://schemas.microsoft.com/office/drawing/2014/main" id="{B985C9C8-3EFC-40F3-AB45-46FA92B5E7EA}"/>
+              </a:ext>
+            </a:extLst>
+          </p:cNvPr>
+          <p:cNvCxnSpPr>
+            <a:cxnSpLocks/>
+          </p:cNvCxnSpPr>
+          <p:nvPr/>
+        </p:nvCxnSpPr>
+        <p:spPr>
+          <a:xfrm>
+            <a:off x="5339377" y="3924133"/>
+            <a:ext cx="152012" cy="192153"/>
+          </a:xfrm>
+          <a:prstGeom prst="line">
+            <a:avLst/>
+          </a:prstGeom>
+          <a:ln w="28575"/>
+        </p:spPr>
+        <p:style>
+          <a:lnRef idx="1">
+            <a:schemeClr val="dk1"/>
+          </a:lnRef>
+          <a:fillRef idx="0">
+            <a:schemeClr val="dk1"/>
+          </a:fillRef>
+          <a:effectRef idx="0">
+            <a:schemeClr val="dk1"/>
+          </a:effectRef>
+          <a:fontRef idx="minor">
+            <a:schemeClr val="tx1"/>
+          </a:fontRef>
+        </p:style>
+      </p:cxnSp>
+      <p:cxnSp>
+        <p:nvCxnSpPr>
+          <p:cNvPr id="39" name="Straight Connector 38">
+            <a:extLst>
+              <a:ext uri="{FF2B5EF4-FFF2-40B4-BE49-F238E27FC236}">
+                <a16:creationId xmlns:a16="http://schemas.microsoft.com/office/drawing/2014/main" id="{F7140FE5-FA5C-425C-A86F-A6F50AEB66DA}"/>
+              </a:ext>
+            </a:extLst>
+          </p:cNvPr>
+          <p:cNvCxnSpPr>
+            <a:cxnSpLocks/>
+          </p:cNvCxnSpPr>
+          <p:nvPr/>
+        </p:nvCxnSpPr>
+        <p:spPr>
+          <a:xfrm>
+            <a:off x="5339376" y="4020214"/>
+            <a:ext cx="152012" cy="192153"/>
+          </a:xfrm>
+          <a:prstGeom prst="line">
+            <a:avLst/>
+          </a:prstGeom>
+          <a:ln w="28575"/>
+        </p:spPr>
+        <p:style>
+          <a:lnRef idx="1">
+            <a:schemeClr val="dk1"/>
+          </a:lnRef>
+          <a:fillRef idx="0">
+            <a:schemeClr val="dk1"/>
+          </a:fillRef>
+          <a:effectRef idx="0">
+            <a:schemeClr val="dk1"/>
+          </a:effectRef>
+          <a:fontRef idx="minor">
+            <a:schemeClr val="tx1"/>
+          </a:fontRef>
+        </p:style>
+      </p:cxnSp>
+      <p:cxnSp>
+        <p:nvCxnSpPr>
+          <p:cNvPr id="40" name="Straight Connector 39">
+            <a:extLst>
+              <a:ext uri="{FF2B5EF4-FFF2-40B4-BE49-F238E27FC236}">
+                <a16:creationId xmlns:a16="http://schemas.microsoft.com/office/drawing/2014/main" id="{AD56DC26-E08D-4603-8EA8-B44FE534CE06}"/>
+              </a:ext>
+            </a:extLst>
+          </p:cNvPr>
+          <p:cNvCxnSpPr>
+            <a:cxnSpLocks/>
+          </p:cNvCxnSpPr>
+          <p:nvPr/>
+        </p:nvCxnSpPr>
+        <p:spPr>
+          <a:xfrm>
+            <a:off x="5342882" y="3828056"/>
+            <a:ext cx="152012" cy="192153"/>
+          </a:xfrm>
+          <a:prstGeom prst="line">
+            <a:avLst/>
+          </a:prstGeom>
+          <a:ln w="28575"/>
+        </p:spPr>
+        <p:style>
+          <a:lnRef idx="1">
+            <a:schemeClr val="dk1"/>
+          </a:lnRef>
+          <a:fillRef idx="0">
+            <a:schemeClr val="dk1"/>
+          </a:fillRef>
+          <a:effectRef idx="0">
+            <a:schemeClr val="dk1"/>
+          </a:effectRef>
+          <a:fontRef idx="minor">
+            <a:schemeClr val="tx1"/>
+          </a:fontRef>
+        </p:style>
+      </p:cxnSp>
+      <p:cxnSp>
+        <p:nvCxnSpPr>
+          <p:cNvPr id="41" name="Straight Connector 40">
+            <a:extLst>
+              <a:ext uri="{FF2B5EF4-FFF2-40B4-BE49-F238E27FC236}">
+                <a16:creationId xmlns:a16="http://schemas.microsoft.com/office/drawing/2014/main" id="{DF6B834E-80EF-4944-B748-421F9ECCDB51}"/>
+              </a:ext>
+            </a:extLst>
+          </p:cNvPr>
+          <p:cNvCxnSpPr>
+            <a:cxnSpLocks/>
+          </p:cNvCxnSpPr>
+          <p:nvPr/>
+        </p:nvCxnSpPr>
+        <p:spPr>
+          <a:xfrm>
+            <a:off x="5346786" y="3741855"/>
+            <a:ext cx="152012" cy="192153"/>
+          </a:xfrm>
+          <a:prstGeom prst="line">
+            <a:avLst/>
+          </a:prstGeom>
+          <a:ln w="28575"/>
+        </p:spPr>
+        <p:style>
+          <a:lnRef idx="1">
+            <a:schemeClr val="dk1"/>
+          </a:lnRef>
+          <a:fillRef idx="0">
+            <a:schemeClr val="dk1"/>
+          </a:fillRef>
+          <a:effectRef idx="0">
+            <a:schemeClr val="dk1"/>
+          </a:effectRef>
+          <a:fontRef idx="minor">
+            <a:schemeClr val="tx1"/>
+          </a:fontRef>
+        </p:style>
+      </p:cxnSp>
+      <p:cxnSp>
+        <p:nvCxnSpPr>
+          <p:cNvPr id="42" name="Straight Connector 41">
+            <a:extLst>
+              <a:ext uri="{FF2B5EF4-FFF2-40B4-BE49-F238E27FC236}">
+                <a16:creationId xmlns:a16="http://schemas.microsoft.com/office/drawing/2014/main" id="{AE354F1A-7A88-40BE-8F7E-1FEA7B533480}"/>
+              </a:ext>
+            </a:extLst>
+          </p:cNvPr>
+          <p:cNvCxnSpPr>
+            <a:cxnSpLocks/>
+          </p:cNvCxnSpPr>
+          <p:nvPr/>
+        </p:nvCxnSpPr>
+        <p:spPr>
+          <a:xfrm>
+            <a:off x="5506456" y="4863939"/>
+            <a:ext cx="0" cy="331305"/>
+          </a:xfrm>
+          <a:prstGeom prst="line">
+            <a:avLst/>
+          </a:prstGeom>
+          <a:ln w="28575"/>
+        </p:spPr>
+        <p:style>
+          <a:lnRef idx="1">
+            <a:schemeClr val="dk1"/>
+          </a:lnRef>
+          <a:fillRef idx="0">
+            <a:schemeClr val="dk1"/>
+          </a:fillRef>
+          <a:effectRef idx="0">
+            <a:schemeClr val="dk1"/>
+          </a:effectRef>
+          <a:fontRef idx="minor">
+            <a:schemeClr val="tx1"/>
+          </a:fontRef>
+        </p:style>
+      </p:cxnSp>
+      <p:cxnSp>
+        <p:nvCxnSpPr>
+          <p:cNvPr id="43" name="Straight Connector 42">
+            <a:extLst>
+              <a:ext uri="{FF2B5EF4-FFF2-40B4-BE49-F238E27FC236}">
+                <a16:creationId xmlns:a16="http://schemas.microsoft.com/office/drawing/2014/main" id="{43313B51-0ADF-4F7F-8F82-403E4A351D98}"/>
+              </a:ext>
+            </a:extLst>
+          </p:cNvPr>
+          <p:cNvCxnSpPr>
+            <a:cxnSpLocks/>
+          </p:cNvCxnSpPr>
+          <p:nvPr/>
+        </p:nvCxnSpPr>
+        <p:spPr>
+          <a:xfrm>
+            <a:off x="5343206" y="4877182"/>
+            <a:ext cx="152012" cy="192153"/>
+          </a:xfrm>
+          <a:prstGeom prst="line">
+            <a:avLst/>
+          </a:prstGeom>
+          <a:ln w="28575"/>
+        </p:spPr>
+        <p:style>
+          <a:lnRef idx="1">
+            <a:schemeClr val="dk1"/>
+          </a:lnRef>
+          <a:fillRef idx="0">
+            <a:schemeClr val="dk1"/>
+          </a:fillRef>
+          <a:effectRef idx="0">
+            <a:schemeClr val="dk1"/>
+          </a:effectRef>
+          <a:fontRef idx="minor">
+            <a:schemeClr val="tx1"/>
+          </a:fontRef>
+        </p:style>
+      </p:cxnSp>
+      <p:cxnSp>
+        <p:nvCxnSpPr>
+          <p:cNvPr id="44" name="Straight Connector 43">
+            <a:extLst>
+              <a:ext uri="{FF2B5EF4-FFF2-40B4-BE49-F238E27FC236}">
+                <a16:creationId xmlns:a16="http://schemas.microsoft.com/office/drawing/2014/main" id="{7FDCBC3D-14C8-4FFF-B195-D31EDD3E51A4}"/>
+              </a:ext>
+            </a:extLst>
+          </p:cNvPr>
+          <p:cNvCxnSpPr>
+            <a:cxnSpLocks/>
+          </p:cNvCxnSpPr>
+          <p:nvPr/>
+        </p:nvCxnSpPr>
+        <p:spPr>
+          <a:xfrm>
+            <a:off x="5343205" y="4973263"/>
+            <a:ext cx="152012" cy="192153"/>
+          </a:xfrm>
+          <a:prstGeom prst="line">
+            <a:avLst/>
+          </a:prstGeom>
+          <a:ln w="28575"/>
+        </p:spPr>
+        <p:style>
+          <a:lnRef idx="1">
+            <a:schemeClr val="dk1"/>
+          </a:lnRef>
+          <a:fillRef idx="0">
+            <a:schemeClr val="dk1"/>
+          </a:fillRef>
+          <a:effectRef idx="0">
+            <a:schemeClr val="dk1"/>
+          </a:effectRef>
+          <a:fontRef idx="minor">
+            <a:schemeClr val="tx1"/>
+          </a:fontRef>
+        </p:style>
+      </p:cxnSp>
+      <p:cxnSp>
+        <p:nvCxnSpPr>
+          <p:cNvPr id="45" name="Straight Connector 44">
+            <a:extLst>
+              <a:ext uri="{FF2B5EF4-FFF2-40B4-BE49-F238E27FC236}">
+                <a16:creationId xmlns:a16="http://schemas.microsoft.com/office/drawing/2014/main" id="{B224EC01-2E45-460F-8318-D5BD6F472BDA}"/>
+              </a:ext>
+            </a:extLst>
+          </p:cNvPr>
+          <p:cNvCxnSpPr>
+            <a:cxnSpLocks/>
+          </p:cNvCxnSpPr>
+          <p:nvPr/>
+        </p:nvCxnSpPr>
+        <p:spPr>
+          <a:xfrm>
+            <a:off x="5346711" y="4781105"/>
+            <a:ext cx="152012" cy="192153"/>
+          </a:xfrm>
+          <a:prstGeom prst="line">
+            <a:avLst/>
+          </a:prstGeom>
+          <a:ln w="28575"/>
+        </p:spPr>
+        <p:style>
+          <a:lnRef idx="1">
+            <a:schemeClr val="dk1"/>
+          </a:lnRef>
+          <a:fillRef idx="0">
+            <a:schemeClr val="dk1"/>
+          </a:fillRef>
+          <a:effectRef idx="0">
+            <a:schemeClr val="dk1"/>
+          </a:effectRef>
+          <a:fontRef idx="minor">
+            <a:schemeClr val="tx1"/>
+          </a:fontRef>
+        </p:style>
+      </p:cxnSp>
+      <p:cxnSp>
+        <p:nvCxnSpPr>
+          <p:cNvPr id="46" name="Straight Connector 45">
+            <a:extLst>
+              <a:ext uri="{FF2B5EF4-FFF2-40B4-BE49-F238E27FC236}">
+                <a16:creationId xmlns:a16="http://schemas.microsoft.com/office/drawing/2014/main" id="{3DA2C26A-31B6-44C0-9E58-89D14BB69675}"/>
+              </a:ext>
+            </a:extLst>
+          </p:cNvPr>
+          <p:cNvCxnSpPr>
+            <a:cxnSpLocks/>
+          </p:cNvCxnSpPr>
+          <p:nvPr/>
+        </p:nvCxnSpPr>
+        <p:spPr>
+          <a:xfrm>
+            <a:off x="5350615" y="4694904"/>
+            <a:ext cx="152012" cy="192153"/>
+          </a:xfrm>
+          <a:prstGeom prst="line">
+            <a:avLst/>
+          </a:prstGeom>
+          <a:ln w="28575"/>
+        </p:spPr>
+        <p:style>
+          <a:lnRef idx="1">
+            <a:schemeClr val="dk1"/>
+          </a:lnRef>
+          <a:fillRef idx="0">
+            <a:schemeClr val="dk1"/>
+          </a:fillRef>
+          <a:effectRef idx="0">
+            <a:schemeClr val="dk1"/>
+          </a:effectRef>
+          <a:fontRef idx="minor">
+            <a:schemeClr val="tx1"/>
+          </a:fontRef>
+        </p:style>
+      </p:cxnSp>
+      <p:cxnSp>
+        <p:nvCxnSpPr>
+          <p:cNvPr id="48" name="Straight Connector 47">
+            <a:extLst>
+              <a:ext uri="{FF2B5EF4-FFF2-40B4-BE49-F238E27FC236}">
+                <a16:creationId xmlns:a16="http://schemas.microsoft.com/office/drawing/2014/main" id="{9E45849C-AA51-4D56-9DE9-3547836B87DE}"/>
+              </a:ext>
+            </a:extLst>
+          </p:cNvPr>
+          <p:cNvCxnSpPr>
+            <a:cxnSpLocks/>
+          </p:cNvCxnSpPr>
+          <p:nvPr/>
+        </p:nvCxnSpPr>
+        <p:spPr>
+          <a:xfrm>
+            <a:off x="5897220" y="3879121"/>
+            <a:ext cx="397560" cy="0"/>
+          </a:xfrm>
+          <a:prstGeom prst="line">
+            <a:avLst/>
+          </a:prstGeom>
+          <a:ln w="28575">
+            <a:solidFill>
+              <a:schemeClr val="tx1"/>
+            </a:solidFill>
+          </a:ln>
+        </p:spPr>
+        <p:style>
+          <a:lnRef idx="1">
+            <a:schemeClr val="dk1"/>
+          </a:lnRef>
+          <a:fillRef idx="0">
+            <a:schemeClr val="dk1"/>
+          </a:fillRef>
+          <a:effectRef idx="0">
+            <a:schemeClr val="dk1"/>
+          </a:effectRef>
+          <a:fontRef idx="minor">
+            <a:schemeClr val="tx1"/>
+          </a:fontRef>
+        </p:style>
+      </p:cxnSp>
+      <p:cxnSp>
+        <p:nvCxnSpPr>
+          <p:cNvPr id="53" name="Straight Connector 52">
+            <a:extLst>
+              <a:ext uri="{FF2B5EF4-FFF2-40B4-BE49-F238E27FC236}">
+                <a16:creationId xmlns:a16="http://schemas.microsoft.com/office/drawing/2014/main" id="{814E3115-8A82-4EE1-B77F-795D813FB555}"/>
+              </a:ext>
+            </a:extLst>
+          </p:cNvPr>
+          <p:cNvCxnSpPr/>
+          <p:nvPr/>
+        </p:nvCxnSpPr>
+        <p:spPr>
+          <a:xfrm flipV="1">
+            <a:off x="6294780" y="649357"/>
+            <a:ext cx="0" cy="347828"/>
+          </a:xfrm>
+          <a:prstGeom prst="line">
+            <a:avLst/>
+          </a:prstGeom>
+          <a:ln w="19050">
+            <a:solidFill>
+              <a:schemeClr val="tx1"/>
+            </a:solidFill>
+          </a:ln>
+        </p:spPr>
+        <p:style>
+          <a:lnRef idx="1">
+            <a:schemeClr val="dk1"/>
+          </a:lnRef>
+          <a:fillRef idx="0">
+            <a:schemeClr val="dk1"/>
+          </a:fillRef>
+          <a:effectRef idx="0">
+            <a:schemeClr val="dk1"/>
+          </a:effectRef>
+          <a:fontRef idx="minor">
+            <a:schemeClr val="tx1"/>
+          </a:fontRef>
+        </p:style>
+      </p:cxnSp>
+      <p:cxnSp>
+        <p:nvCxnSpPr>
+          <p:cNvPr id="54" name="Straight Connector 53">
+            <a:extLst>
+              <a:ext uri="{FF2B5EF4-FFF2-40B4-BE49-F238E27FC236}">
+                <a16:creationId xmlns:a16="http://schemas.microsoft.com/office/drawing/2014/main" id="{58A948A5-D170-4098-95EA-7897B4441410}"/>
+              </a:ext>
+            </a:extLst>
+          </p:cNvPr>
+          <p:cNvCxnSpPr/>
+          <p:nvPr/>
+        </p:nvCxnSpPr>
+        <p:spPr>
+          <a:xfrm flipV="1">
+            <a:off x="5887143" y="649357"/>
+            <a:ext cx="0" cy="347828"/>
+          </a:xfrm>
+          <a:prstGeom prst="line">
+            <a:avLst/>
+          </a:prstGeom>
+          <a:ln w="19050">
+            <a:solidFill>
+              <a:schemeClr val="tx1"/>
+            </a:solidFill>
+          </a:ln>
+        </p:spPr>
+        <p:style>
+          <a:lnRef idx="1">
+            <a:schemeClr val="dk1"/>
+          </a:lnRef>
+          <a:fillRef idx="0">
+            <a:schemeClr val="dk1"/>
+          </a:fillRef>
+          <a:effectRef idx="0">
+            <a:schemeClr val="dk1"/>
+          </a:effectRef>
+          <a:fontRef idx="minor">
+            <a:schemeClr val="tx1"/>
+          </a:fontRef>
+        </p:style>
+      </p:cxnSp>
+      <p:cxnSp>
+        <p:nvCxnSpPr>
+          <p:cNvPr id="56" name="Straight Arrow Connector 55">
+            <a:extLst>
+              <a:ext uri="{FF2B5EF4-FFF2-40B4-BE49-F238E27FC236}">
+                <a16:creationId xmlns:a16="http://schemas.microsoft.com/office/drawing/2014/main" id="{7052CD5E-12F5-4A18-BA65-205E0A9E8EB0}"/>
+              </a:ext>
+            </a:extLst>
+          </p:cNvPr>
+          <p:cNvCxnSpPr/>
+          <p:nvPr/>
+        </p:nvCxnSpPr>
+        <p:spPr>
+          <a:xfrm>
+            <a:off x="5882343" y="817975"/>
+            <a:ext cx="397560" cy="0"/>
+          </a:xfrm>
+          <a:prstGeom prst="straightConnector1">
+            <a:avLst/>
+          </a:prstGeom>
+          <a:ln w="19050">
+            <a:solidFill>
+              <a:schemeClr val="tx1"/>
+            </a:solidFill>
+            <a:headEnd type="triangle"/>
+            <a:tailEnd type="triangle"/>
+          </a:ln>
+        </p:spPr>
+        <p:style>
+          <a:lnRef idx="1">
+            <a:schemeClr val="dk1"/>
+          </a:lnRef>
+          <a:fillRef idx="0">
+            <a:schemeClr val="dk1"/>
+          </a:fillRef>
+          <a:effectRef idx="0">
+            <a:schemeClr val="dk1"/>
+          </a:effectRef>
+          <a:fontRef idx="minor">
+            <a:schemeClr val="tx1"/>
+          </a:fontRef>
+        </p:style>
+      </p:cxnSp>
+      <p:sp>
+        <p:nvSpPr>
+          <p:cNvPr id="57" name="TextBox 56">
+            <a:extLst>
+              <a:ext uri="{FF2B5EF4-FFF2-40B4-BE49-F238E27FC236}">
+                <a16:creationId xmlns:a16="http://schemas.microsoft.com/office/drawing/2014/main" id="{33DCC0A2-E012-4529-BE35-1137F74FE966}"/>
+              </a:ext>
+            </a:extLst>
+          </p:cNvPr>
+          <p:cNvSpPr txBox="1"/>
+          <p:nvPr/>
+        </p:nvSpPr>
+        <p:spPr>
+          <a:xfrm>
+            <a:off x="5955041" y="538249"/>
+            <a:ext cx="301686" cy="369332"/>
+          </a:xfrm>
+          <a:prstGeom prst="rect">
+            <a:avLst/>
+          </a:prstGeom>
+          <a:noFill/>
+        </p:spPr>
+        <p:txBody>
+          <a:bodyPr wrap="none" rtlCol="0">
+            <a:spAutoFit/>
+          </a:bodyPr>
+          <a:lstStyle/>
+          <a:p>
+            <a:r>
+              <a:rPr lang="en-US" dirty="0"/>
+              <a:t>1</a:t>
+            </a:r>
+            <a:endParaRPr lang="en-DE" dirty="0"/>
+          </a:p>
+        </p:txBody>
+      </p:sp>
+    </p:spTree>
+    <p:extLst>
+      <p:ext uri="{BB962C8B-B14F-4D97-AF65-F5344CB8AC3E}">
+        <p14:creationId xmlns:p14="http://schemas.microsoft.com/office/powerpoint/2010/main" val="1038057403"/>
       </p:ext>
     </p:extLst>
   </p:cSld>

--- a/Geometry.pptx
+++ b/Geometry.pptx
@@ -264,7 +264,7 @@
           <a:p>
             <a:fld id="{3682D7B4-2868-401E-BEA5-6911F451C706}" type="datetimeFigureOut">
               <a:rPr lang="en-DE" smtClean="0"/>
-              <a:t>07/08/2021</a:t>
+              <a:t>08/08/2021</a:t>
             </a:fld>
             <a:endParaRPr lang="en-DE"/>
           </a:p>
@@ -464,7 +464,7 @@
           <a:p>
             <a:fld id="{3682D7B4-2868-401E-BEA5-6911F451C706}" type="datetimeFigureOut">
               <a:rPr lang="en-DE" smtClean="0"/>
-              <a:t>07/08/2021</a:t>
+              <a:t>08/08/2021</a:t>
             </a:fld>
             <a:endParaRPr lang="en-DE"/>
           </a:p>
@@ -674,7 +674,7 @@
           <a:p>
             <a:fld id="{3682D7B4-2868-401E-BEA5-6911F451C706}" type="datetimeFigureOut">
               <a:rPr lang="en-DE" smtClean="0"/>
-              <a:t>07/08/2021</a:t>
+              <a:t>08/08/2021</a:t>
             </a:fld>
             <a:endParaRPr lang="en-DE"/>
           </a:p>
@@ -874,7 +874,7 @@
           <a:p>
             <a:fld id="{3682D7B4-2868-401E-BEA5-6911F451C706}" type="datetimeFigureOut">
               <a:rPr lang="en-DE" smtClean="0"/>
-              <a:t>07/08/2021</a:t>
+              <a:t>08/08/2021</a:t>
             </a:fld>
             <a:endParaRPr lang="en-DE"/>
           </a:p>
@@ -1150,7 +1150,7 @@
           <a:p>
             <a:fld id="{3682D7B4-2868-401E-BEA5-6911F451C706}" type="datetimeFigureOut">
               <a:rPr lang="en-DE" smtClean="0"/>
-              <a:t>07/08/2021</a:t>
+              <a:t>08/08/2021</a:t>
             </a:fld>
             <a:endParaRPr lang="en-DE"/>
           </a:p>
@@ -1418,7 +1418,7 @@
           <a:p>
             <a:fld id="{3682D7B4-2868-401E-BEA5-6911F451C706}" type="datetimeFigureOut">
               <a:rPr lang="en-DE" smtClean="0"/>
-              <a:t>07/08/2021</a:t>
+              <a:t>08/08/2021</a:t>
             </a:fld>
             <a:endParaRPr lang="en-DE"/>
           </a:p>
@@ -1833,7 +1833,7 @@
           <a:p>
             <a:fld id="{3682D7B4-2868-401E-BEA5-6911F451C706}" type="datetimeFigureOut">
               <a:rPr lang="en-DE" smtClean="0"/>
-              <a:t>07/08/2021</a:t>
+              <a:t>08/08/2021</a:t>
             </a:fld>
             <a:endParaRPr lang="en-DE"/>
           </a:p>
@@ -1975,7 +1975,7 @@
           <a:p>
             <a:fld id="{3682D7B4-2868-401E-BEA5-6911F451C706}" type="datetimeFigureOut">
               <a:rPr lang="en-DE" smtClean="0"/>
-              <a:t>07/08/2021</a:t>
+              <a:t>08/08/2021</a:t>
             </a:fld>
             <a:endParaRPr lang="en-DE"/>
           </a:p>
@@ -2088,7 +2088,7 @@
           <a:p>
             <a:fld id="{3682D7B4-2868-401E-BEA5-6911F451C706}" type="datetimeFigureOut">
               <a:rPr lang="en-DE" smtClean="0"/>
-              <a:t>07/08/2021</a:t>
+              <a:t>08/08/2021</a:t>
             </a:fld>
             <a:endParaRPr lang="en-DE"/>
           </a:p>
@@ -2401,7 +2401,7 @@
           <a:p>
             <a:fld id="{3682D7B4-2868-401E-BEA5-6911F451C706}" type="datetimeFigureOut">
               <a:rPr lang="en-DE" smtClean="0"/>
-              <a:t>07/08/2021</a:t>
+              <a:t>08/08/2021</a:t>
             </a:fld>
             <a:endParaRPr lang="en-DE"/>
           </a:p>
@@ -2690,7 +2690,7 @@
           <a:p>
             <a:fld id="{3682D7B4-2868-401E-BEA5-6911F451C706}" type="datetimeFigureOut">
               <a:rPr lang="en-DE" smtClean="0"/>
-              <a:t>07/08/2021</a:t>
+              <a:t>08/08/2021</a:t>
             </a:fld>
             <a:endParaRPr lang="en-DE"/>
           </a:p>
@@ -2933,7 +2933,7 @@
           <a:p>
             <a:fld id="{3682D7B4-2868-401E-BEA5-6911F451C706}" type="datetimeFigureOut">
               <a:rPr lang="en-DE" smtClean="0"/>
-              <a:t>07/08/2021</a:t>
+              <a:t>08/08/2021</a:t>
             </a:fld>
             <a:endParaRPr lang="en-DE"/>
           </a:p>
@@ -6375,7 +6375,7 @@
         </p:nvSpPr>
         <p:spPr>
           <a:xfrm>
-            <a:off x="2877939" y="1579626"/>
+            <a:off x="2797317" y="1577895"/>
             <a:ext cx="6597366" cy="2994991"/>
           </a:xfrm>
           <a:custGeom>
@@ -6492,7 +6492,7 @@
         </p:nvSpPr>
         <p:spPr>
           <a:xfrm>
-            <a:off x="3574661" y="2223053"/>
+            <a:off x="3494039" y="2221322"/>
             <a:ext cx="1342956" cy="1298713"/>
           </a:xfrm>
           <a:prstGeom prst="ellipse">
@@ -6541,7 +6541,7 @@
         </p:nvSpPr>
         <p:spPr>
           <a:xfrm>
-            <a:off x="5608197" y="4574617"/>
+            <a:off x="5527575" y="4572886"/>
             <a:ext cx="331305" cy="304799"/>
           </a:xfrm>
           <a:prstGeom prst="triangle">
@@ -6592,7 +6592,7 @@
         </p:nvCxnSpPr>
         <p:spPr>
           <a:xfrm>
-            <a:off x="5585014" y="4952304"/>
+            <a:off x="5504392" y="4950573"/>
             <a:ext cx="354485" cy="0"/>
           </a:xfrm>
           <a:prstGeom prst="line">
@@ -6635,7 +6635,7 @@
         </p:nvCxnSpPr>
         <p:spPr>
           <a:xfrm flipV="1">
-            <a:off x="5621450" y="4952306"/>
+            <a:off x="5540828" y="4950575"/>
             <a:ext cx="124231" cy="145774"/>
           </a:xfrm>
           <a:prstGeom prst="line">
@@ -6678,7 +6678,7 @@
         </p:nvCxnSpPr>
         <p:spPr>
           <a:xfrm flipV="1">
-            <a:off x="5712588" y="4952306"/>
+            <a:off x="5631966" y="4950575"/>
             <a:ext cx="124231" cy="145774"/>
           </a:xfrm>
           <a:prstGeom prst="line">
@@ -6721,7 +6721,7 @@
         </p:nvCxnSpPr>
         <p:spPr>
           <a:xfrm flipV="1">
-            <a:off x="5820261" y="4952306"/>
+            <a:off x="5739639" y="4950575"/>
             <a:ext cx="124231" cy="145774"/>
           </a:xfrm>
           <a:prstGeom prst="line">
@@ -6764,7 +6764,7 @@
         </p:nvCxnSpPr>
         <p:spPr>
           <a:xfrm flipV="1">
-            <a:off x="5508829" y="4952302"/>
+            <a:off x="5428207" y="4950571"/>
             <a:ext cx="124231" cy="145774"/>
           </a:xfrm>
           <a:prstGeom prst="line">
@@ -6805,7 +6805,7 @@
         </p:nvSpPr>
         <p:spPr>
           <a:xfrm>
-            <a:off x="9202951" y="4586934"/>
+            <a:off x="9122329" y="4585203"/>
             <a:ext cx="331305" cy="304799"/>
           </a:xfrm>
           <a:prstGeom prst="triangle">
@@ -6856,7 +6856,7 @@
         </p:nvCxnSpPr>
         <p:spPr>
           <a:xfrm>
-            <a:off x="9179768" y="4964621"/>
+            <a:off x="9099146" y="4962890"/>
             <a:ext cx="354485" cy="0"/>
           </a:xfrm>
           <a:prstGeom prst="line">
@@ -6899,7 +6899,7 @@
         </p:nvCxnSpPr>
         <p:spPr>
           <a:xfrm flipV="1">
-            <a:off x="9216204" y="4964623"/>
+            <a:off x="9135582" y="4962892"/>
             <a:ext cx="124231" cy="145774"/>
           </a:xfrm>
           <a:prstGeom prst="line">
@@ -6942,7 +6942,7 @@
         </p:nvCxnSpPr>
         <p:spPr>
           <a:xfrm flipV="1">
-            <a:off x="9307342" y="4964623"/>
+            <a:off x="9226720" y="4962892"/>
             <a:ext cx="124231" cy="145774"/>
           </a:xfrm>
           <a:prstGeom prst="line">
@@ -6985,7 +6985,7 @@
         </p:nvCxnSpPr>
         <p:spPr>
           <a:xfrm flipV="1">
-            <a:off x="9415015" y="4964623"/>
+            <a:off x="9334393" y="4962892"/>
             <a:ext cx="124231" cy="145774"/>
           </a:xfrm>
           <a:prstGeom prst="line">
@@ -7028,7 +7028,7 @@
         </p:nvCxnSpPr>
         <p:spPr>
           <a:xfrm flipV="1">
-            <a:off x="9103583" y="4964619"/>
+            <a:off x="9022961" y="4962888"/>
             <a:ext cx="124231" cy="145774"/>
           </a:xfrm>
           <a:prstGeom prst="line">
@@ -7069,7 +7069,7 @@
         </p:nvSpPr>
         <p:spPr>
           <a:xfrm>
-            <a:off x="7436325" y="4574613"/>
+            <a:off x="7355703" y="4572882"/>
             <a:ext cx="331305" cy="304799"/>
           </a:xfrm>
           <a:prstGeom prst="triangle">
@@ -7120,7 +7120,7 @@
         </p:nvCxnSpPr>
         <p:spPr>
           <a:xfrm>
-            <a:off x="7413142" y="4952300"/>
+            <a:off x="7332520" y="4950569"/>
             <a:ext cx="354485" cy="0"/>
           </a:xfrm>
           <a:prstGeom prst="line">
@@ -7163,7 +7163,7 @@
         </p:nvCxnSpPr>
         <p:spPr>
           <a:xfrm flipV="1">
-            <a:off x="7449578" y="4952302"/>
+            <a:off x="7368956" y="4950571"/>
             <a:ext cx="124231" cy="145774"/>
           </a:xfrm>
           <a:prstGeom prst="line">
@@ -7206,7 +7206,7 @@
         </p:nvCxnSpPr>
         <p:spPr>
           <a:xfrm flipV="1">
-            <a:off x="7540716" y="4952302"/>
+            <a:off x="7460094" y="4950571"/>
             <a:ext cx="124231" cy="145774"/>
           </a:xfrm>
           <a:prstGeom prst="line">
@@ -7249,7 +7249,7 @@
         </p:nvCxnSpPr>
         <p:spPr>
           <a:xfrm flipV="1">
-            <a:off x="7648389" y="4952302"/>
+            <a:off x="7567767" y="4950571"/>
             <a:ext cx="124231" cy="145774"/>
           </a:xfrm>
           <a:prstGeom prst="line">
@@ -7292,7 +7292,7 @@
         </p:nvCxnSpPr>
         <p:spPr>
           <a:xfrm flipV="1">
-            <a:off x="7336957" y="4952298"/>
+            <a:off x="7256335" y="4950567"/>
             <a:ext cx="124231" cy="145774"/>
           </a:xfrm>
           <a:prstGeom prst="line">
@@ -7333,7 +7333,7 @@
         </p:nvSpPr>
         <p:spPr>
           <a:xfrm>
-            <a:off x="6509951" y="4585207"/>
+            <a:off x="6429329" y="4583476"/>
             <a:ext cx="331305" cy="304799"/>
           </a:xfrm>
           <a:prstGeom prst="triangle">
@@ -7384,7 +7384,7 @@
         </p:nvCxnSpPr>
         <p:spPr>
           <a:xfrm>
-            <a:off x="6486768" y="4962894"/>
+            <a:off x="6406146" y="4961163"/>
             <a:ext cx="354485" cy="0"/>
           </a:xfrm>
           <a:prstGeom prst="line">
@@ -7427,7 +7427,7 @@
         </p:nvCxnSpPr>
         <p:spPr>
           <a:xfrm flipV="1">
-            <a:off x="6523204" y="4962896"/>
+            <a:off x="6442582" y="4961165"/>
             <a:ext cx="124231" cy="145774"/>
           </a:xfrm>
           <a:prstGeom prst="line">
@@ -7470,7 +7470,7 @@
         </p:nvCxnSpPr>
         <p:spPr>
           <a:xfrm flipV="1">
-            <a:off x="6614342" y="4962896"/>
+            <a:off x="6533720" y="4961165"/>
             <a:ext cx="124231" cy="145774"/>
           </a:xfrm>
           <a:prstGeom prst="line">
@@ -7513,7 +7513,7 @@
         </p:nvCxnSpPr>
         <p:spPr>
           <a:xfrm flipV="1">
-            <a:off x="6722015" y="4962896"/>
+            <a:off x="6641393" y="4961165"/>
             <a:ext cx="124231" cy="145774"/>
           </a:xfrm>
           <a:prstGeom prst="line">
@@ -7556,7 +7556,7 @@
         </p:nvCxnSpPr>
         <p:spPr>
           <a:xfrm flipV="1">
-            <a:off x="6410583" y="4962892"/>
+            <a:off x="6329961" y="4961161"/>
             <a:ext cx="124231" cy="145774"/>
           </a:xfrm>
           <a:prstGeom prst="line">
@@ -7597,7 +7597,7 @@
         </p:nvSpPr>
         <p:spPr>
           <a:xfrm>
-            <a:off x="8362696" y="4585207"/>
+            <a:off x="8282074" y="4583476"/>
             <a:ext cx="331305" cy="304799"/>
           </a:xfrm>
           <a:prstGeom prst="triangle">
@@ -7648,7 +7648,7 @@
         </p:nvCxnSpPr>
         <p:spPr>
           <a:xfrm>
-            <a:off x="8339513" y="4962894"/>
+            <a:off x="8258891" y="4961163"/>
             <a:ext cx="354485" cy="0"/>
           </a:xfrm>
           <a:prstGeom prst="line">
@@ -7691,7 +7691,7 @@
         </p:nvCxnSpPr>
         <p:spPr>
           <a:xfrm flipV="1">
-            <a:off x="8375949" y="4962896"/>
+            <a:off x="8295327" y="4961165"/>
             <a:ext cx="124231" cy="145774"/>
           </a:xfrm>
           <a:prstGeom prst="line">
@@ -7734,7 +7734,7 @@
         </p:nvCxnSpPr>
         <p:spPr>
           <a:xfrm flipV="1">
-            <a:off x="8467087" y="4962896"/>
+            <a:off x="8386465" y="4961165"/>
             <a:ext cx="124231" cy="145774"/>
           </a:xfrm>
           <a:prstGeom prst="line">
@@ -7777,7 +7777,7 @@
         </p:nvCxnSpPr>
         <p:spPr>
           <a:xfrm flipV="1">
-            <a:off x="8574760" y="4962896"/>
+            <a:off x="8494138" y="4961165"/>
             <a:ext cx="124231" cy="145774"/>
           </a:xfrm>
           <a:prstGeom prst="line">
@@ -7820,7 +7820,7 @@
         </p:nvCxnSpPr>
         <p:spPr>
           <a:xfrm flipV="1">
-            <a:off x="8263328" y="4962892"/>
+            <a:off x="8182706" y="4961161"/>
             <a:ext cx="124231" cy="145774"/>
           </a:xfrm>
           <a:prstGeom prst="line">
@@ -7861,7 +7861,7 @@
         </p:nvSpPr>
         <p:spPr>
           <a:xfrm rot="5400000">
-            <a:off x="3929005" y="2723058"/>
+            <a:off x="3848383" y="2721327"/>
             <a:ext cx="324679" cy="298703"/>
           </a:xfrm>
           <a:prstGeom prst="triangle">
@@ -7912,7 +7912,7 @@
         </p:nvCxnSpPr>
         <p:spPr>
           <a:xfrm>
-            <a:off x="3855147" y="2698413"/>
+            <a:off x="3774525" y="2696682"/>
             <a:ext cx="0" cy="324679"/>
           </a:xfrm>
           <a:prstGeom prst="line">
@@ -7951,7 +7951,7 @@
         </p:nvCxnSpPr>
         <p:spPr>
           <a:xfrm>
-            <a:off x="3691897" y="2711655"/>
+            <a:off x="3611275" y="2709924"/>
             <a:ext cx="148972" cy="188309"/>
           </a:xfrm>
           <a:prstGeom prst="line">
@@ -7990,7 +7990,7 @@
         </p:nvCxnSpPr>
         <p:spPr>
           <a:xfrm>
-            <a:off x="3691896" y="2807736"/>
+            <a:off x="3611274" y="2806005"/>
             <a:ext cx="148972" cy="188309"/>
           </a:xfrm>
           <a:prstGeom prst="line">
@@ -8029,7 +8029,7 @@
         </p:nvCxnSpPr>
         <p:spPr>
           <a:xfrm>
-            <a:off x="3695402" y="2615578"/>
+            <a:off x="3614780" y="2613847"/>
             <a:ext cx="148972" cy="188309"/>
           </a:xfrm>
           <a:prstGeom prst="line">
@@ -8068,7 +8068,7 @@
         </p:nvCxnSpPr>
         <p:spPr>
           <a:xfrm>
-            <a:off x="3699306" y="2529377"/>
+            <a:off x="3618684" y="2527646"/>
             <a:ext cx="148972" cy="188309"/>
           </a:xfrm>
           <a:prstGeom prst="line">
@@ -8108,7 +8108,7 @@
         </p:nvCxnSpPr>
         <p:spPr>
           <a:xfrm flipV="1">
-            <a:off x="4240696" y="2323707"/>
+            <a:off x="4160074" y="2321976"/>
             <a:ext cx="6869" cy="548703"/>
           </a:xfrm>
           <a:prstGeom prst="straightConnector1">
@@ -8147,7 +8147,7 @@
         </p:nvSpPr>
         <p:spPr>
           <a:xfrm rot="5400000">
-            <a:off x="1538772" y="4970652"/>
+            <a:off x="1790356" y="4939348"/>
             <a:ext cx="616462" cy="638900"/>
           </a:xfrm>
           <a:prstGeom prst="leftUpArrow">
@@ -8205,7 +8205,7 @@
         </p:nvSpPr>
         <p:spPr>
           <a:xfrm>
-            <a:off x="1536639" y="4739334"/>
+            <a:off x="1788223" y="4708030"/>
             <a:ext cx="290464" cy="369332"/>
           </a:xfrm>
           <a:prstGeom prst="rect">
@@ -8241,7 +8241,7 @@
         </p:nvSpPr>
         <p:spPr>
           <a:xfrm>
-            <a:off x="1405833" y="5523320"/>
+            <a:off x="1657417" y="5492016"/>
             <a:ext cx="276038" cy="369332"/>
           </a:xfrm>
           <a:prstGeom prst="rect">
@@ -8277,7 +8277,7 @@
         </p:nvSpPr>
         <p:spPr>
           <a:xfrm>
-            <a:off x="1980044" y="5153988"/>
+            <a:off x="2231628" y="5122684"/>
             <a:ext cx="293670" cy="369332"/>
           </a:xfrm>
           <a:prstGeom prst="rect">
@@ -8313,7 +8313,7 @@
         </p:nvSpPr>
         <p:spPr>
           <a:xfrm>
-            <a:off x="4247565" y="2178399"/>
+            <a:off x="4166943" y="2176668"/>
             <a:ext cx="481253" cy="369332"/>
           </a:xfrm>
           <a:prstGeom prst="rect">
@@ -8360,7 +8360,7 @@
         </p:nvCxnSpPr>
         <p:spPr>
           <a:xfrm>
-            <a:off x="9475305" y="1579626"/>
+            <a:off x="9394683" y="1577895"/>
             <a:ext cx="490330" cy="0"/>
           </a:xfrm>
           <a:prstGeom prst="line">
@@ -8401,7 +8401,7 @@
         </p:nvCxnSpPr>
         <p:spPr>
           <a:xfrm>
-            <a:off x="9806609" y="1579626"/>
+            <a:off x="9725987" y="1577895"/>
             <a:ext cx="0" cy="3005581"/>
           </a:xfrm>
           <a:prstGeom prst="straightConnector1">
@@ -8446,7 +8446,7 @@
         </p:nvCxnSpPr>
         <p:spPr>
           <a:xfrm>
-            <a:off x="9475305" y="4543295"/>
+            <a:off x="9394683" y="4541564"/>
             <a:ext cx="490330" cy="0"/>
           </a:xfrm>
           <a:prstGeom prst="line">
@@ -8489,7 +8489,7 @@
         </p:nvCxnSpPr>
         <p:spPr>
           <a:xfrm flipH="1" flipV="1">
-            <a:off x="2455995" y="4346713"/>
+            <a:off x="2375373" y="4344982"/>
             <a:ext cx="421944" cy="3894"/>
           </a:xfrm>
           <a:prstGeom prst="line">
@@ -8528,7 +8528,7 @@
         </p:nvCxnSpPr>
         <p:spPr>
           <a:xfrm flipH="1">
-            <a:off x="2455995" y="4574617"/>
+            <a:off x="2375373" y="4572886"/>
             <a:ext cx="3043567" cy="0"/>
           </a:xfrm>
           <a:prstGeom prst="line">
@@ -8564,7 +8564,7 @@
         </p:nvCxnSpPr>
         <p:spPr>
           <a:xfrm>
-            <a:off x="2563256" y="4346713"/>
+            <a:off x="2482634" y="4344982"/>
             <a:ext cx="0" cy="196582"/>
           </a:xfrm>
           <a:prstGeom prst="straightConnector1">
@@ -8609,7 +8609,7 @@
         </p:nvCxnSpPr>
         <p:spPr>
           <a:xfrm>
-            <a:off x="2877939" y="4350607"/>
+            <a:off x="2797317" y="4348876"/>
             <a:ext cx="0" cy="601691"/>
           </a:xfrm>
           <a:prstGeom prst="line">
@@ -8647,7 +8647,7 @@
         </p:nvCxnSpPr>
         <p:spPr>
           <a:xfrm>
-            <a:off x="5499562" y="4350607"/>
+            <a:off x="5418940" y="4348876"/>
             <a:ext cx="0" cy="612285"/>
           </a:xfrm>
           <a:prstGeom prst="line">
@@ -8683,7 +8683,7 @@
         </p:nvCxnSpPr>
         <p:spPr>
           <a:xfrm>
-            <a:off x="2877939" y="4843132"/>
+            <a:off x="2797317" y="4841401"/>
             <a:ext cx="2621623" cy="0"/>
           </a:xfrm>
           <a:prstGeom prst="straightConnector1">
@@ -8725,7 +8725,7 @@
         </p:nvCxnSpPr>
         <p:spPr>
           <a:xfrm flipV="1">
-            <a:off x="2877939" y="914400"/>
+            <a:off x="2797317" y="912669"/>
             <a:ext cx="0" cy="665226"/>
           </a:xfrm>
           <a:prstGeom prst="line">
@@ -8761,7 +8761,7 @@
         </p:nvCxnSpPr>
         <p:spPr>
           <a:xfrm>
-            <a:off x="2897199" y="1126435"/>
+            <a:off x="2816577" y="1124704"/>
             <a:ext cx="6597366" cy="0"/>
           </a:xfrm>
           <a:prstGeom prst="straightConnector1">
@@ -8804,7 +8804,7 @@
         </p:nvCxnSpPr>
         <p:spPr>
           <a:xfrm flipV="1">
-            <a:off x="9475305" y="914400"/>
+            <a:off x="9394683" y="912669"/>
             <a:ext cx="0" cy="665226"/>
           </a:xfrm>
           <a:prstGeom prst="line">
@@ -8843,7 +8843,7 @@
         </p:nvCxnSpPr>
         <p:spPr>
           <a:xfrm>
-            <a:off x="4240696" y="2872410"/>
+            <a:off x="4160074" y="2870679"/>
             <a:ext cx="480250" cy="459164"/>
           </a:xfrm>
           <a:prstGeom prst="straightConnector1">
@@ -8885,7 +8885,7 @@
         </p:nvSpPr>
         <p:spPr>
           <a:xfrm>
-            <a:off x="5886648" y="799033"/>
+            <a:off x="5806026" y="797302"/>
             <a:ext cx="593432" cy="369332"/>
           </a:xfrm>
           <a:prstGeom prst="rect">
@@ -8957,7 +8957,7 @@
         </p:nvSpPr>
         <p:spPr>
           <a:xfrm rot="16200000">
-            <a:off x="9450619" y="2861136"/>
+            <a:off x="9369997" y="2859405"/>
             <a:ext cx="418704" cy="369332"/>
           </a:xfrm>
           <a:prstGeom prst="rect">
@@ -9029,7 +9029,7 @@
         </p:nvSpPr>
         <p:spPr>
           <a:xfrm>
-            <a:off x="4338458" y="2789715"/>
+            <a:off x="4257836" y="2787984"/>
             <a:ext cx="603050" cy="338554"/>
           </a:xfrm>
           <a:prstGeom prst="rect">
